--- a/documentation/presentation/general_overview.pptx
+++ b/documentation/presentation/general_overview.pptx
@@ -2,7 +2,7 @@
 <file path=ppt/presentation.xml><?xml version="1.0" encoding="utf-8"?>
 <p:presentation xmlns:a="http://schemas.openxmlformats.org/drawingml/2006/main" xmlns:r="http://schemas.openxmlformats.org/officeDocument/2006/relationships" xmlns:p="http://schemas.openxmlformats.org/presentationml/2006/main" saveSubsetFonts="1">
   <p:sldMasterIdLst>
-    <p:sldMasterId id="2147483660" r:id="rId1"/>
+    <p:sldMasterId id="2147483769" r:id="rId1"/>
   </p:sldMasterIdLst>
   <p:sldIdLst>
     <p:sldId id="256" r:id="rId2"/>
@@ -12,12 +12,14 @@
     <p:sldId id="263" r:id="rId6"/>
     <p:sldId id="260" r:id="rId7"/>
     <p:sldId id="261" r:id="rId8"/>
-    <p:sldId id="262" r:id="rId9"/>
-    <p:sldId id="264" r:id="rId10"/>
+    <p:sldId id="270" r:id="rId9"/>
+    <p:sldId id="262" r:id="rId10"/>
     <p:sldId id="265" r:id="rId11"/>
-    <p:sldId id="267" r:id="rId12"/>
-    <p:sldId id="266" r:id="rId13"/>
-    <p:sldId id="268" r:id="rId14"/>
+    <p:sldId id="271" r:id="rId12"/>
+    <p:sldId id="267" r:id="rId13"/>
+    <p:sldId id="266" r:id="rId14"/>
+    <p:sldId id="268" r:id="rId15"/>
+    <p:sldId id="269" r:id="rId16"/>
   </p:sldIdLst>
   <p:sldSz cx="9144000" cy="6858000" type="screen4x3"/>
   <p:notesSz cx="6858000" cy="9144000"/>
@@ -4201,17 +4203,17 @@
   </p:cSld>
   <p:clrMap bg1="lt1" tx1="dk1" bg2="lt2" tx2="dk2" accent1="accent1" accent2="accent2" accent3="accent3" accent4="accent4" accent5="accent5" accent6="accent6" hlink="hlink" folHlink="folHlink"/>
   <p:sldLayoutIdLst>
-    <p:sldLayoutId id="2147483661" r:id="rId1"/>
-    <p:sldLayoutId id="2147483662" r:id="rId2"/>
-    <p:sldLayoutId id="2147483663" r:id="rId3"/>
-    <p:sldLayoutId id="2147483664" r:id="rId4"/>
-    <p:sldLayoutId id="2147483665" r:id="rId5"/>
-    <p:sldLayoutId id="2147483666" r:id="rId6"/>
-    <p:sldLayoutId id="2147483667" r:id="rId7"/>
-    <p:sldLayoutId id="2147483668" r:id="rId8"/>
-    <p:sldLayoutId id="2147483669" r:id="rId9"/>
-    <p:sldLayoutId id="2147483670" r:id="rId10"/>
-    <p:sldLayoutId id="2147483671" r:id="rId11"/>
+    <p:sldLayoutId id="2147483770" r:id="rId1"/>
+    <p:sldLayoutId id="2147483771" r:id="rId2"/>
+    <p:sldLayoutId id="2147483772" r:id="rId3"/>
+    <p:sldLayoutId id="2147483773" r:id="rId4"/>
+    <p:sldLayoutId id="2147483774" r:id="rId5"/>
+    <p:sldLayoutId id="2147483775" r:id="rId6"/>
+    <p:sldLayoutId id="2147483776" r:id="rId7"/>
+    <p:sldLayoutId id="2147483777" r:id="rId8"/>
+    <p:sldLayoutId id="2147483778" r:id="rId9"/>
+    <p:sldLayoutId id="2147483779" r:id="rId10"/>
+    <p:sldLayoutId id="2147483780" r:id="rId11"/>
   </p:sldLayoutIdLst>
   <p:txStyles>
     <p:titleStyle>
@@ -4573,6 +4575,21 @@
   <p:clrMapOvr>
     <a:masterClrMapping/>
   </p:clrMapOvr>
+  <mc:AlternateContent xmlns:mc="http://schemas.openxmlformats.org/markup-compatibility/2006">
+    <mc:Choice xmlns:p14="http://schemas.microsoft.com/office/powerpoint/2010/main" Requires="p14">
+      <p:transition spd="slow" p14:dur="2000"/>
+    </mc:Choice>
+    <mc:Fallback>
+      <p:transition spd="slow"/>
+    </mc:Fallback>
+  </mc:AlternateContent>
+  <p:timing>
+    <p:tnLst>
+      <p:par>
+        <p:cTn id="1" dur="indefinite" restart="never" nodeType="tmRoot"/>
+      </p:par>
+    </p:tnLst>
+  </p:timing>
 </p:sld>
 </file>
 
@@ -4631,7 +4648,62 @@
           <a:bodyPr/>
           <a:lstStyle/>
           <a:p>
-            <a:endParaRPr lang="pl-PL"/>
+            <a:pPr marL="0" indent="0">
+              <a:buNone/>
+            </a:pPr>
+            <a:r>
+              <a:rPr lang="pl-PL" dirty="0" err="1" smtClean="0"/>
+              <a:t>Various</a:t>
+            </a:r>
+            <a:r>
+              <a:rPr lang="pl-PL" dirty="0" smtClean="0"/>
+              <a:t> </a:t>
+            </a:r>
+            <a:r>
+              <a:rPr lang="en-US" dirty="0" smtClean="0"/>
+              <a:t>engines</a:t>
+            </a:r>
+            <a:r>
+              <a:rPr lang="pl-PL" dirty="0" smtClean="0"/>
+              <a:t> </a:t>
+            </a:r>
+            <a:r>
+              <a:rPr lang="pl-PL" dirty="0" err="1" smtClean="0"/>
+              <a:t>used</a:t>
+            </a:r>
+            <a:r>
+              <a:rPr lang="pl-PL" dirty="0" smtClean="0"/>
+              <a:t> for </a:t>
+            </a:r>
+            <a:r>
+              <a:rPr lang="pl-PL" dirty="0" err="1" smtClean="0"/>
+              <a:t>blender</a:t>
+            </a:r>
+            <a:r>
+              <a:rPr lang="en-US" dirty="0" smtClean="0"/>
+              <a:t> rendering pipe:</a:t>
+            </a:r>
+          </a:p>
+          <a:p>
+            <a:r>
+              <a:rPr lang="en-US" dirty="0" smtClean="0"/>
+              <a:t>Built</a:t>
+            </a:r>
+            <a:r>
+              <a:rPr lang="pl-PL" dirty="0" smtClean="0"/>
+              <a:t>-</a:t>
+            </a:r>
+            <a:r>
+              <a:rPr lang="en-US" dirty="0" smtClean="0"/>
+              <a:t>in OpenGL render</a:t>
+            </a:r>
+          </a:p>
+          <a:p>
+            <a:r>
+              <a:rPr lang="en-US" dirty="0" err="1" smtClean="0"/>
+              <a:t>LuxRender</a:t>
+            </a:r>
+            <a:endParaRPr lang="en-US" dirty="0"/>
           </a:p>
         </p:txBody>
       </p:sp>
@@ -4645,6 +4717,21 @@
   <p:clrMapOvr>
     <a:masterClrMapping/>
   </p:clrMapOvr>
+  <mc:AlternateContent xmlns:mc="http://schemas.openxmlformats.org/markup-compatibility/2006">
+    <mc:Choice xmlns:p14="http://schemas.microsoft.com/office/powerpoint/2010/main" Requires="p14">
+      <p:transition spd="slow" p14:dur="2000"/>
+    </mc:Choice>
+    <mc:Fallback>
+      <p:transition spd="slow"/>
+    </mc:Fallback>
+  </mc:AlternateContent>
+  <p:timing>
+    <p:tnLst>
+      <p:par>
+        <p:cTn id="1" dur="indefinite" restart="never" nodeType="tmRoot"/>
+      </p:par>
+    </p:tnLst>
+  </p:timing>
 </p:sld>
 </file>
 
@@ -4681,36 +4768,47 @@
           <a:lstStyle/>
           <a:p>
             <a:r>
-              <a:rPr lang="en-US" dirty="0" smtClean="0"/>
-              <a:t>State of implementation</a:t>
-            </a:r>
-            <a:endParaRPr lang="en-US" dirty="0"/>
-          </a:p>
-        </p:txBody>
-      </p:sp>
-      <p:sp>
-        <p:nvSpPr>
-          <p:cNvPr id="3" name="Symbol zastępczy zawartości 2"/>
-          <p:cNvSpPr>
-            <a:spLocks noGrp="1"/>
-          </p:cNvSpPr>
-          <p:nvPr>
-            <p:ph idx="1"/>
-          </p:nvPr>
-        </p:nvSpPr>
-        <p:spPr/>
-        <p:txBody>
-          <a:bodyPr/>
-          <a:lstStyle/>
-          <a:p>
-            <a:endParaRPr lang="pl-PL"/>
-          </a:p>
-        </p:txBody>
-      </p:sp>
+              <a:rPr lang="pl-PL" dirty="0" smtClean="0"/>
+              <a:t>Rendering</a:t>
+            </a:r>
+            <a:endParaRPr lang="pl-PL" dirty="0"/>
+          </a:p>
+        </p:txBody>
+      </p:sp>
+      <p:pic>
+        <p:nvPicPr>
+          <p:cNvPr id="4" name="Obraz 3"/>
+          <p:cNvPicPr>
+            <a:picLocks noChangeAspect="1"/>
+          </p:cNvPicPr>
+          <p:nvPr/>
+        </p:nvPicPr>
+        <p:blipFill>
+          <a:blip r:embed="rId2">
+            <a:extLst>
+              <a:ext uri="{28A0092B-C50C-407E-A947-70E740481C1C}">
+                <a14:useLocalDpi xmlns:a14="http://schemas.microsoft.com/office/drawing/2010/main" val="0"/>
+              </a:ext>
+            </a:extLst>
+          </a:blip>
+          <a:stretch>
+            <a:fillRect/>
+          </a:stretch>
+        </p:blipFill>
+        <p:spPr>
+          <a:xfrm>
+            <a:off x="3707904" y="1844824"/>
+            <a:ext cx="3859629" cy="4824536"/>
+          </a:xfrm>
+          <a:prstGeom prst="rect">
+            <a:avLst/>
+          </a:prstGeom>
+        </p:spPr>
+      </p:pic>
     </p:spTree>
     <p:extLst>
       <p:ext uri="{BB962C8B-B14F-4D97-AF65-F5344CB8AC3E}">
-        <p14:creationId xmlns:p14="http://schemas.microsoft.com/office/powerpoint/2010/main" val="1069565877"/>
+        <p14:creationId xmlns:p14="http://schemas.microsoft.com/office/powerpoint/2010/main" val="187252362"/>
       </p:ext>
     </p:extLst>
   </p:cSld>
@@ -4760,18 +4858,10 @@
           <a:lstStyle/>
           <a:p>
             <a:r>
-              <a:rPr lang="pl-PL" dirty="0" err="1" smtClean="0"/>
-              <a:t>Planned</a:t>
-            </a:r>
-            <a:r>
-              <a:rPr lang="pl-PL" dirty="0" smtClean="0"/>
-              <a:t> </a:t>
-            </a:r>
-            <a:r>
-              <a:rPr lang="pl-PL" dirty="0" err="1" smtClean="0"/>
-              <a:t>experiments</a:t>
-            </a:r>
-            <a:endParaRPr lang="pl-PL" dirty="0"/>
+              <a:rPr lang="en-US" smtClean="0"/>
+              <a:t>State of implementation</a:t>
+            </a:r>
+            <a:endParaRPr lang="en-US"/>
           </a:p>
         </p:txBody>
       </p:sp>
@@ -4790,20 +4880,35 @@
           <a:bodyPr/>
           <a:lstStyle/>
           <a:p>
-            <a:endParaRPr lang="pl-PL"/>
+            <a:pPr marL="0" indent="0">
+              <a:buNone/>
+            </a:pPr>
+            <a:r>
+              <a:rPr lang="pl-PL" dirty="0" smtClean="0"/>
+              <a:t>TODO: ten sam smart art ale z kolorkami co jest zaimplementowane a co nie?</a:t>
+            </a:r>
+            <a:endParaRPr lang="en-US" dirty="0"/>
           </a:p>
         </p:txBody>
       </p:sp>
     </p:spTree>
     <p:extLst>
       <p:ext uri="{BB962C8B-B14F-4D97-AF65-F5344CB8AC3E}">
-        <p14:creationId xmlns:p14="http://schemas.microsoft.com/office/powerpoint/2010/main" val="363477968"/>
+        <p14:creationId xmlns:p14="http://schemas.microsoft.com/office/powerpoint/2010/main" val="1069565877"/>
       </p:ext>
     </p:extLst>
   </p:cSld>
   <p:clrMapOvr>
     <a:masterClrMapping/>
   </p:clrMapOvr>
+  <mc:AlternateContent xmlns:mc="http://schemas.openxmlformats.org/markup-compatibility/2006">
+    <mc:Choice xmlns:p14="http://schemas.microsoft.com/office/powerpoint/2010/main" Requires="p14">
+      <p:transition spd="slow" p14:dur="2000"/>
+    </mc:Choice>
+    <mc:Fallback>
+      <p:transition spd="slow"/>
+    </mc:Fallback>
+  </mc:AlternateContent>
   <p:timing>
     <p:tnLst>
       <p:par>
@@ -4847,6 +4952,115 @@
           <a:lstStyle/>
           <a:p>
             <a:r>
+              <a:rPr lang="en-US" dirty="0" smtClean="0"/>
+              <a:t>Planned experiments</a:t>
+            </a:r>
+            <a:endParaRPr lang="en-US" dirty="0"/>
+          </a:p>
+        </p:txBody>
+      </p:sp>
+      <p:sp>
+        <p:nvSpPr>
+          <p:cNvPr id="3" name="Symbol zastępczy zawartości 2"/>
+          <p:cNvSpPr>
+            <a:spLocks noGrp="1"/>
+          </p:cNvSpPr>
+          <p:nvPr>
+            <p:ph idx="1"/>
+          </p:nvPr>
+        </p:nvSpPr>
+        <p:spPr/>
+        <p:txBody>
+          <a:bodyPr/>
+          <a:lstStyle/>
+          <a:p>
+            <a:r>
+              <a:rPr lang="en-US" dirty="0" smtClean="0"/>
+              <a:t>simple object rotation</a:t>
+            </a:r>
+          </a:p>
+          <a:p>
+            <a:r>
+              <a:rPr lang="en-US" dirty="0" smtClean="0"/>
+              <a:t>simple object with occlusion </a:t>
+            </a:r>
+          </a:p>
+          <a:p>
+            <a:r>
+              <a:rPr lang="en-US" dirty="0" smtClean="0"/>
+              <a:t>multiple objects in various lights </a:t>
+            </a:r>
+          </a:p>
+          <a:p>
+            <a:r>
+              <a:rPr lang="en-US" dirty="0" smtClean="0"/>
+              <a:t>multiple objects with foggy occlusion</a:t>
+            </a:r>
+            <a:endParaRPr lang="en-US" dirty="0"/>
+          </a:p>
+        </p:txBody>
+      </p:sp>
+    </p:spTree>
+    <p:extLst>
+      <p:ext uri="{BB962C8B-B14F-4D97-AF65-F5344CB8AC3E}">
+        <p14:creationId xmlns:p14="http://schemas.microsoft.com/office/powerpoint/2010/main" val="363477968"/>
+      </p:ext>
+    </p:extLst>
+  </p:cSld>
+  <p:clrMapOvr>
+    <a:masterClrMapping/>
+  </p:clrMapOvr>
+  <mc:AlternateContent xmlns:mc="http://schemas.openxmlformats.org/markup-compatibility/2006">
+    <mc:Choice xmlns:p14="http://schemas.microsoft.com/office/powerpoint/2010/main" Requires="p14">
+      <p:transition spd="slow" p14:dur="2000"/>
+    </mc:Choice>
+    <mc:Fallback>
+      <p:transition spd="slow"/>
+    </mc:Fallback>
+  </mc:AlternateContent>
+  <p:timing>
+    <p:tnLst>
+      <p:par>
+        <p:cTn id="1" dur="indefinite" restart="never" nodeType="tmRoot"/>
+      </p:par>
+    </p:tnLst>
+  </p:timing>
+</p:sld>
+</file>
+
+<file path=ppt/slides/slide14.xml><?xml version="1.0" encoding="utf-8"?>
+<p:sld xmlns:a="http://schemas.openxmlformats.org/drawingml/2006/main" xmlns:r="http://schemas.openxmlformats.org/officeDocument/2006/relationships" xmlns:p="http://schemas.openxmlformats.org/presentationml/2006/main">
+  <p:cSld>
+    <p:spTree>
+      <p:nvGrpSpPr>
+        <p:cNvPr id="1" name=""/>
+        <p:cNvGrpSpPr/>
+        <p:nvPr/>
+      </p:nvGrpSpPr>
+      <p:grpSpPr>
+        <a:xfrm>
+          <a:off x="0" y="0"/>
+          <a:ext cx="0" cy="0"/>
+          <a:chOff x="0" y="0"/>
+          <a:chExt cx="0" cy="0"/>
+        </a:xfrm>
+      </p:grpSpPr>
+      <p:sp>
+        <p:nvSpPr>
+          <p:cNvPr id="2" name="Tytuł 1"/>
+          <p:cNvSpPr>
+            <a:spLocks noGrp="1"/>
+          </p:cNvSpPr>
+          <p:nvPr>
+            <p:ph type="title"/>
+          </p:nvPr>
+        </p:nvSpPr>
+        <p:spPr/>
+        <p:txBody>
+          <a:bodyPr/>
+          <a:lstStyle/>
+          <a:p>
+            <a:r>
               <a:rPr lang="pl-PL" dirty="0" smtClean="0"/>
               <a:t>Source </a:t>
             </a:r>
@@ -4865,22 +5079,214 @@
             <a:spLocks noGrp="1"/>
           </p:cNvSpPr>
           <p:nvPr>
-            <p:ph idx="1"/>
-          </p:nvPr>
-        </p:nvSpPr>
-        <p:spPr/>
+            <p:ph idx="4294967295"/>
+          </p:nvPr>
+        </p:nvSpPr>
+        <p:spPr>
+          <a:xfrm>
+            <a:off x="3995936" y="2276872"/>
+            <a:ext cx="4968552" cy="3840163"/>
+          </a:xfrm>
+        </p:spPr>
         <p:txBody>
           <a:bodyPr/>
           <a:lstStyle/>
           <a:p>
-            <a:endParaRPr lang="pl-PL"/>
-          </a:p>
-        </p:txBody>
-      </p:sp>
+            <a:pPr marL="0" indent="0" algn="ctr">
+              <a:buNone/>
+            </a:pPr>
+            <a:r>
+              <a:rPr lang="pl-PL" dirty="0">
+                <a:hlinkClick r:id="rId2"/>
+              </a:rPr>
+              <a:t>https://</a:t>
+            </a:r>
+            <a:r>
+              <a:rPr lang="pl-PL" dirty="0" smtClean="0">
+                <a:hlinkClick r:id="rId2"/>
+              </a:rPr>
+              <a:t>github.com/Dzess/ALFIRT</a:t>
+            </a:r>
+            <a:endParaRPr lang="pl-PL" dirty="0" smtClean="0"/>
+          </a:p>
+          <a:p>
+            <a:pPr marL="0" indent="0" algn="ctr">
+              <a:buNone/>
+            </a:pPr>
+            <a:endParaRPr lang="pl-PL" dirty="0"/>
+          </a:p>
+          <a:p>
+            <a:pPr marL="0" indent="0" algn="ctr">
+              <a:buNone/>
+            </a:pPr>
+            <a:r>
+              <a:rPr lang="en-US" dirty="0" smtClean="0"/>
+              <a:t>MIT License</a:t>
+            </a:r>
+            <a:r>
+              <a:rPr lang="pl-PL" dirty="0" smtClean="0"/>
+              <a:t> !</a:t>
+            </a:r>
+            <a:endParaRPr lang="en-US" dirty="0"/>
+          </a:p>
+        </p:txBody>
+      </p:sp>
+      <p:pic>
+        <p:nvPicPr>
+          <p:cNvPr id="4" name="Obraz 3"/>
+          <p:cNvPicPr>
+            <a:picLocks noChangeAspect="1"/>
+          </p:cNvPicPr>
+          <p:nvPr/>
+        </p:nvPicPr>
+        <p:blipFill>
+          <a:blip r:embed="rId3" cstate="print">
+            <a:extLst>
+              <a:ext uri="{28A0092B-C50C-407E-A947-70E740481C1C}">
+                <a14:useLocalDpi xmlns:a14="http://schemas.microsoft.com/office/drawing/2010/main" val="0"/>
+              </a:ext>
+            </a:extLst>
+          </a:blip>
+          <a:stretch>
+            <a:fillRect/>
+          </a:stretch>
+        </p:blipFill>
+        <p:spPr>
+          <a:xfrm>
+            <a:off x="323528" y="2170559"/>
+            <a:ext cx="3203119" cy="4304427"/>
+          </a:xfrm>
+          <a:prstGeom prst="rect">
+            <a:avLst/>
+          </a:prstGeom>
+          <a:ln>
+            <a:noFill/>
+          </a:ln>
+          <a:effectLst>
+            <a:softEdge rad="112500"/>
+          </a:effectLst>
+        </p:spPr>
+      </p:pic>
     </p:spTree>
     <p:extLst>
       <p:ext uri="{BB962C8B-B14F-4D97-AF65-F5344CB8AC3E}">
         <p14:creationId xmlns:p14="http://schemas.microsoft.com/office/powerpoint/2010/main" val="3724166097"/>
+      </p:ext>
+    </p:extLst>
+  </p:cSld>
+  <p:clrMapOvr>
+    <a:masterClrMapping/>
+  </p:clrMapOvr>
+  <mc:AlternateContent xmlns:mc="http://schemas.openxmlformats.org/markup-compatibility/2006">
+    <mc:Choice xmlns:p14="http://schemas.microsoft.com/office/powerpoint/2010/main" Requires="p14">
+      <p:transition spd="slow" p14:dur="2000"/>
+    </mc:Choice>
+    <mc:Fallback>
+      <p:transition spd="slow"/>
+    </mc:Fallback>
+  </mc:AlternateContent>
+  <p:timing>
+    <p:tnLst>
+      <p:par>
+        <p:cTn id="1" dur="indefinite" restart="never" nodeType="tmRoot"/>
+      </p:par>
+    </p:tnLst>
+  </p:timing>
+</p:sld>
+</file>
+
+<file path=ppt/slides/slide15.xml><?xml version="1.0" encoding="utf-8"?>
+<p:sld xmlns:a="http://schemas.openxmlformats.org/drawingml/2006/main" xmlns:r="http://schemas.openxmlformats.org/officeDocument/2006/relationships" xmlns:p="http://schemas.openxmlformats.org/presentationml/2006/main">
+  <p:cSld>
+    <p:spTree>
+      <p:nvGrpSpPr>
+        <p:cNvPr id="1" name=""/>
+        <p:cNvGrpSpPr/>
+        <p:nvPr/>
+      </p:nvGrpSpPr>
+      <p:grpSpPr>
+        <a:xfrm>
+          <a:off x="0" y="0"/>
+          <a:ext cx="0" cy="0"/>
+          <a:chOff x="0" y="0"/>
+          <a:chExt cx="0" cy="0"/>
+        </a:xfrm>
+      </p:grpSpPr>
+      <p:sp>
+        <p:nvSpPr>
+          <p:cNvPr id="2" name="Tytuł 1"/>
+          <p:cNvSpPr>
+            <a:spLocks noGrp="1"/>
+          </p:cNvSpPr>
+          <p:nvPr>
+            <p:ph type="title"/>
+          </p:nvPr>
+        </p:nvSpPr>
+        <p:spPr>
+          <a:xfrm>
+            <a:off x="1905000" y="2667000"/>
+            <a:ext cx="6771456" cy="1143000"/>
+          </a:xfrm>
+        </p:spPr>
+        <p:txBody>
+          <a:bodyPr/>
+          <a:lstStyle/>
+          <a:p>
+            <a:r>
+              <a:rPr lang="en-US" dirty="0" smtClean="0"/>
+              <a:t>Thank you for you</a:t>
+            </a:r>
+            <a:r>
+              <a:rPr lang="pl-PL" dirty="0" smtClean="0"/>
+              <a:t>r</a:t>
+            </a:r>
+            <a:r>
+              <a:rPr lang="en-US" dirty="0" smtClean="0"/>
+              <a:t> attention</a:t>
+            </a:r>
+            <a:r>
+              <a:rPr lang="pl-PL" dirty="0" smtClean="0"/>
+              <a:t>!</a:t>
+            </a:r>
+            <a:endParaRPr lang="en-US" dirty="0"/>
+          </a:p>
+        </p:txBody>
+      </p:sp>
+      <p:sp>
+        <p:nvSpPr>
+          <p:cNvPr id="4" name="Symbol zastępczy tekstu 3"/>
+          <p:cNvSpPr>
+            <a:spLocks noGrp="1"/>
+          </p:cNvSpPr>
+          <p:nvPr>
+            <p:ph type="body" idx="1"/>
+          </p:nvPr>
+        </p:nvSpPr>
+        <p:spPr/>
+        <p:txBody>
+          <a:bodyPr/>
+          <a:lstStyle/>
+          <a:p>
+            <a:r>
+              <a:rPr lang="en-US" dirty="0" smtClean="0"/>
+              <a:t>Any</a:t>
+            </a:r>
+            <a:r>
+              <a:rPr lang="pl-PL" dirty="0" smtClean="0"/>
+              <a:t> </a:t>
+            </a:r>
+            <a:r>
+              <a:rPr lang="en-US" dirty="0" smtClean="0"/>
+              <a:t>Questions?</a:t>
+            </a:r>
+            <a:endParaRPr lang="en-US" dirty="0"/>
+          </a:p>
+        </p:txBody>
+      </p:sp>
+    </p:spTree>
+    <p:extLst>
+      <p:ext uri="{BB962C8B-B14F-4D97-AF65-F5344CB8AC3E}">
+        <p14:creationId xmlns:p14="http://schemas.microsoft.com/office/powerpoint/2010/main" val="784223439"/>
       </p:ext>
     </p:extLst>
   </p:cSld>
@@ -4972,10 +5378,53 @@
           <a:bodyPr/>
           <a:lstStyle/>
           <a:p>
-            <a:endParaRPr lang="pl-PL" dirty="0"/>
-          </a:p>
-        </p:txBody>
-      </p:sp>
+            <a:pPr marL="0" indent="0">
+              <a:buNone/>
+            </a:pPr>
+            <a:r>
+              <a:rPr lang="en-US" dirty="0" smtClean="0"/>
+              <a:t>Object Pose – 6 DOF representation.</a:t>
+            </a:r>
+            <a:endParaRPr lang="pl-PL" dirty="0" smtClean="0"/>
+          </a:p>
+          <a:p>
+            <a:pPr marL="0" indent="0">
+              <a:buNone/>
+            </a:pPr>
+            <a:endParaRPr lang="pl-PL" dirty="0" smtClean="0"/>
+          </a:p>
+        </p:txBody>
+      </p:sp>
+      <p:pic>
+        <p:nvPicPr>
+          <p:cNvPr id="5" name="Obraz 4"/>
+          <p:cNvPicPr>
+            <a:picLocks noChangeAspect="1"/>
+          </p:cNvPicPr>
+          <p:nvPr/>
+        </p:nvPicPr>
+        <p:blipFill>
+          <a:blip r:embed="rId2">
+            <a:extLst>
+              <a:ext uri="{28A0092B-C50C-407E-A947-70E740481C1C}">
+                <a14:useLocalDpi xmlns:a14="http://schemas.microsoft.com/office/drawing/2010/main" val="0"/>
+              </a:ext>
+            </a:extLst>
+          </a:blip>
+          <a:stretch>
+            <a:fillRect/>
+          </a:stretch>
+        </p:blipFill>
+        <p:spPr>
+          <a:xfrm>
+            <a:off x="2339752" y="2852935"/>
+            <a:ext cx="5760640" cy="3809223"/>
+          </a:xfrm>
+          <a:prstGeom prst="rect">
+            <a:avLst/>
+          </a:prstGeom>
+        </p:spPr>
+      </p:pic>
     </p:spTree>
     <p:extLst>
       <p:ext uri="{BB962C8B-B14F-4D97-AF65-F5344CB8AC3E}">
@@ -4986,6 +5435,21 @@
   <p:clrMapOvr>
     <a:masterClrMapping/>
   </p:clrMapOvr>
+  <mc:AlternateContent xmlns:mc="http://schemas.openxmlformats.org/markup-compatibility/2006">
+    <mc:Choice xmlns:p14="http://schemas.microsoft.com/office/powerpoint/2010/main" Requires="p14">
+      <p:transition spd="slow" p14:dur="2000"/>
+    </mc:Choice>
+    <mc:Fallback>
+      <p:transition spd="slow"/>
+    </mc:Fallback>
+  </mc:AlternateContent>
+  <p:timing>
+    <p:tnLst>
+      <p:par>
+        <p:cTn id="1" dur="indefinite" restart="never" nodeType="tmRoot"/>
+      </p:par>
+    </p:tnLst>
+  </p:timing>
 </p:sld>
 </file>
 
@@ -5072,7 +5536,39 @@
           <a:bodyPr/>
           <a:lstStyle/>
           <a:p>
-            <a:endParaRPr lang="pl-PL"/>
+            <a:r>
+              <a:rPr lang="en-US" dirty="0" smtClean="0"/>
+              <a:t>How we test that object positioning works well ?</a:t>
+            </a:r>
+          </a:p>
+          <a:p>
+            <a:r>
+              <a:rPr lang="en-US" dirty="0" smtClean="0"/>
+              <a:t>How different researchers test theirs algorithm</a:t>
+            </a:r>
+            <a:r>
+              <a:rPr lang="pl-PL" dirty="0" smtClean="0"/>
+              <a:t>s</a:t>
+            </a:r>
+            <a:r>
+              <a:rPr lang="en-US" dirty="0" smtClean="0"/>
+              <a:t>?</a:t>
+            </a:r>
+            <a:endParaRPr lang="pl-PL" dirty="0" smtClean="0"/>
+          </a:p>
+          <a:p>
+            <a:r>
+              <a:rPr lang="en-US" dirty="0" smtClean="0"/>
+              <a:t>Is there a universal way to test objects in constant conditions ?</a:t>
+            </a:r>
+            <a:endParaRPr lang="pl-PL" dirty="0" smtClean="0"/>
+          </a:p>
+          <a:p>
+            <a:r>
+              <a:rPr lang="en-US" dirty="0" smtClean="0"/>
+              <a:t>How to find advantageous conditions for your image recognition algorithm ?</a:t>
+            </a:r>
+            <a:endParaRPr lang="en-US" dirty="0"/>
           </a:p>
         </p:txBody>
       </p:sp>
@@ -5086,6 +5582,21 @@
   <p:clrMapOvr>
     <a:masterClrMapping/>
   </p:clrMapOvr>
+  <mc:AlternateContent xmlns:mc="http://schemas.openxmlformats.org/markup-compatibility/2006">
+    <mc:Choice xmlns:p14="http://schemas.microsoft.com/office/powerpoint/2010/main" Requires="p14">
+      <p:transition spd="slow" p14:dur="2000"/>
+    </mc:Choice>
+    <mc:Fallback>
+      <p:transition spd="slow"/>
+    </mc:Fallback>
+  </mc:AlternateContent>
+  <p:timing>
+    <p:tnLst>
+      <p:par>
+        <p:cTn id="1" dur="indefinite" restart="never" nodeType="tmRoot"/>
+      </p:par>
+    </p:tnLst>
+  </p:timing>
 </p:sld>
 </file>
 
@@ -5152,7 +5663,39 @@
           <a:bodyPr/>
           <a:lstStyle/>
           <a:p>
-            <a:endParaRPr lang="pl-PL"/>
+            <a:r>
+              <a:rPr lang="pl-PL" dirty="0" smtClean="0"/>
+              <a:t>TODO: </a:t>
+            </a:r>
+            <a:r>
+              <a:rPr lang="pl-PL" dirty="0" err="1" smtClean="0"/>
+              <a:t>put</a:t>
+            </a:r>
+            <a:r>
+              <a:rPr lang="pl-PL" dirty="0" smtClean="0"/>
+              <a:t> smart </a:t>
+            </a:r>
+            <a:r>
+              <a:rPr lang="pl-PL" dirty="0" err="1" smtClean="0"/>
+              <a:t>ass</a:t>
+            </a:r>
+            <a:r>
+              <a:rPr lang="pl-PL" dirty="0" smtClean="0"/>
+              <a:t> </a:t>
+            </a:r>
+            <a:r>
+              <a:rPr lang="pl-PL" dirty="0" err="1" smtClean="0"/>
+              <a:t>smat</a:t>
+            </a:r>
+            <a:r>
+              <a:rPr lang="pl-PL" dirty="0" smtClean="0"/>
+              <a:t> art </a:t>
+            </a:r>
+            <a:r>
+              <a:rPr lang="pl-PL" dirty="0" err="1" smtClean="0"/>
+              <a:t>here</a:t>
+            </a:r>
+            <a:endParaRPr lang="pl-PL" dirty="0"/>
           </a:p>
         </p:txBody>
       </p:sp>
@@ -5166,6 +5709,21 @@
   <p:clrMapOvr>
     <a:masterClrMapping/>
   </p:clrMapOvr>
+  <mc:AlternateContent xmlns:mc="http://schemas.openxmlformats.org/markup-compatibility/2006">
+    <mc:Choice xmlns:p14="http://schemas.microsoft.com/office/powerpoint/2010/main" Requires="p14">
+      <p:transition spd="slow" p14:dur="2000"/>
+    </mc:Choice>
+    <mc:Fallback>
+      <p:transition spd="slow"/>
+    </mc:Fallback>
+  </mc:AlternateContent>
+  <p:timing>
+    <p:tnLst>
+      <p:par>
+        <p:cTn id="1" dur="indefinite" restart="never" nodeType="tmRoot"/>
+      </p:par>
+    </p:tnLst>
+  </p:timing>
 </p:sld>
 </file>
 
@@ -5223,12 +5781,98 @@
             <p:ph idx="1"/>
           </p:nvPr>
         </p:nvSpPr>
-        <p:spPr/>
+        <p:spPr>
+          <a:xfrm>
+            <a:off x="2438400" y="2286000"/>
+            <a:ext cx="6248400" cy="4383360"/>
+          </a:xfrm>
+        </p:spPr>
         <p:txBody>
           <a:bodyPr/>
           <a:lstStyle/>
           <a:p>
-            <a:endParaRPr lang="pl-PL"/>
+            <a:pPr marL="0" indent="0">
+              <a:buNone/>
+            </a:pPr>
+            <a:r>
+              <a:rPr lang="en-US" dirty="0" smtClean="0"/>
+              <a:t>Used technology</a:t>
+            </a:r>
+          </a:p>
+          <a:p>
+            <a:r>
+              <a:rPr lang="pl-PL" dirty="0" smtClean="0"/>
+              <a:t>C</a:t>
+            </a:r>
+            <a:r>
+              <a:rPr lang="en-US" dirty="0" smtClean="0"/>
+              <a:t>Python 2.7</a:t>
+            </a:r>
+            <a:endParaRPr lang="pl-PL" dirty="0" smtClean="0"/>
+          </a:p>
+          <a:p>
+            <a:r>
+              <a:rPr lang="en-US" dirty="0" err="1" smtClean="0"/>
+              <a:t>OpenCV</a:t>
+            </a:r>
+            <a:r>
+              <a:rPr lang="en-US" dirty="0" smtClean="0"/>
+              <a:t> 2.2 </a:t>
+            </a:r>
+            <a:r>
+              <a:rPr lang="en-US" i="1" dirty="0" smtClean="0"/>
+              <a:t>nightly build</a:t>
+            </a:r>
+            <a:endParaRPr lang="en-US" dirty="0" smtClean="0"/>
+          </a:p>
+          <a:p>
+            <a:r>
+              <a:rPr lang="en-US" dirty="0" smtClean="0"/>
+              <a:t>Blender 2.57b </a:t>
+            </a:r>
+            <a:r>
+              <a:rPr lang="pl-PL" dirty="0" smtClean="0"/>
+              <a:t>OMP</a:t>
+            </a:r>
+          </a:p>
+          <a:p>
+            <a:r>
+              <a:rPr lang="en-US" dirty="0" smtClean="0"/>
+              <a:t>Lot of python stuff:</a:t>
+            </a:r>
+            <a:endParaRPr lang="pl-PL" dirty="0" smtClean="0"/>
+          </a:p>
+          <a:p>
+            <a:pPr lvl="1"/>
+            <a:r>
+              <a:rPr lang="en-US" dirty="0" smtClean="0"/>
+              <a:t> </a:t>
+            </a:r>
+            <a:r>
+              <a:rPr lang="pl-PL" dirty="0" smtClean="0"/>
+              <a:t>M</a:t>
+            </a:r>
+            <a:r>
+              <a:rPr lang="en-US" dirty="0" err="1" smtClean="0"/>
+              <a:t>ockito</a:t>
+            </a:r>
+            <a:endParaRPr lang="pl-PL" dirty="0" smtClean="0"/>
+          </a:p>
+          <a:p>
+            <a:pPr lvl="1"/>
+            <a:r>
+              <a:rPr lang="en-US" dirty="0" err="1" smtClean="0"/>
+              <a:t>Unittest</a:t>
+            </a:r>
+            <a:endParaRPr lang="pl-PL" dirty="0"/>
+          </a:p>
+          <a:p>
+            <a:pPr lvl="1"/>
+            <a:r>
+              <a:rPr lang="pl-PL" dirty="0" smtClean="0"/>
+              <a:t>… </a:t>
+            </a:r>
+            <a:endParaRPr lang="en-US" dirty="0"/>
           </a:p>
         </p:txBody>
       </p:sp>
@@ -5242,6 +5886,21 @@
   <p:clrMapOvr>
     <a:masterClrMapping/>
   </p:clrMapOvr>
+  <mc:AlternateContent xmlns:mc="http://schemas.openxmlformats.org/markup-compatibility/2006">
+    <mc:Choice xmlns:p14="http://schemas.microsoft.com/office/powerpoint/2010/main" Requires="p14">
+      <p:transition spd="slow" p14:dur="2000"/>
+    </mc:Choice>
+    <mc:Fallback>
+      <p:transition spd="slow"/>
+    </mc:Fallback>
+  </mc:AlternateContent>
+  <p:timing>
+    <p:tnLst>
+      <p:par>
+        <p:cTn id="1" dur="indefinite" restart="never" nodeType="tmRoot"/>
+      </p:par>
+    </p:tnLst>
+  </p:timing>
 </p:sld>
 </file>
 
@@ -5297,10 +5956,211 @@
         </p:nvSpPr>
         <p:spPr/>
         <p:txBody>
-          <a:bodyPr/>
+          <a:bodyPr>
+            <a:noAutofit/>
+          </a:bodyPr>
           <a:lstStyle/>
           <a:p>
-            <a:endParaRPr lang="pl-PL"/>
+            <a:pPr marL="0" indent="0">
+              <a:spcBef>
+                <a:spcPts val="1200"/>
+              </a:spcBef>
+              <a:buNone/>
+            </a:pPr>
+            <a:r>
+              <a:rPr lang="pl-PL" sz="1400" b="1" dirty="0">
+                <a:solidFill>
+                  <a:schemeClr val="accent6"/>
+                </a:solidFill>
+              </a:rPr>
+              <a:t>[</a:t>
+            </a:r>
+            <a:r>
+              <a:rPr lang="pl-PL" sz="1400" b="1" dirty="0" err="1">
+                <a:solidFill>
+                  <a:schemeClr val="accent6"/>
+                </a:solidFill>
+              </a:rPr>
+              <a:t>PolarCoordinates</a:t>
+            </a:r>
+            <a:r>
+              <a:rPr lang="pl-PL" sz="1400" b="1" dirty="0">
+                <a:solidFill>
+                  <a:schemeClr val="accent6"/>
+                </a:solidFill>
+              </a:rPr>
+              <a:t>]</a:t>
+            </a:r>
+          </a:p>
+          <a:p>
+            <a:pPr marL="0" indent="0">
+              <a:spcBef>
+                <a:spcPts val="1200"/>
+              </a:spcBef>
+              <a:buNone/>
+            </a:pPr>
+            <a:r>
+              <a:rPr lang="pl-PL" sz="1400" dirty="0" err="1"/>
+              <a:t>AlfaStart</a:t>
+            </a:r>
+            <a:r>
+              <a:rPr lang="pl-PL" sz="1400" dirty="0"/>
+              <a:t>: 20</a:t>
+            </a:r>
+          </a:p>
+          <a:p>
+            <a:pPr marL="0" indent="0">
+              <a:spcBef>
+                <a:spcPts val="1200"/>
+              </a:spcBef>
+              <a:buNone/>
+            </a:pPr>
+            <a:r>
+              <a:rPr lang="pl-PL" sz="1400" dirty="0" err="1"/>
+              <a:t>AlfaStop</a:t>
+            </a:r>
+            <a:r>
+              <a:rPr lang="pl-PL" sz="1400" dirty="0"/>
+              <a:t>: 50</a:t>
+            </a:r>
+          </a:p>
+          <a:p>
+            <a:pPr marL="0" indent="0">
+              <a:spcBef>
+                <a:spcPts val="1200"/>
+              </a:spcBef>
+              <a:buNone/>
+            </a:pPr>
+            <a:r>
+              <a:rPr lang="pl-PL" sz="1400" dirty="0" err="1"/>
+              <a:t>BetaStart</a:t>
+            </a:r>
+            <a:r>
+              <a:rPr lang="pl-PL" sz="1400" dirty="0"/>
+              <a:t>: 100</a:t>
+            </a:r>
+          </a:p>
+          <a:p>
+            <a:pPr marL="0" indent="0">
+              <a:spcBef>
+                <a:spcPts val="1200"/>
+              </a:spcBef>
+              <a:buNone/>
+            </a:pPr>
+            <a:r>
+              <a:rPr lang="pl-PL" sz="1400" dirty="0" err="1"/>
+              <a:t>BetaStop</a:t>
+            </a:r>
+            <a:r>
+              <a:rPr lang="pl-PL" sz="1400" dirty="0"/>
+              <a:t>: 150</a:t>
+            </a:r>
+          </a:p>
+          <a:p>
+            <a:pPr marL="0" indent="0">
+              <a:spcBef>
+                <a:spcPts val="1200"/>
+              </a:spcBef>
+              <a:buNone/>
+            </a:pPr>
+            <a:r>
+              <a:rPr lang="pl-PL" sz="1400" dirty="0" err="1"/>
+              <a:t>RadiusStart</a:t>
+            </a:r>
+            <a:r>
+              <a:rPr lang="pl-PL" sz="1400" dirty="0"/>
+              <a:t>: 10</a:t>
+            </a:r>
+          </a:p>
+          <a:p>
+            <a:pPr marL="0" indent="0">
+              <a:spcBef>
+                <a:spcPts val="1200"/>
+              </a:spcBef>
+              <a:buNone/>
+            </a:pPr>
+            <a:r>
+              <a:rPr lang="pl-PL" sz="1400" dirty="0" err="1"/>
+              <a:t>RadiusStop</a:t>
+            </a:r>
+            <a:r>
+              <a:rPr lang="pl-PL" sz="1400" dirty="0"/>
+              <a:t>: 10</a:t>
+            </a:r>
+          </a:p>
+          <a:p>
+            <a:pPr marL="0" indent="0">
+              <a:spcBef>
+                <a:spcPts val="1200"/>
+              </a:spcBef>
+              <a:buNone/>
+            </a:pPr>
+            <a:r>
+              <a:rPr lang="pl-PL" sz="1400" b="1" dirty="0">
+                <a:solidFill>
+                  <a:schemeClr val="accent6"/>
+                </a:solidFill>
+              </a:rPr>
+              <a:t>[File]</a:t>
+            </a:r>
+          </a:p>
+          <a:p>
+            <a:pPr marL="0" indent="0">
+              <a:spcBef>
+                <a:spcPts val="1200"/>
+              </a:spcBef>
+              <a:buNone/>
+            </a:pPr>
+            <a:r>
+              <a:rPr lang="pl-PL" sz="1400" dirty="0" err="1"/>
+              <a:t>InputFileName</a:t>
+            </a:r>
+            <a:r>
+              <a:rPr lang="pl-PL" sz="1400" dirty="0"/>
+              <a:t> : </a:t>
+            </a:r>
+            <a:r>
+              <a:rPr lang="pl-PL" sz="1400" dirty="0" err="1"/>
+              <a:t>myFileName</a:t>
+            </a:r>
+            <a:endParaRPr lang="pl-PL" sz="1400" dirty="0"/>
+          </a:p>
+          <a:p>
+            <a:pPr marL="0" indent="0">
+              <a:spcBef>
+                <a:spcPts val="1200"/>
+              </a:spcBef>
+              <a:buNone/>
+            </a:pPr>
+            <a:r>
+              <a:rPr lang="pl-PL" sz="1400" dirty="0" err="1"/>
+              <a:t>InputFormat</a:t>
+            </a:r>
+            <a:r>
+              <a:rPr lang="pl-PL" sz="1400" dirty="0"/>
+              <a:t> : .</a:t>
+            </a:r>
+            <a:r>
+              <a:rPr lang="pl-PL" sz="1400" dirty="0" err="1"/>
+              <a:t>collada</a:t>
+            </a:r>
+            <a:endParaRPr lang="pl-PL" sz="1400" dirty="0"/>
+          </a:p>
+          <a:p>
+            <a:pPr marL="0" indent="0">
+              <a:spcBef>
+                <a:spcPts val="1200"/>
+              </a:spcBef>
+              <a:buNone/>
+            </a:pPr>
+            <a:r>
+              <a:rPr lang="pl-PL" sz="1400" dirty="0" err="1"/>
+              <a:t>OutputFormat</a:t>
+            </a:r>
+            <a:r>
+              <a:rPr lang="pl-PL" sz="1400" dirty="0"/>
+              <a:t>: .jpg</a:t>
+            </a:r>
           </a:p>
         </p:txBody>
       </p:sp>
@@ -5314,6 +6174,21 @@
   <p:clrMapOvr>
     <a:masterClrMapping/>
   </p:clrMapOvr>
+  <mc:AlternateContent xmlns:mc="http://schemas.openxmlformats.org/markup-compatibility/2006">
+    <mc:Choice xmlns:p14="http://schemas.microsoft.com/office/powerpoint/2010/main" Requires="p14">
+      <p:transition spd="slow" p14:dur="2000"/>
+    </mc:Choice>
+    <mc:Fallback>
+      <p:transition spd="slow"/>
+    </mc:Fallback>
+  </mc:AlternateContent>
+  <p:timing>
+    <p:tnLst>
+      <p:par>
+        <p:cTn id="1" dur="indefinite" restart="never" nodeType="tmRoot"/>
+      </p:par>
+    </p:tnLst>
+  </p:timing>
 </p:sld>
 </file>
 
@@ -5355,31 +6230,53 @@
             </a:r>
             <a:r>
               <a:rPr lang="pl-PL" dirty="0" smtClean="0"/>
-              <a:t> File</a:t>
+              <a:t> File – x3d</a:t>
             </a:r>
             <a:endParaRPr lang="pl-PL" dirty="0"/>
           </a:p>
         </p:txBody>
       </p:sp>
-      <p:sp>
-        <p:nvSpPr>
-          <p:cNvPr id="3" name="Symbol zastępczy zawartości 2"/>
-          <p:cNvSpPr>
-            <a:spLocks noGrp="1"/>
-          </p:cNvSpPr>
-          <p:nvPr>
-            <p:ph idx="1"/>
-          </p:nvPr>
-        </p:nvSpPr>
-        <p:spPr/>
-        <p:txBody>
-          <a:bodyPr/>
-          <a:lstStyle/>
-          <a:p>
-            <a:endParaRPr lang="pl-PL"/>
-          </a:p>
-        </p:txBody>
-      </p:sp>
+      <p:pic>
+        <p:nvPicPr>
+          <p:cNvPr id="4" name="Symbol zastępczy zawartości 3"/>
+          <p:cNvPicPr>
+            <a:picLocks noGrp="1" noChangeAspect="1"/>
+          </p:cNvPicPr>
+          <p:nvPr>
+            <p:ph idx="4294967295"/>
+          </p:nvPr>
+        </p:nvPicPr>
+        <p:blipFill rotWithShape="1">
+          <a:blip r:embed="rId2">
+            <a:extLst>
+              <a:ext uri="{28A0092B-C50C-407E-A947-70E740481C1C}">
+                <a14:useLocalDpi xmlns:a14="http://schemas.microsoft.com/office/drawing/2010/main" val="0"/>
+              </a:ext>
+            </a:extLst>
+          </a:blip>
+          <a:srcRect l="517" r="28238"/>
+          <a:stretch/>
+        </p:blipFill>
+        <p:spPr>
+          <a:xfrm>
+            <a:off x="238539" y="2420888"/>
+            <a:ext cx="8110332" cy="3456384"/>
+          </a:xfrm>
+          <a:prstGeom prst="rect">
+            <a:avLst/>
+          </a:prstGeom>
+          <a:ln>
+            <a:noFill/>
+          </a:ln>
+          <a:effectLst>
+            <a:outerShdw blurRad="292100" dist="139700" dir="2700000" algn="tl" rotWithShape="0">
+              <a:srgbClr val="333333">
+                <a:alpha val="65000"/>
+              </a:srgbClr>
+            </a:outerShdw>
+          </a:effectLst>
+        </p:spPr>
+      </p:pic>
     </p:spTree>
     <p:extLst>
       <p:ext uri="{BB962C8B-B14F-4D97-AF65-F5344CB8AC3E}">
@@ -5390,6 +6287,21 @@
   <p:clrMapOvr>
     <a:masterClrMapping/>
   </p:clrMapOvr>
+  <mc:AlternateContent xmlns:mc="http://schemas.openxmlformats.org/markup-compatibility/2006">
+    <mc:Choice xmlns:p14="http://schemas.microsoft.com/office/powerpoint/2010/main" Requires="p14">
+      <p:transition spd="slow" p14:dur="2000"/>
+    </mc:Choice>
+    <mc:Fallback>
+      <p:transition spd="slow"/>
+    </mc:Fallback>
+  </mc:AlternateContent>
+  <p:timing>
+    <p:tnLst>
+      <p:par>
+        <p:cTn id="1" dur="indefinite" restart="never" nodeType="tmRoot"/>
+      </p:par>
+    </p:tnLst>
+  </p:timing>
 </p:sld>
 </file>
 
@@ -5426,50 +6338,117 @@
           <a:lstStyle/>
           <a:p>
             <a:r>
-              <a:rPr lang="pl-PL" dirty="0" err="1" smtClean="0"/>
-              <a:t>Alfirt</a:t>
+              <a:rPr lang="pl-PL" dirty="0" err="1"/>
+              <a:t>Scene</a:t>
+            </a:r>
+            <a:r>
+              <a:rPr lang="pl-PL" dirty="0"/>
+              <a:t> File – </a:t>
             </a:r>
             <a:r>
               <a:rPr lang="pl-PL" dirty="0" smtClean="0"/>
-              <a:t> </a:t>
-            </a:r>
-            <a:r>
-              <a:rPr lang="pl-PL" dirty="0" err="1" smtClean="0"/>
-              <a:t>TAGs</a:t>
+              <a:t>COLLADA</a:t>
             </a:r>
             <a:endParaRPr lang="pl-PL" dirty="0"/>
           </a:p>
         </p:txBody>
       </p:sp>
-      <p:sp>
-        <p:nvSpPr>
-          <p:cNvPr id="3" name="Symbol zastępczy zawartości 2"/>
-          <p:cNvSpPr>
-            <a:spLocks noGrp="1"/>
-          </p:cNvSpPr>
-          <p:nvPr>
-            <p:ph idx="1"/>
-          </p:nvPr>
-        </p:nvSpPr>
-        <p:spPr/>
-        <p:txBody>
-          <a:bodyPr/>
-          <a:lstStyle/>
-          <a:p>
-            <a:endParaRPr lang="pl-PL"/>
-          </a:p>
-        </p:txBody>
-      </p:sp>
+      <p:pic>
+        <p:nvPicPr>
+          <p:cNvPr id="3" name="Obraz 2"/>
+          <p:cNvPicPr>
+            <a:picLocks noChangeAspect="1"/>
+          </p:cNvPicPr>
+          <p:nvPr/>
+        </p:nvPicPr>
+        <p:blipFill rotWithShape="1">
+          <a:blip r:embed="rId2">
+            <a:extLst>
+              <a:ext uri="{28A0092B-C50C-407E-A947-70E740481C1C}">
+                <a14:useLocalDpi xmlns:a14="http://schemas.microsoft.com/office/drawing/2010/main" val="0"/>
+              </a:ext>
+            </a:extLst>
+          </a:blip>
+          <a:srcRect l="446"/>
+          <a:stretch/>
+        </p:blipFill>
+        <p:spPr>
+          <a:xfrm>
+            <a:off x="285750" y="1844824"/>
+            <a:ext cx="7643992" cy="552527"/>
+          </a:xfrm>
+          <a:prstGeom prst="rect">
+            <a:avLst/>
+          </a:prstGeom>
+          <a:ln>
+            <a:noFill/>
+          </a:ln>
+          <a:effectLst>
+            <a:outerShdw blurRad="292100" dist="139700" dir="2700000" algn="tl" rotWithShape="0">
+              <a:srgbClr val="333333">
+                <a:alpha val="65000"/>
+              </a:srgbClr>
+            </a:outerShdw>
+          </a:effectLst>
+        </p:spPr>
+      </p:pic>
+      <p:pic>
+        <p:nvPicPr>
+          <p:cNvPr id="4" name="Obraz 3"/>
+          <p:cNvPicPr>
+            <a:picLocks noChangeAspect="1"/>
+          </p:cNvPicPr>
+          <p:nvPr/>
+        </p:nvPicPr>
+        <p:blipFill>
+          <a:blip r:embed="rId3">
+            <a:extLst>
+              <a:ext uri="{28A0092B-C50C-407E-A947-70E740481C1C}">
+                <a14:useLocalDpi xmlns:a14="http://schemas.microsoft.com/office/drawing/2010/main" val="0"/>
+              </a:ext>
+            </a:extLst>
+          </a:blip>
+          <a:stretch>
+            <a:fillRect/>
+          </a:stretch>
+        </p:blipFill>
+        <p:spPr>
+          <a:xfrm>
+            <a:off x="285750" y="2564904"/>
+            <a:ext cx="8246690" cy="3856366"/>
+          </a:xfrm>
+          <a:prstGeom prst="rect">
+            <a:avLst/>
+          </a:prstGeom>
+          <a:ln>
+            <a:noFill/>
+          </a:ln>
+          <a:effectLst>
+            <a:outerShdw blurRad="292100" dist="139700" dir="2700000" algn="tl" rotWithShape="0">
+              <a:srgbClr val="333333">
+                <a:alpha val="65000"/>
+              </a:srgbClr>
+            </a:outerShdw>
+          </a:effectLst>
+        </p:spPr>
+      </p:pic>
     </p:spTree>
     <p:extLst>
       <p:ext uri="{BB962C8B-B14F-4D97-AF65-F5344CB8AC3E}">
-        <p14:creationId xmlns:p14="http://schemas.microsoft.com/office/powerpoint/2010/main" val="591684312"/>
+        <p14:creationId xmlns:p14="http://schemas.microsoft.com/office/powerpoint/2010/main" val="2516097853"/>
       </p:ext>
     </p:extLst>
   </p:cSld>
   <p:clrMapOvr>
     <a:masterClrMapping/>
   </p:clrMapOvr>
+  <p:timing>
+    <p:tnLst>
+      <p:par>
+        <p:cTn id="1" dur="indefinite" restart="never" nodeType="tmRoot"/>
+      </p:par>
+    </p:tnLst>
+  </p:timing>
 </p:sld>
 </file>
 
@@ -5502,16 +6481,22 @@
         </p:nvSpPr>
         <p:spPr/>
         <p:txBody>
-          <a:bodyPr>
-            <a:normAutofit fontScale="90000"/>
-          </a:bodyPr>
+          <a:bodyPr/>
           <a:lstStyle/>
           <a:p>
             <a:r>
-              <a:rPr lang="en-US" dirty="0" smtClean="0"/>
-              <a:t>6 DOF pose representation</a:t>
-            </a:r>
-            <a:endParaRPr lang="en-US" dirty="0"/>
+              <a:rPr lang="pl-PL" dirty="0" err="1" smtClean="0"/>
+              <a:t>Alfirt</a:t>
+            </a:r>
+            <a:r>
+              <a:rPr lang="pl-PL" dirty="0" smtClean="0"/>
+              <a:t> </a:t>
+            </a:r>
+            <a:r>
+              <a:rPr lang="pl-PL" dirty="0" err="1" smtClean="0"/>
+              <a:t>TAGs</a:t>
+            </a:r>
+            <a:endParaRPr lang="pl-PL" dirty="0"/>
           </a:p>
         </p:txBody>
       </p:sp>
@@ -5537,13 +6522,28 @@
     </p:spTree>
     <p:extLst>
       <p:ext uri="{BB962C8B-B14F-4D97-AF65-F5344CB8AC3E}">
-        <p14:creationId xmlns:p14="http://schemas.microsoft.com/office/powerpoint/2010/main" val="859662691"/>
+        <p14:creationId xmlns:p14="http://schemas.microsoft.com/office/powerpoint/2010/main" val="591684312"/>
       </p:ext>
     </p:extLst>
   </p:cSld>
   <p:clrMapOvr>
     <a:masterClrMapping/>
   </p:clrMapOvr>
+  <mc:AlternateContent xmlns:mc="http://schemas.openxmlformats.org/markup-compatibility/2006">
+    <mc:Choice xmlns:p14="http://schemas.microsoft.com/office/powerpoint/2010/main" Requires="p14">
+      <p:transition spd="slow" p14:dur="2000"/>
+    </mc:Choice>
+    <mc:Fallback>
+      <p:transition spd="slow"/>
+    </mc:Fallback>
+  </mc:AlternateContent>
+  <p:timing>
+    <p:tnLst>
+      <p:par>
+        <p:cTn id="1" dur="indefinite" restart="never" nodeType="tmRoot"/>
+      </p:par>
+    </p:tnLst>
+  </p:timing>
 </p:sld>
 </file>
 

--- a/documentation/presentation/general_overview.pptx
+++ b/documentation/presentation/general_overview.pptx
@@ -9,17 +9,18 @@
     <p:sldId id="257" r:id="rId3"/>
     <p:sldId id="258" r:id="rId4"/>
     <p:sldId id="259" r:id="rId5"/>
-    <p:sldId id="263" r:id="rId6"/>
-    <p:sldId id="260" r:id="rId7"/>
-    <p:sldId id="261" r:id="rId8"/>
-    <p:sldId id="270" r:id="rId9"/>
-    <p:sldId id="262" r:id="rId10"/>
-    <p:sldId id="265" r:id="rId11"/>
-    <p:sldId id="271" r:id="rId12"/>
-    <p:sldId id="267" r:id="rId13"/>
-    <p:sldId id="266" r:id="rId14"/>
-    <p:sldId id="268" r:id="rId15"/>
-    <p:sldId id="269" r:id="rId16"/>
+    <p:sldId id="272" r:id="rId6"/>
+    <p:sldId id="263" r:id="rId7"/>
+    <p:sldId id="260" r:id="rId8"/>
+    <p:sldId id="261" r:id="rId9"/>
+    <p:sldId id="270" r:id="rId10"/>
+    <p:sldId id="262" r:id="rId11"/>
+    <p:sldId id="265" r:id="rId12"/>
+    <p:sldId id="271" r:id="rId13"/>
+    <p:sldId id="267" r:id="rId14"/>
+    <p:sldId id="266" r:id="rId15"/>
+    <p:sldId id="268" r:id="rId16"/>
+    <p:sldId id="269" r:id="rId17"/>
   </p:sldIdLst>
   <p:sldSz cx="9144000" cy="6858000" type="screen4x3"/>
   <p:notesSz cx="6858000" cy="9144000"/>
@@ -119,6 +120,2576 @@
     </a:lvl9pPr>
   </p:defaultTextStyle>
 </p:presentation>
+</file>
+
+<file path=ppt/diagrams/colors1.xml><?xml version="1.0" encoding="utf-8"?>
+<dgm:colorsDef xmlns:dgm="http://schemas.openxmlformats.org/drawingml/2006/diagram" xmlns:a="http://schemas.openxmlformats.org/drawingml/2006/main" uniqueId="urn:microsoft.com/office/officeart/2005/8/colors/accent1_2">
+  <dgm:title val=""/>
+  <dgm:desc val=""/>
+  <dgm:catLst>
+    <dgm:cat type="accent1" pri="11200"/>
+  </dgm:catLst>
+  <dgm:styleLbl name="node0">
+    <dgm:fillClrLst meth="repeat">
+      <a:schemeClr val="accent1"/>
+    </dgm:fillClrLst>
+    <dgm:linClrLst meth="repeat">
+      <a:schemeClr val="lt1"/>
+    </dgm:linClrLst>
+    <dgm:effectClrLst/>
+    <dgm:txLinClrLst/>
+    <dgm:txFillClrLst/>
+    <dgm:txEffectClrLst/>
+  </dgm:styleLbl>
+  <dgm:styleLbl name="alignNode1">
+    <dgm:fillClrLst meth="repeat">
+      <a:schemeClr val="accent1"/>
+    </dgm:fillClrLst>
+    <dgm:linClrLst meth="repeat">
+      <a:schemeClr val="accent1"/>
+    </dgm:linClrLst>
+    <dgm:effectClrLst/>
+    <dgm:txLinClrLst/>
+    <dgm:txFillClrLst/>
+    <dgm:txEffectClrLst/>
+  </dgm:styleLbl>
+  <dgm:styleLbl name="node1">
+    <dgm:fillClrLst meth="repeat">
+      <a:schemeClr val="accent1"/>
+    </dgm:fillClrLst>
+    <dgm:linClrLst meth="repeat">
+      <a:schemeClr val="lt1"/>
+    </dgm:linClrLst>
+    <dgm:effectClrLst/>
+    <dgm:txLinClrLst/>
+    <dgm:txFillClrLst/>
+    <dgm:txEffectClrLst/>
+  </dgm:styleLbl>
+  <dgm:styleLbl name="lnNode1">
+    <dgm:fillClrLst meth="repeat">
+      <a:schemeClr val="accent1"/>
+    </dgm:fillClrLst>
+    <dgm:linClrLst meth="repeat">
+      <a:schemeClr val="lt1"/>
+    </dgm:linClrLst>
+    <dgm:effectClrLst/>
+    <dgm:txLinClrLst/>
+    <dgm:txFillClrLst/>
+    <dgm:txEffectClrLst/>
+  </dgm:styleLbl>
+  <dgm:styleLbl name="vennNode1">
+    <dgm:fillClrLst meth="repeat">
+      <a:schemeClr val="accent1">
+        <a:alpha val="50000"/>
+      </a:schemeClr>
+    </dgm:fillClrLst>
+    <dgm:linClrLst meth="repeat">
+      <a:schemeClr val="lt1"/>
+    </dgm:linClrLst>
+    <dgm:effectClrLst/>
+    <dgm:txLinClrLst/>
+    <dgm:txFillClrLst/>
+    <dgm:txEffectClrLst/>
+  </dgm:styleLbl>
+  <dgm:styleLbl name="node2">
+    <dgm:fillClrLst meth="repeat">
+      <a:schemeClr val="accent1"/>
+    </dgm:fillClrLst>
+    <dgm:linClrLst meth="repeat">
+      <a:schemeClr val="lt1"/>
+    </dgm:linClrLst>
+    <dgm:effectClrLst/>
+    <dgm:txLinClrLst/>
+    <dgm:txFillClrLst/>
+    <dgm:txEffectClrLst/>
+  </dgm:styleLbl>
+  <dgm:styleLbl name="node3">
+    <dgm:fillClrLst meth="repeat">
+      <a:schemeClr val="accent1"/>
+    </dgm:fillClrLst>
+    <dgm:linClrLst meth="repeat">
+      <a:schemeClr val="lt1"/>
+    </dgm:linClrLst>
+    <dgm:effectClrLst/>
+    <dgm:txLinClrLst/>
+    <dgm:txFillClrLst/>
+    <dgm:txEffectClrLst/>
+  </dgm:styleLbl>
+  <dgm:styleLbl name="node4">
+    <dgm:fillClrLst meth="repeat">
+      <a:schemeClr val="accent1"/>
+    </dgm:fillClrLst>
+    <dgm:linClrLst meth="repeat">
+      <a:schemeClr val="lt1"/>
+    </dgm:linClrLst>
+    <dgm:effectClrLst/>
+    <dgm:txLinClrLst/>
+    <dgm:txFillClrLst/>
+    <dgm:txEffectClrLst/>
+  </dgm:styleLbl>
+  <dgm:styleLbl name="fgImgPlace1">
+    <dgm:fillClrLst meth="repeat">
+      <a:schemeClr val="accent1">
+        <a:tint val="50000"/>
+      </a:schemeClr>
+    </dgm:fillClrLst>
+    <dgm:linClrLst meth="repeat">
+      <a:schemeClr val="lt1"/>
+    </dgm:linClrLst>
+    <dgm:effectClrLst/>
+    <dgm:txLinClrLst/>
+    <dgm:txFillClrLst meth="repeat">
+      <a:schemeClr val="lt1"/>
+    </dgm:txFillClrLst>
+    <dgm:txEffectClrLst/>
+  </dgm:styleLbl>
+  <dgm:styleLbl name="alignImgPlace1">
+    <dgm:fillClrLst meth="repeat">
+      <a:schemeClr val="accent1">
+        <a:tint val="50000"/>
+      </a:schemeClr>
+    </dgm:fillClrLst>
+    <dgm:linClrLst meth="repeat">
+      <a:schemeClr val="lt1"/>
+    </dgm:linClrLst>
+    <dgm:effectClrLst/>
+    <dgm:txLinClrLst/>
+    <dgm:txFillClrLst meth="repeat">
+      <a:schemeClr val="lt1"/>
+    </dgm:txFillClrLst>
+    <dgm:txEffectClrLst/>
+  </dgm:styleLbl>
+  <dgm:styleLbl name="bgImgPlace1">
+    <dgm:fillClrLst meth="repeat">
+      <a:schemeClr val="accent1">
+        <a:tint val="50000"/>
+      </a:schemeClr>
+    </dgm:fillClrLst>
+    <dgm:linClrLst meth="repeat">
+      <a:schemeClr val="lt1"/>
+    </dgm:linClrLst>
+    <dgm:effectClrLst/>
+    <dgm:txLinClrLst/>
+    <dgm:txFillClrLst meth="repeat">
+      <a:schemeClr val="lt1"/>
+    </dgm:txFillClrLst>
+    <dgm:txEffectClrLst/>
+  </dgm:styleLbl>
+  <dgm:styleLbl name="sibTrans2D1">
+    <dgm:fillClrLst meth="repeat">
+      <a:schemeClr val="accent1">
+        <a:tint val="60000"/>
+      </a:schemeClr>
+    </dgm:fillClrLst>
+    <dgm:linClrLst meth="repeat">
+      <a:schemeClr val="accent1">
+        <a:tint val="60000"/>
+      </a:schemeClr>
+    </dgm:linClrLst>
+    <dgm:effectClrLst/>
+    <dgm:txLinClrLst/>
+    <dgm:txFillClrLst/>
+    <dgm:txEffectClrLst/>
+  </dgm:styleLbl>
+  <dgm:styleLbl name="fgSibTrans2D1">
+    <dgm:fillClrLst meth="repeat">
+      <a:schemeClr val="accent1">
+        <a:tint val="60000"/>
+      </a:schemeClr>
+    </dgm:fillClrLst>
+    <dgm:linClrLst meth="repeat">
+      <a:schemeClr val="accent1">
+        <a:tint val="60000"/>
+      </a:schemeClr>
+    </dgm:linClrLst>
+    <dgm:effectClrLst/>
+    <dgm:txLinClrLst/>
+    <dgm:txFillClrLst/>
+    <dgm:txEffectClrLst/>
+  </dgm:styleLbl>
+  <dgm:styleLbl name="bgSibTrans2D1">
+    <dgm:fillClrLst meth="repeat">
+      <a:schemeClr val="accent1">
+        <a:tint val="60000"/>
+      </a:schemeClr>
+    </dgm:fillClrLst>
+    <dgm:linClrLst meth="repeat">
+      <a:schemeClr val="accent1">
+        <a:tint val="60000"/>
+      </a:schemeClr>
+    </dgm:linClrLst>
+    <dgm:effectClrLst/>
+    <dgm:txLinClrLst/>
+    <dgm:txFillClrLst/>
+    <dgm:txEffectClrLst/>
+  </dgm:styleLbl>
+  <dgm:styleLbl name="sibTrans1D1">
+    <dgm:fillClrLst meth="repeat">
+      <a:schemeClr val="accent1"/>
+    </dgm:fillClrLst>
+    <dgm:linClrLst meth="repeat">
+      <a:schemeClr val="accent1"/>
+    </dgm:linClrLst>
+    <dgm:effectClrLst/>
+    <dgm:txLinClrLst/>
+    <dgm:txFillClrLst meth="repeat">
+      <a:schemeClr val="tx1"/>
+    </dgm:txFillClrLst>
+    <dgm:txEffectClrLst/>
+  </dgm:styleLbl>
+  <dgm:styleLbl name="callout">
+    <dgm:fillClrLst meth="repeat">
+      <a:schemeClr val="accent1"/>
+    </dgm:fillClrLst>
+    <dgm:linClrLst meth="repeat">
+      <a:schemeClr val="accent1">
+        <a:tint val="50000"/>
+      </a:schemeClr>
+    </dgm:linClrLst>
+    <dgm:effectClrLst/>
+    <dgm:txLinClrLst/>
+    <dgm:txFillClrLst meth="repeat">
+      <a:schemeClr val="tx1"/>
+    </dgm:txFillClrLst>
+    <dgm:txEffectClrLst/>
+  </dgm:styleLbl>
+  <dgm:styleLbl name="asst0">
+    <dgm:fillClrLst meth="repeat">
+      <a:schemeClr val="accent1"/>
+    </dgm:fillClrLst>
+    <dgm:linClrLst meth="repeat">
+      <a:schemeClr val="lt1"/>
+    </dgm:linClrLst>
+    <dgm:effectClrLst/>
+    <dgm:txLinClrLst/>
+    <dgm:txFillClrLst/>
+    <dgm:txEffectClrLst/>
+  </dgm:styleLbl>
+  <dgm:styleLbl name="asst1">
+    <dgm:fillClrLst meth="repeat">
+      <a:schemeClr val="accent1"/>
+    </dgm:fillClrLst>
+    <dgm:linClrLst meth="repeat">
+      <a:schemeClr val="lt1"/>
+    </dgm:linClrLst>
+    <dgm:effectClrLst/>
+    <dgm:txLinClrLst/>
+    <dgm:txFillClrLst/>
+    <dgm:txEffectClrLst/>
+  </dgm:styleLbl>
+  <dgm:styleLbl name="asst2">
+    <dgm:fillClrLst meth="repeat">
+      <a:schemeClr val="accent1"/>
+    </dgm:fillClrLst>
+    <dgm:linClrLst meth="repeat">
+      <a:schemeClr val="lt1"/>
+    </dgm:linClrLst>
+    <dgm:effectClrLst/>
+    <dgm:txLinClrLst/>
+    <dgm:txFillClrLst/>
+    <dgm:txEffectClrLst/>
+  </dgm:styleLbl>
+  <dgm:styleLbl name="asst3">
+    <dgm:fillClrLst meth="repeat">
+      <a:schemeClr val="accent1"/>
+    </dgm:fillClrLst>
+    <dgm:linClrLst meth="repeat">
+      <a:schemeClr val="lt1"/>
+    </dgm:linClrLst>
+    <dgm:effectClrLst/>
+    <dgm:txLinClrLst/>
+    <dgm:txFillClrLst/>
+    <dgm:txEffectClrLst/>
+  </dgm:styleLbl>
+  <dgm:styleLbl name="asst4">
+    <dgm:fillClrLst meth="repeat">
+      <a:schemeClr val="accent1"/>
+    </dgm:fillClrLst>
+    <dgm:linClrLst meth="repeat">
+      <a:schemeClr val="lt1"/>
+    </dgm:linClrLst>
+    <dgm:effectClrLst/>
+    <dgm:txLinClrLst/>
+    <dgm:txFillClrLst/>
+    <dgm:txEffectClrLst/>
+  </dgm:styleLbl>
+  <dgm:styleLbl name="parChTrans2D1">
+    <dgm:fillClrLst meth="repeat">
+      <a:schemeClr val="accent1">
+        <a:tint val="60000"/>
+      </a:schemeClr>
+    </dgm:fillClrLst>
+    <dgm:linClrLst meth="repeat">
+      <a:schemeClr val="accent1">
+        <a:tint val="60000"/>
+      </a:schemeClr>
+    </dgm:linClrLst>
+    <dgm:effectClrLst/>
+    <dgm:txLinClrLst/>
+    <dgm:txFillClrLst meth="repeat">
+      <a:schemeClr val="lt1"/>
+    </dgm:txFillClrLst>
+    <dgm:txEffectClrLst/>
+  </dgm:styleLbl>
+  <dgm:styleLbl name="parChTrans2D2">
+    <dgm:fillClrLst meth="repeat">
+      <a:schemeClr val="accent1"/>
+    </dgm:fillClrLst>
+    <dgm:linClrLst meth="repeat">
+      <a:schemeClr val="accent1"/>
+    </dgm:linClrLst>
+    <dgm:effectClrLst/>
+    <dgm:txLinClrLst/>
+    <dgm:txFillClrLst meth="repeat">
+      <a:schemeClr val="lt1"/>
+    </dgm:txFillClrLst>
+    <dgm:txEffectClrLst/>
+  </dgm:styleLbl>
+  <dgm:styleLbl name="parChTrans2D3">
+    <dgm:fillClrLst meth="repeat">
+      <a:schemeClr val="accent1"/>
+    </dgm:fillClrLst>
+    <dgm:linClrLst meth="repeat">
+      <a:schemeClr val="accent1"/>
+    </dgm:linClrLst>
+    <dgm:effectClrLst/>
+    <dgm:txLinClrLst/>
+    <dgm:txFillClrLst meth="repeat">
+      <a:schemeClr val="lt1"/>
+    </dgm:txFillClrLst>
+    <dgm:txEffectClrLst/>
+  </dgm:styleLbl>
+  <dgm:styleLbl name="parChTrans2D4">
+    <dgm:fillClrLst meth="repeat">
+      <a:schemeClr val="accent1"/>
+    </dgm:fillClrLst>
+    <dgm:linClrLst meth="repeat">
+      <a:schemeClr val="accent1"/>
+    </dgm:linClrLst>
+    <dgm:effectClrLst/>
+    <dgm:txLinClrLst/>
+    <dgm:txFillClrLst meth="repeat">
+      <a:schemeClr val="lt1"/>
+    </dgm:txFillClrLst>
+    <dgm:txEffectClrLst/>
+  </dgm:styleLbl>
+  <dgm:styleLbl name="parChTrans1D1">
+    <dgm:fillClrLst meth="repeat">
+      <a:schemeClr val="accent1"/>
+    </dgm:fillClrLst>
+    <dgm:linClrLst meth="repeat">
+      <a:schemeClr val="accent1">
+        <a:shade val="60000"/>
+      </a:schemeClr>
+    </dgm:linClrLst>
+    <dgm:effectClrLst/>
+    <dgm:txLinClrLst/>
+    <dgm:txFillClrLst meth="repeat">
+      <a:schemeClr val="tx1"/>
+    </dgm:txFillClrLst>
+    <dgm:txEffectClrLst/>
+  </dgm:styleLbl>
+  <dgm:styleLbl name="parChTrans1D2">
+    <dgm:fillClrLst meth="repeat">
+      <a:schemeClr val="accent1"/>
+    </dgm:fillClrLst>
+    <dgm:linClrLst meth="repeat">
+      <a:schemeClr val="accent1">
+        <a:shade val="60000"/>
+      </a:schemeClr>
+    </dgm:linClrLst>
+    <dgm:effectClrLst/>
+    <dgm:txLinClrLst/>
+    <dgm:txFillClrLst meth="repeat">
+      <a:schemeClr val="tx1"/>
+    </dgm:txFillClrLst>
+    <dgm:txEffectClrLst/>
+  </dgm:styleLbl>
+  <dgm:styleLbl name="parChTrans1D3">
+    <dgm:fillClrLst meth="repeat">
+      <a:schemeClr val="accent1"/>
+    </dgm:fillClrLst>
+    <dgm:linClrLst meth="repeat">
+      <a:schemeClr val="accent1">
+        <a:shade val="80000"/>
+      </a:schemeClr>
+    </dgm:linClrLst>
+    <dgm:effectClrLst/>
+    <dgm:txLinClrLst/>
+    <dgm:txFillClrLst meth="repeat">
+      <a:schemeClr val="tx1"/>
+    </dgm:txFillClrLst>
+    <dgm:txEffectClrLst/>
+  </dgm:styleLbl>
+  <dgm:styleLbl name="parChTrans1D4">
+    <dgm:fillClrLst meth="repeat">
+      <a:schemeClr val="accent1"/>
+    </dgm:fillClrLst>
+    <dgm:linClrLst meth="repeat">
+      <a:schemeClr val="accent1">
+        <a:shade val="80000"/>
+      </a:schemeClr>
+    </dgm:linClrLst>
+    <dgm:effectClrLst/>
+    <dgm:txLinClrLst/>
+    <dgm:txFillClrLst meth="repeat">
+      <a:schemeClr val="tx1"/>
+    </dgm:txFillClrLst>
+    <dgm:txEffectClrLst/>
+  </dgm:styleLbl>
+  <dgm:styleLbl name="fgAcc1">
+    <dgm:fillClrLst meth="repeat">
+      <a:schemeClr val="lt1">
+        <a:alpha val="90000"/>
+      </a:schemeClr>
+    </dgm:fillClrLst>
+    <dgm:linClrLst meth="repeat">
+      <a:schemeClr val="accent1"/>
+    </dgm:linClrLst>
+    <dgm:effectClrLst/>
+    <dgm:txLinClrLst/>
+    <dgm:txFillClrLst meth="repeat">
+      <a:schemeClr val="dk1"/>
+    </dgm:txFillClrLst>
+    <dgm:txEffectClrLst/>
+  </dgm:styleLbl>
+  <dgm:styleLbl name="conFgAcc1">
+    <dgm:fillClrLst meth="repeat">
+      <a:schemeClr val="lt1">
+        <a:alpha val="90000"/>
+      </a:schemeClr>
+    </dgm:fillClrLst>
+    <dgm:linClrLst meth="repeat">
+      <a:schemeClr val="accent1"/>
+    </dgm:linClrLst>
+    <dgm:effectClrLst/>
+    <dgm:txLinClrLst/>
+    <dgm:txFillClrLst meth="repeat">
+      <a:schemeClr val="dk1"/>
+    </dgm:txFillClrLst>
+    <dgm:txEffectClrLst/>
+  </dgm:styleLbl>
+  <dgm:styleLbl name="alignAcc1">
+    <dgm:fillClrLst meth="repeat">
+      <a:schemeClr val="lt1">
+        <a:alpha val="90000"/>
+      </a:schemeClr>
+    </dgm:fillClrLst>
+    <dgm:linClrLst meth="repeat">
+      <a:schemeClr val="accent1"/>
+    </dgm:linClrLst>
+    <dgm:effectClrLst/>
+    <dgm:txLinClrLst/>
+    <dgm:txFillClrLst meth="repeat">
+      <a:schemeClr val="dk1"/>
+    </dgm:txFillClrLst>
+    <dgm:txEffectClrLst/>
+  </dgm:styleLbl>
+  <dgm:styleLbl name="trAlignAcc1">
+    <dgm:fillClrLst meth="repeat">
+      <a:schemeClr val="lt1">
+        <a:alpha val="40000"/>
+      </a:schemeClr>
+    </dgm:fillClrLst>
+    <dgm:linClrLst meth="repeat">
+      <a:schemeClr val="accent1"/>
+    </dgm:linClrLst>
+    <dgm:effectClrLst/>
+    <dgm:txLinClrLst/>
+    <dgm:txFillClrLst meth="repeat">
+      <a:schemeClr val="dk1"/>
+    </dgm:txFillClrLst>
+    <dgm:txEffectClrLst/>
+  </dgm:styleLbl>
+  <dgm:styleLbl name="bgAcc1">
+    <dgm:fillClrLst meth="repeat">
+      <a:schemeClr val="lt1">
+        <a:alpha val="90000"/>
+      </a:schemeClr>
+    </dgm:fillClrLst>
+    <dgm:linClrLst meth="repeat">
+      <a:schemeClr val="accent1"/>
+    </dgm:linClrLst>
+    <dgm:effectClrLst/>
+    <dgm:txLinClrLst/>
+    <dgm:txFillClrLst meth="repeat">
+      <a:schemeClr val="dk1"/>
+    </dgm:txFillClrLst>
+    <dgm:txEffectClrLst/>
+  </dgm:styleLbl>
+  <dgm:styleLbl name="solidFgAcc1">
+    <dgm:fillClrLst meth="repeat">
+      <a:schemeClr val="lt1"/>
+    </dgm:fillClrLst>
+    <dgm:linClrLst meth="repeat">
+      <a:schemeClr val="accent1"/>
+    </dgm:linClrLst>
+    <dgm:effectClrLst/>
+    <dgm:txLinClrLst/>
+    <dgm:txFillClrLst meth="repeat">
+      <a:schemeClr val="dk1"/>
+    </dgm:txFillClrLst>
+    <dgm:txEffectClrLst/>
+  </dgm:styleLbl>
+  <dgm:styleLbl name="solidAlignAcc1">
+    <dgm:fillClrLst meth="repeat">
+      <a:schemeClr val="lt1"/>
+    </dgm:fillClrLst>
+    <dgm:linClrLst meth="repeat">
+      <a:schemeClr val="accent1"/>
+    </dgm:linClrLst>
+    <dgm:effectClrLst/>
+    <dgm:txLinClrLst/>
+    <dgm:txFillClrLst meth="repeat">
+      <a:schemeClr val="dk1"/>
+    </dgm:txFillClrLst>
+    <dgm:txEffectClrLst/>
+  </dgm:styleLbl>
+  <dgm:styleLbl name="solidBgAcc1">
+    <dgm:fillClrLst meth="repeat">
+      <a:schemeClr val="lt1"/>
+    </dgm:fillClrLst>
+    <dgm:linClrLst meth="repeat">
+      <a:schemeClr val="accent1"/>
+    </dgm:linClrLst>
+    <dgm:effectClrLst/>
+    <dgm:txLinClrLst/>
+    <dgm:txFillClrLst meth="repeat">
+      <a:schemeClr val="dk1"/>
+    </dgm:txFillClrLst>
+    <dgm:txEffectClrLst/>
+  </dgm:styleLbl>
+  <dgm:styleLbl name="fgAccFollowNode1">
+    <dgm:fillClrLst meth="repeat">
+      <a:schemeClr val="accent1">
+        <a:alpha val="90000"/>
+        <a:tint val="40000"/>
+      </a:schemeClr>
+    </dgm:fillClrLst>
+    <dgm:linClrLst meth="repeat">
+      <a:schemeClr val="accent1">
+        <a:alpha val="90000"/>
+        <a:tint val="40000"/>
+      </a:schemeClr>
+    </dgm:linClrLst>
+    <dgm:effectClrLst/>
+    <dgm:txLinClrLst/>
+    <dgm:txFillClrLst meth="repeat">
+      <a:schemeClr val="dk1"/>
+    </dgm:txFillClrLst>
+    <dgm:txEffectClrLst/>
+  </dgm:styleLbl>
+  <dgm:styleLbl name="alignAccFollowNode1">
+    <dgm:fillClrLst meth="repeat">
+      <a:schemeClr val="accent1">
+        <a:alpha val="90000"/>
+        <a:tint val="40000"/>
+      </a:schemeClr>
+    </dgm:fillClrLst>
+    <dgm:linClrLst meth="repeat">
+      <a:schemeClr val="accent1">
+        <a:alpha val="90000"/>
+        <a:tint val="40000"/>
+      </a:schemeClr>
+    </dgm:linClrLst>
+    <dgm:effectClrLst/>
+    <dgm:txLinClrLst/>
+    <dgm:txFillClrLst meth="repeat">
+      <a:schemeClr val="dk1"/>
+    </dgm:txFillClrLst>
+    <dgm:txEffectClrLst/>
+  </dgm:styleLbl>
+  <dgm:styleLbl name="bgAccFollowNode1">
+    <dgm:fillClrLst meth="repeat">
+      <a:schemeClr val="accent1">
+        <a:alpha val="90000"/>
+        <a:tint val="40000"/>
+      </a:schemeClr>
+    </dgm:fillClrLst>
+    <dgm:linClrLst meth="repeat">
+      <a:schemeClr val="accent1">
+        <a:alpha val="90000"/>
+        <a:tint val="40000"/>
+      </a:schemeClr>
+    </dgm:linClrLst>
+    <dgm:effectClrLst/>
+    <dgm:txLinClrLst/>
+    <dgm:txFillClrLst meth="repeat">
+      <a:schemeClr val="dk1"/>
+    </dgm:txFillClrLst>
+    <dgm:txEffectClrLst/>
+  </dgm:styleLbl>
+  <dgm:styleLbl name="fgAcc0">
+    <dgm:fillClrLst meth="repeat">
+      <a:schemeClr val="lt1">
+        <a:alpha val="90000"/>
+      </a:schemeClr>
+    </dgm:fillClrLst>
+    <dgm:linClrLst meth="repeat">
+      <a:schemeClr val="accent1"/>
+    </dgm:linClrLst>
+    <dgm:effectClrLst/>
+    <dgm:txLinClrLst/>
+    <dgm:txFillClrLst meth="repeat">
+      <a:schemeClr val="dk1"/>
+    </dgm:txFillClrLst>
+    <dgm:txEffectClrLst/>
+  </dgm:styleLbl>
+  <dgm:styleLbl name="fgAcc2">
+    <dgm:fillClrLst meth="repeat">
+      <a:schemeClr val="lt1">
+        <a:alpha val="90000"/>
+      </a:schemeClr>
+    </dgm:fillClrLst>
+    <dgm:linClrLst meth="repeat">
+      <a:schemeClr val="accent1"/>
+    </dgm:linClrLst>
+    <dgm:effectClrLst/>
+    <dgm:txLinClrLst/>
+    <dgm:txFillClrLst meth="repeat">
+      <a:schemeClr val="dk1"/>
+    </dgm:txFillClrLst>
+    <dgm:txEffectClrLst/>
+  </dgm:styleLbl>
+  <dgm:styleLbl name="fgAcc3">
+    <dgm:fillClrLst meth="repeat">
+      <a:schemeClr val="lt1">
+        <a:alpha val="90000"/>
+      </a:schemeClr>
+    </dgm:fillClrLst>
+    <dgm:linClrLst meth="repeat">
+      <a:schemeClr val="accent1"/>
+    </dgm:linClrLst>
+    <dgm:effectClrLst/>
+    <dgm:txLinClrLst/>
+    <dgm:txFillClrLst meth="repeat">
+      <a:schemeClr val="dk1"/>
+    </dgm:txFillClrLst>
+    <dgm:txEffectClrLst/>
+  </dgm:styleLbl>
+  <dgm:styleLbl name="fgAcc4">
+    <dgm:fillClrLst meth="repeat">
+      <a:schemeClr val="lt1">
+        <a:alpha val="90000"/>
+      </a:schemeClr>
+    </dgm:fillClrLst>
+    <dgm:linClrLst meth="repeat">
+      <a:schemeClr val="accent1"/>
+    </dgm:linClrLst>
+    <dgm:effectClrLst/>
+    <dgm:txLinClrLst/>
+    <dgm:txFillClrLst meth="repeat">
+      <a:schemeClr val="dk1"/>
+    </dgm:txFillClrLst>
+    <dgm:txEffectClrLst/>
+  </dgm:styleLbl>
+  <dgm:styleLbl name="bgShp">
+    <dgm:fillClrLst meth="repeat">
+      <a:schemeClr val="accent1">
+        <a:tint val="40000"/>
+      </a:schemeClr>
+    </dgm:fillClrLst>
+    <dgm:linClrLst meth="repeat">
+      <a:schemeClr val="accent1"/>
+    </dgm:linClrLst>
+    <dgm:effectClrLst/>
+    <dgm:txLinClrLst/>
+    <dgm:txFillClrLst meth="repeat">
+      <a:schemeClr val="dk1"/>
+    </dgm:txFillClrLst>
+    <dgm:txEffectClrLst/>
+  </dgm:styleLbl>
+  <dgm:styleLbl name="dkBgShp">
+    <dgm:fillClrLst meth="repeat">
+      <a:schemeClr val="accent1">
+        <a:shade val="80000"/>
+      </a:schemeClr>
+    </dgm:fillClrLst>
+    <dgm:linClrLst meth="repeat">
+      <a:schemeClr val="accent1"/>
+    </dgm:linClrLst>
+    <dgm:effectClrLst/>
+    <dgm:txLinClrLst/>
+    <dgm:txFillClrLst meth="repeat">
+      <a:schemeClr val="lt1"/>
+    </dgm:txFillClrLst>
+    <dgm:txEffectClrLst/>
+  </dgm:styleLbl>
+  <dgm:styleLbl name="trBgShp">
+    <dgm:fillClrLst meth="repeat">
+      <a:schemeClr val="accent1">
+        <a:tint val="50000"/>
+        <a:alpha val="40000"/>
+      </a:schemeClr>
+    </dgm:fillClrLst>
+    <dgm:linClrLst meth="repeat">
+      <a:schemeClr val="accent1"/>
+    </dgm:linClrLst>
+    <dgm:effectClrLst/>
+    <dgm:txLinClrLst/>
+    <dgm:txFillClrLst meth="repeat">
+      <a:schemeClr val="lt1"/>
+    </dgm:txFillClrLst>
+    <dgm:txEffectClrLst/>
+  </dgm:styleLbl>
+  <dgm:styleLbl name="fgShp">
+    <dgm:fillClrLst meth="repeat">
+      <a:schemeClr val="accent1">
+        <a:tint val="60000"/>
+      </a:schemeClr>
+    </dgm:fillClrLst>
+    <dgm:linClrLst meth="repeat">
+      <a:schemeClr val="lt1"/>
+    </dgm:linClrLst>
+    <dgm:effectClrLst/>
+    <dgm:txLinClrLst/>
+    <dgm:txFillClrLst meth="repeat">
+      <a:schemeClr val="dk1"/>
+    </dgm:txFillClrLst>
+    <dgm:txEffectClrLst/>
+  </dgm:styleLbl>
+  <dgm:styleLbl name="revTx">
+    <dgm:fillClrLst meth="repeat">
+      <a:schemeClr val="lt1">
+        <a:alpha val="0"/>
+      </a:schemeClr>
+    </dgm:fillClrLst>
+    <dgm:linClrLst meth="repeat">
+      <a:schemeClr val="dk1">
+        <a:alpha val="0"/>
+      </a:schemeClr>
+    </dgm:linClrLst>
+    <dgm:effectClrLst/>
+    <dgm:txLinClrLst/>
+    <dgm:txFillClrLst meth="repeat">
+      <a:schemeClr val="tx1"/>
+    </dgm:txFillClrLst>
+    <dgm:txEffectClrLst/>
+  </dgm:styleLbl>
+</dgm:colorsDef>
+</file>
+
+<file path=ppt/diagrams/data1.xml><?xml version="1.0" encoding="utf-8"?>
+<dgm:dataModel xmlns:dgm="http://schemas.openxmlformats.org/drawingml/2006/diagram" xmlns:a="http://schemas.openxmlformats.org/drawingml/2006/main">
+  <dgm:ptLst>
+    <dgm:pt modelId="{1F889F6B-99AE-48E8-B980-C302E82B165F}" type="doc">
+      <dgm:prSet loTypeId="urn:microsoft.com/office/officeart/2005/8/layout/process1" loCatId="process" qsTypeId="urn:microsoft.com/office/officeart/2005/8/quickstyle/simple1" qsCatId="simple" csTypeId="urn:microsoft.com/office/officeart/2005/8/colors/accent1_2" csCatId="accent1" phldr="1"/>
+      <dgm:spPr/>
+      <dgm:t>
+        <a:bodyPr/>
+        <a:lstStyle/>
+        <a:p>
+          <a:endParaRPr lang="pl-PL"/>
+        </a:p>
+      </dgm:t>
+    </dgm:pt>
+    <dgm:pt modelId="{6D0BDA8A-561A-4746-834E-1E307670056F}">
+      <dgm:prSet phldrT="[Tekst]">
+        <dgm:style>
+          <a:lnRef idx="1">
+            <a:schemeClr val="accent6"/>
+          </a:lnRef>
+          <a:fillRef idx="2">
+            <a:schemeClr val="accent6"/>
+          </a:fillRef>
+          <a:effectRef idx="1">
+            <a:schemeClr val="accent6"/>
+          </a:effectRef>
+          <a:fontRef idx="minor">
+            <a:schemeClr val="dk1"/>
+          </a:fontRef>
+        </dgm:style>
+      </dgm:prSet>
+      <dgm:spPr/>
+      <dgm:t>
+        <a:bodyPr/>
+        <a:lstStyle/>
+        <a:p>
+          <a:r>
+            <a:rPr lang="en-US" noProof="0" dirty="0" smtClean="0"/>
+            <a:t>Generator</a:t>
+          </a:r>
+          <a:endParaRPr lang="en-US" noProof="0" dirty="0"/>
+        </a:p>
+      </dgm:t>
+    </dgm:pt>
+    <dgm:pt modelId="{A2D97AC3-F07B-4CED-9E1B-19A6FE63C467}" type="parTrans" cxnId="{78D59B7E-678D-4E7E-83C7-AA91BC4B1B6A}">
+      <dgm:prSet/>
+      <dgm:spPr/>
+      <dgm:t>
+        <a:bodyPr/>
+        <a:lstStyle/>
+        <a:p>
+          <a:endParaRPr lang="pl-PL"/>
+        </a:p>
+      </dgm:t>
+    </dgm:pt>
+    <dgm:pt modelId="{D6A1622A-123C-4819-A9A9-D26D36058771}" type="sibTrans" cxnId="{78D59B7E-678D-4E7E-83C7-AA91BC4B1B6A}">
+      <dgm:prSet/>
+      <dgm:spPr/>
+      <dgm:t>
+        <a:bodyPr/>
+        <a:lstStyle/>
+        <a:p>
+          <a:endParaRPr lang="pl-PL"/>
+        </a:p>
+      </dgm:t>
+    </dgm:pt>
+    <dgm:pt modelId="{502AFD98-086D-4506-8435-BE95B6DBDC00}">
+      <dgm:prSet phldrT="[Tekst]">
+        <dgm:style>
+          <a:lnRef idx="1">
+            <a:schemeClr val="accent3"/>
+          </a:lnRef>
+          <a:fillRef idx="2">
+            <a:schemeClr val="accent3"/>
+          </a:fillRef>
+          <a:effectRef idx="1">
+            <a:schemeClr val="accent3"/>
+          </a:effectRef>
+          <a:fontRef idx="minor">
+            <a:schemeClr val="dk1"/>
+          </a:fontRef>
+        </dgm:style>
+      </dgm:prSet>
+      <dgm:spPr/>
+      <dgm:t>
+        <a:bodyPr/>
+        <a:lstStyle/>
+        <a:p>
+          <a:r>
+            <a:rPr lang="en-US" noProof="0" dirty="0" smtClean="0"/>
+            <a:t>Detector</a:t>
+          </a:r>
+          <a:endParaRPr lang="en-US" noProof="0" dirty="0"/>
+        </a:p>
+      </dgm:t>
+    </dgm:pt>
+    <dgm:pt modelId="{8C1045EB-01F3-4A16-9BB3-317A651E7636}" type="parTrans" cxnId="{8B7860B9-DE2F-4113-AF6C-725F4283353C}">
+      <dgm:prSet/>
+      <dgm:spPr/>
+      <dgm:t>
+        <a:bodyPr/>
+        <a:lstStyle/>
+        <a:p>
+          <a:endParaRPr lang="pl-PL"/>
+        </a:p>
+      </dgm:t>
+    </dgm:pt>
+    <dgm:pt modelId="{82D7D5F1-50EA-49F6-856E-8E2F47E7F229}" type="sibTrans" cxnId="{8B7860B9-DE2F-4113-AF6C-725F4283353C}">
+      <dgm:prSet/>
+      <dgm:spPr/>
+      <dgm:t>
+        <a:bodyPr/>
+        <a:lstStyle/>
+        <a:p>
+          <a:endParaRPr lang="pl-PL"/>
+        </a:p>
+      </dgm:t>
+    </dgm:pt>
+    <dgm:pt modelId="{FD321F01-0F04-4CAA-84BD-34FCAF62FA6B}">
+      <dgm:prSet phldrT="[Tekst]">
+        <dgm:style>
+          <a:lnRef idx="1">
+            <a:schemeClr val="accent1"/>
+          </a:lnRef>
+          <a:fillRef idx="2">
+            <a:schemeClr val="accent1"/>
+          </a:fillRef>
+          <a:effectRef idx="1">
+            <a:schemeClr val="accent1"/>
+          </a:effectRef>
+          <a:fontRef idx="minor">
+            <a:schemeClr val="dk1"/>
+          </a:fontRef>
+        </dgm:style>
+      </dgm:prSet>
+      <dgm:spPr/>
+      <dgm:t>
+        <a:bodyPr/>
+        <a:lstStyle/>
+        <a:p>
+          <a:r>
+            <a:rPr lang="en-US" noProof="0" dirty="0" smtClean="0"/>
+            <a:t>Verifier</a:t>
+          </a:r>
+          <a:endParaRPr lang="en-US" noProof="0" dirty="0"/>
+        </a:p>
+      </dgm:t>
+    </dgm:pt>
+    <dgm:pt modelId="{4A6FBC04-4DBB-4C4D-A975-996677D9147C}" type="parTrans" cxnId="{CB41A144-BB8D-41F7-8371-113546E6DFD1}">
+      <dgm:prSet/>
+      <dgm:spPr/>
+      <dgm:t>
+        <a:bodyPr/>
+        <a:lstStyle/>
+        <a:p>
+          <a:endParaRPr lang="pl-PL"/>
+        </a:p>
+      </dgm:t>
+    </dgm:pt>
+    <dgm:pt modelId="{944BFB0B-4F93-419F-82D9-2710920037CF}" type="sibTrans" cxnId="{CB41A144-BB8D-41F7-8371-113546E6DFD1}">
+      <dgm:prSet/>
+      <dgm:spPr/>
+      <dgm:t>
+        <a:bodyPr/>
+        <a:lstStyle/>
+        <a:p>
+          <a:endParaRPr lang="pl-PL"/>
+        </a:p>
+      </dgm:t>
+    </dgm:pt>
+    <dgm:pt modelId="{D2975970-A2C3-4E93-AED0-45141671E107}" type="pres">
+      <dgm:prSet presAssocID="{1F889F6B-99AE-48E8-B980-C302E82B165F}" presName="Name0" presStyleCnt="0">
+        <dgm:presLayoutVars>
+          <dgm:dir/>
+          <dgm:resizeHandles val="exact"/>
+        </dgm:presLayoutVars>
+      </dgm:prSet>
+      <dgm:spPr/>
+    </dgm:pt>
+    <dgm:pt modelId="{2650CDCD-BD59-4689-B3A0-2FCCA7BA5183}" type="pres">
+      <dgm:prSet presAssocID="{6D0BDA8A-561A-4746-834E-1E307670056F}" presName="node" presStyleLbl="node1" presStyleIdx="0" presStyleCnt="3">
+        <dgm:presLayoutVars>
+          <dgm:bulletEnabled val="1"/>
+        </dgm:presLayoutVars>
+      </dgm:prSet>
+      <dgm:spPr/>
+      <dgm:t>
+        <a:bodyPr/>
+        <a:lstStyle/>
+        <a:p>
+          <a:endParaRPr lang="pl-PL"/>
+        </a:p>
+      </dgm:t>
+    </dgm:pt>
+    <dgm:pt modelId="{E4F97650-C89E-4923-B5EF-545DCC98081C}" type="pres">
+      <dgm:prSet presAssocID="{D6A1622A-123C-4819-A9A9-D26D36058771}" presName="sibTrans" presStyleLbl="sibTrans2D1" presStyleIdx="0" presStyleCnt="2"/>
+      <dgm:spPr/>
+    </dgm:pt>
+    <dgm:pt modelId="{96B76099-9FD5-4F71-BDF7-B3B560BDD894}" type="pres">
+      <dgm:prSet presAssocID="{D6A1622A-123C-4819-A9A9-D26D36058771}" presName="connectorText" presStyleLbl="sibTrans2D1" presStyleIdx="0" presStyleCnt="2"/>
+      <dgm:spPr/>
+    </dgm:pt>
+    <dgm:pt modelId="{4F85E089-1A31-4F0F-A34D-A577B8C1EE33}" type="pres">
+      <dgm:prSet presAssocID="{502AFD98-086D-4506-8435-BE95B6DBDC00}" presName="node" presStyleLbl="node1" presStyleIdx="1" presStyleCnt="3">
+        <dgm:presLayoutVars>
+          <dgm:bulletEnabled val="1"/>
+        </dgm:presLayoutVars>
+      </dgm:prSet>
+      <dgm:spPr/>
+      <dgm:t>
+        <a:bodyPr/>
+        <a:lstStyle/>
+        <a:p>
+          <a:endParaRPr lang="pl-PL"/>
+        </a:p>
+      </dgm:t>
+    </dgm:pt>
+    <dgm:pt modelId="{D106EF5F-5160-4557-8B87-7A38B2711F7D}" type="pres">
+      <dgm:prSet presAssocID="{82D7D5F1-50EA-49F6-856E-8E2F47E7F229}" presName="sibTrans" presStyleLbl="sibTrans2D1" presStyleIdx="1" presStyleCnt="2"/>
+      <dgm:spPr/>
+    </dgm:pt>
+    <dgm:pt modelId="{F955885F-A015-4BB5-A5D0-DA5B4ADBAFA7}" type="pres">
+      <dgm:prSet presAssocID="{82D7D5F1-50EA-49F6-856E-8E2F47E7F229}" presName="connectorText" presStyleLbl="sibTrans2D1" presStyleIdx="1" presStyleCnt="2"/>
+      <dgm:spPr/>
+    </dgm:pt>
+    <dgm:pt modelId="{C6E1C9EA-6382-473E-865F-A63B4B2ECB93}" type="pres">
+      <dgm:prSet presAssocID="{FD321F01-0F04-4CAA-84BD-34FCAF62FA6B}" presName="node" presStyleLbl="node1" presStyleIdx="2" presStyleCnt="3">
+        <dgm:presLayoutVars>
+          <dgm:bulletEnabled val="1"/>
+        </dgm:presLayoutVars>
+      </dgm:prSet>
+      <dgm:spPr/>
+      <dgm:t>
+        <a:bodyPr/>
+        <a:lstStyle/>
+        <a:p>
+          <a:endParaRPr lang="pl-PL"/>
+        </a:p>
+      </dgm:t>
+    </dgm:pt>
+  </dgm:ptLst>
+  <dgm:cxnLst>
+    <dgm:cxn modelId="{50817C4F-E9B0-47FE-8678-6E83ACE986B7}" type="presOf" srcId="{6D0BDA8A-561A-4746-834E-1E307670056F}" destId="{2650CDCD-BD59-4689-B3A0-2FCCA7BA5183}" srcOrd="0" destOrd="0" presId="urn:microsoft.com/office/officeart/2005/8/layout/process1"/>
+    <dgm:cxn modelId="{D34BF8F6-C5D5-4299-AEF8-56D8A965D8FF}" type="presOf" srcId="{D6A1622A-123C-4819-A9A9-D26D36058771}" destId="{96B76099-9FD5-4F71-BDF7-B3B560BDD894}" srcOrd="1" destOrd="0" presId="urn:microsoft.com/office/officeart/2005/8/layout/process1"/>
+    <dgm:cxn modelId="{E5FBC57C-4BBB-4FBB-B072-F534D94EA9C8}" type="presOf" srcId="{82D7D5F1-50EA-49F6-856E-8E2F47E7F229}" destId="{F955885F-A015-4BB5-A5D0-DA5B4ADBAFA7}" srcOrd="1" destOrd="0" presId="urn:microsoft.com/office/officeart/2005/8/layout/process1"/>
+    <dgm:cxn modelId="{EC82A49E-F994-4D90-AE23-4D065D6738D7}" type="presOf" srcId="{D6A1622A-123C-4819-A9A9-D26D36058771}" destId="{E4F97650-C89E-4923-B5EF-545DCC98081C}" srcOrd="0" destOrd="0" presId="urn:microsoft.com/office/officeart/2005/8/layout/process1"/>
+    <dgm:cxn modelId="{833A2221-05AC-4701-A63D-BF8B32B0E681}" type="presOf" srcId="{FD321F01-0F04-4CAA-84BD-34FCAF62FA6B}" destId="{C6E1C9EA-6382-473E-865F-A63B4B2ECB93}" srcOrd="0" destOrd="0" presId="urn:microsoft.com/office/officeart/2005/8/layout/process1"/>
+    <dgm:cxn modelId="{D4C6ABF7-2F57-4BAF-8166-E142FF1A0F34}" type="presOf" srcId="{502AFD98-086D-4506-8435-BE95B6DBDC00}" destId="{4F85E089-1A31-4F0F-A34D-A577B8C1EE33}" srcOrd="0" destOrd="0" presId="urn:microsoft.com/office/officeart/2005/8/layout/process1"/>
+    <dgm:cxn modelId="{0D4A9A4A-4F3B-4DC6-8061-AC054193EFDA}" type="presOf" srcId="{1F889F6B-99AE-48E8-B980-C302E82B165F}" destId="{D2975970-A2C3-4E93-AED0-45141671E107}" srcOrd="0" destOrd="0" presId="urn:microsoft.com/office/officeart/2005/8/layout/process1"/>
+    <dgm:cxn modelId="{CB41A144-BB8D-41F7-8371-113546E6DFD1}" srcId="{1F889F6B-99AE-48E8-B980-C302E82B165F}" destId="{FD321F01-0F04-4CAA-84BD-34FCAF62FA6B}" srcOrd="2" destOrd="0" parTransId="{4A6FBC04-4DBB-4C4D-A975-996677D9147C}" sibTransId="{944BFB0B-4F93-419F-82D9-2710920037CF}"/>
+    <dgm:cxn modelId="{8B7860B9-DE2F-4113-AF6C-725F4283353C}" srcId="{1F889F6B-99AE-48E8-B980-C302E82B165F}" destId="{502AFD98-086D-4506-8435-BE95B6DBDC00}" srcOrd="1" destOrd="0" parTransId="{8C1045EB-01F3-4A16-9BB3-317A651E7636}" sibTransId="{82D7D5F1-50EA-49F6-856E-8E2F47E7F229}"/>
+    <dgm:cxn modelId="{764D3507-7E01-4EAD-99E6-3E9EB77E6C01}" type="presOf" srcId="{82D7D5F1-50EA-49F6-856E-8E2F47E7F229}" destId="{D106EF5F-5160-4557-8B87-7A38B2711F7D}" srcOrd="0" destOrd="0" presId="urn:microsoft.com/office/officeart/2005/8/layout/process1"/>
+    <dgm:cxn modelId="{78D59B7E-678D-4E7E-83C7-AA91BC4B1B6A}" srcId="{1F889F6B-99AE-48E8-B980-C302E82B165F}" destId="{6D0BDA8A-561A-4746-834E-1E307670056F}" srcOrd="0" destOrd="0" parTransId="{A2D97AC3-F07B-4CED-9E1B-19A6FE63C467}" sibTransId="{D6A1622A-123C-4819-A9A9-D26D36058771}"/>
+    <dgm:cxn modelId="{DF07863A-56A8-4611-BA53-23BF7E29FA8A}" type="presParOf" srcId="{D2975970-A2C3-4E93-AED0-45141671E107}" destId="{2650CDCD-BD59-4689-B3A0-2FCCA7BA5183}" srcOrd="0" destOrd="0" presId="urn:microsoft.com/office/officeart/2005/8/layout/process1"/>
+    <dgm:cxn modelId="{CFD15A54-80E8-4E66-B76D-A57BA0E113DE}" type="presParOf" srcId="{D2975970-A2C3-4E93-AED0-45141671E107}" destId="{E4F97650-C89E-4923-B5EF-545DCC98081C}" srcOrd="1" destOrd="0" presId="urn:microsoft.com/office/officeart/2005/8/layout/process1"/>
+    <dgm:cxn modelId="{0C37F1A4-DCBE-4984-AF68-6F8FB944A403}" type="presParOf" srcId="{E4F97650-C89E-4923-B5EF-545DCC98081C}" destId="{96B76099-9FD5-4F71-BDF7-B3B560BDD894}" srcOrd="0" destOrd="0" presId="urn:microsoft.com/office/officeart/2005/8/layout/process1"/>
+    <dgm:cxn modelId="{CD354A1F-51C2-4D0E-B386-DAA2E1D8ED5A}" type="presParOf" srcId="{D2975970-A2C3-4E93-AED0-45141671E107}" destId="{4F85E089-1A31-4F0F-A34D-A577B8C1EE33}" srcOrd="2" destOrd="0" presId="urn:microsoft.com/office/officeart/2005/8/layout/process1"/>
+    <dgm:cxn modelId="{A710A01A-B6D2-4A98-A8F9-0720F55C9AC1}" type="presParOf" srcId="{D2975970-A2C3-4E93-AED0-45141671E107}" destId="{D106EF5F-5160-4557-8B87-7A38B2711F7D}" srcOrd="3" destOrd="0" presId="urn:microsoft.com/office/officeart/2005/8/layout/process1"/>
+    <dgm:cxn modelId="{82DE36E0-CD93-4A9E-B699-1AA27C5562E4}" type="presParOf" srcId="{D106EF5F-5160-4557-8B87-7A38B2711F7D}" destId="{F955885F-A015-4BB5-A5D0-DA5B4ADBAFA7}" srcOrd="0" destOrd="0" presId="urn:microsoft.com/office/officeart/2005/8/layout/process1"/>
+    <dgm:cxn modelId="{4560AF1A-A45D-473E-BA0E-5A40AF310840}" type="presParOf" srcId="{D2975970-A2C3-4E93-AED0-45141671E107}" destId="{C6E1C9EA-6382-473E-865F-A63B4B2ECB93}" srcOrd="4" destOrd="0" presId="urn:microsoft.com/office/officeart/2005/8/layout/process1"/>
+  </dgm:cxnLst>
+  <dgm:bg/>
+  <dgm:whole/>
+  <dgm:extLst>
+    <a:ext uri="http://schemas.microsoft.com/office/drawing/2008/diagram">
+      <dsp:dataModelExt xmlns:dsp="http://schemas.microsoft.com/office/drawing/2008/diagram" relId="rId6" minVer="http://schemas.openxmlformats.org/drawingml/2006/diagram"/>
+    </a:ext>
+  </dgm:extLst>
+</dgm:dataModel>
+</file>
+
+<file path=ppt/diagrams/drawing1.xml><?xml version="1.0" encoding="utf-8"?>
+<dsp:drawing xmlns:dgm="http://schemas.openxmlformats.org/drawingml/2006/diagram" xmlns:dsp="http://schemas.microsoft.com/office/drawing/2008/diagram" xmlns:a="http://schemas.openxmlformats.org/drawingml/2006/main">
+  <dsp:spTree>
+    <dsp:nvGrpSpPr>
+      <dsp:cNvPr id="0" name=""/>
+      <dsp:cNvGrpSpPr/>
+    </dsp:nvGrpSpPr>
+    <dsp:grpSpPr/>
+    <dsp:sp modelId="{2650CDCD-BD59-4689-B3A0-2FCCA7BA5183}">
+      <dsp:nvSpPr>
+        <dsp:cNvPr id="0" name=""/>
+        <dsp:cNvSpPr/>
+      </dsp:nvSpPr>
+      <dsp:spPr>
+        <a:xfrm>
+          <a:off x="5357" y="1551582"/>
+          <a:ext cx="1601390" cy="960834"/>
+        </a:xfrm>
+        <a:prstGeom prst="roundRect">
+          <a:avLst>
+            <a:gd name="adj" fmla="val 10000"/>
+          </a:avLst>
+        </a:prstGeom>
+        <a:solidFill>
+          <a:schemeClr val="accent6">
+            <a:tint val="80000"/>
+          </a:schemeClr>
+        </a:solidFill>
+        <a:ln w="9525" cap="flat" cmpd="sng" algn="ctr">
+          <a:solidFill>
+            <a:schemeClr val="accent6">
+              <a:tint val="90000"/>
+              <a:satMod val="105000"/>
+            </a:schemeClr>
+          </a:solidFill>
+          <a:prstDash val="solid"/>
+        </a:ln>
+        <a:effectLst/>
+      </dsp:spPr>
+      <dsp:style>
+        <a:lnRef idx="1">
+          <a:schemeClr val="accent6"/>
+        </a:lnRef>
+        <a:fillRef idx="2">
+          <a:schemeClr val="accent6"/>
+        </a:fillRef>
+        <a:effectRef idx="1">
+          <a:schemeClr val="accent6"/>
+        </a:effectRef>
+        <a:fontRef idx="minor">
+          <a:schemeClr val="dk1"/>
+        </a:fontRef>
+      </dsp:style>
+      <dsp:txBody>
+        <a:bodyPr spcFirstLastPara="0" vert="horz" wrap="square" lIns="95250" tIns="95250" rIns="95250" bIns="95250" numCol="1" spcCol="1270" anchor="ctr" anchorCtr="0">
+          <a:noAutofit/>
+        </a:bodyPr>
+        <a:lstStyle/>
+        <a:p>
+          <a:pPr lvl="0" algn="ctr" defTabSz="1111250">
+            <a:lnSpc>
+              <a:spcPct val="90000"/>
+            </a:lnSpc>
+            <a:spcBef>
+              <a:spcPct val="0"/>
+            </a:spcBef>
+            <a:spcAft>
+              <a:spcPct val="35000"/>
+            </a:spcAft>
+          </a:pPr>
+          <a:r>
+            <a:rPr lang="en-US" sz="2500" kern="1200" noProof="0" dirty="0" smtClean="0"/>
+            <a:t>Generator</a:t>
+          </a:r>
+          <a:endParaRPr lang="en-US" sz="2500" kern="1200" noProof="0" dirty="0"/>
+        </a:p>
+      </dsp:txBody>
+      <dsp:txXfrm>
+        <a:off x="33499" y="1579724"/>
+        <a:ext cx="1545106" cy="904550"/>
+      </dsp:txXfrm>
+    </dsp:sp>
+    <dsp:sp modelId="{E4F97650-C89E-4923-B5EF-545DCC98081C}">
+      <dsp:nvSpPr>
+        <dsp:cNvPr id="0" name=""/>
+        <dsp:cNvSpPr/>
+      </dsp:nvSpPr>
+      <dsp:spPr>
+        <a:xfrm>
+          <a:off x="1766887" y="1833427"/>
+          <a:ext cx="339494" cy="397144"/>
+        </a:xfrm>
+        <a:prstGeom prst="rightArrow">
+          <a:avLst>
+            <a:gd name="adj1" fmla="val 60000"/>
+            <a:gd name="adj2" fmla="val 50000"/>
+          </a:avLst>
+        </a:prstGeom>
+        <a:solidFill>
+          <a:schemeClr val="accent1">
+            <a:tint val="60000"/>
+            <a:hueOff val="0"/>
+            <a:satOff val="0"/>
+            <a:lumOff val="0"/>
+            <a:alphaOff val="0"/>
+          </a:schemeClr>
+        </a:solidFill>
+        <a:ln>
+          <a:noFill/>
+        </a:ln>
+        <a:effectLst/>
+      </dsp:spPr>
+      <dsp:style>
+        <a:lnRef idx="0">
+          <a:scrgbClr r="0" g="0" b="0"/>
+        </a:lnRef>
+        <a:fillRef idx="1">
+          <a:scrgbClr r="0" g="0" b="0"/>
+        </a:fillRef>
+        <a:effectRef idx="0">
+          <a:scrgbClr r="0" g="0" b="0"/>
+        </a:effectRef>
+        <a:fontRef idx="minor">
+          <a:schemeClr val="lt1"/>
+        </a:fontRef>
+      </dsp:style>
+      <dsp:txBody>
+        <a:bodyPr spcFirstLastPara="0" vert="horz" wrap="square" lIns="0" tIns="0" rIns="0" bIns="0" numCol="1" spcCol="1270" anchor="ctr" anchorCtr="0">
+          <a:noAutofit/>
+        </a:bodyPr>
+        <a:lstStyle/>
+        <a:p>
+          <a:pPr lvl="0" algn="ctr" defTabSz="755650">
+            <a:lnSpc>
+              <a:spcPct val="90000"/>
+            </a:lnSpc>
+            <a:spcBef>
+              <a:spcPct val="0"/>
+            </a:spcBef>
+            <a:spcAft>
+              <a:spcPct val="35000"/>
+            </a:spcAft>
+          </a:pPr>
+          <a:endParaRPr lang="pl-PL" sz="1700" kern="1200"/>
+        </a:p>
+      </dsp:txBody>
+      <dsp:txXfrm>
+        <a:off x="1766887" y="1912856"/>
+        <a:ext cx="237646" cy="238286"/>
+      </dsp:txXfrm>
+    </dsp:sp>
+    <dsp:sp modelId="{4F85E089-1A31-4F0F-A34D-A577B8C1EE33}">
+      <dsp:nvSpPr>
+        <dsp:cNvPr id="0" name=""/>
+        <dsp:cNvSpPr/>
+      </dsp:nvSpPr>
+      <dsp:spPr>
+        <a:xfrm>
+          <a:off x="2247304" y="1551582"/>
+          <a:ext cx="1601390" cy="960834"/>
+        </a:xfrm>
+        <a:prstGeom prst="roundRect">
+          <a:avLst>
+            <a:gd name="adj" fmla="val 10000"/>
+          </a:avLst>
+        </a:prstGeom>
+        <a:solidFill>
+          <a:schemeClr val="accent3">
+            <a:tint val="80000"/>
+          </a:schemeClr>
+        </a:solidFill>
+        <a:ln w="9525" cap="flat" cmpd="sng" algn="ctr">
+          <a:solidFill>
+            <a:schemeClr val="accent3">
+              <a:tint val="90000"/>
+              <a:satMod val="105000"/>
+            </a:schemeClr>
+          </a:solidFill>
+          <a:prstDash val="solid"/>
+        </a:ln>
+        <a:effectLst/>
+      </dsp:spPr>
+      <dsp:style>
+        <a:lnRef idx="1">
+          <a:schemeClr val="accent3"/>
+        </a:lnRef>
+        <a:fillRef idx="2">
+          <a:schemeClr val="accent3"/>
+        </a:fillRef>
+        <a:effectRef idx="1">
+          <a:schemeClr val="accent3"/>
+        </a:effectRef>
+        <a:fontRef idx="minor">
+          <a:schemeClr val="dk1"/>
+        </a:fontRef>
+      </dsp:style>
+      <dsp:txBody>
+        <a:bodyPr spcFirstLastPara="0" vert="horz" wrap="square" lIns="95250" tIns="95250" rIns="95250" bIns="95250" numCol="1" spcCol="1270" anchor="ctr" anchorCtr="0">
+          <a:noAutofit/>
+        </a:bodyPr>
+        <a:lstStyle/>
+        <a:p>
+          <a:pPr lvl="0" algn="ctr" defTabSz="1111250">
+            <a:lnSpc>
+              <a:spcPct val="90000"/>
+            </a:lnSpc>
+            <a:spcBef>
+              <a:spcPct val="0"/>
+            </a:spcBef>
+            <a:spcAft>
+              <a:spcPct val="35000"/>
+            </a:spcAft>
+          </a:pPr>
+          <a:r>
+            <a:rPr lang="en-US" sz="2500" kern="1200" noProof="0" dirty="0" smtClean="0"/>
+            <a:t>Detector</a:t>
+          </a:r>
+          <a:endParaRPr lang="en-US" sz="2500" kern="1200" noProof="0" dirty="0"/>
+        </a:p>
+      </dsp:txBody>
+      <dsp:txXfrm>
+        <a:off x="2275446" y="1579724"/>
+        <a:ext cx="1545106" cy="904550"/>
+      </dsp:txXfrm>
+    </dsp:sp>
+    <dsp:sp modelId="{D106EF5F-5160-4557-8B87-7A38B2711F7D}">
+      <dsp:nvSpPr>
+        <dsp:cNvPr id="0" name=""/>
+        <dsp:cNvSpPr/>
+      </dsp:nvSpPr>
+      <dsp:spPr>
+        <a:xfrm>
+          <a:off x="4008834" y="1833427"/>
+          <a:ext cx="339494" cy="397144"/>
+        </a:xfrm>
+        <a:prstGeom prst="rightArrow">
+          <a:avLst>
+            <a:gd name="adj1" fmla="val 60000"/>
+            <a:gd name="adj2" fmla="val 50000"/>
+          </a:avLst>
+        </a:prstGeom>
+        <a:solidFill>
+          <a:schemeClr val="accent1">
+            <a:tint val="60000"/>
+            <a:hueOff val="0"/>
+            <a:satOff val="0"/>
+            <a:lumOff val="0"/>
+            <a:alphaOff val="0"/>
+          </a:schemeClr>
+        </a:solidFill>
+        <a:ln>
+          <a:noFill/>
+        </a:ln>
+        <a:effectLst/>
+      </dsp:spPr>
+      <dsp:style>
+        <a:lnRef idx="0">
+          <a:scrgbClr r="0" g="0" b="0"/>
+        </a:lnRef>
+        <a:fillRef idx="1">
+          <a:scrgbClr r="0" g="0" b="0"/>
+        </a:fillRef>
+        <a:effectRef idx="0">
+          <a:scrgbClr r="0" g="0" b="0"/>
+        </a:effectRef>
+        <a:fontRef idx="minor">
+          <a:schemeClr val="lt1"/>
+        </a:fontRef>
+      </dsp:style>
+      <dsp:txBody>
+        <a:bodyPr spcFirstLastPara="0" vert="horz" wrap="square" lIns="0" tIns="0" rIns="0" bIns="0" numCol="1" spcCol="1270" anchor="ctr" anchorCtr="0">
+          <a:noAutofit/>
+        </a:bodyPr>
+        <a:lstStyle/>
+        <a:p>
+          <a:pPr lvl="0" algn="ctr" defTabSz="755650">
+            <a:lnSpc>
+              <a:spcPct val="90000"/>
+            </a:lnSpc>
+            <a:spcBef>
+              <a:spcPct val="0"/>
+            </a:spcBef>
+            <a:spcAft>
+              <a:spcPct val="35000"/>
+            </a:spcAft>
+          </a:pPr>
+          <a:endParaRPr lang="pl-PL" sz="1700" kern="1200"/>
+        </a:p>
+      </dsp:txBody>
+      <dsp:txXfrm>
+        <a:off x="4008834" y="1912856"/>
+        <a:ext cx="237646" cy="238286"/>
+      </dsp:txXfrm>
+    </dsp:sp>
+    <dsp:sp modelId="{C6E1C9EA-6382-473E-865F-A63B4B2ECB93}">
+      <dsp:nvSpPr>
+        <dsp:cNvPr id="0" name=""/>
+        <dsp:cNvSpPr/>
+      </dsp:nvSpPr>
+      <dsp:spPr>
+        <a:xfrm>
+          <a:off x="4489251" y="1551582"/>
+          <a:ext cx="1601390" cy="960834"/>
+        </a:xfrm>
+        <a:prstGeom prst="roundRect">
+          <a:avLst>
+            <a:gd name="adj" fmla="val 10000"/>
+          </a:avLst>
+        </a:prstGeom>
+        <a:solidFill>
+          <a:schemeClr val="accent1">
+            <a:tint val="80000"/>
+          </a:schemeClr>
+        </a:solidFill>
+        <a:ln w="9525" cap="flat" cmpd="sng" algn="ctr">
+          <a:solidFill>
+            <a:schemeClr val="accent1">
+              <a:tint val="90000"/>
+              <a:satMod val="105000"/>
+            </a:schemeClr>
+          </a:solidFill>
+          <a:prstDash val="solid"/>
+        </a:ln>
+        <a:effectLst/>
+      </dsp:spPr>
+      <dsp:style>
+        <a:lnRef idx="1">
+          <a:schemeClr val="accent1"/>
+        </a:lnRef>
+        <a:fillRef idx="2">
+          <a:schemeClr val="accent1"/>
+        </a:fillRef>
+        <a:effectRef idx="1">
+          <a:schemeClr val="accent1"/>
+        </a:effectRef>
+        <a:fontRef idx="minor">
+          <a:schemeClr val="dk1"/>
+        </a:fontRef>
+      </dsp:style>
+      <dsp:txBody>
+        <a:bodyPr spcFirstLastPara="0" vert="horz" wrap="square" lIns="95250" tIns="95250" rIns="95250" bIns="95250" numCol="1" spcCol="1270" anchor="ctr" anchorCtr="0">
+          <a:noAutofit/>
+        </a:bodyPr>
+        <a:lstStyle/>
+        <a:p>
+          <a:pPr lvl="0" algn="ctr" defTabSz="1111250">
+            <a:lnSpc>
+              <a:spcPct val="90000"/>
+            </a:lnSpc>
+            <a:spcBef>
+              <a:spcPct val="0"/>
+            </a:spcBef>
+            <a:spcAft>
+              <a:spcPct val="35000"/>
+            </a:spcAft>
+          </a:pPr>
+          <a:r>
+            <a:rPr lang="en-US" sz="2500" kern="1200" noProof="0" dirty="0" smtClean="0"/>
+            <a:t>Verifier</a:t>
+          </a:r>
+          <a:endParaRPr lang="en-US" sz="2500" kern="1200" noProof="0" dirty="0"/>
+        </a:p>
+      </dsp:txBody>
+      <dsp:txXfrm>
+        <a:off x="4517393" y="1579724"/>
+        <a:ext cx="1545106" cy="904550"/>
+      </dsp:txXfrm>
+    </dsp:sp>
+  </dsp:spTree>
+</dsp:drawing>
+</file>
+
+<file path=ppt/diagrams/layout1.xml><?xml version="1.0" encoding="utf-8"?>
+<dgm:layoutDef xmlns:dgm="http://schemas.openxmlformats.org/drawingml/2006/diagram" xmlns:a="http://schemas.openxmlformats.org/drawingml/2006/main" uniqueId="urn:microsoft.com/office/officeart/2005/8/layout/process1">
+  <dgm:title val=""/>
+  <dgm:desc val=""/>
+  <dgm:catLst>
+    <dgm:cat type="process" pri="1000"/>
+    <dgm:cat type="convert" pri="15000"/>
+  </dgm:catLst>
+  <dgm:sampData useDef="1">
+    <dgm:dataModel>
+      <dgm:ptLst/>
+      <dgm:bg/>
+      <dgm:whole/>
+    </dgm:dataModel>
+  </dgm:sampData>
+  <dgm:styleData>
+    <dgm:dataModel>
+      <dgm:ptLst>
+        <dgm:pt modelId="0" type="doc"/>
+        <dgm:pt modelId="1"/>
+        <dgm:pt modelId="2"/>
+      </dgm:ptLst>
+      <dgm:cxnLst>
+        <dgm:cxn modelId="3" srcId="0" destId="1" srcOrd="0" destOrd="0"/>
+        <dgm:cxn modelId="4" srcId="0" destId="2" srcOrd="1" destOrd="0"/>
+      </dgm:cxnLst>
+      <dgm:bg/>
+      <dgm:whole/>
+    </dgm:dataModel>
+  </dgm:styleData>
+  <dgm:clrData>
+    <dgm:dataModel>
+      <dgm:ptLst>
+        <dgm:pt modelId="0" type="doc"/>
+        <dgm:pt modelId="1"/>
+        <dgm:pt modelId="2"/>
+        <dgm:pt modelId="3"/>
+        <dgm:pt modelId="4"/>
+      </dgm:ptLst>
+      <dgm:cxnLst>
+        <dgm:cxn modelId="5" srcId="0" destId="1" srcOrd="0" destOrd="0"/>
+        <dgm:cxn modelId="6" srcId="0" destId="2" srcOrd="1" destOrd="0"/>
+        <dgm:cxn modelId="7" srcId="0" destId="3" srcOrd="2" destOrd="0"/>
+        <dgm:cxn modelId="8" srcId="0" destId="4" srcOrd="3" destOrd="0"/>
+      </dgm:cxnLst>
+      <dgm:bg/>
+      <dgm:whole/>
+    </dgm:dataModel>
+  </dgm:clrData>
+  <dgm:layoutNode name="Name0">
+    <dgm:varLst>
+      <dgm:dir/>
+      <dgm:resizeHandles val="exact"/>
+    </dgm:varLst>
+    <dgm:choose name="Name1">
+      <dgm:if name="Name2" func="var" arg="dir" op="equ" val="norm">
+        <dgm:alg type="lin"/>
+      </dgm:if>
+      <dgm:else name="Name3">
+        <dgm:alg type="lin">
+          <dgm:param type="linDir" val="fromR"/>
+        </dgm:alg>
+      </dgm:else>
+    </dgm:choose>
+    <dgm:shape xmlns:r="http://schemas.openxmlformats.org/officeDocument/2006/relationships" r:blip="">
+      <dgm:adjLst/>
+    </dgm:shape>
+    <dgm:presOf/>
+    <dgm:constrLst>
+      <dgm:constr type="w" for="ch" ptType="node" refType="w"/>
+      <dgm:constr type="h" for="ch" ptType="node" op="equ"/>
+      <dgm:constr type="primFontSz" for="ch" ptType="node" op="equ" val="65"/>
+      <dgm:constr type="w" for="ch" ptType="sibTrans" refType="w" refFor="ch" refPtType="node" op="equ" fact="0.4"/>
+      <dgm:constr type="h" for="ch" ptType="sibTrans" op="equ"/>
+      <dgm:constr type="primFontSz" for="des" forName="connectorText" op="equ" val="55"/>
+      <dgm:constr type="primFontSz" for="des" forName="connectorText" refType="primFontSz" refFor="ch" refPtType="node" op="lte" fact="0.8"/>
+    </dgm:constrLst>
+    <dgm:ruleLst/>
+    <dgm:forEach name="nodesForEach" axis="ch" ptType="node">
+      <dgm:layoutNode name="node">
+        <dgm:varLst>
+          <dgm:bulletEnabled val="1"/>
+        </dgm:varLst>
+        <dgm:alg type="tx"/>
+        <dgm:shape xmlns:r="http://schemas.openxmlformats.org/officeDocument/2006/relationships" type="roundRect" r:blip="">
+          <dgm:adjLst>
+            <dgm:adj idx="1" val="0.1"/>
+          </dgm:adjLst>
+        </dgm:shape>
+        <dgm:presOf axis="desOrSelf" ptType="node"/>
+        <dgm:constrLst>
+          <dgm:constr type="h" refType="w" fact="0.6"/>
+          <dgm:constr type="tMarg" refType="primFontSz" fact="0.3"/>
+          <dgm:constr type="bMarg" refType="primFontSz" fact="0.3"/>
+          <dgm:constr type="lMarg" refType="primFontSz" fact="0.3"/>
+          <dgm:constr type="rMarg" refType="primFontSz" fact="0.3"/>
+        </dgm:constrLst>
+        <dgm:ruleLst>
+          <dgm:rule type="primFontSz" val="18" fact="NaN" max="NaN"/>
+          <dgm:rule type="h" val="NaN" fact="1.5" max="NaN"/>
+          <dgm:rule type="primFontSz" val="5" fact="NaN" max="NaN"/>
+          <dgm:rule type="h" val="INF" fact="NaN" max="NaN"/>
+        </dgm:ruleLst>
+      </dgm:layoutNode>
+      <dgm:forEach name="sibTransForEach" axis="followSib" ptType="sibTrans" cnt="1">
+        <dgm:layoutNode name="sibTrans">
+          <dgm:alg type="conn">
+            <dgm:param type="begPts" val="auto"/>
+            <dgm:param type="endPts" val="auto"/>
+          </dgm:alg>
+          <dgm:shape xmlns:r="http://schemas.openxmlformats.org/officeDocument/2006/relationships" type="conn" r:blip="">
+            <dgm:adjLst/>
+          </dgm:shape>
+          <dgm:presOf axis="self"/>
+          <dgm:constrLst>
+            <dgm:constr type="h" refType="w" fact="0.62"/>
+            <dgm:constr type="connDist"/>
+            <dgm:constr type="begPad" refType="connDist" fact="0.25"/>
+            <dgm:constr type="endPad" refType="connDist" fact="0.22"/>
+          </dgm:constrLst>
+          <dgm:ruleLst/>
+          <dgm:layoutNode name="connectorText">
+            <dgm:alg type="tx">
+              <dgm:param type="autoTxRot" val="grav"/>
+            </dgm:alg>
+            <dgm:shape xmlns:r="http://schemas.openxmlformats.org/officeDocument/2006/relationships" type="conn" r:blip="" hideGeom="1">
+              <dgm:adjLst/>
+            </dgm:shape>
+            <dgm:presOf axis="self"/>
+            <dgm:constrLst>
+              <dgm:constr type="lMarg"/>
+              <dgm:constr type="rMarg"/>
+              <dgm:constr type="tMarg"/>
+              <dgm:constr type="bMarg"/>
+            </dgm:constrLst>
+            <dgm:ruleLst>
+              <dgm:rule type="primFontSz" val="5" fact="NaN" max="NaN"/>
+            </dgm:ruleLst>
+          </dgm:layoutNode>
+        </dgm:layoutNode>
+      </dgm:forEach>
+    </dgm:forEach>
+  </dgm:layoutNode>
+</dgm:layoutDef>
+</file>
+
+<file path=ppt/diagrams/quickStyle1.xml><?xml version="1.0" encoding="utf-8"?>
+<dgm:styleDef xmlns:dgm="http://schemas.openxmlformats.org/drawingml/2006/diagram" xmlns:a="http://schemas.openxmlformats.org/drawingml/2006/main" uniqueId="urn:microsoft.com/office/officeart/2005/8/quickstyle/simple1">
+  <dgm:title val=""/>
+  <dgm:desc val=""/>
+  <dgm:catLst>
+    <dgm:cat type="simple" pri="10100"/>
+  </dgm:catLst>
+  <dgm:scene3d>
+    <a:camera prst="orthographicFront"/>
+    <a:lightRig rig="threePt" dir="t"/>
+  </dgm:scene3d>
+  <dgm:styleLbl name="node0">
+    <dgm:scene3d>
+      <a:camera prst="orthographicFront"/>
+      <a:lightRig rig="threePt" dir="t"/>
+    </dgm:scene3d>
+    <dgm:sp3d/>
+    <dgm:txPr/>
+    <dgm:style>
+      <a:lnRef idx="2">
+        <a:scrgbClr r="0" g="0" b="0"/>
+      </a:lnRef>
+      <a:fillRef idx="1">
+        <a:scrgbClr r="0" g="0" b="0"/>
+      </a:fillRef>
+      <a:effectRef idx="0">
+        <a:scrgbClr r="0" g="0" b="0"/>
+      </a:effectRef>
+      <a:fontRef idx="minor">
+        <a:schemeClr val="lt1"/>
+      </a:fontRef>
+    </dgm:style>
+  </dgm:styleLbl>
+  <dgm:styleLbl name="lnNode1">
+    <dgm:scene3d>
+      <a:camera prst="orthographicFront"/>
+      <a:lightRig rig="threePt" dir="t"/>
+    </dgm:scene3d>
+    <dgm:sp3d/>
+    <dgm:txPr/>
+    <dgm:style>
+      <a:lnRef idx="2">
+        <a:scrgbClr r="0" g="0" b="0"/>
+      </a:lnRef>
+      <a:fillRef idx="1">
+        <a:scrgbClr r="0" g="0" b="0"/>
+      </a:fillRef>
+      <a:effectRef idx="0">
+        <a:scrgbClr r="0" g="0" b="0"/>
+      </a:effectRef>
+      <a:fontRef idx="minor">
+        <a:schemeClr val="lt1"/>
+      </a:fontRef>
+    </dgm:style>
+  </dgm:styleLbl>
+  <dgm:styleLbl name="vennNode1">
+    <dgm:scene3d>
+      <a:camera prst="orthographicFront"/>
+      <a:lightRig rig="threePt" dir="t"/>
+    </dgm:scene3d>
+    <dgm:sp3d/>
+    <dgm:txPr/>
+    <dgm:style>
+      <a:lnRef idx="2">
+        <a:scrgbClr r="0" g="0" b="0"/>
+      </a:lnRef>
+      <a:fillRef idx="1">
+        <a:scrgbClr r="0" g="0" b="0"/>
+      </a:fillRef>
+      <a:effectRef idx="0">
+        <a:scrgbClr r="0" g="0" b="0"/>
+      </a:effectRef>
+      <a:fontRef idx="minor">
+        <a:schemeClr val="tx1"/>
+      </a:fontRef>
+    </dgm:style>
+  </dgm:styleLbl>
+  <dgm:styleLbl name="alignNode1">
+    <dgm:scene3d>
+      <a:camera prst="orthographicFront"/>
+      <a:lightRig rig="threePt" dir="t"/>
+    </dgm:scene3d>
+    <dgm:sp3d/>
+    <dgm:txPr/>
+    <dgm:style>
+      <a:lnRef idx="2">
+        <a:scrgbClr r="0" g="0" b="0"/>
+      </a:lnRef>
+      <a:fillRef idx="1">
+        <a:scrgbClr r="0" g="0" b="0"/>
+      </a:fillRef>
+      <a:effectRef idx="0">
+        <a:scrgbClr r="0" g="0" b="0"/>
+      </a:effectRef>
+      <a:fontRef idx="minor">
+        <a:schemeClr val="lt1"/>
+      </a:fontRef>
+    </dgm:style>
+  </dgm:styleLbl>
+  <dgm:styleLbl name="node1">
+    <dgm:scene3d>
+      <a:camera prst="orthographicFront"/>
+      <a:lightRig rig="threePt" dir="t"/>
+    </dgm:scene3d>
+    <dgm:sp3d/>
+    <dgm:txPr/>
+    <dgm:style>
+      <a:lnRef idx="2">
+        <a:scrgbClr r="0" g="0" b="0"/>
+      </a:lnRef>
+      <a:fillRef idx="1">
+        <a:scrgbClr r="0" g="0" b="0"/>
+      </a:fillRef>
+      <a:effectRef idx="0">
+        <a:scrgbClr r="0" g="0" b="0"/>
+      </a:effectRef>
+      <a:fontRef idx="minor">
+        <a:schemeClr val="lt1"/>
+      </a:fontRef>
+    </dgm:style>
+  </dgm:styleLbl>
+  <dgm:styleLbl name="node2">
+    <dgm:scene3d>
+      <a:camera prst="orthographicFront"/>
+      <a:lightRig rig="threePt" dir="t"/>
+    </dgm:scene3d>
+    <dgm:sp3d/>
+    <dgm:txPr/>
+    <dgm:style>
+      <a:lnRef idx="2">
+        <a:scrgbClr r="0" g="0" b="0"/>
+      </a:lnRef>
+      <a:fillRef idx="1">
+        <a:scrgbClr r="0" g="0" b="0"/>
+      </a:fillRef>
+      <a:effectRef idx="0">
+        <a:scrgbClr r="0" g="0" b="0"/>
+      </a:effectRef>
+      <a:fontRef idx="minor">
+        <a:schemeClr val="lt1"/>
+      </a:fontRef>
+    </dgm:style>
+  </dgm:styleLbl>
+  <dgm:styleLbl name="node3">
+    <dgm:scene3d>
+      <a:camera prst="orthographicFront"/>
+      <a:lightRig rig="threePt" dir="t"/>
+    </dgm:scene3d>
+    <dgm:sp3d/>
+    <dgm:txPr/>
+    <dgm:style>
+      <a:lnRef idx="2">
+        <a:scrgbClr r="0" g="0" b="0"/>
+      </a:lnRef>
+      <a:fillRef idx="1">
+        <a:scrgbClr r="0" g="0" b="0"/>
+      </a:fillRef>
+      <a:effectRef idx="0">
+        <a:scrgbClr r="0" g="0" b="0"/>
+      </a:effectRef>
+      <a:fontRef idx="minor">
+        <a:schemeClr val="lt1"/>
+      </a:fontRef>
+    </dgm:style>
+  </dgm:styleLbl>
+  <dgm:styleLbl name="node4">
+    <dgm:scene3d>
+      <a:camera prst="orthographicFront"/>
+      <a:lightRig rig="threePt" dir="t"/>
+    </dgm:scene3d>
+    <dgm:sp3d/>
+    <dgm:txPr/>
+    <dgm:style>
+      <a:lnRef idx="2">
+        <a:scrgbClr r="0" g="0" b="0"/>
+      </a:lnRef>
+      <a:fillRef idx="1">
+        <a:scrgbClr r="0" g="0" b="0"/>
+      </a:fillRef>
+      <a:effectRef idx="0">
+        <a:scrgbClr r="0" g="0" b="0"/>
+      </a:effectRef>
+      <a:fontRef idx="minor">
+        <a:schemeClr val="lt1"/>
+      </a:fontRef>
+    </dgm:style>
+  </dgm:styleLbl>
+  <dgm:styleLbl name="fgImgPlace1">
+    <dgm:scene3d>
+      <a:camera prst="orthographicFront"/>
+      <a:lightRig rig="threePt" dir="t"/>
+    </dgm:scene3d>
+    <dgm:sp3d/>
+    <dgm:txPr/>
+    <dgm:style>
+      <a:lnRef idx="2">
+        <a:scrgbClr r="0" g="0" b="0"/>
+      </a:lnRef>
+      <a:fillRef idx="1">
+        <a:scrgbClr r="0" g="0" b="0"/>
+      </a:fillRef>
+      <a:effectRef idx="0">
+        <a:scrgbClr r="0" g="0" b="0"/>
+      </a:effectRef>
+      <a:fontRef idx="minor"/>
+    </dgm:style>
+  </dgm:styleLbl>
+  <dgm:styleLbl name="alignImgPlace1">
+    <dgm:scene3d>
+      <a:camera prst="orthographicFront"/>
+      <a:lightRig rig="threePt" dir="t"/>
+    </dgm:scene3d>
+    <dgm:sp3d/>
+    <dgm:txPr/>
+    <dgm:style>
+      <a:lnRef idx="2">
+        <a:scrgbClr r="0" g="0" b="0"/>
+      </a:lnRef>
+      <a:fillRef idx="1">
+        <a:scrgbClr r="0" g="0" b="0"/>
+      </a:fillRef>
+      <a:effectRef idx="0">
+        <a:scrgbClr r="0" g="0" b="0"/>
+      </a:effectRef>
+      <a:fontRef idx="minor"/>
+    </dgm:style>
+  </dgm:styleLbl>
+  <dgm:styleLbl name="bgImgPlace1">
+    <dgm:scene3d>
+      <a:camera prst="orthographicFront"/>
+      <a:lightRig rig="threePt" dir="t"/>
+    </dgm:scene3d>
+    <dgm:sp3d/>
+    <dgm:txPr/>
+    <dgm:style>
+      <a:lnRef idx="2">
+        <a:scrgbClr r="0" g="0" b="0"/>
+      </a:lnRef>
+      <a:fillRef idx="1">
+        <a:scrgbClr r="0" g="0" b="0"/>
+      </a:fillRef>
+      <a:effectRef idx="0">
+        <a:scrgbClr r="0" g="0" b="0"/>
+      </a:effectRef>
+      <a:fontRef idx="minor"/>
+    </dgm:style>
+  </dgm:styleLbl>
+  <dgm:styleLbl name="sibTrans2D1">
+    <dgm:scene3d>
+      <a:camera prst="orthographicFront"/>
+      <a:lightRig rig="threePt" dir="t"/>
+    </dgm:scene3d>
+    <dgm:sp3d/>
+    <dgm:txPr/>
+    <dgm:style>
+      <a:lnRef idx="0">
+        <a:scrgbClr r="0" g="0" b="0"/>
+      </a:lnRef>
+      <a:fillRef idx="1">
+        <a:scrgbClr r="0" g="0" b="0"/>
+      </a:fillRef>
+      <a:effectRef idx="0">
+        <a:scrgbClr r="0" g="0" b="0"/>
+      </a:effectRef>
+      <a:fontRef idx="minor">
+        <a:schemeClr val="lt1"/>
+      </a:fontRef>
+    </dgm:style>
+  </dgm:styleLbl>
+  <dgm:styleLbl name="fgSibTrans2D1">
+    <dgm:scene3d>
+      <a:camera prst="orthographicFront"/>
+      <a:lightRig rig="threePt" dir="t"/>
+    </dgm:scene3d>
+    <dgm:sp3d/>
+    <dgm:txPr/>
+    <dgm:style>
+      <a:lnRef idx="0">
+        <a:scrgbClr r="0" g="0" b="0"/>
+      </a:lnRef>
+      <a:fillRef idx="1">
+        <a:scrgbClr r="0" g="0" b="0"/>
+      </a:fillRef>
+      <a:effectRef idx="0">
+        <a:scrgbClr r="0" g="0" b="0"/>
+      </a:effectRef>
+      <a:fontRef idx="minor">
+        <a:schemeClr val="lt1"/>
+      </a:fontRef>
+    </dgm:style>
+  </dgm:styleLbl>
+  <dgm:styleLbl name="bgSibTrans2D1">
+    <dgm:scene3d>
+      <a:camera prst="orthographicFront"/>
+      <a:lightRig rig="threePt" dir="t"/>
+    </dgm:scene3d>
+    <dgm:sp3d/>
+    <dgm:txPr/>
+    <dgm:style>
+      <a:lnRef idx="0">
+        <a:scrgbClr r="0" g="0" b="0"/>
+      </a:lnRef>
+      <a:fillRef idx="1">
+        <a:scrgbClr r="0" g="0" b="0"/>
+      </a:fillRef>
+      <a:effectRef idx="0">
+        <a:scrgbClr r="0" g="0" b="0"/>
+      </a:effectRef>
+      <a:fontRef idx="minor">
+        <a:schemeClr val="lt1"/>
+      </a:fontRef>
+    </dgm:style>
+  </dgm:styleLbl>
+  <dgm:styleLbl name="sibTrans1D1">
+    <dgm:scene3d>
+      <a:camera prst="orthographicFront"/>
+      <a:lightRig rig="threePt" dir="t"/>
+    </dgm:scene3d>
+    <dgm:sp3d/>
+    <dgm:txPr/>
+    <dgm:style>
+      <a:lnRef idx="1">
+        <a:scrgbClr r="0" g="0" b="0"/>
+      </a:lnRef>
+      <a:fillRef idx="0">
+        <a:scrgbClr r="0" g="0" b="0"/>
+      </a:fillRef>
+      <a:effectRef idx="0">
+        <a:scrgbClr r="0" g="0" b="0"/>
+      </a:effectRef>
+      <a:fontRef idx="minor"/>
+    </dgm:style>
+  </dgm:styleLbl>
+  <dgm:styleLbl name="callout">
+    <dgm:scene3d>
+      <a:camera prst="orthographicFront"/>
+      <a:lightRig rig="threePt" dir="t"/>
+    </dgm:scene3d>
+    <dgm:sp3d/>
+    <dgm:txPr/>
+    <dgm:style>
+      <a:lnRef idx="2">
+        <a:scrgbClr r="0" g="0" b="0"/>
+      </a:lnRef>
+      <a:fillRef idx="1">
+        <a:scrgbClr r="0" g="0" b="0"/>
+      </a:fillRef>
+      <a:effectRef idx="0">
+        <a:scrgbClr r="0" g="0" b="0"/>
+      </a:effectRef>
+      <a:fontRef idx="minor"/>
+    </dgm:style>
+  </dgm:styleLbl>
+  <dgm:styleLbl name="asst0">
+    <dgm:scene3d>
+      <a:camera prst="orthographicFront"/>
+      <a:lightRig rig="threePt" dir="t"/>
+    </dgm:scene3d>
+    <dgm:sp3d/>
+    <dgm:txPr/>
+    <dgm:style>
+      <a:lnRef idx="2">
+        <a:scrgbClr r="0" g="0" b="0"/>
+      </a:lnRef>
+      <a:fillRef idx="1">
+        <a:scrgbClr r="0" g="0" b="0"/>
+      </a:fillRef>
+      <a:effectRef idx="0">
+        <a:scrgbClr r="0" g="0" b="0"/>
+      </a:effectRef>
+      <a:fontRef idx="minor">
+        <a:schemeClr val="lt1"/>
+      </a:fontRef>
+    </dgm:style>
+  </dgm:styleLbl>
+  <dgm:styleLbl name="asst1">
+    <dgm:scene3d>
+      <a:camera prst="orthographicFront"/>
+      <a:lightRig rig="threePt" dir="t"/>
+    </dgm:scene3d>
+    <dgm:sp3d/>
+    <dgm:txPr/>
+    <dgm:style>
+      <a:lnRef idx="2">
+        <a:scrgbClr r="0" g="0" b="0"/>
+      </a:lnRef>
+      <a:fillRef idx="1">
+        <a:scrgbClr r="0" g="0" b="0"/>
+      </a:fillRef>
+      <a:effectRef idx="0">
+        <a:scrgbClr r="0" g="0" b="0"/>
+      </a:effectRef>
+      <a:fontRef idx="minor">
+        <a:schemeClr val="lt1"/>
+      </a:fontRef>
+    </dgm:style>
+  </dgm:styleLbl>
+  <dgm:styleLbl name="asst2">
+    <dgm:scene3d>
+      <a:camera prst="orthographicFront"/>
+      <a:lightRig rig="threePt" dir="t"/>
+    </dgm:scene3d>
+    <dgm:sp3d/>
+    <dgm:txPr/>
+    <dgm:style>
+      <a:lnRef idx="2">
+        <a:scrgbClr r="0" g="0" b="0"/>
+      </a:lnRef>
+      <a:fillRef idx="1">
+        <a:scrgbClr r="0" g="0" b="0"/>
+      </a:fillRef>
+      <a:effectRef idx="0">
+        <a:scrgbClr r="0" g="0" b="0"/>
+      </a:effectRef>
+      <a:fontRef idx="minor">
+        <a:schemeClr val="lt1"/>
+      </a:fontRef>
+    </dgm:style>
+  </dgm:styleLbl>
+  <dgm:styleLbl name="asst3">
+    <dgm:scene3d>
+      <a:camera prst="orthographicFront"/>
+      <a:lightRig rig="threePt" dir="t"/>
+    </dgm:scene3d>
+    <dgm:sp3d/>
+    <dgm:txPr/>
+    <dgm:style>
+      <a:lnRef idx="2">
+        <a:scrgbClr r="0" g="0" b="0"/>
+      </a:lnRef>
+      <a:fillRef idx="1">
+        <a:scrgbClr r="0" g="0" b="0"/>
+      </a:fillRef>
+      <a:effectRef idx="0">
+        <a:scrgbClr r="0" g="0" b="0"/>
+      </a:effectRef>
+      <a:fontRef idx="minor">
+        <a:schemeClr val="lt1"/>
+      </a:fontRef>
+    </dgm:style>
+  </dgm:styleLbl>
+  <dgm:styleLbl name="asst4">
+    <dgm:scene3d>
+      <a:camera prst="orthographicFront"/>
+      <a:lightRig rig="threePt" dir="t"/>
+    </dgm:scene3d>
+    <dgm:sp3d/>
+    <dgm:txPr/>
+    <dgm:style>
+      <a:lnRef idx="2">
+        <a:scrgbClr r="0" g="0" b="0"/>
+      </a:lnRef>
+      <a:fillRef idx="1">
+        <a:scrgbClr r="0" g="0" b="0"/>
+      </a:fillRef>
+      <a:effectRef idx="0">
+        <a:scrgbClr r="0" g="0" b="0"/>
+      </a:effectRef>
+      <a:fontRef idx="minor">
+        <a:schemeClr val="lt1"/>
+      </a:fontRef>
+    </dgm:style>
+  </dgm:styleLbl>
+  <dgm:styleLbl name="parChTrans2D1">
+    <dgm:scene3d>
+      <a:camera prst="orthographicFront"/>
+      <a:lightRig rig="threePt" dir="t"/>
+    </dgm:scene3d>
+    <dgm:sp3d/>
+    <dgm:txPr/>
+    <dgm:style>
+      <a:lnRef idx="2">
+        <a:scrgbClr r="0" g="0" b="0"/>
+      </a:lnRef>
+      <a:fillRef idx="1">
+        <a:scrgbClr r="0" g="0" b="0"/>
+      </a:fillRef>
+      <a:effectRef idx="0">
+        <a:scrgbClr r="0" g="0" b="0"/>
+      </a:effectRef>
+      <a:fontRef idx="minor">
+        <a:schemeClr val="lt1"/>
+      </a:fontRef>
+    </dgm:style>
+  </dgm:styleLbl>
+  <dgm:styleLbl name="parChTrans2D2">
+    <dgm:scene3d>
+      <a:camera prst="orthographicFront"/>
+      <a:lightRig rig="threePt" dir="t"/>
+    </dgm:scene3d>
+    <dgm:sp3d/>
+    <dgm:txPr/>
+    <dgm:style>
+      <a:lnRef idx="2">
+        <a:scrgbClr r="0" g="0" b="0"/>
+      </a:lnRef>
+      <a:fillRef idx="1">
+        <a:scrgbClr r="0" g="0" b="0"/>
+      </a:fillRef>
+      <a:effectRef idx="0">
+        <a:scrgbClr r="0" g="0" b="0"/>
+      </a:effectRef>
+      <a:fontRef idx="minor">
+        <a:schemeClr val="lt1"/>
+      </a:fontRef>
+    </dgm:style>
+  </dgm:styleLbl>
+  <dgm:styleLbl name="parChTrans2D3">
+    <dgm:scene3d>
+      <a:camera prst="orthographicFront"/>
+      <a:lightRig rig="threePt" dir="t"/>
+    </dgm:scene3d>
+    <dgm:sp3d/>
+    <dgm:txPr/>
+    <dgm:style>
+      <a:lnRef idx="2">
+        <a:scrgbClr r="0" g="0" b="0"/>
+      </a:lnRef>
+      <a:fillRef idx="1">
+        <a:scrgbClr r="0" g="0" b="0"/>
+      </a:fillRef>
+      <a:effectRef idx="0">
+        <a:scrgbClr r="0" g="0" b="0"/>
+      </a:effectRef>
+      <a:fontRef idx="minor">
+        <a:schemeClr val="lt1"/>
+      </a:fontRef>
+    </dgm:style>
+  </dgm:styleLbl>
+  <dgm:styleLbl name="parChTrans2D4">
+    <dgm:scene3d>
+      <a:camera prst="orthographicFront"/>
+      <a:lightRig rig="threePt" dir="t"/>
+    </dgm:scene3d>
+    <dgm:sp3d/>
+    <dgm:txPr/>
+    <dgm:style>
+      <a:lnRef idx="2">
+        <a:scrgbClr r="0" g="0" b="0"/>
+      </a:lnRef>
+      <a:fillRef idx="1">
+        <a:scrgbClr r="0" g="0" b="0"/>
+      </a:fillRef>
+      <a:effectRef idx="0">
+        <a:scrgbClr r="0" g="0" b="0"/>
+      </a:effectRef>
+      <a:fontRef idx="minor">
+        <a:schemeClr val="lt1"/>
+      </a:fontRef>
+    </dgm:style>
+  </dgm:styleLbl>
+  <dgm:styleLbl name="parChTrans1D1">
+    <dgm:scene3d>
+      <a:camera prst="orthographicFront"/>
+      <a:lightRig rig="threePt" dir="t"/>
+    </dgm:scene3d>
+    <dgm:sp3d/>
+    <dgm:txPr/>
+    <dgm:style>
+      <a:lnRef idx="2">
+        <a:scrgbClr r="0" g="0" b="0"/>
+      </a:lnRef>
+      <a:fillRef idx="0">
+        <a:scrgbClr r="0" g="0" b="0"/>
+      </a:fillRef>
+      <a:effectRef idx="0">
+        <a:scrgbClr r="0" g="0" b="0"/>
+      </a:effectRef>
+      <a:fontRef idx="minor"/>
+    </dgm:style>
+  </dgm:styleLbl>
+  <dgm:styleLbl name="parChTrans1D2">
+    <dgm:scene3d>
+      <a:camera prst="orthographicFront"/>
+      <a:lightRig rig="threePt" dir="t"/>
+    </dgm:scene3d>
+    <dgm:sp3d/>
+    <dgm:txPr/>
+    <dgm:style>
+      <a:lnRef idx="2">
+        <a:scrgbClr r="0" g="0" b="0"/>
+      </a:lnRef>
+      <a:fillRef idx="0">
+        <a:scrgbClr r="0" g="0" b="0"/>
+      </a:fillRef>
+      <a:effectRef idx="0">
+        <a:scrgbClr r="0" g="0" b="0"/>
+      </a:effectRef>
+      <a:fontRef idx="minor"/>
+    </dgm:style>
+  </dgm:styleLbl>
+  <dgm:styleLbl name="parChTrans1D3">
+    <dgm:scene3d>
+      <a:camera prst="orthographicFront"/>
+      <a:lightRig rig="threePt" dir="t"/>
+    </dgm:scene3d>
+    <dgm:sp3d/>
+    <dgm:txPr/>
+    <dgm:style>
+      <a:lnRef idx="2">
+        <a:scrgbClr r="0" g="0" b="0"/>
+      </a:lnRef>
+      <a:fillRef idx="0">
+        <a:scrgbClr r="0" g="0" b="0"/>
+      </a:fillRef>
+      <a:effectRef idx="0">
+        <a:scrgbClr r="0" g="0" b="0"/>
+      </a:effectRef>
+      <a:fontRef idx="minor"/>
+    </dgm:style>
+  </dgm:styleLbl>
+  <dgm:styleLbl name="parChTrans1D4">
+    <dgm:scene3d>
+      <a:camera prst="orthographicFront"/>
+      <a:lightRig rig="threePt" dir="t"/>
+    </dgm:scene3d>
+    <dgm:sp3d/>
+    <dgm:txPr/>
+    <dgm:style>
+      <a:lnRef idx="2">
+        <a:scrgbClr r="0" g="0" b="0"/>
+      </a:lnRef>
+      <a:fillRef idx="0">
+        <a:scrgbClr r="0" g="0" b="0"/>
+      </a:fillRef>
+      <a:effectRef idx="0">
+        <a:scrgbClr r="0" g="0" b="0"/>
+      </a:effectRef>
+      <a:fontRef idx="minor"/>
+    </dgm:style>
+  </dgm:styleLbl>
+  <dgm:styleLbl name="fgAcc1">
+    <dgm:scene3d>
+      <a:camera prst="orthographicFront"/>
+      <a:lightRig rig="threePt" dir="t"/>
+    </dgm:scene3d>
+    <dgm:sp3d/>
+    <dgm:txPr/>
+    <dgm:style>
+      <a:lnRef idx="2">
+        <a:scrgbClr r="0" g="0" b="0"/>
+      </a:lnRef>
+      <a:fillRef idx="1">
+        <a:scrgbClr r="0" g="0" b="0"/>
+      </a:fillRef>
+      <a:effectRef idx="0">
+        <a:scrgbClr r="0" g="0" b="0"/>
+      </a:effectRef>
+      <a:fontRef idx="minor"/>
+    </dgm:style>
+  </dgm:styleLbl>
+  <dgm:styleLbl name="conFgAcc1">
+    <dgm:scene3d>
+      <a:camera prst="orthographicFront"/>
+      <a:lightRig rig="threePt" dir="t"/>
+    </dgm:scene3d>
+    <dgm:sp3d/>
+    <dgm:txPr/>
+    <dgm:style>
+      <a:lnRef idx="2">
+        <a:scrgbClr r="0" g="0" b="0"/>
+      </a:lnRef>
+      <a:fillRef idx="1">
+        <a:scrgbClr r="0" g="0" b="0"/>
+      </a:fillRef>
+      <a:effectRef idx="0">
+        <a:scrgbClr r="0" g="0" b="0"/>
+      </a:effectRef>
+      <a:fontRef idx="minor"/>
+    </dgm:style>
+  </dgm:styleLbl>
+  <dgm:styleLbl name="alignAcc1">
+    <dgm:scene3d>
+      <a:camera prst="orthographicFront"/>
+      <a:lightRig rig="threePt" dir="t"/>
+    </dgm:scene3d>
+    <dgm:sp3d/>
+    <dgm:txPr/>
+    <dgm:style>
+      <a:lnRef idx="2">
+        <a:scrgbClr r="0" g="0" b="0"/>
+      </a:lnRef>
+      <a:fillRef idx="1">
+        <a:scrgbClr r="0" g="0" b="0"/>
+      </a:fillRef>
+      <a:effectRef idx="0">
+        <a:scrgbClr r="0" g="0" b="0"/>
+      </a:effectRef>
+      <a:fontRef idx="minor"/>
+    </dgm:style>
+  </dgm:styleLbl>
+  <dgm:styleLbl name="trAlignAcc1">
+    <dgm:scene3d>
+      <a:camera prst="orthographicFront"/>
+      <a:lightRig rig="threePt" dir="t"/>
+    </dgm:scene3d>
+    <dgm:sp3d/>
+    <dgm:txPr/>
+    <dgm:style>
+      <a:lnRef idx="1">
+        <a:scrgbClr r="0" g="0" b="0"/>
+      </a:lnRef>
+      <a:fillRef idx="1">
+        <a:scrgbClr r="0" g="0" b="0"/>
+      </a:fillRef>
+      <a:effectRef idx="0">
+        <a:scrgbClr r="0" g="0" b="0"/>
+      </a:effectRef>
+      <a:fontRef idx="minor"/>
+    </dgm:style>
+  </dgm:styleLbl>
+  <dgm:styleLbl name="bgAcc1">
+    <dgm:scene3d>
+      <a:camera prst="orthographicFront"/>
+      <a:lightRig rig="threePt" dir="t"/>
+    </dgm:scene3d>
+    <dgm:sp3d/>
+    <dgm:txPr/>
+    <dgm:style>
+      <a:lnRef idx="2">
+        <a:scrgbClr r="0" g="0" b="0"/>
+      </a:lnRef>
+      <a:fillRef idx="1">
+        <a:scrgbClr r="0" g="0" b="0"/>
+      </a:fillRef>
+      <a:effectRef idx="0">
+        <a:scrgbClr r="0" g="0" b="0"/>
+      </a:effectRef>
+      <a:fontRef idx="minor"/>
+    </dgm:style>
+  </dgm:styleLbl>
+  <dgm:styleLbl name="solidFgAcc1">
+    <dgm:scene3d>
+      <a:camera prst="orthographicFront"/>
+      <a:lightRig rig="threePt" dir="t"/>
+    </dgm:scene3d>
+    <dgm:sp3d/>
+    <dgm:txPr/>
+    <dgm:style>
+      <a:lnRef idx="2">
+        <a:scrgbClr r="0" g="0" b="0"/>
+      </a:lnRef>
+      <a:fillRef idx="1">
+        <a:scrgbClr r="0" g="0" b="0"/>
+      </a:fillRef>
+      <a:effectRef idx="0">
+        <a:scrgbClr r="0" g="0" b="0"/>
+      </a:effectRef>
+      <a:fontRef idx="minor"/>
+    </dgm:style>
+  </dgm:styleLbl>
+  <dgm:styleLbl name="solidAlignAcc1">
+    <dgm:scene3d>
+      <a:camera prst="orthographicFront"/>
+      <a:lightRig rig="threePt" dir="t"/>
+    </dgm:scene3d>
+    <dgm:sp3d/>
+    <dgm:txPr/>
+    <dgm:style>
+      <a:lnRef idx="2">
+        <a:scrgbClr r="0" g="0" b="0"/>
+      </a:lnRef>
+      <a:fillRef idx="1">
+        <a:scrgbClr r="0" g="0" b="0"/>
+      </a:fillRef>
+      <a:effectRef idx="0">
+        <a:scrgbClr r="0" g="0" b="0"/>
+      </a:effectRef>
+      <a:fontRef idx="minor"/>
+    </dgm:style>
+  </dgm:styleLbl>
+  <dgm:styleLbl name="solidBgAcc1">
+    <dgm:scene3d>
+      <a:camera prst="orthographicFront"/>
+      <a:lightRig rig="threePt" dir="t"/>
+    </dgm:scene3d>
+    <dgm:sp3d/>
+    <dgm:txPr/>
+    <dgm:style>
+      <a:lnRef idx="2">
+        <a:scrgbClr r="0" g="0" b="0"/>
+      </a:lnRef>
+      <a:fillRef idx="1">
+        <a:scrgbClr r="0" g="0" b="0"/>
+      </a:fillRef>
+      <a:effectRef idx="0">
+        <a:scrgbClr r="0" g="0" b="0"/>
+      </a:effectRef>
+      <a:fontRef idx="minor"/>
+    </dgm:style>
+  </dgm:styleLbl>
+  <dgm:styleLbl name="fgAccFollowNode1">
+    <dgm:scene3d>
+      <a:camera prst="orthographicFront"/>
+      <a:lightRig rig="threePt" dir="t"/>
+    </dgm:scene3d>
+    <dgm:sp3d/>
+    <dgm:txPr/>
+    <dgm:style>
+      <a:lnRef idx="2">
+        <a:scrgbClr r="0" g="0" b="0"/>
+      </a:lnRef>
+      <a:fillRef idx="1">
+        <a:scrgbClr r="0" g="0" b="0"/>
+      </a:fillRef>
+      <a:effectRef idx="0">
+        <a:scrgbClr r="0" g="0" b="0"/>
+      </a:effectRef>
+      <a:fontRef idx="minor"/>
+    </dgm:style>
+  </dgm:styleLbl>
+  <dgm:styleLbl name="alignAccFollowNode1">
+    <dgm:scene3d>
+      <a:camera prst="orthographicFront"/>
+      <a:lightRig rig="threePt" dir="t"/>
+    </dgm:scene3d>
+    <dgm:sp3d/>
+    <dgm:txPr/>
+    <dgm:style>
+      <a:lnRef idx="2">
+        <a:scrgbClr r="0" g="0" b="0"/>
+      </a:lnRef>
+      <a:fillRef idx="1">
+        <a:scrgbClr r="0" g="0" b="0"/>
+      </a:fillRef>
+      <a:effectRef idx="0">
+        <a:scrgbClr r="0" g="0" b="0"/>
+      </a:effectRef>
+      <a:fontRef idx="minor"/>
+    </dgm:style>
+  </dgm:styleLbl>
+  <dgm:styleLbl name="bgAccFollowNode1">
+    <dgm:scene3d>
+      <a:camera prst="orthographicFront"/>
+      <a:lightRig rig="threePt" dir="t"/>
+    </dgm:scene3d>
+    <dgm:sp3d/>
+    <dgm:txPr/>
+    <dgm:style>
+      <a:lnRef idx="2">
+        <a:scrgbClr r="0" g="0" b="0"/>
+      </a:lnRef>
+      <a:fillRef idx="1">
+        <a:scrgbClr r="0" g="0" b="0"/>
+      </a:fillRef>
+      <a:effectRef idx="0">
+        <a:scrgbClr r="0" g="0" b="0"/>
+      </a:effectRef>
+      <a:fontRef idx="minor"/>
+    </dgm:style>
+  </dgm:styleLbl>
+  <dgm:styleLbl name="fgAcc0">
+    <dgm:scene3d>
+      <a:camera prst="orthographicFront"/>
+      <a:lightRig rig="threePt" dir="t"/>
+    </dgm:scene3d>
+    <dgm:sp3d/>
+    <dgm:txPr/>
+    <dgm:style>
+      <a:lnRef idx="2">
+        <a:scrgbClr r="0" g="0" b="0"/>
+      </a:lnRef>
+      <a:fillRef idx="1">
+        <a:scrgbClr r="0" g="0" b="0"/>
+      </a:fillRef>
+      <a:effectRef idx="0">
+        <a:scrgbClr r="0" g="0" b="0"/>
+      </a:effectRef>
+      <a:fontRef idx="minor"/>
+    </dgm:style>
+  </dgm:styleLbl>
+  <dgm:styleLbl name="fgAcc2">
+    <dgm:scene3d>
+      <a:camera prst="orthographicFront"/>
+      <a:lightRig rig="threePt" dir="t"/>
+    </dgm:scene3d>
+    <dgm:sp3d/>
+    <dgm:txPr/>
+    <dgm:style>
+      <a:lnRef idx="2">
+        <a:scrgbClr r="0" g="0" b="0"/>
+      </a:lnRef>
+      <a:fillRef idx="1">
+        <a:scrgbClr r="0" g="0" b="0"/>
+      </a:fillRef>
+      <a:effectRef idx="0">
+        <a:scrgbClr r="0" g="0" b="0"/>
+      </a:effectRef>
+      <a:fontRef idx="minor"/>
+    </dgm:style>
+  </dgm:styleLbl>
+  <dgm:styleLbl name="fgAcc3">
+    <dgm:scene3d>
+      <a:camera prst="orthographicFront"/>
+      <a:lightRig rig="threePt" dir="t"/>
+    </dgm:scene3d>
+    <dgm:sp3d/>
+    <dgm:txPr/>
+    <dgm:style>
+      <a:lnRef idx="2">
+        <a:scrgbClr r="0" g="0" b="0"/>
+      </a:lnRef>
+      <a:fillRef idx="1">
+        <a:scrgbClr r="0" g="0" b="0"/>
+      </a:fillRef>
+      <a:effectRef idx="0">
+        <a:scrgbClr r="0" g="0" b="0"/>
+      </a:effectRef>
+      <a:fontRef idx="minor"/>
+    </dgm:style>
+  </dgm:styleLbl>
+  <dgm:styleLbl name="fgAcc4">
+    <dgm:scene3d>
+      <a:camera prst="orthographicFront"/>
+      <a:lightRig rig="threePt" dir="t"/>
+    </dgm:scene3d>
+    <dgm:sp3d/>
+    <dgm:txPr/>
+    <dgm:style>
+      <a:lnRef idx="2">
+        <a:scrgbClr r="0" g="0" b="0"/>
+      </a:lnRef>
+      <a:fillRef idx="1">
+        <a:scrgbClr r="0" g="0" b="0"/>
+      </a:fillRef>
+      <a:effectRef idx="0">
+        <a:scrgbClr r="0" g="0" b="0"/>
+      </a:effectRef>
+      <a:fontRef idx="minor"/>
+    </dgm:style>
+  </dgm:styleLbl>
+  <dgm:styleLbl name="bgShp">
+    <dgm:scene3d>
+      <a:camera prst="orthographicFront"/>
+      <a:lightRig rig="threePt" dir="t"/>
+    </dgm:scene3d>
+    <dgm:sp3d/>
+    <dgm:txPr/>
+    <dgm:style>
+      <a:lnRef idx="0">
+        <a:scrgbClr r="0" g="0" b="0"/>
+      </a:lnRef>
+      <a:fillRef idx="1">
+        <a:scrgbClr r="0" g="0" b="0"/>
+      </a:fillRef>
+      <a:effectRef idx="0">
+        <a:scrgbClr r="0" g="0" b="0"/>
+      </a:effectRef>
+      <a:fontRef idx="minor"/>
+    </dgm:style>
+  </dgm:styleLbl>
+  <dgm:styleLbl name="dkBgShp">
+    <dgm:scene3d>
+      <a:camera prst="orthographicFront"/>
+      <a:lightRig rig="threePt" dir="t"/>
+    </dgm:scene3d>
+    <dgm:sp3d/>
+    <dgm:txPr/>
+    <dgm:style>
+      <a:lnRef idx="0">
+        <a:scrgbClr r="0" g="0" b="0"/>
+      </a:lnRef>
+      <a:fillRef idx="1">
+        <a:scrgbClr r="0" g="0" b="0"/>
+      </a:fillRef>
+      <a:effectRef idx="0">
+        <a:scrgbClr r="0" g="0" b="0"/>
+      </a:effectRef>
+      <a:fontRef idx="minor"/>
+    </dgm:style>
+  </dgm:styleLbl>
+  <dgm:styleLbl name="trBgShp">
+    <dgm:scene3d>
+      <a:camera prst="orthographicFront"/>
+      <a:lightRig rig="threePt" dir="t"/>
+    </dgm:scene3d>
+    <dgm:sp3d/>
+    <dgm:txPr/>
+    <dgm:style>
+      <a:lnRef idx="0">
+        <a:scrgbClr r="0" g="0" b="0"/>
+      </a:lnRef>
+      <a:fillRef idx="1">
+        <a:scrgbClr r="0" g="0" b="0"/>
+      </a:fillRef>
+      <a:effectRef idx="0">
+        <a:scrgbClr r="0" g="0" b="0"/>
+      </a:effectRef>
+      <a:fontRef idx="minor"/>
+    </dgm:style>
+  </dgm:styleLbl>
+  <dgm:styleLbl name="fgShp">
+    <dgm:scene3d>
+      <a:camera prst="orthographicFront"/>
+      <a:lightRig rig="threePt" dir="t"/>
+    </dgm:scene3d>
+    <dgm:sp3d/>
+    <dgm:txPr/>
+    <dgm:style>
+      <a:lnRef idx="2">
+        <a:scrgbClr r="0" g="0" b="0"/>
+      </a:lnRef>
+      <a:fillRef idx="1">
+        <a:scrgbClr r="0" g="0" b="0"/>
+      </a:fillRef>
+      <a:effectRef idx="0">
+        <a:scrgbClr r="0" g="0" b="0"/>
+      </a:effectRef>
+      <a:fontRef idx="minor"/>
+    </dgm:style>
+  </dgm:styleLbl>
+  <dgm:styleLbl name="revTx">
+    <dgm:scene3d>
+      <a:camera prst="orthographicFront"/>
+      <a:lightRig rig="threePt" dir="t"/>
+    </dgm:scene3d>
+    <dgm:sp3d/>
+    <dgm:txPr/>
+    <dgm:style>
+      <a:lnRef idx="0">
+        <a:scrgbClr r="0" g="0" b="0"/>
+      </a:lnRef>
+      <a:fillRef idx="0">
+        <a:scrgbClr r="0" g="0" b="0"/>
+      </a:fillRef>
+      <a:effectRef idx="0">
+        <a:scrgbClr r="0" g="0" b="0"/>
+      </a:effectRef>
+      <a:fontRef idx="minor"/>
+    </dgm:style>
+  </dgm:styleLbl>
+</dgm:styleDef>
 </file>
 
 <file path=ppt/slideLayouts/slideLayout1.xml><?xml version="1.0" encoding="utf-8"?>
@@ -390,7 +2961,7 @@
           <a:p>
             <a:fld id="{FD17FA3B-C404-4317-B0BC-953931111309}" type="datetimeFigureOut">
               <a:rPr lang="pl-PL" smtClean="0"/>
-              <a:t>2011-06-15</a:t>
+              <a:t>2011-06-16</a:t>
             </a:fld>
             <a:endParaRPr lang="pl-PL"/>
           </a:p>
@@ -758,7 +3329,7 @@
           <a:p>
             <a:fld id="{FD17FA3B-C404-4317-B0BC-953931111309}" type="datetimeFigureOut">
               <a:rPr lang="pl-PL" smtClean="0"/>
-              <a:t>2011-06-15</a:t>
+              <a:t>2011-06-16</a:t>
             </a:fld>
             <a:endParaRPr lang="pl-PL"/>
           </a:p>
@@ -1137,7 +3708,7 @@
           <a:p>
             <a:fld id="{FD17FA3B-C404-4317-B0BC-953931111309}" type="datetimeFigureOut">
               <a:rPr lang="pl-PL" smtClean="0"/>
-              <a:t>2011-06-15</a:t>
+              <a:t>2011-06-16</a:t>
             </a:fld>
             <a:endParaRPr lang="pl-PL"/>
           </a:p>
@@ -1307,7 +3878,7 @@
           <a:p>
             <a:fld id="{FD17FA3B-C404-4317-B0BC-953931111309}" type="datetimeFigureOut">
               <a:rPr lang="pl-PL" smtClean="0"/>
-              <a:t>2011-06-15</a:t>
+              <a:t>2011-06-16</a:t>
             </a:fld>
             <a:endParaRPr lang="pl-PL"/>
           </a:p>
@@ -1752,7 +4323,7 @@
           <a:p>
             <a:fld id="{FD17FA3B-C404-4317-B0BC-953931111309}" type="datetimeFigureOut">
               <a:rPr lang="pl-PL" smtClean="0"/>
-              <a:t>2011-06-15</a:t>
+              <a:t>2011-06-16</a:t>
             </a:fld>
             <a:endParaRPr lang="pl-PL"/>
           </a:p>
@@ -2070,7 +4641,7 @@
           <a:p>
             <a:fld id="{FD17FA3B-C404-4317-B0BC-953931111309}" type="datetimeFigureOut">
               <a:rPr lang="pl-PL" smtClean="0"/>
-              <a:t>2011-06-15</a:t>
+              <a:t>2011-06-16</a:t>
             </a:fld>
             <a:endParaRPr lang="pl-PL"/>
           </a:p>
@@ -2613,7 +5184,7 @@
           <a:p>
             <a:fld id="{FD17FA3B-C404-4317-B0BC-953931111309}" type="datetimeFigureOut">
               <a:rPr lang="pl-PL" smtClean="0"/>
-              <a:t>2011-06-15</a:t>
+              <a:t>2011-06-16</a:t>
             </a:fld>
             <a:endParaRPr lang="pl-PL"/>
           </a:p>
@@ -2891,7 +5462,7 @@
           <a:p>
             <a:fld id="{FD17FA3B-C404-4317-B0BC-953931111309}" type="datetimeFigureOut">
               <a:rPr lang="pl-PL" smtClean="0"/>
-              <a:t>2011-06-15</a:t>
+              <a:t>2011-06-16</a:t>
             </a:fld>
             <a:endParaRPr lang="pl-PL"/>
           </a:p>
@@ -3093,7 +5664,7 @@
           <a:p>
             <a:fld id="{FD17FA3B-C404-4317-B0BC-953931111309}" type="datetimeFigureOut">
               <a:rPr lang="pl-PL" smtClean="0"/>
-              <a:t>2011-06-15</a:t>
+              <a:t>2011-06-16</a:t>
             </a:fld>
             <a:endParaRPr lang="pl-PL"/>
           </a:p>
@@ -3389,7 +5960,7 @@
           <a:p>
             <a:fld id="{FD17FA3B-C404-4317-B0BC-953931111309}" type="datetimeFigureOut">
               <a:rPr lang="pl-PL" smtClean="0"/>
-              <a:t>2011-06-15</a:t>
+              <a:t>2011-06-16</a:t>
             </a:fld>
             <a:endParaRPr lang="pl-PL"/>
           </a:p>
@@ -3706,7 +6277,7 @@
           <a:p>
             <a:fld id="{FD17FA3B-C404-4317-B0BC-953931111309}" type="datetimeFigureOut">
               <a:rPr lang="pl-PL" smtClean="0"/>
-              <a:t>2011-06-15</a:t>
+              <a:t>2011-06-16</a:t>
             </a:fld>
             <a:endParaRPr lang="pl-PL"/>
           </a:p>
@@ -4117,7 +6688,7 @@
           <a:p>
             <a:fld id="{FD17FA3B-C404-4317-B0BC-953931111309}" type="datetimeFigureOut">
               <a:rPr lang="pl-PL" smtClean="0"/>
-              <a:t>2011-06-15</a:t>
+              <a:t>2011-06-16</a:t>
             </a:fld>
             <a:endParaRPr lang="pl-PL"/>
           </a:p>
@@ -4575,11 +7146,11 @@
   <p:clrMapOvr>
     <a:masterClrMapping/>
   </p:clrMapOvr>
-  <mc:AlternateContent xmlns:mc="http://schemas.openxmlformats.org/markup-compatibility/2006">
-    <mc:Choice xmlns:p14="http://schemas.microsoft.com/office/powerpoint/2010/main" Requires="p14">
+  <mc:AlternateContent xmlns:mc="http://schemas.openxmlformats.org/markup-compatibility/2006" xmlns:p14="http://schemas.microsoft.com/office/powerpoint/2010/main">
+    <mc:Choice Requires="p14">
       <p:transition spd="slow" p14:dur="2000"/>
     </mc:Choice>
-    <mc:Fallback>
+    <mc:Fallback xmlns="">
       <p:transition spd="slow"/>
     </mc:Fallback>
   </mc:AlternateContent>
@@ -4626,8 +7197,16 @@
           <a:lstStyle/>
           <a:p>
             <a:r>
+              <a:rPr lang="pl-PL" dirty="0" err="1" smtClean="0"/>
+              <a:t>Alfirt</a:t>
+            </a:r>
+            <a:r>
               <a:rPr lang="pl-PL" dirty="0" smtClean="0"/>
-              <a:t>Rendering</a:t>
+              <a:t> </a:t>
+            </a:r>
+            <a:r>
+              <a:rPr lang="pl-PL" dirty="0" err="1" smtClean="0"/>
+              <a:t>TAGs</a:t>
             </a:r>
             <a:endParaRPr lang="pl-PL" dirty="0"/>
           </a:p>
@@ -4648,80 +7227,25 @@
           <a:bodyPr/>
           <a:lstStyle/>
           <a:p>
-            <a:pPr marL="0" indent="0">
-              <a:buNone/>
-            </a:pPr>
-            <a:r>
-              <a:rPr lang="pl-PL" dirty="0" err="1" smtClean="0"/>
-              <a:t>Various</a:t>
-            </a:r>
-            <a:r>
-              <a:rPr lang="pl-PL" dirty="0" smtClean="0"/>
-              <a:t> </a:t>
-            </a:r>
-            <a:r>
-              <a:rPr lang="en-US" dirty="0" smtClean="0"/>
-              <a:t>engines</a:t>
-            </a:r>
-            <a:r>
-              <a:rPr lang="pl-PL" dirty="0" smtClean="0"/>
-              <a:t> </a:t>
-            </a:r>
-            <a:r>
-              <a:rPr lang="pl-PL" dirty="0" err="1" smtClean="0"/>
-              <a:t>used</a:t>
-            </a:r>
-            <a:r>
-              <a:rPr lang="pl-PL" dirty="0" smtClean="0"/>
-              <a:t> for </a:t>
-            </a:r>
-            <a:r>
-              <a:rPr lang="pl-PL" dirty="0" err="1" smtClean="0"/>
-              <a:t>blender</a:t>
-            </a:r>
-            <a:r>
-              <a:rPr lang="en-US" dirty="0" smtClean="0"/>
-              <a:t> rendering pipe:</a:t>
-            </a:r>
-          </a:p>
-          <a:p>
-            <a:r>
-              <a:rPr lang="en-US" dirty="0" smtClean="0"/>
-              <a:t>Built</a:t>
-            </a:r>
-            <a:r>
-              <a:rPr lang="pl-PL" dirty="0" smtClean="0"/>
-              <a:t>-</a:t>
-            </a:r>
-            <a:r>
-              <a:rPr lang="en-US" dirty="0" smtClean="0"/>
-              <a:t>in OpenGL render</a:t>
-            </a:r>
-          </a:p>
-          <a:p>
-            <a:r>
-              <a:rPr lang="en-US" dirty="0" err="1" smtClean="0"/>
-              <a:t>LuxRender</a:t>
-            </a:r>
-            <a:endParaRPr lang="en-US" dirty="0"/>
+            <a:endParaRPr lang="pl-PL"/>
           </a:p>
         </p:txBody>
       </p:sp>
     </p:spTree>
     <p:extLst>
       <p:ext uri="{BB962C8B-B14F-4D97-AF65-F5344CB8AC3E}">
-        <p14:creationId xmlns:p14="http://schemas.microsoft.com/office/powerpoint/2010/main" val="975437919"/>
+        <p14:creationId xmlns:p14="http://schemas.microsoft.com/office/powerpoint/2010/main" val="591684312"/>
       </p:ext>
     </p:extLst>
   </p:cSld>
   <p:clrMapOvr>
     <a:masterClrMapping/>
   </p:clrMapOvr>
-  <mc:AlternateContent xmlns:mc="http://schemas.openxmlformats.org/markup-compatibility/2006">
-    <mc:Choice xmlns:p14="http://schemas.microsoft.com/office/powerpoint/2010/main" Requires="p14">
+  <mc:AlternateContent xmlns:mc="http://schemas.openxmlformats.org/markup-compatibility/2006" xmlns:p14="http://schemas.microsoft.com/office/powerpoint/2010/main">
+    <mc:Choice Requires="p14">
       <p:transition spd="slow" p14:dur="2000"/>
     </mc:Choice>
-    <mc:Fallback>
+    <mc:Fallback xmlns="">
       <p:transition spd="slow"/>
     </mc:Fallback>
   </mc:AlternateContent>
@@ -4736,6 +7260,148 @@
 </file>
 
 <file path=ppt/slides/slide11.xml><?xml version="1.0" encoding="utf-8"?>
+<p:sld xmlns:a="http://schemas.openxmlformats.org/drawingml/2006/main" xmlns:r="http://schemas.openxmlformats.org/officeDocument/2006/relationships" xmlns:p="http://schemas.openxmlformats.org/presentationml/2006/main">
+  <p:cSld>
+    <p:spTree>
+      <p:nvGrpSpPr>
+        <p:cNvPr id="1" name=""/>
+        <p:cNvGrpSpPr/>
+        <p:nvPr/>
+      </p:nvGrpSpPr>
+      <p:grpSpPr>
+        <a:xfrm>
+          <a:off x="0" y="0"/>
+          <a:ext cx="0" cy="0"/>
+          <a:chOff x="0" y="0"/>
+          <a:chExt cx="0" cy="0"/>
+        </a:xfrm>
+      </p:grpSpPr>
+      <p:sp>
+        <p:nvSpPr>
+          <p:cNvPr id="2" name="Tytuł 1"/>
+          <p:cNvSpPr>
+            <a:spLocks noGrp="1"/>
+          </p:cNvSpPr>
+          <p:nvPr>
+            <p:ph type="title"/>
+          </p:nvPr>
+        </p:nvSpPr>
+        <p:spPr/>
+        <p:txBody>
+          <a:bodyPr/>
+          <a:lstStyle/>
+          <a:p>
+            <a:r>
+              <a:rPr lang="pl-PL" dirty="0" smtClean="0"/>
+              <a:t>Rendering</a:t>
+            </a:r>
+            <a:endParaRPr lang="pl-PL" dirty="0"/>
+          </a:p>
+        </p:txBody>
+      </p:sp>
+      <p:sp>
+        <p:nvSpPr>
+          <p:cNvPr id="3" name="Symbol zastępczy zawartości 2"/>
+          <p:cNvSpPr>
+            <a:spLocks noGrp="1"/>
+          </p:cNvSpPr>
+          <p:nvPr>
+            <p:ph idx="1"/>
+          </p:nvPr>
+        </p:nvSpPr>
+        <p:spPr/>
+        <p:txBody>
+          <a:bodyPr/>
+          <a:lstStyle/>
+          <a:p>
+            <a:pPr marL="0" indent="0">
+              <a:buNone/>
+            </a:pPr>
+            <a:r>
+              <a:rPr lang="pl-PL" dirty="0" err="1" smtClean="0"/>
+              <a:t>Various</a:t>
+            </a:r>
+            <a:r>
+              <a:rPr lang="pl-PL" dirty="0" smtClean="0"/>
+              <a:t> </a:t>
+            </a:r>
+            <a:r>
+              <a:rPr lang="en-US" dirty="0" smtClean="0"/>
+              <a:t>engines</a:t>
+            </a:r>
+            <a:r>
+              <a:rPr lang="pl-PL" dirty="0" smtClean="0"/>
+              <a:t> </a:t>
+            </a:r>
+            <a:r>
+              <a:rPr lang="pl-PL" dirty="0" err="1" smtClean="0"/>
+              <a:t>used</a:t>
+            </a:r>
+            <a:r>
+              <a:rPr lang="pl-PL" dirty="0" smtClean="0"/>
+              <a:t> for </a:t>
+            </a:r>
+            <a:r>
+              <a:rPr lang="pl-PL" dirty="0" err="1" smtClean="0"/>
+              <a:t>blender</a:t>
+            </a:r>
+            <a:r>
+              <a:rPr lang="en-US" dirty="0" smtClean="0"/>
+              <a:t> rendering pipe:</a:t>
+            </a:r>
+          </a:p>
+          <a:p>
+            <a:r>
+              <a:rPr lang="en-US" dirty="0" smtClean="0"/>
+              <a:t>Built</a:t>
+            </a:r>
+            <a:r>
+              <a:rPr lang="pl-PL" dirty="0" smtClean="0"/>
+              <a:t>-</a:t>
+            </a:r>
+            <a:r>
+              <a:rPr lang="en-US" dirty="0" smtClean="0"/>
+              <a:t>in OpenGL render</a:t>
+            </a:r>
+          </a:p>
+          <a:p>
+            <a:r>
+              <a:rPr lang="en-US" dirty="0" err="1" smtClean="0"/>
+              <a:t>LuxRender</a:t>
+            </a:r>
+            <a:endParaRPr lang="en-US" dirty="0"/>
+          </a:p>
+        </p:txBody>
+      </p:sp>
+    </p:spTree>
+    <p:extLst>
+      <p:ext uri="{BB962C8B-B14F-4D97-AF65-F5344CB8AC3E}">
+        <p14:creationId xmlns:p14="http://schemas.microsoft.com/office/powerpoint/2010/main" val="975437919"/>
+      </p:ext>
+    </p:extLst>
+  </p:cSld>
+  <p:clrMapOvr>
+    <a:masterClrMapping/>
+  </p:clrMapOvr>
+  <mc:AlternateContent xmlns:mc="http://schemas.openxmlformats.org/markup-compatibility/2006" xmlns:p14="http://schemas.microsoft.com/office/powerpoint/2010/main">
+    <mc:Choice Requires="p14">
+      <p:transition spd="slow" p14:dur="2000"/>
+    </mc:Choice>
+    <mc:Fallback xmlns="">
+      <p:transition spd="slow"/>
+    </mc:Fallback>
+  </mc:AlternateContent>
+  <p:timing>
+    <p:tnLst>
+      <p:par>
+        <p:cTn id="1" dur="indefinite" restart="never" nodeType="tmRoot"/>
+      </p:par>
+    </p:tnLst>
+  </p:timing>
+</p:sld>
+</file>
+
+<file path=ppt/slides/slide12.xml><?xml version="1.0" encoding="utf-8"?>
 <p:sld xmlns:a="http://schemas.openxmlformats.org/drawingml/2006/main" xmlns:r="http://schemas.openxmlformats.org/officeDocument/2006/relationships" xmlns:p="http://schemas.openxmlformats.org/presentationml/2006/main">
   <p:cSld>
     <p:spTree>
@@ -4825,100 +7491,6 @@
 </p:sld>
 </file>
 
-<file path=ppt/slides/slide12.xml><?xml version="1.0" encoding="utf-8"?>
-<p:sld xmlns:a="http://schemas.openxmlformats.org/drawingml/2006/main" xmlns:r="http://schemas.openxmlformats.org/officeDocument/2006/relationships" xmlns:p="http://schemas.openxmlformats.org/presentationml/2006/main">
-  <p:cSld>
-    <p:spTree>
-      <p:nvGrpSpPr>
-        <p:cNvPr id="1" name=""/>
-        <p:cNvGrpSpPr/>
-        <p:nvPr/>
-      </p:nvGrpSpPr>
-      <p:grpSpPr>
-        <a:xfrm>
-          <a:off x="0" y="0"/>
-          <a:ext cx="0" cy="0"/>
-          <a:chOff x="0" y="0"/>
-          <a:chExt cx="0" cy="0"/>
-        </a:xfrm>
-      </p:grpSpPr>
-      <p:sp>
-        <p:nvSpPr>
-          <p:cNvPr id="2" name="Tytuł 1"/>
-          <p:cNvSpPr>
-            <a:spLocks noGrp="1"/>
-          </p:cNvSpPr>
-          <p:nvPr>
-            <p:ph type="title"/>
-          </p:nvPr>
-        </p:nvSpPr>
-        <p:spPr/>
-        <p:txBody>
-          <a:bodyPr/>
-          <a:lstStyle/>
-          <a:p>
-            <a:r>
-              <a:rPr lang="en-US" smtClean="0"/>
-              <a:t>State of implementation</a:t>
-            </a:r>
-            <a:endParaRPr lang="en-US"/>
-          </a:p>
-        </p:txBody>
-      </p:sp>
-      <p:sp>
-        <p:nvSpPr>
-          <p:cNvPr id="3" name="Symbol zastępczy zawartości 2"/>
-          <p:cNvSpPr>
-            <a:spLocks noGrp="1"/>
-          </p:cNvSpPr>
-          <p:nvPr>
-            <p:ph idx="1"/>
-          </p:nvPr>
-        </p:nvSpPr>
-        <p:spPr/>
-        <p:txBody>
-          <a:bodyPr/>
-          <a:lstStyle/>
-          <a:p>
-            <a:pPr marL="0" indent="0">
-              <a:buNone/>
-            </a:pPr>
-            <a:r>
-              <a:rPr lang="pl-PL" dirty="0" smtClean="0"/>
-              <a:t>TODO: ten sam smart art ale z kolorkami co jest zaimplementowane a co nie?</a:t>
-            </a:r>
-            <a:endParaRPr lang="en-US" dirty="0"/>
-          </a:p>
-        </p:txBody>
-      </p:sp>
-    </p:spTree>
-    <p:extLst>
-      <p:ext uri="{BB962C8B-B14F-4D97-AF65-F5344CB8AC3E}">
-        <p14:creationId xmlns:p14="http://schemas.microsoft.com/office/powerpoint/2010/main" val="1069565877"/>
-      </p:ext>
-    </p:extLst>
-  </p:cSld>
-  <p:clrMapOvr>
-    <a:masterClrMapping/>
-  </p:clrMapOvr>
-  <mc:AlternateContent xmlns:mc="http://schemas.openxmlformats.org/markup-compatibility/2006">
-    <mc:Choice xmlns:p14="http://schemas.microsoft.com/office/powerpoint/2010/main" Requires="p14">
-      <p:transition spd="slow" p14:dur="2000"/>
-    </mc:Choice>
-    <mc:Fallback>
-      <p:transition spd="slow"/>
-    </mc:Fallback>
-  </mc:AlternateContent>
-  <p:timing>
-    <p:tnLst>
-      <p:par>
-        <p:cTn id="1" dur="indefinite" restart="never" nodeType="tmRoot"/>
-      </p:par>
-    </p:tnLst>
-  </p:timing>
-</p:sld>
-</file>
-
 <file path=ppt/slides/slide13.xml><?xml version="1.0" encoding="utf-8"?>
 <p:sld xmlns:a="http://schemas.openxmlformats.org/drawingml/2006/main" xmlns:r="http://schemas.openxmlformats.org/officeDocument/2006/relationships" xmlns:p="http://schemas.openxmlformats.org/presentationml/2006/main">
   <p:cSld>
@@ -4952,10 +7524,10 @@
           <a:lstStyle/>
           <a:p>
             <a:r>
-              <a:rPr lang="en-US" dirty="0" smtClean="0"/>
-              <a:t>Planned experiments</a:t>
-            </a:r>
-            <a:endParaRPr lang="en-US" dirty="0"/>
+              <a:rPr lang="en-US" smtClean="0"/>
+              <a:t>State of implementation</a:t>
+            </a:r>
+            <a:endParaRPr lang="en-US"/>
           </a:p>
         </p:txBody>
       </p:sp>
@@ -4974,27 +7546,12 @@
           <a:bodyPr/>
           <a:lstStyle/>
           <a:p>
-            <a:r>
-              <a:rPr lang="en-US" dirty="0" smtClean="0"/>
-              <a:t>simple object rotation</a:t>
-            </a:r>
-          </a:p>
-          <a:p>
-            <a:r>
-              <a:rPr lang="en-US" dirty="0" smtClean="0"/>
-              <a:t>simple object with occlusion </a:t>
-            </a:r>
-          </a:p>
-          <a:p>
-            <a:r>
-              <a:rPr lang="en-US" dirty="0" smtClean="0"/>
-              <a:t>multiple objects in various lights </a:t>
-            </a:r>
-          </a:p>
-          <a:p>
-            <a:r>
-              <a:rPr lang="en-US" dirty="0" smtClean="0"/>
-              <a:t>multiple objects with foggy occlusion</a:t>
+            <a:pPr marL="0" indent="0">
+              <a:buNone/>
+            </a:pPr>
+            <a:r>
+              <a:rPr lang="pl-PL" dirty="0" smtClean="0"/>
+              <a:t>TODO: ten sam smart art ale z kolorkami co jest zaimplementowane a co nie?</a:t>
             </a:r>
             <a:endParaRPr lang="en-US" dirty="0"/>
           </a:p>
@@ -5003,18 +7560,18 @@
     </p:spTree>
     <p:extLst>
       <p:ext uri="{BB962C8B-B14F-4D97-AF65-F5344CB8AC3E}">
-        <p14:creationId xmlns:p14="http://schemas.microsoft.com/office/powerpoint/2010/main" val="363477968"/>
+        <p14:creationId xmlns:p14="http://schemas.microsoft.com/office/powerpoint/2010/main" val="1069565877"/>
       </p:ext>
     </p:extLst>
   </p:cSld>
   <p:clrMapOvr>
     <a:masterClrMapping/>
   </p:clrMapOvr>
-  <mc:AlternateContent xmlns:mc="http://schemas.openxmlformats.org/markup-compatibility/2006">
-    <mc:Choice xmlns:p14="http://schemas.microsoft.com/office/powerpoint/2010/main" Requires="p14">
+  <mc:AlternateContent xmlns:mc="http://schemas.openxmlformats.org/markup-compatibility/2006" xmlns:p14="http://schemas.microsoft.com/office/powerpoint/2010/main">
+    <mc:Choice Requires="p14">
       <p:transition spd="slow" p14:dur="2000"/>
     </mc:Choice>
-    <mc:Fallback>
+    <mc:Fallback xmlns="">
       <p:transition spd="slow"/>
     </mc:Fallback>
   </mc:AlternateContent>
@@ -5029,6 +7586,115 @@
 </file>
 
 <file path=ppt/slides/slide14.xml><?xml version="1.0" encoding="utf-8"?>
+<p:sld xmlns:a="http://schemas.openxmlformats.org/drawingml/2006/main" xmlns:r="http://schemas.openxmlformats.org/officeDocument/2006/relationships" xmlns:p="http://schemas.openxmlformats.org/presentationml/2006/main">
+  <p:cSld>
+    <p:spTree>
+      <p:nvGrpSpPr>
+        <p:cNvPr id="1" name=""/>
+        <p:cNvGrpSpPr/>
+        <p:nvPr/>
+      </p:nvGrpSpPr>
+      <p:grpSpPr>
+        <a:xfrm>
+          <a:off x="0" y="0"/>
+          <a:ext cx="0" cy="0"/>
+          <a:chOff x="0" y="0"/>
+          <a:chExt cx="0" cy="0"/>
+        </a:xfrm>
+      </p:grpSpPr>
+      <p:sp>
+        <p:nvSpPr>
+          <p:cNvPr id="2" name="Tytuł 1"/>
+          <p:cNvSpPr>
+            <a:spLocks noGrp="1"/>
+          </p:cNvSpPr>
+          <p:nvPr>
+            <p:ph type="title"/>
+          </p:nvPr>
+        </p:nvSpPr>
+        <p:spPr/>
+        <p:txBody>
+          <a:bodyPr/>
+          <a:lstStyle/>
+          <a:p>
+            <a:r>
+              <a:rPr lang="en-US" dirty="0" smtClean="0"/>
+              <a:t>Planned experiments</a:t>
+            </a:r>
+            <a:endParaRPr lang="en-US" dirty="0"/>
+          </a:p>
+        </p:txBody>
+      </p:sp>
+      <p:sp>
+        <p:nvSpPr>
+          <p:cNvPr id="3" name="Symbol zastępczy zawartości 2"/>
+          <p:cNvSpPr>
+            <a:spLocks noGrp="1"/>
+          </p:cNvSpPr>
+          <p:nvPr>
+            <p:ph idx="1"/>
+          </p:nvPr>
+        </p:nvSpPr>
+        <p:spPr/>
+        <p:txBody>
+          <a:bodyPr/>
+          <a:lstStyle/>
+          <a:p>
+            <a:r>
+              <a:rPr lang="en-US" dirty="0" smtClean="0"/>
+              <a:t>simple object rotation</a:t>
+            </a:r>
+          </a:p>
+          <a:p>
+            <a:r>
+              <a:rPr lang="en-US" dirty="0" smtClean="0"/>
+              <a:t>simple object with occlusion </a:t>
+            </a:r>
+          </a:p>
+          <a:p>
+            <a:r>
+              <a:rPr lang="en-US" dirty="0" smtClean="0"/>
+              <a:t>multiple objects in various lights </a:t>
+            </a:r>
+          </a:p>
+          <a:p>
+            <a:r>
+              <a:rPr lang="en-US" dirty="0" smtClean="0"/>
+              <a:t>multiple objects with foggy occlusion</a:t>
+            </a:r>
+            <a:endParaRPr lang="en-US" dirty="0"/>
+          </a:p>
+        </p:txBody>
+      </p:sp>
+    </p:spTree>
+    <p:extLst>
+      <p:ext uri="{BB962C8B-B14F-4D97-AF65-F5344CB8AC3E}">
+        <p14:creationId xmlns:p14="http://schemas.microsoft.com/office/powerpoint/2010/main" val="363477968"/>
+      </p:ext>
+    </p:extLst>
+  </p:cSld>
+  <p:clrMapOvr>
+    <a:masterClrMapping/>
+  </p:clrMapOvr>
+  <mc:AlternateContent xmlns:mc="http://schemas.openxmlformats.org/markup-compatibility/2006" xmlns:p14="http://schemas.microsoft.com/office/powerpoint/2010/main">
+    <mc:Choice Requires="p14">
+      <p:transition spd="slow" p14:dur="2000"/>
+    </mc:Choice>
+    <mc:Fallback xmlns="">
+      <p:transition spd="slow"/>
+    </mc:Fallback>
+  </mc:AlternateContent>
+  <p:timing>
+    <p:tnLst>
+      <p:par>
+        <p:cTn id="1" dur="indefinite" restart="never" nodeType="tmRoot"/>
+      </p:par>
+    </p:tnLst>
+  </p:timing>
+</p:sld>
+</file>
+
+<file path=ppt/slides/slide15.xml><?xml version="1.0" encoding="utf-8"?>
 <p:sld xmlns:a="http://schemas.openxmlformats.org/drawingml/2006/main" xmlns:r="http://schemas.openxmlformats.org/officeDocument/2006/relationships" xmlns:p="http://schemas.openxmlformats.org/presentationml/2006/main">
   <p:cSld>
     <p:spTree>
@@ -5177,11 +7843,11 @@
   <p:clrMapOvr>
     <a:masterClrMapping/>
   </p:clrMapOvr>
-  <mc:AlternateContent xmlns:mc="http://schemas.openxmlformats.org/markup-compatibility/2006">
-    <mc:Choice xmlns:p14="http://schemas.microsoft.com/office/powerpoint/2010/main" Requires="p14">
+  <mc:AlternateContent xmlns:mc="http://schemas.openxmlformats.org/markup-compatibility/2006" xmlns:p14="http://schemas.microsoft.com/office/powerpoint/2010/main">
+    <mc:Choice Requires="p14">
       <p:transition spd="slow" p14:dur="2000"/>
     </mc:Choice>
-    <mc:Fallback>
+    <mc:Fallback xmlns="">
       <p:transition spd="slow"/>
     </mc:Fallback>
   </mc:AlternateContent>
@@ -5195,7 +7861,7 @@
 </p:sld>
 </file>
 
-<file path=ppt/slides/slide15.xml><?xml version="1.0" encoding="utf-8"?>
+<file path=ppt/slides/slide16.xml><?xml version="1.0" encoding="utf-8"?>
 <p:sld xmlns:a="http://schemas.openxmlformats.org/drawingml/2006/main" xmlns:r="http://schemas.openxmlformats.org/officeDocument/2006/relationships" xmlns:p="http://schemas.openxmlformats.org/presentationml/2006/main">
   <p:cSld>
     <p:spTree>
@@ -5336,28 +8002,16 @@
           <a:lstStyle/>
           <a:p>
             <a:r>
+              <a:rPr lang="pl-PL" dirty="0" smtClean="0"/>
+              <a:t>Object </a:t>
+            </a:r>
+            <a:r>
               <a:rPr lang="pl-PL" dirty="0" err="1" smtClean="0"/>
-              <a:t>What</a:t>
+              <a:t>Pose</a:t>
             </a:r>
             <a:r>
               <a:rPr lang="pl-PL" dirty="0" smtClean="0"/>
-              <a:t> </a:t>
-            </a:r>
-            <a:r>
-              <a:rPr lang="pl-PL" dirty="0" err="1" smtClean="0"/>
-              <a:t>is</a:t>
-            </a:r>
-            <a:r>
-              <a:rPr lang="pl-PL" dirty="0" smtClean="0"/>
-              <a:t> </a:t>
-            </a:r>
-            <a:r>
-              <a:rPr lang="pl-PL" dirty="0" err="1" smtClean="0"/>
-              <a:t>it</a:t>
-            </a:r>
-            <a:r>
-              <a:rPr lang="pl-PL" dirty="0" smtClean="0"/>
-              <a:t> ?</a:t>
+              <a:t> Problem</a:t>
             </a:r>
             <a:endParaRPr lang="pl-PL" dirty="0"/>
           </a:p>
@@ -5435,11 +8089,11 @@
   <p:clrMapOvr>
     <a:masterClrMapping/>
   </p:clrMapOvr>
-  <mc:AlternateContent xmlns:mc="http://schemas.openxmlformats.org/markup-compatibility/2006">
-    <mc:Choice xmlns:p14="http://schemas.microsoft.com/office/powerpoint/2010/main" Requires="p14">
+  <mc:AlternateContent xmlns:mc="http://schemas.openxmlformats.org/markup-compatibility/2006" xmlns:p14="http://schemas.microsoft.com/office/powerpoint/2010/main">
+    <mc:Choice Requires="p14">
       <p:transition spd="slow" p14:dur="2000"/>
     </mc:Choice>
-    <mc:Fallback>
+    <mc:Fallback xmlns="">
       <p:transition spd="slow"/>
     </mc:Fallback>
   </mc:AlternateContent>
@@ -5582,11 +8236,11 @@
   <p:clrMapOvr>
     <a:masterClrMapping/>
   </p:clrMapOvr>
-  <mc:AlternateContent xmlns:mc="http://schemas.openxmlformats.org/markup-compatibility/2006">
-    <mc:Choice xmlns:p14="http://schemas.microsoft.com/office/powerpoint/2010/main" Requires="p14">
+  <mc:AlternateContent xmlns:mc="http://schemas.openxmlformats.org/markup-compatibility/2006" xmlns:p14="http://schemas.microsoft.com/office/powerpoint/2010/main">
+    <mc:Choice Requires="p14">
       <p:transition spd="slow" p14:dur="2000"/>
     </mc:Choice>
-    <mc:Fallback>
+    <mc:Fallback xmlns="">
       <p:transition spd="slow"/>
     </mc:Fallback>
   </mc:AlternateContent>
@@ -5648,57 +8302,28 @@
           </a:p>
         </p:txBody>
       </p:sp>
-      <p:sp>
-        <p:nvSpPr>
-          <p:cNvPr id="3" name="Symbol zastępczy zawartości 2"/>
-          <p:cNvSpPr>
-            <a:spLocks noGrp="1"/>
-          </p:cNvSpPr>
+      <p:graphicFrame>
+        <p:nvGraphicFramePr>
+          <p:cNvPr id="5" name="Diagram 4"/>
+          <p:cNvGraphicFramePr/>
           <p:nvPr>
-            <p:ph idx="1"/>
+            <p:extLst>
+              <p:ext uri="{D42A27DB-BD31-4B8C-83A1-F6EECF244321}">
+                <p14:modId xmlns:p14="http://schemas.microsoft.com/office/powerpoint/2010/main" val="603849377"/>
+              </p:ext>
+            </p:extLst>
           </p:nvPr>
-        </p:nvSpPr>
-        <p:spPr/>
-        <p:txBody>
-          <a:bodyPr/>
-          <a:lstStyle/>
-          <a:p>
-            <a:r>
-              <a:rPr lang="pl-PL" dirty="0" smtClean="0"/>
-              <a:t>TODO: </a:t>
-            </a:r>
-            <a:r>
-              <a:rPr lang="pl-PL" dirty="0" err="1" smtClean="0"/>
-              <a:t>put</a:t>
-            </a:r>
-            <a:r>
-              <a:rPr lang="pl-PL" dirty="0" smtClean="0"/>
-              <a:t> smart </a:t>
-            </a:r>
-            <a:r>
-              <a:rPr lang="pl-PL" dirty="0" err="1" smtClean="0"/>
-              <a:t>ass</a:t>
-            </a:r>
-            <a:r>
-              <a:rPr lang="pl-PL" dirty="0" smtClean="0"/>
-              <a:t> </a:t>
-            </a:r>
-            <a:r>
-              <a:rPr lang="pl-PL" dirty="0" err="1" smtClean="0"/>
-              <a:t>smat</a:t>
-            </a:r>
-            <a:r>
-              <a:rPr lang="pl-PL" dirty="0" smtClean="0"/>
-              <a:t> art </a:t>
-            </a:r>
-            <a:r>
-              <a:rPr lang="pl-PL" dirty="0" err="1" smtClean="0"/>
-              <a:t>here</a:t>
-            </a:r>
-            <a:endParaRPr lang="pl-PL" dirty="0"/>
-          </a:p>
-        </p:txBody>
-      </p:sp>
+        </p:nvGraphicFramePr>
+        <p:xfrm>
+          <a:off x="2195736" y="2132856"/>
+          <a:ext cx="6096000" cy="4064000"/>
+        </p:xfrm>
+        <a:graphic>
+          <a:graphicData uri="http://schemas.openxmlformats.org/drawingml/2006/diagram">
+            <dgm:relIds xmlns:dgm="http://schemas.openxmlformats.org/drawingml/2006/diagram" xmlns:r="http://schemas.openxmlformats.org/officeDocument/2006/relationships" r:dm="rId2" r:lo="rId3" r:qs="rId4" r:cs="rId5"/>
+          </a:graphicData>
+        </a:graphic>
+      </p:graphicFrame>
     </p:spTree>
     <p:extLst>
       <p:ext uri="{BB962C8B-B14F-4D97-AF65-F5344CB8AC3E}">
@@ -5709,11 +8334,11 @@
   <p:clrMapOvr>
     <a:masterClrMapping/>
   </p:clrMapOvr>
-  <mc:AlternateContent xmlns:mc="http://schemas.openxmlformats.org/markup-compatibility/2006">
-    <mc:Choice xmlns:p14="http://schemas.microsoft.com/office/powerpoint/2010/main" Requires="p14">
+  <mc:AlternateContent xmlns:mc="http://schemas.openxmlformats.org/markup-compatibility/2006" xmlns:p14="http://schemas.microsoft.com/office/powerpoint/2010/main">
+    <mc:Choice Requires="p14">
       <p:transition spd="slow" p14:dur="2000"/>
     </mc:Choice>
-    <mc:Fallback>
+    <mc:Fallback xmlns="">
       <p:transition spd="slow"/>
     </mc:Fallback>
   </mc:AlternateContent>
@@ -5760,147 +8385,3057 @@
           <a:lstStyle/>
           <a:p>
             <a:r>
-              <a:rPr lang="pl-PL" dirty="0" smtClean="0"/>
-              <a:t>Technology </a:t>
-            </a:r>
-            <a:r>
-              <a:rPr lang="pl-PL" dirty="0" err="1" smtClean="0"/>
-              <a:t>used</a:t>
-            </a:r>
-            <a:endParaRPr lang="pl-PL" dirty="0"/>
+              <a:rPr lang="en-US" dirty="0" smtClean="0"/>
+              <a:t>Main conception</a:t>
+            </a:r>
+            <a:endParaRPr lang="en-US" dirty="0"/>
           </a:p>
         </p:txBody>
       </p:sp>
+      <p:grpSp>
+        <p:nvGrpSpPr>
+          <p:cNvPr id="61" name="Grupa 60"/>
+          <p:cNvGrpSpPr/>
+          <p:nvPr/>
+        </p:nvGrpSpPr>
+        <p:grpSpPr>
+          <a:xfrm>
+            <a:off x="467544" y="1844824"/>
+            <a:ext cx="792088" cy="1080120"/>
+            <a:chOff x="467544" y="1844824"/>
+            <a:chExt cx="792088" cy="1080120"/>
+          </a:xfrm>
+        </p:grpSpPr>
+        <p:sp>
+          <p:nvSpPr>
+            <p:cNvPr id="4" name="Prostokąt 3"/>
+            <p:cNvSpPr/>
+            <p:nvPr/>
+          </p:nvSpPr>
+          <p:spPr>
+            <a:xfrm>
+              <a:off x="467544" y="1844824"/>
+              <a:ext cx="792088" cy="1080120"/>
+            </a:xfrm>
+            <a:custGeom>
+              <a:avLst/>
+              <a:gdLst>
+                <a:gd name="connsiteX0" fmla="*/ 0 w 576064"/>
+                <a:gd name="connsiteY0" fmla="*/ 0 h 864096"/>
+                <a:gd name="connsiteX1" fmla="*/ 576064 w 576064"/>
+                <a:gd name="connsiteY1" fmla="*/ 0 h 864096"/>
+                <a:gd name="connsiteX2" fmla="*/ 576064 w 576064"/>
+                <a:gd name="connsiteY2" fmla="*/ 864096 h 864096"/>
+                <a:gd name="connsiteX3" fmla="*/ 0 w 576064"/>
+                <a:gd name="connsiteY3" fmla="*/ 864096 h 864096"/>
+                <a:gd name="connsiteX4" fmla="*/ 0 w 576064"/>
+                <a:gd name="connsiteY4" fmla="*/ 0 h 864096"/>
+                <a:gd name="connsiteX0" fmla="*/ 432 w 576496"/>
+                <a:gd name="connsiteY0" fmla="*/ 0 h 864096"/>
+                <a:gd name="connsiteX1" fmla="*/ 576496 w 576496"/>
+                <a:gd name="connsiteY1" fmla="*/ 0 h 864096"/>
+                <a:gd name="connsiteX2" fmla="*/ 576496 w 576496"/>
+                <a:gd name="connsiteY2" fmla="*/ 864096 h 864096"/>
+                <a:gd name="connsiteX3" fmla="*/ 432 w 576496"/>
+                <a:gd name="connsiteY3" fmla="*/ 864096 h 864096"/>
+                <a:gd name="connsiteX4" fmla="*/ 0 w 576496"/>
+                <a:gd name="connsiteY4" fmla="*/ 355456 h 864096"/>
+                <a:gd name="connsiteX5" fmla="*/ 432 w 576496"/>
+                <a:gd name="connsiteY5" fmla="*/ 0 h 864096"/>
+                <a:gd name="connsiteX0" fmla="*/ 432 w 576496"/>
+                <a:gd name="connsiteY0" fmla="*/ 10304 h 874400"/>
+                <a:gd name="connsiteX1" fmla="*/ 243840 w 576496"/>
+                <a:gd name="connsiteY1" fmla="*/ 0 h 874400"/>
+                <a:gd name="connsiteX2" fmla="*/ 576496 w 576496"/>
+                <a:gd name="connsiteY2" fmla="*/ 10304 h 874400"/>
+                <a:gd name="connsiteX3" fmla="*/ 576496 w 576496"/>
+                <a:gd name="connsiteY3" fmla="*/ 874400 h 874400"/>
+                <a:gd name="connsiteX4" fmla="*/ 432 w 576496"/>
+                <a:gd name="connsiteY4" fmla="*/ 874400 h 874400"/>
+                <a:gd name="connsiteX5" fmla="*/ 0 w 576496"/>
+                <a:gd name="connsiteY5" fmla="*/ 365760 h 874400"/>
+                <a:gd name="connsiteX6" fmla="*/ 432 w 576496"/>
+                <a:gd name="connsiteY6" fmla="*/ 10304 h 874400"/>
+                <a:gd name="connsiteX0" fmla="*/ 0 w 576496"/>
+                <a:gd name="connsiteY0" fmla="*/ 365760 h 874400"/>
+                <a:gd name="connsiteX1" fmla="*/ 243840 w 576496"/>
+                <a:gd name="connsiteY1" fmla="*/ 0 h 874400"/>
+                <a:gd name="connsiteX2" fmla="*/ 576496 w 576496"/>
+                <a:gd name="connsiteY2" fmla="*/ 10304 h 874400"/>
+                <a:gd name="connsiteX3" fmla="*/ 576496 w 576496"/>
+                <a:gd name="connsiteY3" fmla="*/ 874400 h 874400"/>
+                <a:gd name="connsiteX4" fmla="*/ 432 w 576496"/>
+                <a:gd name="connsiteY4" fmla="*/ 874400 h 874400"/>
+                <a:gd name="connsiteX5" fmla="*/ 0 w 576496"/>
+                <a:gd name="connsiteY5" fmla="*/ 365760 h 874400"/>
+                <a:gd name="connsiteX0" fmla="*/ 0 w 576496"/>
+                <a:gd name="connsiteY0" fmla="*/ 213360 h 874400"/>
+                <a:gd name="connsiteX1" fmla="*/ 243840 w 576496"/>
+                <a:gd name="connsiteY1" fmla="*/ 0 h 874400"/>
+                <a:gd name="connsiteX2" fmla="*/ 576496 w 576496"/>
+                <a:gd name="connsiteY2" fmla="*/ 10304 h 874400"/>
+                <a:gd name="connsiteX3" fmla="*/ 576496 w 576496"/>
+                <a:gd name="connsiteY3" fmla="*/ 874400 h 874400"/>
+                <a:gd name="connsiteX4" fmla="*/ 432 w 576496"/>
+                <a:gd name="connsiteY4" fmla="*/ 874400 h 874400"/>
+                <a:gd name="connsiteX5" fmla="*/ 0 w 576496"/>
+                <a:gd name="connsiteY5" fmla="*/ 213360 h 874400"/>
+                <a:gd name="connsiteX0" fmla="*/ 0 w 576496"/>
+                <a:gd name="connsiteY0" fmla="*/ 213360 h 874400"/>
+                <a:gd name="connsiteX1" fmla="*/ 121920 w 576496"/>
+                <a:gd name="connsiteY1" fmla="*/ 0 h 874400"/>
+                <a:gd name="connsiteX2" fmla="*/ 576496 w 576496"/>
+                <a:gd name="connsiteY2" fmla="*/ 10304 h 874400"/>
+                <a:gd name="connsiteX3" fmla="*/ 576496 w 576496"/>
+                <a:gd name="connsiteY3" fmla="*/ 874400 h 874400"/>
+                <a:gd name="connsiteX4" fmla="*/ 432 w 576496"/>
+                <a:gd name="connsiteY4" fmla="*/ 874400 h 874400"/>
+                <a:gd name="connsiteX5" fmla="*/ 0 w 576496"/>
+                <a:gd name="connsiteY5" fmla="*/ 213360 h 874400"/>
+              </a:gdLst>
+              <a:ahLst/>
+              <a:cxnLst>
+                <a:cxn ang="0">
+                  <a:pos x="connsiteX0" y="connsiteY0"/>
+                </a:cxn>
+                <a:cxn ang="0">
+                  <a:pos x="connsiteX1" y="connsiteY1"/>
+                </a:cxn>
+                <a:cxn ang="0">
+                  <a:pos x="connsiteX2" y="connsiteY2"/>
+                </a:cxn>
+                <a:cxn ang="0">
+                  <a:pos x="connsiteX3" y="connsiteY3"/>
+                </a:cxn>
+                <a:cxn ang="0">
+                  <a:pos x="connsiteX4" y="connsiteY4"/>
+                </a:cxn>
+                <a:cxn ang="0">
+                  <a:pos x="connsiteX5" y="connsiteY5"/>
+                </a:cxn>
+              </a:cxnLst>
+              <a:rect l="l" t="t" r="r" b="b"/>
+              <a:pathLst>
+                <a:path w="576496" h="874400">
+                  <a:moveTo>
+                    <a:pt x="0" y="213360"/>
+                  </a:moveTo>
+                  <a:lnTo>
+                    <a:pt x="121920" y="0"/>
+                  </a:lnTo>
+                  <a:lnTo>
+                    <a:pt x="576496" y="10304"/>
+                  </a:lnTo>
+                  <a:lnTo>
+                    <a:pt x="576496" y="874400"/>
+                  </a:lnTo>
+                  <a:lnTo>
+                    <a:pt x="432" y="874400"/>
+                  </a:lnTo>
+                  <a:lnTo>
+                    <a:pt x="0" y="213360"/>
+                  </a:lnTo>
+                  <a:close/>
+                </a:path>
+              </a:pathLst>
+            </a:custGeom>
+            <a:solidFill>
+              <a:schemeClr val="bg2"/>
+            </a:solidFill>
+            <a:ln w="9525"/>
+            <a:effectLst>
+              <a:outerShdw blurRad="50800" dist="38100" algn="l" rotWithShape="0">
+                <a:prstClr val="black">
+                  <a:alpha val="40000"/>
+                </a:prstClr>
+              </a:outerShdw>
+            </a:effectLst>
+          </p:spPr>
+          <p:style>
+            <a:lnRef idx="2">
+              <a:schemeClr val="accent3">
+                <a:shade val="50000"/>
+              </a:schemeClr>
+            </a:lnRef>
+            <a:fillRef idx="1">
+              <a:schemeClr val="accent3"/>
+            </a:fillRef>
+            <a:effectRef idx="0">
+              <a:schemeClr val="accent3"/>
+            </a:effectRef>
+            <a:fontRef idx="minor">
+              <a:schemeClr val="lt1"/>
+            </a:fontRef>
+          </p:style>
+          <p:txBody>
+            <a:bodyPr rtlCol="0" anchor="ctr"/>
+            <a:lstStyle/>
+            <a:p>
+              <a:pPr algn="ctr"/>
+              <a:endParaRPr lang="pl-PL"/>
+            </a:p>
+          </p:txBody>
+        </p:sp>
+        <p:sp>
+          <p:nvSpPr>
+            <p:cNvPr id="5" name="pole tekstowe 4"/>
+            <p:cNvSpPr txBox="1"/>
+            <p:nvPr/>
+          </p:nvSpPr>
+          <p:spPr>
+            <a:xfrm>
+              <a:off x="467544" y="2267580"/>
+              <a:ext cx="792088" cy="369332"/>
+            </a:xfrm>
+            <a:prstGeom prst="rect">
+              <a:avLst/>
+            </a:prstGeom>
+            <a:noFill/>
+          </p:spPr>
+          <p:txBody>
+            <a:bodyPr wrap="square" rtlCol="0">
+              <a:spAutoFit/>
+            </a:bodyPr>
+            <a:lstStyle/>
+            <a:p>
+              <a:pPr algn="ctr"/>
+              <a:r>
+                <a:rPr lang="pl-PL" dirty="0" err="1" smtClean="0"/>
+                <a:t>Config</a:t>
+              </a:r>
+              <a:r>
+                <a:rPr lang="pl-PL" dirty="0" smtClean="0"/>
+                <a:t> </a:t>
+              </a:r>
+              <a:endParaRPr lang="pl-PL" dirty="0"/>
+            </a:p>
+          </p:txBody>
+        </p:sp>
+      </p:grpSp>
+      <p:grpSp>
+        <p:nvGrpSpPr>
+          <p:cNvPr id="62" name="Grupa 61"/>
+          <p:cNvGrpSpPr/>
+          <p:nvPr/>
+        </p:nvGrpSpPr>
+        <p:grpSpPr>
+          <a:xfrm>
+            <a:off x="1547664" y="1772816"/>
+            <a:ext cx="792088" cy="1080120"/>
+            <a:chOff x="1547664" y="1772816"/>
+            <a:chExt cx="792088" cy="1080120"/>
+          </a:xfrm>
+        </p:grpSpPr>
+        <p:sp>
+          <p:nvSpPr>
+            <p:cNvPr id="6" name="Prostokąt 3"/>
+            <p:cNvSpPr/>
+            <p:nvPr/>
+          </p:nvSpPr>
+          <p:spPr>
+            <a:xfrm>
+              <a:off x="1547664" y="1772816"/>
+              <a:ext cx="792088" cy="1080120"/>
+            </a:xfrm>
+            <a:custGeom>
+              <a:avLst/>
+              <a:gdLst>
+                <a:gd name="connsiteX0" fmla="*/ 0 w 576064"/>
+                <a:gd name="connsiteY0" fmla="*/ 0 h 864096"/>
+                <a:gd name="connsiteX1" fmla="*/ 576064 w 576064"/>
+                <a:gd name="connsiteY1" fmla="*/ 0 h 864096"/>
+                <a:gd name="connsiteX2" fmla="*/ 576064 w 576064"/>
+                <a:gd name="connsiteY2" fmla="*/ 864096 h 864096"/>
+                <a:gd name="connsiteX3" fmla="*/ 0 w 576064"/>
+                <a:gd name="connsiteY3" fmla="*/ 864096 h 864096"/>
+                <a:gd name="connsiteX4" fmla="*/ 0 w 576064"/>
+                <a:gd name="connsiteY4" fmla="*/ 0 h 864096"/>
+                <a:gd name="connsiteX0" fmla="*/ 432 w 576496"/>
+                <a:gd name="connsiteY0" fmla="*/ 0 h 864096"/>
+                <a:gd name="connsiteX1" fmla="*/ 576496 w 576496"/>
+                <a:gd name="connsiteY1" fmla="*/ 0 h 864096"/>
+                <a:gd name="connsiteX2" fmla="*/ 576496 w 576496"/>
+                <a:gd name="connsiteY2" fmla="*/ 864096 h 864096"/>
+                <a:gd name="connsiteX3" fmla="*/ 432 w 576496"/>
+                <a:gd name="connsiteY3" fmla="*/ 864096 h 864096"/>
+                <a:gd name="connsiteX4" fmla="*/ 0 w 576496"/>
+                <a:gd name="connsiteY4" fmla="*/ 355456 h 864096"/>
+                <a:gd name="connsiteX5" fmla="*/ 432 w 576496"/>
+                <a:gd name="connsiteY5" fmla="*/ 0 h 864096"/>
+                <a:gd name="connsiteX0" fmla="*/ 432 w 576496"/>
+                <a:gd name="connsiteY0" fmla="*/ 10304 h 874400"/>
+                <a:gd name="connsiteX1" fmla="*/ 243840 w 576496"/>
+                <a:gd name="connsiteY1" fmla="*/ 0 h 874400"/>
+                <a:gd name="connsiteX2" fmla="*/ 576496 w 576496"/>
+                <a:gd name="connsiteY2" fmla="*/ 10304 h 874400"/>
+                <a:gd name="connsiteX3" fmla="*/ 576496 w 576496"/>
+                <a:gd name="connsiteY3" fmla="*/ 874400 h 874400"/>
+                <a:gd name="connsiteX4" fmla="*/ 432 w 576496"/>
+                <a:gd name="connsiteY4" fmla="*/ 874400 h 874400"/>
+                <a:gd name="connsiteX5" fmla="*/ 0 w 576496"/>
+                <a:gd name="connsiteY5" fmla="*/ 365760 h 874400"/>
+                <a:gd name="connsiteX6" fmla="*/ 432 w 576496"/>
+                <a:gd name="connsiteY6" fmla="*/ 10304 h 874400"/>
+                <a:gd name="connsiteX0" fmla="*/ 0 w 576496"/>
+                <a:gd name="connsiteY0" fmla="*/ 365760 h 874400"/>
+                <a:gd name="connsiteX1" fmla="*/ 243840 w 576496"/>
+                <a:gd name="connsiteY1" fmla="*/ 0 h 874400"/>
+                <a:gd name="connsiteX2" fmla="*/ 576496 w 576496"/>
+                <a:gd name="connsiteY2" fmla="*/ 10304 h 874400"/>
+                <a:gd name="connsiteX3" fmla="*/ 576496 w 576496"/>
+                <a:gd name="connsiteY3" fmla="*/ 874400 h 874400"/>
+                <a:gd name="connsiteX4" fmla="*/ 432 w 576496"/>
+                <a:gd name="connsiteY4" fmla="*/ 874400 h 874400"/>
+                <a:gd name="connsiteX5" fmla="*/ 0 w 576496"/>
+                <a:gd name="connsiteY5" fmla="*/ 365760 h 874400"/>
+                <a:gd name="connsiteX0" fmla="*/ 0 w 576496"/>
+                <a:gd name="connsiteY0" fmla="*/ 213360 h 874400"/>
+                <a:gd name="connsiteX1" fmla="*/ 243840 w 576496"/>
+                <a:gd name="connsiteY1" fmla="*/ 0 h 874400"/>
+                <a:gd name="connsiteX2" fmla="*/ 576496 w 576496"/>
+                <a:gd name="connsiteY2" fmla="*/ 10304 h 874400"/>
+                <a:gd name="connsiteX3" fmla="*/ 576496 w 576496"/>
+                <a:gd name="connsiteY3" fmla="*/ 874400 h 874400"/>
+                <a:gd name="connsiteX4" fmla="*/ 432 w 576496"/>
+                <a:gd name="connsiteY4" fmla="*/ 874400 h 874400"/>
+                <a:gd name="connsiteX5" fmla="*/ 0 w 576496"/>
+                <a:gd name="connsiteY5" fmla="*/ 213360 h 874400"/>
+                <a:gd name="connsiteX0" fmla="*/ 0 w 576496"/>
+                <a:gd name="connsiteY0" fmla="*/ 213360 h 874400"/>
+                <a:gd name="connsiteX1" fmla="*/ 121920 w 576496"/>
+                <a:gd name="connsiteY1" fmla="*/ 0 h 874400"/>
+                <a:gd name="connsiteX2" fmla="*/ 576496 w 576496"/>
+                <a:gd name="connsiteY2" fmla="*/ 10304 h 874400"/>
+                <a:gd name="connsiteX3" fmla="*/ 576496 w 576496"/>
+                <a:gd name="connsiteY3" fmla="*/ 874400 h 874400"/>
+                <a:gd name="connsiteX4" fmla="*/ 432 w 576496"/>
+                <a:gd name="connsiteY4" fmla="*/ 874400 h 874400"/>
+                <a:gd name="connsiteX5" fmla="*/ 0 w 576496"/>
+                <a:gd name="connsiteY5" fmla="*/ 213360 h 874400"/>
+              </a:gdLst>
+              <a:ahLst/>
+              <a:cxnLst>
+                <a:cxn ang="0">
+                  <a:pos x="connsiteX0" y="connsiteY0"/>
+                </a:cxn>
+                <a:cxn ang="0">
+                  <a:pos x="connsiteX1" y="connsiteY1"/>
+                </a:cxn>
+                <a:cxn ang="0">
+                  <a:pos x="connsiteX2" y="connsiteY2"/>
+                </a:cxn>
+                <a:cxn ang="0">
+                  <a:pos x="connsiteX3" y="connsiteY3"/>
+                </a:cxn>
+                <a:cxn ang="0">
+                  <a:pos x="connsiteX4" y="connsiteY4"/>
+                </a:cxn>
+                <a:cxn ang="0">
+                  <a:pos x="connsiteX5" y="connsiteY5"/>
+                </a:cxn>
+              </a:cxnLst>
+              <a:rect l="l" t="t" r="r" b="b"/>
+              <a:pathLst>
+                <a:path w="576496" h="874400">
+                  <a:moveTo>
+                    <a:pt x="0" y="213360"/>
+                  </a:moveTo>
+                  <a:lnTo>
+                    <a:pt x="121920" y="0"/>
+                  </a:lnTo>
+                  <a:lnTo>
+                    <a:pt x="576496" y="10304"/>
+                  </a:lnTo>
+                  <a:lnTo>
+                    <a:pt x="576496" y="874400"/>
+                  </a:lnTo>
+                  <a:lnTo>
+                    <a:pt x="432" y="874400"/>
+                  </a:lnTo>
+                  <a:lnTo>
+                    <a:pt x="0" y="213360"/>
+                  </a:lnTo>
+                  <a:close/>
+                </a:path>
+              </a:pathLst>
+            </a:custGeom>
+            <a:solidFill>
+              <a:schemeClr val="bg2">
+                <a:lumMod val="90000"/>
+              </a:schemeClr>
+            </a:solidFill>
+            <a:ln w="9525"/>
+            <a:effectLst>
+              <a:outerShdw blurRad="50800" dist="38100" algn="l" rotWithShape="0">
+                <a:prstClr val="black">
+                  <a:alpha val="40000"/>
+                </a:prstClr>
+              </a:outerShdw>
+            </a:effectLst>
+          </p:spPr>
+          <p:style>
+            <a:lnRef idx="2">
+              <a:schemeClr val="accent3">
+                <a:shade val="50000"/>
+              </a:schemeClr>
+            </a:lnRef>
+            <a:fillRef idx="1">
+              <a:schemeClr val="accent3"/>
+            </a:fillRef>
+            <a:effectRef idx="0">
+              <a:schemeClr val="accent3"/>
+            </a:effectRef>
+            <a:fontRef idx="minor">
+              <a:schemeClr val="lt1"/>
+            </a:fontRef>
+          </p:style>
+          <p:txBody>
+            <a:bodyPr rtlCol="0" anchor="ctr"/>
+            <a:lstStyle/>
+            <a:p>
+              <a:pPr algn="ctr"/>
+              <a:endParaRPr lang="pl-PL"/>
+            </a:p>
+          </p:txBody>
+        </p:sp>
+        <p:sp>
+          <p:nvSpPr>
+            <p:cNvPr id="7" name="pole tekstowe 6"/>
+            <p:cNvSpPr txBox="1"/>
+            <p:nvPr/>
+          </p:nvSpPr>
+          <p:spPr>
+            <a:xfrm>
+              <a:off x="1547664" y="2175510"/>
+              <a:ext cx="792088" cy="369332"/>
+            </a:xfrm>
+            <a:prstGeom prst="rect">
+              <a:avLst/>
+            </a:prstGeom>
+            <a:noFill/>
+          </p:spPr>
+          <p:txBody>
+            <a:bodyPr wrap="square" rtlCol="0">
+              <a:spAutoFit/>
+            </a:bodyPr>
+            <a:lstStyle/>
+            <a:p>
+              <a:pPr algn="ctr"/>
+              <a:r>
+                <a:rPr lang="pl-PL" dirty="0" err="1" smtClean="0"/>
+                <a:t>Scene</a:t>
+              </a:r>
+              <a:r>
+                <a:rPr lang="pl-PL" dirty="0" smtClean="0"/>
+                <a:t> </a:t>
+              </a:r>
+              <a:endParaRPr lang="pl-PL" dirty="0"/>
+            </a:p>
+          </p:txBody>
+        </p:sp>
+      </p:grpSp>
       <p:sp>
         <p:nvSpPr>
-          <p:cNvPr id="3" name="Symbol zastępczy zawartości 2"/>
-          <p:cNvSpPr>
-            <a:spLocks noGrp="1"/>
-          </p:cNvSpPr>
-          <p:nvPr>
-            <p:ph idx="1"/>
-          </p:nvPr>
+          <p:cNvPr id="8" name="Prostokąt 7"/>
+          <p:cNvSpPr/>
+          <p:nvPr/>
         </p:nvSpPr>
         <p:spPr>
           <a:xfrm>
-            <a:off x="2438400" y="2286000"/>
-            <a:ext cx="6248400" cy="4383360"/>
+            <a:off x="2915816" y="1844824"/>
+            <a:ext cx="2016224" cy="1080120"/>
           </a:xfrm>
+          <a:prstGeom prst="rect">
+            <a:avLst/>
+          </a:prstGeom>
+          <a:effectLst>
+            <a:outerShdw blurRad="50800" dist="38100" algn="l" rotWithShape="0">
+              <a:prstClr val="black">
+                <a:alpha val="40000"/>
+              </a:prstClr>
+            </a:outerShdw>
+          </a:effectLst>
+        </p:spPr>
+        <p:style>
+          <a:lnRef idx="1">
+            <a:schemeClr val="accent6"/>
+          </a:lnRef>
+          <a:fillRef idx="2">
+            <a:schemeClr val="accent6"/>
+          </a:fillRef>
+          <a:effectRef idx="1">
+            <a:schemeClr val="accent6"/>
+          </a:effectRef>
+          <a:fontRef idx="minor">
+            <a:schemeClr val="dk1"/>
+          </a:fontRef>
+        </p:style>
+        <p:txBody>
+          <a:bodyPr rtlCol="0" anchor="ctr"/>
+          <a:lstStyle/>
+          <a:p>
+            <a:pPr algn="ctr"/>
+            <a:r>
+              <a:rPr lang="pl-PL" dirty="0" smtClean="0"/>
+              <a:t>Generator</a:t>
+            </a:r>
+            <a:endParaRPr lang="pl-PL" dirty="0"/>
+          </a:p>
+        </p:txBody>
+      </p:sp>
+      <p:cxnSp>
+        <p:nvCxnSpPr>
+          <p:cNvPr id="13" name="Łącznik prosty ze strzałką 12"/>
+          <p:cNvCxnSpPr/>
+          <p:nvPr/>
+        </p:nvCxnSpPr>
+        <p:spPr>
+          <a:xfrm>
+            <a:off x="2339752" y="2354084"/>
+            <a:ext cx="648072" cy="0"/>
+          </a:xfrm>
+          <a:prstGeom prst="straightConnector1">
+            <a:avLst/>
+          </a:prstGeom>
+          <a:ln>
+            <a:tailEnd type="arrow"/>
+          </a:ln>
+        </p:spPr>
+        <p:style>
+          <a:lnRef idx="1">
+            <a:schemeClr val="accent6"/>
+          </a:lnRef>
+          <a:fillRef idx="0">
+            <a:schemeClr val="accent6"/>
+          </a:fillRef>
+          <a:effectRef idx="0">
+            <a:schemeClr val="accent6"/>
+          </a:effectRef>
+          <a:fontRef idx="minor">
+            <a:schemeClr val="tx1"/>
+          </a:fontRef>
+        </p:style>
+      </p:cxnSp>
+      <p:cxnSp>
+        <p:nvCxnSpPr>
+          <p:cNvPr id="15" name="Łącznik prosty ze strzałką 14"/>
+          <p:cNvCxnSpPr/>
+          <p:nvPr/>
+        </p:nvCxnSpPr>
+        <p:spPr>
+          <a:xfrm flipV="1">
+            <a:off x="863588" y="2636912"/>
+            <a:ext cx="2124236" cy="292596"/>
+          </a:xfrm>
+          <a:prstGeom prst="bentConnector3">
+            <a:avLst>
+              <a:gd name="adj1" fmla="val 75110"/>
+            </a:avLst>
+          </a:prstGeom>
+          <a:ln>
+            <a:tailEnd type="arrow"/>
+          </a:ln>
+        </p:spPr>
+        <p:style>
+          <a:lnRef idx="1">
+            <a:schemeClr val="accent6"/>
+          </a:lnRef>
+          <a:fillRef idx="0">
+            <a:schemeClr val="accent6"/>
+          </a:fillRef>
+          <a:effectRef idx="0">
+            <a:schemeClr val="accent6"/>
+          </a:effectRef>
+          <a:fontRef idx="minor">
+            <a:schemeClr val="tx1"/>
+          </a:fontRef>
+        </p:style>
+      </p:cxnSp>
+      <p:grpSp>
+        <p:nvGrpSpPr>
+          <p:cNvPr id="48" name="Grupa 47"/>
+          <p:cNvGrpSpPr/>
+          <p:nvPr/>
+        </p:nvGrpSpPr>
+        <p:grpSpPr>
+          <a:xfrm flipV="1">
+            <a:off x="6350966" y="2366294"/>
+            <a:ext cx="237258" cy="45719"/>
+            <a:chOff x="6516216" y="2544842"/>
+            <a:chExt cx="524118" cy="99844"/>
+          </a:xfrm>
+          <a:effectLst>
+            <a:outerShdw blurRad="50800" dist="38100" algn="l" rotWithShape="0">
+              <a:prstClr val="black">
+                <a:alpha val="40000"/>
+              </a:prstClr>
+            </a:outerShdw>
+          </a:effectLst>
+        </p:grpSpPr>
+        <p:sp>
+          <p:nvSpPr>
+            <p:cNvPr id="45" name="Elipsa 44"/>
+            <p:cNvSpPr/>
+            <p:nvPr/>
+          </p:nvSpPr>
+          <p:spPr>
+            <a:xfrm>
+              <a:off x="6516216" y="2544842"/>
+              <a:ext cx="92070" cy="92070"/>
+            </a:xfrm>
+            <a:prstGeom prst="ellipse">
+              <a:avLst/>
+            </a:prstGeom>
+            <a:ln>
+              <a:noFill/>
+            </a:ln>
+          </p:spPr>
+          <p:style>
+            <a:lnRef idx="2">
+              <a:schemeClr val="accent6">
+                <a:shade val="50000"/>
+              </a:schemeClr>
+            </a:lnRef>
+            <a:fillRef idx="1">
+              <a:schemeClr val="accent6"/>
+            </a:fillRef>
+            <a:effectRef idx="0">
+              <a:schemeClr val="accent6"/>
+            </a:effectRef>
+            <a:fontRef idx="minor">
+              <a:schemeClr val="lt1"/>
+            </a:fontRef>
+          </p:style>
+          <p:txBody>
+            <a:bodyPr rtlCol="0" anchor="ctr"/>
+            <a:lstStyle/>
+            <a:p>
+              <a:pPr algn="ctr"/>
+              <a:endParaRPr lang="pl-PL"/>
+            </a:p>
+          </p:txBody>
+        </p:sp>
+        <p:sp>
+          <p:nvSpPr>
+            <p:cNvPr id="46" name="Elipsa 45"/>
+            <p:cNvSpPr/>
+            <p:nvPr/>
+          </p:nvSpPr>
+          <p:spPr>
+            <a:xfrm>
+              <a:off x="6728946" y="2544919"/>
+              <a:ext cx="92070" cy="92070"/>
+            </a:xfrm>
+            <a:prstGeom prst="ellipse">
+              <a:avLst/>
+            </a:prstGeom>
+            <a:ln>
+              <a:noFill/>
+            </a:ln>
+          </p:spPr>
+          <p:style>
+            <a:lnRef idx="2">
+              <a:schemeClr val="accent6">
+                <a:shade val="50000"/>
+              </a:schemeClr>
+            </a:lnRef>
+            <a:fillRef idx="1">
+              <a:schemeClr val="accent6"/>
+            </a:fillRef>
+            <a:effectRef idx="0">
+              <a:schemeClr val="accent6"/>
+            </a:effectRef>
+            <a:fontRef idx="minor">
+              <a:schemeClr val="lt1"/>
+            </a:fontRef>
+          </p:style>
+          <p:txBody>
+            <a:bodyPr rtlCol="0" anchor="ctr"/>
+            <a:lstStyle/>
+            <a:p>
+              <a:pPr algn="ctr"/>
+              <a:endParaRPr lang="pl-PL"/>
+            </a:p>
+          </p:txBody>
+        </p:sp>
+        <p:sp>
+          <p:nvSpPr>
+            <p:cNvPr id="47" name="Elipsa 46"/>
+            <p:cNvSpPr/>
+            <p:nvPr/>
+          </p:nvSpPr>
+          <p:spPr>
+            <a:xfrm>
+              <a:off x="6948264" y="2552616"/>
+              <a:ext cx="92070" cy="92070"/>
+            </a:xfrm>
+            <a:prstGeom prst="ellipse">
+              <a:avLst/>
+            </a:prstGeom>
+            <a:ln>
+              <a:noFill/>
+            </a:ln>
+          </p:spPr>
+          <p:style>
+            <a:lnRef idx="2">
+              <a:schemeClr val="accent6">
+                <a:shade val="50000"/>
+              </a:schemeClr>
+            </a:lnRef>
+            <a:fillRef idx="1">
+              <a:schemeClr val="accent6"/>
+            </a:fillRef>
+            <a:effectRef idx="0">
+              <a:schemeClr val="accent6"/>
+            </a:effectRef>
+            <a:fontRef idx="minor">
+              <a:schemeClr val="lt1"/>
+            </a:fontRef>
+          </p:style>
+          <p:txBody>
+            <a:bodyPr rtlCol="0" anchor="ctr"/>
+            <a:lstStyle/>
+            <a:p>
+              <a:pPr algn="ctr"/>
+              <a:endParaRPr lang="pl-PL"/>
+            </a:p>
+          </p:txBody>
+        </p:sp>
+      </p:grpSp>
+      <p:cxnSp>
+        <p:nvCxnSpPr>
+          <p:cNvPr id="68" name="Łącznik prosty ze strzałką 67"/>
+          <p:cNvCxnSpPr>
+            <a:stCxn id="8" idx="3"/>
+          </p:cNvCxnSpPr>
+          <p:nvPr/>
+        </p:nvCxnSpPr>
+        <p:spPr>
+          <a:xfrm flipV="1">
+            <a:off x="4932040" y="2384013"/>
+            <a:ext cx="504056" cy="871"/>
+          </a:xfrm>
+          <a:prstGeom prst="straightConnector1">
+            <a:avLst/>
+          </a:prstGeom>
+          <a:ln>
+            <a:tailEnd type="arrow"/>
+          </a:ln>
+        </p:spPr>
+        <p:style>
+          <a:lnRef idx="1">
+            <a:schemeClr val="accent6"/>
+          </a:lnRef>
+          <a:fillRef idx="0">
+            <a:schemeClr val="accent6"/>
+          </a:fillRef>
+          <a:effectRef idx="0">
+            <a:schemeClr val="accent6"/>
+          </a:effectRef>
+          <a:fontRef idx="minor">
+            <a:schemeClr val="tx1"/>
+          </a:fontRef>
+        </p:style>
+      </p:cxnSp>
+      <p:sp>
+        <p:nvSpPr>
+          <p:cNvPr id="69" name="Prostokąt 68"/>
+          <p:cNvSpPr/>
+          <p:nvPr/>
+        </p:nvSpPr>
+        <p:spPr>
+          <a:xfrm>
+            <a:off x="2907871" y="3281979"/>
+            <a:ext cx="2016224" cy="1080120"/>
+          </a:xfrm>
+          <a:prstGeom prst="rect">
+            <a:avLst/>
+          </a:prstGeom>
+          <a:effectLst>
+            <a:outerShdw blurRad="50800" dist="38100" algn="l" rotWithShape="0">
+              <a:prstClr val="black">
+                <a:alpha val="40000"/>
+              </a:prstClr>
+            </a:outerShdw>
+          </a:effectLst>
+        </p:spPr>
+        <p:style>
+          <a:lnRef idx="1">
+            <a:schemeClr val="accent3"/>
+          </a:lnRef>
+          <a:fillRef idx="2">
+            <a:schemeClr val="accent3"/>
+          </a:fillRef>
+          <a:effectRef idx="1">
+            <a:schemeClr val="accent3"/>
+          </a:effectRef>
+          <a:fontRef idx="minor">
+            <a:schemeClr val="dk1"/>
+          </a:fontRef>
+        </p:style>
+        <p:txBody>
+          <a:bodyPr rtlCol="0" anchor="ctr"/>
+          <a:lstStyle/>
+          <a:p>
+            <a:pPr algn="ctr"/>
+            <a:r>
+              <a:rPr lang="en-US" dirty="0" smtClean="0"/>
+              <a:t>Detector</a:t>
+            </a:r>
+            <a:endParaRPr lang="en-US" dirty="0"/>
+          </a:p>
+        </p:txBody>
+      </p:sp>
+      <p:cxnSp>
+        <p:nvCxnSpPr>
+          <p:cNvPr id="76" name="Łącznik łamany 75"/>
+          <p:cNvCxnSpPr>
+            <a:endCxn id="69" idx="3"/>
+          </p:cNvCxnSpPr>
+          <p:nvPr/>
+        </p:nvCxnSpPr>
+        <p:spPr>
+          <a:xfrm rot="5400000">
+            <a:off x="4927825" y="2553605"/>
+            <a:ext cx="892640" cy="900100"/>
+          </a:xfrm>
+          <a:prstGeom prst="bentConnector2">
+            <a:avLst/>
+          </a:prstGeom>
+          <a:ln>
+            <a:tailEnd type="arrow"/>
+          </a:ln>
+        </p:spPr>
+        <p:style>
+          <a:lnRef idx="1">
+            <a:schemeClr val="accent6"/>
+          </a:lnRef>
+          <a:fillRef idx="0">
+            <a:schemeClr val="accent6"/>
+          </a:fillRef>
+          <a:effectRef idx="0">
+            <a:schemeClr val="accent6"/>
+          </a:effectRef>
+          <a:fontRef idx="minor">
+            <a:schemeClr val="tx1"/>
+          </a:fontRef>
+        </p:style>
+      </p:cxnSp>
+      <p:cxnSp>
+        <p:nvCxnSpPr>
+          <p:cNvPr id="78" name="Łącznik łamany 77"/>
+          <p:cNvCxnSpPr/>
+          <p:nvPr/>
+        </p:nvCxnSpPr>
+        <p:spPr>
+          <a:xfrm rot="10800000" flipV="1">
+            <a:off x="5084440" y="2848371"/>
+            <a:ext cx="1932538" cy="601603"/>
+          </a:xfrm>
+          <a:prstGeom prst="bentConnector3">
+            <a:avLst>
+              <a:gd name="adj1" fmla="val 1174"/>
+            </a:avLst>
+          </a:prstGeom>
+          <a:ln>
+            <a:tailEnd type="none"/>
+          </a:ln>
+        </p:spPr>
+        <p:style>
+          <a:lnRef idx="1">
+            <a:schemeClr val="accent6"/>
+          </a:lnRef>
+          <a:fillRef idx="0">
+            <a:schemeClr val="accent6"/>
+          </a:fillRef>
+          <a:effectRef idx="0">
+            <a:schemeClr val="accent6"/>
+          </a:effectRef>
+          <a:fontRef idx="minor">
+            <a:schemeClr val="tx1"/>
+          </a:fontRef>
+        </p:style>
+      </p:cxnSp>
+      <p:sp>
+        <p:nvSpPr>
+          <p:cNvPr id="84" name="pole tekstowe 83"/>
+          <p:cNvSpPr txBox="1"/>
+          <p:nvPr/>
+        </p:nvSpPr>
+        <p:spPr>
+          <a:xfrm>
+            <a:off x="6033135" y="3087097"/>
+            <a:ext cx="677339" cy="369332"/>
+          </a:xfrm>
+          <a:prstGeom prst="rect">
+            <a:avLst/>
+          </a:prstGeom>
+          <a:noFill/>
         </p:spPr>
         <p:txBody>
-          <a:bodyPr/>
+          <a:bodyPr wrap="square" rtlCol="0">
+            <a:spAutoFit/>
+          </a:bodyPr>
           <a:lstStyle/>
           <a:p>
-            <a:pPr marL="0" indent="0">
-              <a:buNone/>
-            </a:pPr>
+            <a:r>
+              <a:rPr lang="en-US" i="1" dirty="0" smtClean="0"/>
+              <a:t>learn</a:t>
+            </a:r>
+            <a:endParaRPr lang="en-US" i="1" dirty="0"/>
+          </a:p>
+        </p:txBody>
+      </p:sp>
+      <p:grpSp>
+        <p:nvGrpSpPr>
+          <p:cNvPr id="41" name="Grupa 40"/>
+          <p:cNvGrpSpPr/>
+          <p:nvPr/>
+        </p:nvGrpSpPr>
+        <p:grpSpPr>
+          <a:xfrm>
+            <a:off x="6588224" y="1705372"/>
+            <a:ext cx="864096" cy="1147564"/>
+            <a:chOff x="5436096" y="1844824"/>
+            <a:chExt cx="864096" cy="1147564"/>
+          </a:xfrm>
+          <a:effectLst>
+            <a:outerShdw blurRad="50800" dist="38100" algn="l" rotWithShape="0">
+              <a:prstClr val="black">
+                <a:alpha val="40000"/>
+              </a:prstClr>
+            </a:outerShdw>
+          </a:effectLst>
+        </p:grpSpPr>
+        <p:sp>
+          <p:nvSpPr>
+            <p:cNvPr id="42" name="Prostokąt 3"/>
+            <p:cNvSpPr/>
+            <p:nvPr/>
+          </p:nvSpPr>
+          <p:spPr>
+            <a:xfrm>
+              <a:off x="5508104" y="1844824"/>
+              <a:ext cx="792088" cy="1080120"/>
+            </a:xfrm>
+            <a:custGeom>
+              <a:avLst/>
+              <a:gdLst>
+                <a:gd name="connsiteX0" fmla="*/ 0 w 576064"/>
+                <a:gd name="connsiteY0" fmla="*/ 0 h 864096"/>
+                <a:gd name="connsiteX1" fmla="*/ 576064 w 576064"/>
+                <a:gd name="connsiteY1" fmla="*/ 0 h 864096"/>
+                <a:gd name="connsiteX2" fmla="*/ 576064 w 576064"/>
+                <a:gd name="connsiteY2" fmla="*/ 864096 h 864096"/>
+                <a:gd name="connsiteX3" fmla="*/ 0 w 576064"/>
+                <a:gd name="connsiteY3" fmla="*/ 864096 h 864096"/>
+                <a:gd name="connsiteX4" fmla="*/ 0 w 576064"/>
+                <a:gd name="connsiteY4" fmla="*/ 0 h 864096"/>
+                <a:gd name="connsiteX0" fmla="*/ 432 w 576496"/>
+                <a:gd name="connsiteY0" fmla="*/ 0 h 864096"/>
+                <a:gd name="connsiteX1" fmla="*/ 576496 w 576496"/>
+                <a:gd name="connsiteY1" fmla="*/ 0 h 864096"/>
+                <a:gd name="connsiteX2" fmla="*/ 576496 w 576496"/>
+                <a:gd name="connsiteY2" fmla="*/ 864096 h 864096"/>
+                <a:gd name="connsiteX3" fmla="*/ 432 w 576496"/>
+                <a:gd name="connsiteY3" fmla="*/ 864096 h 864096"/>
+                <a:gd name="connsiteX4" fmla="*/ 0 w 576496"/>
+                <a:gd name="connsiteY4" fmla="*/ 355456 h 864096"/>
+                <a:gd name="connsiteX5" fmla="*/ 432 w 576496"/>
+                <a:gd name="connsiteY5" fmla="*/ 0 h 864096"/>
+                <a:gd name="connsiteX0" fmla="*/ 432 w 576496"/>
+                <a:gd name="connsiteY0" fmla="*/ 10304 h 874400"/>
+                <a:gd name="connsiteX1" fmla="*/ 243840 w 576496"/>
+                <a:gd name="connsiteY1" fmla="*/ 0 h 874400"/>
+                <a:gd name="connsiteX2" fmla="*/ 576496 w 576496"/>
+                <a:gd name="connsiteY2" fmla="*/ 10304 h 874400"/>
+                <a:gd name="connsiteX3" fmla="*/ 576496 w 576496"/>
+                <a:gd name="connsiteY3" fmla="*/ 874400 h 874400"/>
+                <a:gd name="connsiteX4" fmla="*/ 432 w 576496"/>
+                <a:gd name="connsiteY4" fmla="*/ 874400 h 874400"/>
+                <a:gd name="connsiteX5" fmla="*/ 0 w 576496"/>
+                <a:gd name="connsiteY5" fmla="*/ 365760 h 874400"/>
+                <a:gd name="connsiteX6" fmla="*/ 432 w 576496"/>
+                <a:gd name="connsiteY6" fmla="*/ 10304 h 874400"/>
+                <a:gd name="connsiteX0" fmla="*/ 0 w 576496"/>
+                <a:gd name="connsiteY0" fmla="*/ 365760 h 874400"/>
+                <a:gd name="connsiteX1" fmla="*/ 243840 w 576496"/>
+                <a:gd name="connsiteY1" fmla="*/ 0 h 874400"/>
+                <a:gd name="connsiteX2" fmla="*/ 576496 w 576496"/>
+                <a:gd name="connsiteY2" fmla="*/ 10304 h 874400"/>
+                <a:gd name="connsiteX3" fmla="*/ 576496 w 576496"/>
+                <a:gd name="connsiteY3" fmla="*/ 874400 h 874400"/>
+                <a:gd name="connsiteX4" fmla="*/ 432 w 576496"/>
+                <a:gd name="connsiteY4" fmla="*/ 874400 h 874400"/>
+                <a:gd name="connsiteX5" fmla="*/ 0 w 576496"/>
+                <a:gd name="connsiteY5" fmla="*/ 365760 h 874400"/>
+                <a:gd name="connsiteX0" fmla="*/ 0 w 576496"/>
+                <a:gd name="connsiteY0" fmla="*/ 213360 h 874400"/>
+                <a:gd name="connsiteX1" fmla="*/ 243840 w 576496"/>
+                <a:gd name="connsiteY1" fmla="*/ 0 h 874400"/>
+                <a:gd name="connsiteX2" fmla="*/ 576496 w 576496"/>
+                <a:gd name="connsiteY2" fmla="*/ 10304 h 874400"/>
+                <a:gd name="connsiteX3" fmla="*/ 576496 w 576496"/>
+                <a:gd name="connsiteY3" fmla="*/ 874400 h 874400"/>
+                <a:gd name="connsiteX4" fmla="*/ 432 w 576496"/>
+                <a:gd name="connsiteY4" fmla="*/ 874400 h 874400"/>
+                <a:gd name="connsiteX5" fmla="*/ 0 w 576496"/>
+                <a:gd name="connsiteY5" fmla="*/ 213360 h 874400"/>
+                <a:gd name="connsiteX0" fmla="*/ 0 w 576496"/>
+                <a:gd name="connsiteY0" fmla="*/ 213360 h 874400"/>
+                <a:gd name="connsiteX1" fmla="*/ 121920 w 576496"/>
+                <a:gd name="connsiteY1" fmla="*/ 0 h 874400"/>
+                <a:gd name="connsiteX2" fmla="*/ 576496 w 576496"/>
+                <a:gd name="connsiteY2" fmla="*/ 10304 h 874400"/>
+                <a:gd name="connsiteX3" fmla="*/ 576496 w 576496"/>
+                <a:gd name="connsiteY3" fmla="*/ 874400 h 874400"/>
+                <a:gd name="connsiteX4" fmla="*/ 432 w 576496"/>
+                <a:gd name="connsiteY4" fmla="*/ 874400 h 874400"/>
+                <a:gd name="connsiteX5" fmla="*/ 0 w 576496"/>
+                <a:gd name="connsiteY5" fmla="*/ 213360 h 874400"/>
+              </a:gdLst>
+              <a:ahLst/>
+              <a:cxnLst>
+                <a:cxn ang="0">
+                  <a:pos x="connsiteX0" y="connsiteY0"/>
+                </a:cxn>
+                <a:cxn ang="0">
+                  <a:pos x="connsiteX1" y="connsiteY1"/>
+                </a:cxn>
+                <a:cxn ang="0">
+                  <a:pos x="connsiteX2" y="connsiteY2"/>
+                </a:cxn>
+                <a:cxn ang="0">
+                  <a:pos x="connsiteX3" y="connsiteY3"/>
+                </a:cxn>
+                <a:cxn ang="0">
+                  <a:pos x="connsiteX4" y="connsiteY4"/>
+                </a:cxn>
+                <a:cxn ang="0">
+                  <a:pos x="connsiteX5" y="connsiteY5"/>
+                </a:cxn>
+              </a:cxnLst>
+              <a:rect l="l" t="t" r="r" b="b"/>
+              <a:pathLst>
+                <a:path w="576496" h="874400">
+                  <a:moveTo>
+                    <a:pt x="0" y="213360"/>
+                  </a:moveTo>
+                  <a:lnTo>
+                    <a:pt x="121920" y="0"/>
+                  </a:lnTo>
+                  <a:lnTo>
+                    <a:pt x="576496" y="10304"/>
+                  </a:lnTo>
+                  <a:lnTo>
+                    <a:pt x="576496" y="874400"/>
+                  </a:lnTo>
+                  <a:lnTo>
+                    <a:pt x="432" y="874400"/>
+                  </a:lnTo>
+                  <a:lnTo>
+                    <a:pt x="0" y="213360"/>
+                  </a:lnTo>
+                  <a:close/>
+                </a:path>
+              </a:pathLst>
+            </a:custGeom>
+            <a:ln w="9525"/>
+            <a:effectLst/>
+          </p:spPr>
+          <p:style>
+            <a:lnRef idx="2">
+              <a:schemeClr val="accent1">
+                <a:shade val="50000"/>
+              </a:schemeClr>
+            </a:lnRef>
+            <a:fillRef idx="1">
+              <a:schemeClr val="accent1"/>
+            </a:fillRef>
+            <a:effectRef idx="0">
+              <a:schemeClr val="accent1"/>
+            </a:effectRef>
+            <a:fontRef idx="minor">
+              <a:schemeClr val="lt1"/>
+            </a:fontRef>
+          </p:style>
+          <p:txBody>
+            <a:bodyPr rtlCol="0" anchor="ctr"/>
+            <a:lstStyle/>
+            <a:p>
+              <a:pPr algn="ctr"/>
+              <a:endParaRPr lang="pl-PL"/>
+            </a:p>
+          </p:txBody>
+        </p:sp>
+        <p:sp>
+          <p:nvSpPr>
+            <p:cNvPr id="43" name="Prostokąt 3"/>
+            <p:cNvSpPr/>
+            <p:nvPr/>
+          </p:nvSpPr>
+          <p:spPr>
+            <a:xfrm>
+              <a:off x="5436096" y="1912268"/>
+              <a:ext cx="792088" cy="1080120"/>
+            </a:xfrm>
+            <a:custGeom>
+              <a:avLst/>
+              <a:gdLst>
+                <a:gd name="connsiteX0" fmla="*/ 0 w 576064"/>
+                <a:gd name="connsiteY0" fmla="*/ 0 h 864096"/>
+                <a:gd name="connsiteX1" fmla="*/ 576064 w 576064"/>
+                <a:gd name="connsiteY1" fmla="*/ 0 h 864096"/>
+                <a:gd name="connsiteX2" fmla="*/ 576064 w 576064"/>
+                <a:gd name="connsiteY2" fmla="*/ 864096 h 864096"/>
+                <a:gd name="connsiteX3" fmla="*/ 0 w 576064"/>
+                <a:gd name="connsiteY3" fmla="*/ 864096 h 864096"/>
+                <a:gd name="connsiteX4" fmla="*/ 0 w 576064"/>
+                <a:gd name="connsiteY4" fmla="*/ 0 h 864096"/>
+                <a:gd name="connsiteX0" fmla="*/ 432 w 576496"/>
+                <a:gd name="connsiteY0" fmla="*/ 0 h 864096"/>
+                <a:gd name="connsiteX1" fmla="*/ 576496 w 576496"/>
+                <a:gd name="connsiteY1" fmla="*/ 0 h 864096"/>
+                <a:gd name="connsiteX2" fmla="*/ 576496 w 576496"/>
+                <a:gd name="connsiteY2" fmla="*/ 864096 h 864096"/>
+                <a:gd name="connsiteX3" fmla="*/ 432 w 576496"/>
+                <a:gd name="connsiteY3" fmla="*/ 864096 h 864096"/>
+                <a:gd name="connsiteX4" fmla="*/ 0 w 576496"/>
+                <a:gd name="connsiteY4" fmla="*/ 355456 h 864096"/>
+                <a:gd name="connsiteX5" fmla="*/ 432 w 576496"/>
+                <a:gd name="connsiteY5" fmla="*/ 0 h 864096"/>
+                <a:gd name="connsiteX0" fmla="*/ 432 w 576496"/>
+                <a:gd name="connsiteY0" fmla="*/ 10304 h 874400"/>
+                <a:gd name="connsiteX1" fmla="*/ 243840 w 576496"/>
+                <a:gd name="connsiteY1" fmla="*/ 0 h 874400"/>
+                <a:gd name="connsiteX2" fmla="*/ 576496 w 576496"/>
+                <a:gd name="connsiteY2" fmla="*/ 10304 h 874400"/>
+                <a:gd name="connsiteX3" fmla="*/ 576496 w 576496"/>
+                <a:gd name="connsiteY3" fmla="*/ 874400 h 874400"/>
+                <a:gd name="connsiteX4" fmla="*/ 432 w 576496"/>
+                <a:gd name="connsiteY4" fmla="*/ 874400 h 874400"/>
+                <a:gd name="connsiteX5" fmla="*/ 0 w 576496"/>
+                <a:gd name="connsiteY5" fmla="*/ 365760 h 874400"/>
+                <a:gd name="connsiteX6" fmla="*/ 432 w 576496"/>
+                <a:gd name="connsiteY6" fmla="*/ 10304 h 874400"/>
+                <a:gd name="connsiteX0" fmla="*/ 0 w 576496"/>
+                <a:gd name="connsiteY0" fmla="*/ 365760 h 874400"/>
+                <a:gd name="connsiteX1" fmla="*/ 243840 w 576496"/>
+                <a:gd name="connsiteY1" fmla="*/ 0 h 874400"/>
+                <a:gd name="connsiteX2" fmla="*/ 576496 w 576496"/>
+                <a:gd name="connsiteY2" fmla="*/ 10304 h 874400"/>
+                <a:gd name="connsiteX3" fmla="*/ 576496 w 576496"/>
+                <a:gd name="connsiteY3" fmla="*/ 874400 h 874400"/>
+                <a:gd name="connsiteX4" fmla="*/ 432 w 576496"/>
+                <a:gd name="connsiteY4" fmla="*/ 874400 h 874400"/>
+                <a:gd name="connsiteX5" fmla="*/ 0 w 576496"/>
+                <a:gd name="connsiteY5" fmla="*/ 365760 h 874400"/>
+                <a:gd name="connsiteX0" fmla="*/ 0 w 576496"/>
+                <a:gd name="connsiteY0" fmla="*/ 213360 h 874400"/>
+                <a:gd name="connsiteX1" fmla="*/ 243840 w 576496"/>
+                <a:gd name="connsiteY1" fmla="*/ 0 h 874400"/>
+                <a:gd name="connsiteX2" fmla="*/ 576496 w 576496"/>
+                <a:gd name="connsiteY2" fmla="*/ 10304 h 874400"/>
+                <a:gd name="connsiteX3" fmla="*/ 576496 w 576496"/>
+                <a:gd name="connsiteY3" fmla="*/ 874400 h 874400"/>
+                <a:gd name="connsiteX4" fmla="*/ 432 w 576496"/>
+                <a:gd name="connsiteY4" fmla="*/ 874400 h 874400"/>
+                <a:gd name="connsiteX5" fmla="*/ 0 w 576496"/>
+                <a:gd name="connsiteY5" fmla="*/ 213360 h 874400"/>
+                <a:gd name="connsiteX0" fmla="*/ 0 w 576496"/>
+                <a:gd name="connsiteY0" fmla="*/ 213360 h 874400"/>
+                <a:gd name="connsiteX1" fmla="*/ 121920 w 576496"/>
+                <a:gd name="connsiteY1" fmla="*/ 0 h 874400"/>
+                <a:gd name="connsiteX2" fmla="*/ 576496 w 576496"/>
+                <a:gd name="connsiteY2" fmla="*/ 10304 h 874400"/>
+                <a:gd name="connsiteX3" fmla="*/ 576496 w 576496"/>
+                <a:gd name="connsiteY3" fmla="*/ 874400 h 874400"/>
+                <a:gd name="connsiteX4" fmla="*/ 432 w 576496"/>
+                <a:gd name="connsiteY4" fmla="*/ 874400 h 874400"/>
+                <a:gd name="connsiteX5" fmla="*/ 0 w 576496"/>
+                <a:gd name="connsiteY5" fmla="*/ 213360 h 874400"/>
+              </a:gdLst>
+              <a:ahLst/>
+              <a:cxnLst>
+                <a:cxn ang="0">
+                  <a:pos x="connsiteX0" y="connsiteY0"/>
+                </a:cxn>
+                <a:cxn ang="0">
+                  <a:pos x="connsiteX1" y="connsiteY1"/>
+                </a:cxn>
+                <a:cxn ang="0">
+                  <a:pos x="connsiteX2" y="connsiteY2"/>
+                </a:cxn>
+                <a:cxn ang="0">
+                  <a:pos x="connsiteX3" y="connsiteY3"/>
+                </a:cxn>
+                <a:cxn ang="0">
+                  <a:pos x="connsiteX4" y="connsiteY4"/>
+                </a:cxn>
+                <a:cxn ang="0">
+                  <a:pos x="connsiteX5" y="connsiteY5"/>
+                </a:cxn>
+              </a:cxnLst>
+              <a:rect l="l" t="t" r="r" b="b"/>
+              <a:pathLst>
+                <a:path w="576496" h="874400">
+                  <a:moveTo>
+                    <a:pt x="0" y="213360"/>
+                  </a:moveTo>
+                  <a:lnTo>
+                    <a:pt x="121920" y="0"/>
+                  </a:lnTo>
+                  <a:lnTo>
+                    <a:pt x="576496" y="10304"/>
+                  </a:lnTo>
+                  <a:lnTo>
+                    <a:pt x="576496" y="874400"/>
+                  </a:lnTo>
+                  <a:lnTo>
+                    <a:pt x="432" y="874400"/>
+                  </a:lnTo>
+                  <a:lnTo>
+                    <a:pt x="0" y="213360"/>
+                  </a:lnTo>
+                  <a:close/>
+                </a:path>
+              </a:pathLst>
+            </a:custGeom>
+            <a:ln w="9525"/>
+            <a:effectLst/>
+          </p:spPr>
+          <p:style>
+            <a:lnRef idx="2">
+              <a:schemeClr val="accent3">
+                <a:shade val="50000"/>
+              </a:schemeClr>
+            </a:lnRef>
+            <a:fillRef idx="1">
+              <a:schemeClr val="accent3"/>
+            </a:fillRef>
+            <a:effectRef idx="0">
+              <a:schemeClr val="accent3"/>
+            </a:effectRef>
+            <a:fontRef idx="minor">
+              <a:schemeClr val="lt1"/>
+            </a:fontRef>
+          </p:style>
+          <p:txBody>
+            <a:bodyPr rtlCol="0" anchor="ctr"/>
+            <a:lstStyle/>
+            <a:p>
+              <a:pPr algn="ctr"/>
+              <a:endParaRPr lang="pl-PL"/>
+            </a:p>
+          </p:txBody>
+        </p:sp>
+        <p:sp>
+          <p:nvSpPr>
+            <p:cNvPr id="44" name="pole tekstowe 43"/>
+            <p:cNvSpPr txBox="1"/>
+            <p:nvPr/>
+          </p:nvSpPr>
+          <p:spPr>
+            <a:xfrm>
+              <a:off x="5436096" y="2200300"/>
+              <a:ext cx="792088" cy="646331"/>
+            </a:xfrm>
+            <a:prstGeom prst="rect">
+              <a:avLst/>
+            </a:prstGeom>
+            <a:noFill/>
+          </p:spPr>
+          <p:txBody>
+            <a:bodyPr wrap="square" rtlCol="0">
+              <a:spAutoFit/>
+            </a:bodyPr>
+            <a:lstStyle/>
+            <a:p>
+              <a:pPr algn="ctr"/>
+              <a:r>
+                <a:rPr lang="pl-PL" dirty="0" err="1" smtClean="0"/>
+                <a:t>ImageN</a:t>
+              </a:r>
+              <a:r>
+                <a:rPr lang="pl-PL" dirty="0" smtClean="0"/>
+                <a:t> </a:t>
+              </a:r>
+              <a:endParaRPr lang="pl-PL" dirty="0"/>
+            </a:p>
+          </p:txBody>
+        </p:sp>
+      </p:grpSp>
+      <p:sp>
+        <p:nvSpPr>
+          <p:cNvPr id="98" name="Prostokąt 97"/>
+          <p:cNvSpPr/>
+          <p:nvPr/>
+        </p:nvSpPr>
+        <p:spPr>
+          <a:xfrm>
+            <a:off x="2915816" y="4797152"/>
+            <a:ext cx="2016224" cy="1080120"/>
+          </a:xfrm>
+          <a:prstGeom prst="rect">
+            <a:avLst/>
+          </a:prstGeom>
+          <a:effectLst>
+            <a:outerShdw blurRad="50800" dist="38100" algn="l" rotWithShape="0">
+              <a:prstClr val="black">
+                <a:alpha val="40000"/>
+              </a:prstClr>
+            </a:outerShdw>
+          </a:effectLst>
+        </p:spPr>
+        <p:style>
+          <a:lnRef idx="1">
+            <a:schemeClr val="accent1"/>
+          </a:lnRef>
+          <a:fillRef idx="2">
+            <a:schemeClr val="accent1"/>
+          </a:fillRef>
+          <a:effectRef idx="1">
+            <a:schemeClr val="accent1"/>
+          </a:effectRef>
+          <a:fontRef idx="minor">
+            <a:schemeClr val="dk1"/>
+          </a:fontRef>
+        </p:style>
+        <p:txBody>
+          <a:bodyPr rtlCol="0" anchor="ctr"/>
+          <a:lstStyle/>
+          <a:p>
+            <a:pPr algn="ctr"/>
             <a:r>
               <a:rPr lang="en-US" dirty="0" smtClean="0"/>
-              <a:t>Used technology</a:t>
-            </a:r>
-          </a:p>
-          <a:p>
-            <a:r>
-              <a:rPr lang="pl-PL" dirty="0" smtClean="0"/>
-              <a:t>C</a:t>
-            </a:r>
-            <a:r>
-              <a:rPr lang="en-US" dirty="0" smtClean="0"/>
-              <a:t>Python 2.7</a:t>
-            </a:r>
-            <a:endParaRPr lang="pl-PL" dirty="0" smtClean="0"/>
-          </a:p>
-          <a:p>
-            <a:r>
-              <a:rPr lang="en-US" dirty="0" err="1" smtClean="0"/>
-              <a:t>OpenCV</a:t>
-            </a:r>
-            <a:r>
-              <a:rPr lang="en-US" dirty="0" smtClean="0"/>
-              <a:t> 2.2 </a:t>
-            </a:r>
-            <a:r>
-              <a:rPr lang="en-US" i="1" dirty="0" smtClean="0"/>
-              <a:t>nightly build</a:t>
-            </a:r>
-            <a:endParaRPr lang="en-US" dirty="0" smtClean="0"/>
-          </a:p>
-          <a:p>
-            <a:r>
-              <a:rPr lang="en-US" dirty="0" smtClean="0"/>
-              <a:t>Blender 2.57b </a:t>
-            </a:r>
-            <a:r>
-              <a:rPr lang="pl-PL" dirty="0" smtClean="0"/>
-              <a:t>OMP</a:t>
-            </a:r>
-          </a:p>
-          <a:p>
-            <a:r>
-              <a:rPr lang="en-US" dirty="0" smtClean="0"/>
-              <a:t>Lot of python stuff:</a:t>
-            </a:r>
-            <a:endParaRPr lang="pl-PL" dirty="0" smtClean="0"/>
-          </a:p>
-          <a:p>
-            <a:pPr lvl="1"/>
-            <a:r>
-              <a:rPr lang="en-US" dirty="0" smtClean="0"/>
-              <a:t> </a:t>
-            </a:r>
-            <a:r>
-              <a:rPr lang="pl-PL" dirty="0" smtClean="0"/>
-              <a:t>M</a:t>
-            </a:r>
-            <a:r>
-              <a:rPr lang="en-US" dirty="0" err="1" smtClean="0"/>
-              <a:t>ockito</a:t>
-            </a:r>
-            <a:endParaRPr lang="pl-PL" dirty="0" smtClean="0"/>
-          </a:p>
-          <a:p>
-            <a:pPr lvl="1"/>
-            <a:r>
-              <a:rPr lang="en-US" dirty="0" err="1" smtClean="0"/>
-              <a:t>Unittest</a:t>
+              <a:t>Verifier</a:t>
+            </a:r>
+            <a:endParaRPr lang="en-US" dirty="0"/>
+          </a:p>
+        </p:txBody>
+      </p:sp>
+      <p:grpSp>
+        <p:nvGrpSpPr>
+          <p:cNvPr id="37" name="Grupa 36"/>
+          <p:cNvGrpSpPr/>
+          <p:nvPr/>
+        </p:nvGrpSpPr>
+        <p:grpSpPr>
+          <a:xfrm>
+            <a:off x="5436096" y="1700808"/>
+            <a:ext cx="864096" cy="1147564"/>
+            <a:chOff x="5436096" y="1844824"/>
+            <a:chExt cx="864096" cy="1147564"/>
+          </a:xfrm>
+          <a:effectLst>
+            <a:outerShdw blurRad="50800" dist="38100" algn="l" rotWithShape="0">
+              <a:prstClr val="black">
+                <a:alpha val="40000"/>
+              </a:prstClr>
+            </a:outerShdw>
+          </a:effectLst>
+        </p:grpSpPr>
+        <p:sp>
+          <p:nvSpPr>
+            <p:cNvPr id="34" name="Prostokąt 3"/>
+            <p:cNvSpPr/>
+            <p:nvPr/>
+          </p:nvSpPr>
+          <p:spPr>
+            <a:xfrm>
+              <a:off x="5508104" y="1844824"/>
+              <a:ext cx="792088" cy="1080120"/>
+            </a:xfrm>
+            <a:custGeom>
+              <a:avLst/>
+              <a:gdLst>
+                <a:gd name="connsiteX0" fmla="*/ 0 w 576064"/>
+                <a:gd name="connsiteY0" fmla="*/ 0 h 864096"/>
+                <a:gd name="connsiteX1" fmla="*/ 576064 w 576064"/>
+                <a:gd name="connsiteY1" fmla="*/ 0 h 864096"/>
+                <a:gd name="connsiteX2" fmla="*/ 576064 w 576064"/>
+                <a:gd name="connsiteY2" fmla="*/ 864096 h 864096"/>
+                <a:gd name="connsiteX3" fmla="*/ 0 w 576064"/>
+                <a:gd name="connsiteY3" fmla="*/ 864096 h 864096"/>
+                <a:gd name="connsiteX4" fmla="*/ 0 w 576064"/>
+                <a:gd name="connsiteY4" fmla="*/ 0 h 864096"/>
+                <a:gd name="connsiteX0" fmla="*/ 432 w 576496"/>
+                <a:gd name="connsiteY0" fmla="*/ 0 h 864096"/>
+                <a:gd name="connsiteX1" fmla="*/ 576496 w 576496"/>
+                <a:gd name="connsiteY1" fmla="*/ 0 h 864096"/>
+                <a:gd name="connsiteX2" fmla="*/ 576496 w 576496"/>
+                <a:gd name="connsiteY2" fmla="*/ 864096 h 864096"/>
+                <a:gd name="connsiteX3" fmla="*/ 432 w 576496"/>
+                <a:gd name="connsiteY3" fmla="*/ 864096 h 864096"/>
+                <a:gd name="connsiteX4" fmla="*/ 0 w 576496"/>
+                <a:gd name="connsiteY4" fmla="*/ 355456 h 864096"/>
+                <a:gd name="connsiteX5" fmla="*/ 432 w 576496"/>
+                <a:gd name="connsiteY5" fmla="*/ 0 h 864096"/>
+                <a:gd name="connsiteX0" fmla="*/ 432 w 576496"/>
+                <a:gd name="connsiteY0" fmla="*/ 10304 h 874400"/>
+                <a:gd name="connsiteX1" fmla="*/ 243840 w 576496"/>
+                <a:gd name="connsiteY1" fmla="*/ 0 h 874400"/>
+                <a:gd name="connsiteX2" fmla="*/ 576496 w 576496"/>
+                <a:gd name="connsiteY2" fmla="*/ 10304 h 874400"/>
+                <a:gd name="connsiteX3" fmla="*/ 576496 w 576496"/>
+                <a:gd name="connsiteY3" fmla="*/ 874400 h 874400"/>
+                <a:gd name="connsiteX4" fmla="*/ 432 w 576496"/>
+                <a:gd name="connsiteY4" fmla="*/ 874400 h 874400"/>
+                <a:gd name="connsiteX5" fmla="*/ 0 w 576496"/>
+                <a:gd name="connsiteY5" fmla="*/ 365760 h 874400"/>
+                <a:gd name="connsiteX6" fmla="*/ 432 w 576496"/>
+                <a:gd name="connsiteY6" fmla="*/ 10304 h 874400"/>
+                <a:gd name="connsiteX0" fmla="*/ 0 w 576496"/>
+                <a:gd name="connsiteY0" fmla="*/ 365760 h 874400"/>
+                <a:gd name="connsiteX1" fmla="*/ 243840 w 576496"/>
+                <a:gd name="connsiteY1" fmla="*/ 0 h 874400"/>
+                <a:gd name="connsiteX2" fmla="*/ 576496 w 576496"/>
+                <a:gd name="connsiteY2" fmla="*/ 10304 h 874400"/>
+                <a:gd name="connsiteX3" fmla="*/ 576496 w 576496"/>
+                <a:gd name="connsiteY3" fmla="*/ 874400 h 874400"/>
+                <a:gd name="connsiteX4" fmla="*/ 432 w 576496"/>
+                <a:gd name="connsiteY4" fmla="*/ 874400 h 874400"/>
+                <a:gd name="connsiteX5" fmla="*/ 0 w 576496"/>
+                <a:gd name="connsiteY5" fmla="*/ 365760 h 874400"/>
+                <a:gd name="connsiteX0" fmla="*/ 0 w 576496"/>
+                <a:gd name="connsiteY0" fmla="*/ 213360 h 874400"/>
+                <a:gd name="connsiteX1" fmla="*/ 243840 w 576496"/>
+                <a:gd name="connsiteY1" fmla="*/ 0 h 874400"/>
+                <a:gd name="connsiteX2" fmla="*/ 576496 w 576496"/>
+                <a:gd name="connsiteY2" fmla="*/ 10304 h 874400"/>
+                <a:gd name="connsiteX3" fmla="*/ 576496 w 576496"/>
+                <a:gd name="connsiteY3" fmla="*/ 874400 h 874400"/>
+                <a:gd name="connsiteX4" fmla="*/ 432 w 576496"/>
+                <a:gd name="connsiteY4" fmla="*/ 874400 h 874400"/>
+                <a:gd name="connsiteX5" fmla="*/ 0 w 576496"/>
+                <a:gd name="connsiteY5" fmla="*/ 213360 h 874400"/>
+                <a:gd name="connsiteX0" fmla="*/ 0 w 576496"/>
+                <a:gd name="connsiteY0" fmla="*/ 213360 h 874400"/>
+                <a:gd name="connsiteX1" fmla="*/ 121920 w 576496"/>
+                <a:gd name="connsiteY1" fmla="*/ 0 h 874400"/>
+                <a:gd name="connsiteX2" fmla="*/ 576496 w 576496"/>
+                <a:gd name="connsiteY2" fmla="*/ 10304 h 874400"/>
+                <a:gd name="connsiteX3" fmla="*/ 576496 w 576496"/>
+                <a:gd name="connsiteY3" fmla="*/ 874400 h 874400"/>
+                <a:gd name="connsiteX4" fmla="*/ 432 w 576496"/>
+                <a:gd name="connsiteY4" fmla="*/ 874400 h 874400"/>
+                <a:gd name="connsiteX5" fmla="*/ 0 w 576496"/>
+                <a:gd name="connsiteY5" fmla="*/ 213360 h 874400"/>
+              </a:gdLst>
+              <a:ahLst/>
+              <a:cxnLst>
+                <a:cxn ang="0">
+                  <a:pos x="connsiteX0" y="connsiteY0"/>
+                </a:cxn>
+                <a:cxn ang="0">
+                  <a:pos x="connsiteX1" y="connsiteY1"/>
+                </a:cxn>
+                <a:cxn ang="0">
+                  <a:pos x="connsiteX2" y="connsiteY2"/>
+                </a:cxn>
+                <a:cxn ang="0">
+                  <a:pos x="connsiteX3" y="connsiteY3"/>
+                </a:cxn>
+                <a:cxn ang="0">
+                  <a:pos x="connsiteX4" y="connsiteY4"/>
+                </a:cxn>
+                <a:cxn ang="0">
+                  <a:pos x="connsiteX5" y="connsiteY5"/>
+                </a:cxn>
+              </a:cxnLst>
+              <a:rect l="l" t="t" r="r" b="b"/>
+              <a:pathLst>
+                <a:path w="576496" h="874400">
+                  <a:moveTo>
+                    <a:pt x="0" y="213360"/>
+                  </a:moveTo>
+                  <a:lnTo>
+                    <a:pt x="121920" y="0"/>
+                  </a:lnTo>
+                  <a:lnTo>
+                    <a:pt x="576496" y="10304"/>
+                  </a:lnTo>
+                  <a:lnTo>
+                    <a:pt x="576496" y="874400"/>
+                  </a:lnTo>
+                  <a:lnTo>
+                    <a:pt x="432" y="874400"/>
+                  </a:lnTo>
+                  <a:lnTo>
+                    <a:pt x="0" y="213360"/>
+                  </a:lnTo>
+                  <a:close/>
+                </a:path>
+              </a:pathLst>
+            </a:custGeom>
+            <a:ln w="9525"/>
+            <a:effectLst/>
+          </p:spPr>
+          <p:style>
+            <a:lnRef idx="2">
+              <a:schemeClr val="accent1">
+                <a:shade val="50000"/>
+              </a:schemeClr>
+            </a:lnRef>
+            <a:fillRef idx="1">
+              <a:schemeClr val="accent1"/>
+            </a:fillRef>
+            <a:effectRef idx="0">
+              <a:schemeClr val="accent1"/>
+            </a:effectRef>
+            <a:fontRef idx="minor">
+              <a:schemeClr val="lt1"/>
+            </a:fontRef>
+          </p:style>
+          <p:txBody>
+            <a:bodyPr rtlCol="0" anchor="ctr"/>
+            <a:lstStyle/>
+            <a:p>
+              <a:pPr algn="ctr"/>
+              <a:endParaRPr lang="pl-PL"/>
+            </a:p>
+          </p:txBody>
+        </p:sp>
+        <p:sp>
+          <p:nvSpPr>
+            <p:cNvPr id="31" name="Prostokąt 3"/>
+            <p:cNvSpPr/>
+            <p:nvPr/>
+          </p:nvSpPr>
+          <p:spPr>
+            <a:xfrm>
+              <a:off x="5436096" y="1912268"/>
+              <a:ext cx="792088" cy="1080120"/>
+            </a:xfrm>
+            <a:custGeom>
+              <a:avLst/>
+              <a:gdLst>
+                <a:gd name="connsiteX0" fmla="*/ 0 w 576064"/>
+                <a:gd name="connsiteY0" fmla="*/ 0 h 864096"/>
+                <a:gd name="connsiteX1" fmla="*/ 576064 w 576064"/>
+                <a:gd name="connsiteY1" fmla="*/ 0 h 864096"/>
+                <a:gd name="connsiteX2" fmla="*/ 576064 w 576064"/>
+                <a:gd name="connsiteY2" fmla="*/ 864096 h 864096"/>
+                <a:gd name="connsiteX3" fmla="*/ 0 w 576064"/>
+                <a:gd name="connsiteY3" fmla="*/ 864096 h 864096"/>
+                <a:gd name="connsiteX4" fmla="*/ 0 w 576064"/>
+                <a:gd name="connsiteY4" fmla="*/ 0 h 864096"/>
+                <a:gd name="connsiteX0" fmla="*/ 432 w 576496"/>
+                <a:gd name="connsiteY0" fmla="*/ 0 h 864096"/>
+                <a:gd name="connsiteX1" fmla="*/ 576496 w 576496"/>
+                <a:gd name="connsiteY1" fmla="*/ 0 h 864096"/>
+                <a:gd name="connsiteX2" fmla="*/ 576496 w 576496"/>
+                <a:gd name="connsiteY2" fmla="*/ 864096 h 864096"/>
+                <a:gd name="connsiteX3" fmla="*/ 432 w 576496"/>
+                <a:gd name="connsiteY3" fmla="*/ 864096 h 864096"/>
+                <a:gd name="connsiteX4" fmla="*/ 0 w 576496"/>
+                <a:gd name="connsiteY4" fmla="*/ 355456 h 864096"/>
+                <a:gd name="connsiteX5" fmla="*/ 432 w 576496"/>
+                <a:gd name="connsiteY5" fmla="*/ 0 h 864096"/>
+                <a:gd name="connsiteX0" fmla="*/ 432 w 576496"/>
+                <a:gd name="connsiteY0" fmla="*/ 10304 h 874400"/>
+                <a:gd name="connsiteX1" fmla="*/ 243840 w 576496"/>
+                <a:gd name="connsiteY1" fmla="*/ 0 h 874400"/>
+                <a:gd name="connsiteX2" fmla="*/ 576496 w 576496"/>
+                <a:gd name="connsiteY2" fmla="*/ 10304 h 874400"/>
+                <a:gd name="connsiteX3" fmla="*/ 576496 w 576496"/>
+                <a:gd name="connsiteY3" fmla="*/ 874400 h 874400"/>
+                <a:gd name="connsiteX4" fmla="*/ 432 w 576496"/>
+                <a:gd name="connsiteY4" fmla="*/ 874400 h 874400"/>
+                <a:gd name="connsiteX5" fmla="*/ 0 w 576496"/>
+                <a:gd name="connsiteY5" fmla="*/ 365760 h 874400"/>
+                <a:gd name="connsiteX6" fmla="*/ 432 w 576496"/>
+                <a:gd name="connsiteY6" fmla="*/ 10304 h 874400"/>
+                <a:gd name="connsiteX0" fmla="*/ 0 w 576496"/>
+                <a:gd name="connsiteY0" fmla="*/ 365760 h 874400"/>
+                <a:gd name="connsiteX1" fmla="*/ 243840 w 576496"/>
+                <a:gd name="connsiteY1" fmla="*/ 0 h 874400"/>
+                <a:gd name="connsiteX2" fmla="*/ 576496 w 576496"/>
+                <a:gd name="connsiteY2" fmla="*/ 10304 h 874400"/>
+                <a:gd name="connsiteX3" fmla="*/ 576496 w 576496"/>
+                <a:gd name="connsiteY3" fmla="*/ 874400 h 874400"/>
+                <a:gd name="connsiteX4" fmla="*/ 432 w 576496"/>
+                <a:gd name="connsiteY4" fmla="*/ 874400 h 874400"/>
+                <a:gd name="connsiteX5" fmla="*/ 0 w 576496"/>
+                <a:gd name="connsiteY5" fmla="*/ 365760 h 874400"/>
+                <a:gd name="connsiteX0" fmla="*/ 0 w 576496"/>
+                <a:gd name="connsiteY0" fmla="*/ 213360 h 874400"/>
+                <a:gd name="connsiteX1" fmla="*/ 243840 w 576496"/>
+                <a:gd name="connsiteY1" fmla="*/ 0 h 874400"/>
+                <a:gd name="connsiteX2" fmla="*/ 576496 w 576496"/>
+                <a:gd name="connsiteY2" fmla="*/ 10304 h 874400"/>
+                <a:gd name="connsiteX3" fmla="*/ 576496 w 576496"/>
+                <a:gd name="connsiteY3" fmla="*/ 874400 h 874400"/>
+                <a:gd name="connsiteX4" fmla="*/ 432 w 576496"/>
+                <a:gd name="connsiteY4" fmla="*/ 874400 h 874400"/>
+                <a:gd name="connsiteX5" fmla="*/ 0 w 576496"/>
+                <a:gd name="connsiteY5" fmla="*/ 213360 h 874400"/>
+                <a:gd name="connsiteX0" fmla="*/ 0 w 576496"/>
+                <a:gd name="connsiteY0" fmla="*/ 213360 h 874400"/>
+                <a:gd name="connsiteX1" fmla="*/ 121920 w 576496"/>
+                <a:gd name="connsiteY1" fmla="*/ 0 h 874400"/>
+                <a:gd name="connsiteX2" fmla="*/ 576496 w 576496"/>
+                <a:gd name="connsiteY2" fmla="*/ 10304 h 874400"/>
+                <a:gd name="connsiteX3" fmla="*/ 576496 w 576496"/>
+                <a:gd name="connsiteY3" fmla="*/ 874400 h 874400"/>
+                <a:gd name="connsiteX4" fmla="*/ 432 w 576496"/>
+                <a:gd name="connsiteY4" fmla="*/ 874400 h 874400"/>
+                <a:gd name="connsiteX5" fmla="*/ 0 w 576496"/>
+                <a:gd name="connsiteY5" fmla="*/ 213360 h 874400"/>
+              </a:gdLst>
+              <a:ahLst/>
+              <a:cxnLst>
+                <a:cxn ang="0">
+                  <a:pos x="connsiteX0" y="connsiteY0"/>
+                </a:cxn>
+                <a:cxn ang="0">
+                  <a:pos x="connsiteX1" y="connsiteY1"/>
+                </a:cxn>
+                <a:cxn ang="0">
+                  <a:pos x="connsiteX2" y="connsiteY2"/>
+                </a:cxn>
+                <a:cxn ang="0">
+                  <a:pos x="connsiteX3" y="connsiteY3"/>
+                </a:cxn>
+                <a:cxn ang="0">
+                  <a:pos x="connsiteX4" y="connsiteY4"/>
+                </a:cxn>
+                <a:cxn ang="0">
+                  <a:pos x="connsiteX5" y="connsiteY5"/>
+                </a:cxn>
+              </a:cxnLst>
+              <a:rect l="l" t="t" r="r" b="b"/>
+              <a:pathLst>
+                <a:path w="576496" h="874400">
+                  <a:moveTo>
+                    <a:pt x="0" y="213360"/>
+                  </a:moveTo>
+                  <a:lnTo>
+                    <a:pt x="121920" y="0"/>
+                  </a:lnTo>
+                  <a:lnTo>
+                    <a:pt x="576496" y="10304"/>
+                  </a:lnTo>
+                  <a:lnTo>
+                    <a:pt x="576496" y="874400"/>
+                  </a:lnTo>
+                  <a:lnTo>
+                    <a:pt x="432" y="874400"/>
+                  </a:lnTo>
+                  <a:lnTo>
+                    <a:pt x="0" y="213360"/>
+                  </a:lnTo>
+                  <a:close/>
+                </a:path>
+              </a:pathLst>
+            </a:custGeom>
+            <a:ln w="9525"/>
+            <a:effectLst/>
+          </p:spPr>
+          <p:style>
+            <a:lnRef idx="2">
+              <a:schemeClr val="accent3">
+                <a:shade val="50000"/>
+              </a:schemeClr>
+            </a:lnRef>
+            <a:fillRef idx="1">
+              <a:schemeClr val="accent3"/>
+            </a:fillRef>
+            <a:effectRef idx="0">
+              <a:schemeClr val="accent3"/>
+            </a:effectRef>
+            <a:fontRef idx="minor">
+              <a:schemeClr val="lt1"/>
+            </a:fontRef>
+          </p:style>
+          <p:txBody>
+            <a:bodyPr rtlCol="0" anchor="ctr"/>
+            <a:lstStyle/>
+            <a:p>
+              <a:pPr algn="ctr"/>
+              <a:endParaRPr lang="pl-PL"/>
+            </a:p>
+          </p:txBody>
+        </p:sp>
+        <p:sp>
+          <p:nvSpPr>
+            <p:cNvPr id="32" name="pole tekstowe 31"/>
+            <p:cNvSpPr txBox="1"/>
+            <p:nvPr/>
+          </p:nvSpPr>
+          <p:spPr>
+            <a:xfrm>
+              <a:off x="5436096" y="2187146"/>
+              <a:ext cx="792088" cy="646331"/>
+            </a:xfrm>
+            <a:prstGeom prst="rect">
+              <a:avLst/>
+            </a:prstGeom>
+            <a:noFill/>
+          </p:spPr>
+          <p:txBody>
+            <a:bodyPr wrap="square" rtlCol="0">
+              <a:spAutoFit/>
+            </a:bodyPr>
+            <a:lstStyle/>
+            <a:p>
+              <a:pPr algn="ctr"/>
+              <a:r>
+                <a:rPr lang="pl-PL" dirty="0" smtClean="0"/>
+                <a:t>Image1 </a:t>
+              </a:r>
+              <a:endParaRPr lang="pl-PL" dirty="0"/>
+            </a:p>
+          </p:txBody>
+        </p:sp>
+      </p:grpSp>
+      <p:cxnSp>
+        <p:nvCxnSpPr>
+          <p:cNvPr id="102" name="Łącznik łamany 101"/>
+          <p:cNvCxnSpPr>
+            <a:endCxn id="105" idx="3"/>
+          </p:cNvCxnSpPr>
+          <p:nvPr/>
+        </p:nvCxnSpPr>
+        <p:spPr>
+          <a:xfrm rot="5400000">
+            <a:off x="7125394" y="2988377"/>
+            <a:ext cx="1445940" cy="936104"/>
+          </a:xfrm>
+          <a:prstGeom prst="bentConnector2">
+            <a:avLst/>
+          </a:prstGeom>
+          <a:ln>
+            <a:tailEnd type="arrow"/>
+          </a:ln>
+        </p:spPr>
+        <p:style>
+          <a:lnRef idx="1">
+            <a:schemeClr val="accent6"/>
+          </a:lnRef>
+          <a:fillRef idx="0">
+            <a:schemeClr val="accent6"/>
+          </a:fillRef>
+          <a:effectRef idx="0">
+            <a:schemeClr val="accent6"/>
+          </a:effectRef>
+          <a:fontRef idx="minor">
+            <a:schemeClr val="tx1"/>
+          </a:fontRef>
+        </p:style>
+      </p:cxnSp>
+      <p:grpSp>
+        <p:nvGrpSpPr>
+          <p:cNvPr id="103" name="Grupa 102"/>
+          <p:cNvGrpSpPr/>
+          <p:nvPr/>
+        </p:nvGrpSpPr>
+        <p:grpSpPr>
+          <a:xfrm>
+            <a:off x="6588224" y="3573016"/>
+            <a:ext cx="792088" cy="1080120"/>
+            <a:chOff x="1547664" y="1772816"/>
+            <a:chExt cx="792088" cy="1080120"/>
+          </a:xfrm>
+          <a:solidFill>
+            <a:schemeClr val="accent3"/>
+          </a:solidFill>
+        </p:grpSpPr>
+        <p:sp>
+          <p:nvSpPr>
+            <p:cNvPr id="104" name="Prostokąt 3"/>
+            <p:cNvSpPr/>
+            <p:nvPr/>
+          </p:nvSpPr>
+          <p:spPr>
+            <a:xfrm>
+              <a:off x="1547664" y="1772816"/>
+              <a:ext cx="792088" cy="1080120"/>
+            </a:xfrm>
+            <a:custGeom>
+              <a:avLst/>
+              <a:gdLst>
+                <a:gd name="connsiteX0" fmla="*/ 0 w 576064"/>
+                <a:gd name="connsiteY0" fmla="*/ 0 h 864096"/>
+                <a:gd name="connsiteX1" fmla="*/ 576064 w 576064"/>
+                <a:gd name="connsiteY1" fmla="*/ 0 h 864096"/>
+                <a:gd name="connsiteX2" fmla="*/ 576064 w 576064"/>
+                <a:gd name="connsiteY2" fmla="*/ 864096 h 864096"/>
+                <a:gd name="connsiteX3" fmla="*/ 0 w 576064"/>
+                <a:gd name="connsiteY3" fmla="*/ 864096 h 864096"/>
+                <a:gd name="connsiteX4" fmla="*/ 0 w 576064"/>
+                <a:gd name="connsiteY4" fmla="*/ 0 h 864096"/>
+                <a:gd name="connsiteX0" fmla="*/ 432 w 576496"/>
+                <a:gd name="connsiteY0" fmla="*/ 0 h 864096"/>
+                <a:gd name="connsiteX1" fmla="*/ 576496 w 576496"/>
+                <a:gd name="connsiteY1" fmla="*/ 0 h 864096"/>
+                <a:gd name="connsiteX2" fmla="*/ 576496 w 576496"/>
+                <a:gd name="connsiteY2" fmla="*/ 864096 h 864096"/>
+                <a:gd name="connsiteX3" fmla="*/ 432 w 576496"/>
+                <a:gd name="connsiteY3" fmla="*/ 864096 h 864096"/>
+                <a:gd name="connsiteX4" fmla="*/ 0 w 576496"/>
+                <a:gd name="connsiteY4" fmla="*/ 355456 h 864096"/>
+                <a:gd name="connsiteX5" fmla="*/ 432 w 576496"/>
+                <a:gd name="connsiteY5" fmla="*/ 0 h 864096"/>
+                <a:gd name="connsiteX0" fmla="*/ 432 w 576496"/>
+                <a:gd name="connsiteY0" fmla="*/ 10304 h 874400"/>
+                <a:gd name="connsiteX1" fmla="*/ 243840 w 576496"/>
+                <a:gd name="connsiteY1" fmla="*/ 0 h 874400"/>
+                <a:gd name="connsiteX2" fmla="*/ 576496 w 576496"/>
+                <a:gd name="connsiteY2" fmla="*/ 10304 h 874400"/>
+                <a:gd name="connsiteX3" fmla="*/ 576496 w 576496"/>
+                <a:gd name="connsiteY3" fmla="*/ 874400 h 874400"/>
+                <a:gd name="connsiteX4" fmla="*/ 432 w 576496"/>
+                <a:gd name="connsiteY4" fmla="*/ 874400 h 874400"/>
+                <a:gd name="connsiteX5" fmla="*/ 0 w 576496"/>
+                <a:gd name="connsiteY5" fmla="*/ 365760 h 874400"/>
+                <a:gd name="connsiteX6" fmla="*/ 432 w 576496"/>
+                <a:gd name="connsiteY6" fmla="*/ 10304 h 874400"/>
+                <a:gd name="connsiteX0" fmla="*/ 0 w 576496"/>
+                <a:gd name="connsiteY0" fmla="*/ 365760 h 874400"/>
+                <a:gd name="connsiteX1" fmla="*/ 243840 w 576496"/>
+                <a:gd name="connsiteY1" fmla="*/ 0 h 874400"/>
+                <a:gd name="connsiteX2" fmla="*/ 576496 w 576496"/>
+                <a:gd name="connsiteY2" fmla="*/ 10304 h 874400"/>
+                <a:gd name="connsiteX3" fmla="*/ 576496 w 576496"/>
+                <a:gd name="connsiteY3" fmla="*/ 874400 h 874400"/>
+                <a:gd name="connsiteX4" fmla="*/ 432 w 576496"/>
+                <a:gd name="connsiteY4" fmla="*/ 874400 h 874400"/>
+                <a:gd name="connsiteX5" fmla="*/ 0 w 576496"/>
+                <a:gd name="connsiteY5" fmla="*/ 365760 h 874400"/>
+                <a:gd name="connsiteX0" fmla="*/ 0 w 576496"/>
+                <a:gd name="connsiteY0" fmla="*/ 213360 h 874400"/>
+                <a:gd name="connsiteX1" fmla="*/ 243840 w 576496"/>
+                <a:gd name="connsiteY1" fmla="*/ 0 h 874400"/>
+                <a:gd name="connsiteX2" fmla="*/ 576496 w 576496"/>
+                <a:gd name="connsiteY2" fmla="*/ 10304 h 874400"/>
+                <a:gd name="connsiteX3" fmla="*/ 576496 w 576496"/>
+                <a:gd name="connsiteY3" fmla="*/ 874400 h 874400"/>
+                <a:gd name="connsiteX4" fmla="*/ 432 w 576496"/>
+                <a:gd name="connsiteY4" fmla="*/ 874400 h 874400"/>
+                <a:gd name="connsiteX5" fmla="*/ 0 w 576496"/>
+                <a:gd name="connsiteY5" fmla="*/ 213360 h 874400"/>
+                <a:gd name="connsiteX0" fmla="*/ 0 w 576496"/>
+                <a:gd name="connsiteY0" fmla="*/ 213360 h 874400"/>
+                <a:gd name="connsiteX1" fmla="*/ 121920 w 576496"/>
+                <a:gd name="connsiteY1" fmla="*/ 0 h 874400"/>
+                <a:gd name="connsiteX2" fmla="*/ 576496 w 576496"/>
+                <a:gd name="connsiteY2" fmla="*/ 10304 h 874400"/>
+                <a:gd name="connsiteX3" fmla="*/ 576496 w 576496"/>
+                <a:gd name="connsiteY3" fmla="*/ 874400 h 874400"/>
+                <a:gd name="connsiteX4" fmla="*/ 432 w 576496"/>
+                <a:gd name="connsiteY4" fmla="*/ 874400 h 874400"/>
+                <a:gd name="connsiteX5" fmla="*/ 0 w 576496"/>
+                <a:gd name="connsiteY5" fmla="*/ 213360 h 874400"/>
+              </a:gdLst>
+              <a:ahLst/>
+              <a:cxnLst>
+                <a:cxn ang="0">
+                  <a:pos x="connsiteX0" y="connsiteY0"/>
+                </a:cxn>
+                <a:cxn ang="0">
+                  <a:pos x="connsiteX1" y="connsiteY1"/>
+                </a:cxn>
+                <a:cxn ang="0">
+                  <a:pos x="connsiteX2" y="connsiteY2"/>
+                </a:cxn>
+                <a:cxn ang="0">
+                  <a:pos x="connsiteX3" y="connsiteY3"/>
+                </a:cxn>
+                <a:cxn ang="0">
+                  <a:pos x="connsiteX4" y="connsiteY4"/>
+                </a:cxn>
+                <a:cxn ang="0">
+                  <a:pos x="connsiteX5" y="connsiteY5"/>
+                </a:cxn>
+              </a:cxnLst>
+              <a:rect l="l" t="t" r="r" b="b"/>
+              <a:pathLst>
+                <a:path w="576496" h="874400">
+                  <a:moveTo>
+                    <a:pt x="0" y="213360"/>
+                  </a:moveTo>
+                  <a:lnTo>
+                    <a:pt x="121920" y="0"/>
+                  </a:lnTo>
+                  <a:lnTo>
+                    <a:pt x="576496" y="10304"/>
+                  </a:lnTo>
+                  <a:lnTo>
+                    <a:pt x="576496" y="874400"/>
+                  </a:lnTo>
+                  <a:lnTo>
+                    <a:pt x="432" y="874400"/>
+                  </a:lnTo>
+                  <a:lnTo>
+                    <a:pt x="0" y="213360"/>
+                  </a:lnTo>
+                  <a:close/>
+                </a:path>
+              </a:pathLst>
+            </a:custGeom>
+            <a:grpFill/>
+            <a:ln w="9525"/>
+            <a:effectLst>
+              <a:outerShdw blurRad="50800" dist="38100" algn="l" rotWithShape="0">
+                <a:prstClr val="black">
+                  <a:alpha val="40000"/>
+                </a:prstClr>
+              </a:outerShdw>
+            </a:effectLst>
+          </p:spPr>
+          <p:style>
+            <a:lnRef idx="2">
+              <a:schemeClr val="accent3">
+                <a:shade val="50000"/>
+              </a:schemeClr>
+            </a:lnRef>
+            <a:fillRef idx="1">
+              <a:schemeClr val="accent3"/>
+            </a:fillRef>
+            <a:effectRef idx="0">
+              <a:schemeClr val="accent3"/>
+            </a:effectRef>
+            <a:fontRef idx="minor">
+              <a:schemeClr val="lt1"/>
+            </a:fontRef>
+          </p:style>
+          <p:txBody>
+            <a:bodyPr rtlCol="0" anchor="ctr"/>
+            <a:lstStyle/>
+            <a:p>
+              <a:pPr algn="ctr"/>
+              <a:endParaRPr lang="pl-PL"/>
+            </a:p>
+          </p:txBody>
+        </p:sp>
+        <p:sp>
+          <p:nvSpPr>
+            <p:cNvPr id="105" name="pole tekstowe 104"/>
+            <p:cNvSpPr txBox="1"/>
+            <p:nvPr/>
+          </p:nvSpPr>
+          <p:spPr>
+            <a:xfrm>
+              <a:off x="1547664" y="2056033"/>
+              <a:ext cx="792088" cy="646331"/>
+            </a:xfrm>
+            <a:prstGeom prst="rect">
+              <a:avLst/>
+            </a:prstGeom>
+            <a:grpFill/>
+          </p:spPr>
+          <p:txBody>
+            <a:bodyPr wrap="square" rtlCol="0">
+              <a:spAutoFit/>
+            </a:bodyPr>
+            <a:lstStyle/>
+            <a:p>
+              <a:pPr algn="ctr"/>
+              <a:r>
+                <a:rPr lang="pl-PL" dirty="0" err="1" smtClean="0"/>
+                <a:t>ImageTest</a:t>
+              </a:r>
+              <a:endParaRPr lang="pl-PL" dirty="0"/>
+            </a:p>
+          </p:txBody>
+        </p:sp>
+      </p:grpSp>
+      <p:cxnSp>
+        <p:nvCxnSpPr>
+          <p:cNvPr id="108" name="Łącznik prosty ze strzałką 107"/>
+          <p:cNvCxnSpPr>
+            <a:endCxn id="111" idx="3"/>
+          </p:cNvCxnSpPr>
+          <p:nvPr/>
+        </p:nvCxnSpPr>
+        <p:spPr>
+          <a:xfrm rot="5400000">
+            <a:off x="6602469" y="3637129"/>
+            <a:ext cx="2570149" cy="1014462"/>
+          </a:xfrm>
+          <a:prstGeom prst="bentConnector2">
+            <a:avLst/>
+          </a:prstGeom>
+          <a:ln>
+            <a:tailEnd type="arrow"/>
+          </a:ln>
+        </p:spPr>
+        <p:style>
+          <a:lnRef idx="1">
+            <a:schemeClr val="accent6"/>
+          </a:lnRef>
+          <a:fillRef idx="0">
+            <a:schemeClr val="accent6"/>
+          </a:fillRef>
+          <a:effectRef idx="0">
+            <a:schemeClr val="accent6"/>
+          </a:effectRef>
+          <a:fontRef idx="minor">
+            <a:schemeClr val="tx1"/>
+          </a:fontRef>
+        </p:style>
+      </p:cxnSp>
+      <p:grpSp>
+        <p:nvGrpSpPr>
+          <p:cNvPr id="109" name="Grupa 108"/>
+          <p:cNvGrpSpPr/>
+          <p:nvPr/>
+        </p:nvGrpSpPr>
+        <p:grpSpPr>
+          <a:xfrm>
+            <a:off x="6588224" y="4823052"/>
+            <a:ext cx="792088" cy="1080120"/>
+            <a:chOff x="1547664" y="1772816"/>
+            <a:chExt cx="792088" cy="1080120"/>
+          </a:xfrm>
+          <a:solidFill>
+            <a:schemeClr val="accent1"/>
+          </a:solidFill>
+        </p:grpSpPr>
+        <p:sp>
+          <p:nvSpPr>
+            <p:cNvPr id="110" name="Prostokąt 3"/>
+            <p:cNvSpPr/>
+            <p:nvPr/>
+          </p:nvSpPr>
+          <p:spPr>
+            <a:xfrm>
+              <a:off x="1547664" y="1772816"/>
+              <a:ext cx="792088" cy="1080120"/>
+            </a:xfrm>
+            <a:custGeom>
+              <a:avLst/>
+              <a:gdLst>
+                <a:gd name="connsiteX0" fmla="*/ 0 w 576064"/>
+                <a:gd name="connsiteY0" fmla="*/ 0 h 864096"/>
+                <a:gd name="connsiteX1" fmla="*/ 576064 w 576064"/>
+                <a:gd name="connsiteY1" fmla="*/ 0 h 864096"/>
+                <a:gd name="connsiteX2" fmla="*/ 576064 w 576064"/>
+                <a:gd name="connsiteY2" fmla="*/ 864096 h 864096"/>
+                <a:gd name="connsiteX3" fmla="*/ 0 w 576064"/>
+                <a:gd name="connsiteY3" fmla="*/ 864096 h 864096"/>
+                <a:gd name="connsiteX4" fmla="*/ 0 w 576064"/>
+                <a:gd name="connsiteY4" fmla="*/ 0 h 864096"/>
+                <a:gd name="connsiteX0" fmla="*/ 432 w 576496"/>
+                <a:gd name="connsiteY0" fmla="*/ 0 h 864096"/>
+                <a:gd name="connsiteX1" fmla="*/ 576496 w 576496"/>
+                <a:gd name="connsiteY1" fmla="*/ 0 h 864096"/>
+                <a:gd name="connsiteX2" fmla="*/ 576496 w 576496"/>
+                <a:gd name="connsiteY2" fmla="*/ 864096 h 864096"/>
+                <a:gd name="connsiteX3" fmla="*/ 432 w 576496"/>
+                <a:gd name="connsiteY3" fmla="*/ 864096 h 864096"/>
+                <a:gd name="connsiteX4" fmla="*/ 0 w 576496"/>
+                <a:gd name="connsiteY4" fmla="*/ 355456 h 864096"/>
+                <a:gd name="connsiteX5" fmla="*/ 432 w 576496"/>
+                <a:gd name="connsiteY5" fmla="*/ 0 h 864096"/>
+                <a:gd name="connsiteX0" fmla="*/ 432 w 576496"/>
+                <a:gd name="connsiteY0" fmla="*/ 10304 h 874400"/>
+                <a:gd name="connsiteX1" fmla="*/ 243840 w 576496"/>
+                <a:gd name="connsiteY1" fmla="*/ 0 h 874400"/>
+                <a:gd name="connsiteX2" fmla="*/ 576496 w 576496"/>
+                <a:gd name="connsiteY2" fmla="*/ 10304 h 874400"/>
+                <a:gd name="connsiteX3" fmla="*/ 576496 w 576496"/>
+                <a:gd name="connsiteY3" fmla="*/ 874400 h 874400"/>
+                <a:gd name="connsiteX4" fmla="*/ 432 w 576496"/>
+                <a:gd name="connsiteY4" fmla="*/ 874400 h 874400"/>
+                <a:gd name="connsiteX5" fmla="*/ 0 w 576496"/>
+                <a:gd name="connsiteY5" fmla="*/ 365760 h 874400"/>
+                <a:gd name="connsiteX6" fmla="*/ 432 w 576496"/>
+                <a:gd name="connsiteY6" fmla="*/ 10304 h 874400"/>
+                <a:gd name="connsiteX0" fmla="*/ 0 w 576496"/>
+                <a:gd name="connsiteY0" fmla="*/ 365760 h 874400"/>
+                <a:gd name="connsiteX1" fmla="*/ 243840 w 576496"/>
+                <a:gd name="connsiteY1" fmla="*/ 0 h 874400"/>
+                <a:gd name="connsiteX2" fmla="*/ 576496 w 576496"/>
+                <a:gd name="connsiteY2" fmla="*/ 10304 h 874400"/>
+                <a:gd name="connsiteX3" fmla="*/ 576496 w 576496"/>
+                <a:gd name="connsiteY3" fmla="*/ 874400 h 874400"/>
+                <a:gd name="connsiteX4" fmla="*/ 432 w 576496"/>
+                <a:gd name="connsiteY4" fmla="*/ 874400 h 874400"/>
+                <a:gd name="connsiteX5" fmla="*/ 0 w 576496"/>
+                <a:gd name="connsiteY5" fmla="*/ 365760 h 874400"/>
+                <a:gd name="connsiteX0" fmla="*/ 0 w 576496"/>
+                <a:gd name="connsiteY0" fmla="*/ 213360 h 874400"/>
+                <a:gd name="connsiteX1" fmla="*/ 243840 w 576496"/>
+                <a:gd name="connsiteY1" fmla="*/ 0 h 874400"/>
+                <a:gd name="connsiteX2" fmla="*/ 576496 w 576496"/>
+                <a:gd name="connsiteY2" fmla="*/ 10304 h 874400"/>
+                <a:gd name="connsiteX3" fmla="*/ 576496 w 576496"/>
+                <a:gd name="connsiteY3" fmla="*/ 874400 h 874400"/>
+                <a:gd name="connsiteX4" fmla="*/ 432 w 576496"/>
+                <a:gd name="connsiteY4" fmla="*/ 874400 h 874400"/>
+                <a:gd name="connsiteX5" fmla="*/ 0 w 576496"/>
+                <a:gd name="connsiteY5" fmla="*/ 213360 h 874400"/>
+                <a:gd name="connsiteX0" fmla="*/ 0 w 576496"/>
+                <a:gd name="connsiteY0" fmla="*/ 213360 h 874400"/>
+                <a:gd name="connsiteX1" fmla="*/ 121920 w 576496"/>
+                <a:gd name="connsiteY1" fmla="*/ 0 h 874400"/>
+                <a:gd name="connsiteX2" fmla="*/ 576496 w 576496"/>
+                <a:gd name="connsiteY2" fmla="*/ 10304 h 874400"/>
+                <a:gd name="connsiteX3" fmla="*/ 576496 w 576496"/>
+                <a:gd name="connsiteY3" fmla="*/ 874400 h 874400"/>
+                <a:gd name="connsiteX4" fmla="*/ 432 w 576496"/>
+                <a:gd name="connsiteY4" fmla="*/ 874400 h 874400"/>
+                <a:gd name="connsiteX5" fmla="*/ 0 w 576496"/>
+                <a:gd name="connsiteY5" fmla="*/ 213360 h 874400"/>
+              </a:gdLst>
+              <a:ahLst/>
+              <a:cxnLst>
+                <a:cxn ang="0">
+                  <a:pos x="connsiteX0" y="connsiteY0"/>
+                </a:cxn>
+                <a:cxn ang="0">
+                  <a:pos x="connsiteX1" y="connsiteY1"/>
+                </a:cxn>
+                <a:cxn ang="0">
+                  <a:pos x="connsiteX2" y="connsiteY2"/>
+                </a:cxn>
+                <a:cxn ang="0">
+                  <a:pos x="connsiteX3" y="connsiteY3"/>
+                </a:cxn>
+                <a:cxn ang="0">
+                  <a:pos x="connsiteX4" y="connsiteY4"/>
+                </a:cxn>
+                <a:cxn ang="0">
+                  <a:pos x="connsiteX5" y="connsiteY5"/>
+                </a:cxn>
+              </a:cxnLst>
+              <a:rect l="l" t="t" r="r" b="b"/>
+              <a:pathLst>
+                <a:path w="576496" h="874400">
+                  <a:moveTo>
+                    <a:pt x="0" y="213360"/>
+                  </a:moveTo>
+                  <a:lnTo>
+                    <a:pt x="121920" y="0"/>
+                  </a:lnTo>
+                  <a:lnTo>
+                    <a:pt x="576496" y="10304"/>
+                  </a:lnTo>
+                  <a:lnTo>
+                    <a:pt x="576496" y="874400"/>
+                  </a:lnTo>
+                  <a:lnTo>
+                    <a:pt x="432" y="874400"/>
+                  </a:lnTo>
+                  <a:lnTo>
+                    <a:pt x="0" y="213360"/>
+                  </a:lnTo>
+                  <a:close/>
+                </a:path>
+              </a:pathLst>
+            </a:custGeom>
+            <a:grpFill/>
+            <a:ln w="9525"/>
+            <a:effectLst>
+              <a:outerShdw blurRad="50800" dist="38100" algn="l" rotWithShape="0">
+                <a:prstClr val="black">
+                  <a:alpha val="40000"/>
+                </a:prstClr>
+              </a:outerShdw>
+            </a:effectLst>
+          </p:spPr>
+          <p:style>
+            <a:lnRef idx="2">
+              <a:schemeClr val="accent3">
+                <a:shade val="50000"/>
+              </a:schemeClr>
+            </a:lnRef>
+            <a:fillRef idx="1">
+              <a:schemeClr val="accent3"/>
+            </a:fillRef>
+            <a:effectRef idx="0">
+              <a:schemeClr val="accent3"/>
+            </a:effectRef>
+            <a:fontRef idx="minor">
+              <a:schemeClr val="lt1"/>
+            </a:fontRef>
+          </p:style>
+          <p:txBody>
+            <a:bodyPr rtlCol="0" anchor="ctr"/>
+            <a:lstStyle/>
+            <a:p>
+              <a:pPr algn="ctr"/>
+              <a:endParaRPr lang="pl-PL"/>
+            </a:p>
+          </p:txBody>
+        </p:sp>
+        <p:sp>
+          <p:nvSpPr>
+            <p:cNvPr id="111" name="pole tekstowe 110"/>
+            <p:cNvSpPr txBox="1"/>
+            <p:nvPr/>
+          </p:nvSpPr>
+          <p:spPr>
+            <a:xfrm>
+              <a:off x="1547664" y="2056033"/>
+              <a:ext cx="792088" cy="646331"/>
+            </a:xfrm>
+            <a:prstGeom prst="rect">
+              <a:avLst/>
+            </a:prstGeom>
+            <a:grpFill/>
+          </p:spPr>
+          <p:txBody>
+            <a:bodyPr wrap="square" rtlCol="0">
+              <a:spAutoFit/>
+            </a:bodyPr>
+            <a:lstStyle/>
+            <a:p>
+              <a:pPr algn="ctr"/>
+              <a:r>
+                <a:rPr lang="pl-PL" dirty="0" err="1" smtClean="0"/>
+                <a:t>Pose</a:t>
+              </a:r>
+              <a:r>
+                <a:rPr lang="pl-PL" dirty="0" smtClean="0"/>
+                <a:t> Test</a:t>
+              </a:r>
+              <a:endParaRPr lang="pl-PL" dirty="0"/>
+            </a:p>
+          </p:txBody>
+        </p:sp>
+      </p:grpSp>
+      <p:cxnSp>
+        <p:nvCxnSpPr>
+          <p:cNvPr id="116" name="Łącznik prosty ze strzałką 115"/>
+          <p:cNvCxnSpPr>
+            <a:stCxn id="105" idx="1"/>
+          </p:cNvCxnSpPr>
+          <p:nvPr/>
+        </p:nvCxnSpPr>
+        <p:spPr>
+          <a:xfrm flipH="1" flipV="1">
+            <a:off x="4932040" y="4179398"/>
+            <a:ext cx="1656184" cy="1"/>
+          </a:xfrm>
+          <a:prstGeom prst="straightConnector1">
+            <a:avLst/>
+          </a:prstGeom>
+          <a:ln>
+            <a:tailEnd type="arrow"/>
+          </a:ln>
+        </p:spPr>
+        <p:style>
+          <a:lnRef idx="1">
+            <a:schemeClr val="accent6"/>
+          </a:lnRef>
+          <a:fillRef idx="0">
+            <a:schemeClr val="accent6"/>
+          </a:fillRef>
+          <a:effectRef idx="0">
+            <a:schemeClr val="accent6"/>
+          </a:effectRef>
+          <a:fontRef idx="minor">
+            <a:schemeClr val="tx1"/>
+          </a:fontRef>
+        </p:style>
+      </p:cxnSp>
+      <p:sp>
+        <p:nvSpPr>
+          <p:cNvPr id="117" name="pole tekstowe 116"/>
+          <p:cNvSpPr txBox="1"/>
+          <p:nvPr/>
+        </p:nvSpPr>
+        <p:spPr>
+          <a:xfrm>
+            <a:off x="5562803" y="3810066"/>
+            <a:ext cx="538674" cy="369332"/>
+          </a:xfrm>
+          <a:prstGeom prst="rect">
+            <a:avLst/>
+          </a:prstGeom>
+          <a:noFill/>
+        </p:spPr>
+        <p:txBody>
+          <a:bodyPr wrap="none" rtlCol="0">
+            <a:spAutoFit/>
+          </a:bodyPr>
+          <a:lstStyle/>
+          <a:p>
+            <a:r>
+              <a:rPr lang="pl-PL" i="1" dirty="0" smtClean="0"/>
+              <a:t>test</a:t>
+            </a:r>
+            <a:endParaRPr lang="pl-PL" i="1" dirty="0"/>
+          </a:p>
+        </p:txBody>
+      </p:sp>
+      <p:grpSp>
+        <p:nvGrpSpPr>
+          <p:cNvPr id="88" name="Grupa 87"/>
+          <p:cNvGrpSpPr/>
+          <p:nvPr/>
+        </p:nvGrpSpPr>
+        <p:grpSpPr>
+          <a:xfrm>
+            <a:off x="7920372" y="1705372"/>
+            <a:ext cx="864096" cy="1147564"/>
+            <a:chOff x="5436096" y="1844824"/>
+            <a:chExt cx="864096" cy="1147564"/>
+          </a:xfrm>
+          <a:effectLst>
+            <a:outerShdw blurRad="50800" dist="38100" algn="l" rotWithShape="0">
+              <a:prstClr val="black">
+                <a:alpha val="40000"/>
+              </a:prstClr>
+            </a:outerShdw>
+          </a:effectLst>
+        </p:grpSpPr>
+        <p:sp>
+          <p:nvSpPr>
+            <p:cNvPr id="89" name="Prostokąt 3"/>
+            <p:cNvSpPr/>
+            <p:nvPr/>
+          </p:nvSpPr>
+          <p:spPr>
+            <a:xfrm>
+              <a:off x="5508104" y="1844824"/>
+              <a:ext cx="792088" cy="1080120"/>
+            </a:xfrm>
+            <a:custGeom>
+              <a:avLst/>
+              <a:gdLst>
+                <a:gd name="connsiteX0" fmla="*/ 0 w 576064"/>
+                <a:gd name="connsiteY0" fmla="*/ 0 h 864096"/>
+                <a:gd name="connsiteX1" fmla="*/ 576064 w 576064"/>
+                <a:gd name="connsiteY1" fmla="*/ 0 h 864096"/>
+                <a:gd name="connsiteX2" fmla="*/ 576064 w 576064"/>
+                <a:gd name="connsiteY2" fmla="*/ 864096 h 864096"/>
+                <a:gd name="connsiteX3" fmla="*/ 0 w 576064"/>
+                <a:gd name="connsiteY3" fmla="*/ 864096 h 864096"/>
+                <a:gd name="connsiteX4" fmla="*/ 0 w 576064"/>
+                <a:gd name="connsiteY4" fmla="*/ 0 h 864096"/>
+                <a:gd name="connsiteX0" fmla="*/ 432 w 576496"/>
+                <a:gd name="connsiteY0" fmla="*/ 0 h 864096"/>
+                <a:gd name="connsiteX1" fmla="*/ 576496 w 576496"/>
+                <a:gd name="connsiteY1" fmla="*/ 0 h 864096"/>
+                <a:gd name="connsiteX2" fmla="*/ 576496 w 576496"/>
+                <a:gd name="connsiteY2" fmla="*/ 864096 h 864096"/>
+                <a:gd name="connsiteX3" fmla="*/ 432 w 576496"/>
+                <a:gd name="connsiteY3" fmla="*/ 864096 h 864096"/>
+                <a:gd name="connsiteX4" fmla="*/ 0 w 576496"/>
+                <a:gd name="connsiteY4" fmla="*/ 355456 h 864096"/>
+                <a:gd name="connsiteX5" fmla="*/ 432 w 576496"/>
+                <a:gd name="connsiteY5" fmla="*/ 0 h 864096"/>
+                <a:gd name="connsiteX0" fmla="*/ 432 w 576496"/>
+                <a:gd name="connsiteY0" fmla="*/ 10304 h 874400"/>
+                <a:gd name="connsiteX1" fmla="*/ 243840 w 576496"/>
+                <a:gd name="connsiteY1" fmla="*/ 0 h 874400"/>
+                <a:gd name="connsiteX2" fmla="*/ 576496 w 576496"/>
+                <a:gd name="connsiteY2" fmla="*/ 10304 h 874400"/>
+                <a:gd name="connsiteX3" fmla="*/ 576496 w 576496"/>
+                <a:gd name="connsiteY3" fmla="*/ 874400 h 874400"/>
+                <a:gd name="connsiteX4" fmla="*/ 432 w 576496"/>
+                <a:gd name="connsiteY4" fmla="*/ 874400 h 874400"/>
+                <a:gd name="connsiteX5" fmla="*/ 0 w 576496"/>
+                <a:gd name="connsiteY5" fmla="*/ 365760 h 874400"/>
+                <a:gd name="connsiteX6" fmla="*/ 432 w 576496"/>
+                <a:gd name="connsiteY6" fmla="*/ 10304 h 874400"/>
+                <a:gd name="connsiteX0" fmla="*/ 0 w 576496"/>
+                <a:gd name="connsiteY0" fmla="*/ 365760 h 874400"/>
+                <a:gd name="connsiteX1" fmla="*/ 243840 w 576496"/>
+                <a:gd name="connsiteY1" fmla="*/ 0 h 874400"/>
+                <a:gd name="connsiteX2" fmla="*/ 576496 w 576496"/>
+                <a:gd name="connsiteY2" fmla="*/ 10304 h 874400"/>
+                <a:gd name="connsiteX3" fmla="*/ 576496 w 576496"/>
+                <a:gd name="connsiteY3" fmla="*/ 874400 h 874400"/>
+                <a:gd name="connsiteX4" fmla="*/ 432 w 576496"/>
+                <a:gd name="connsiteY4" fmla="*/ 874400 h 874400"/>
+                <a:gd name="connsiteX5" fmla="*/ 0 w 576496"/>
+                <a:gd name="connsiteY5" fmla="*/ 365760 h 874400"/>
+                <a:gd name="connsiteX0" fmla="*/ 0 w 576496"/>
+                <a:gd name="connsiteY0" fmla="*/ 213360 h 874400"/>
+                <a:gd name="connsiteX1" fmla="*/ 243840 w 576496"/>
+                <a:gd name="connsiteY1" fmla="*/ 0 h 874400"/>
+                <a:gd name="connsiteX2" fmla="*/ 576496 w 576496"/>
+                <a:gd name="connsiteY2" fmla="*/ 10304 h 874400"/>
+                <a:gd name="connsiteX3" fmla="*/ 576496 w 576496"/>
+                <a:gd name="connsiteY3" fmla="*/ 874400 h 874400"/>
+                <a:gd name="connsiteX4" fmla="*/ 432 w 576496"/>
+                <a:gd name="connsiteY4" fmla="*/ 874400 h 874400"/>
+                <a:gd name="connsiteX5" fmla="*/ 0 w 576496"/>
+                <a:gd name="connsiteY5" fmla="*/ 213360 h 874400"/>
+                <a:gd name="connsiteX0" fmla="*/ 0 w 576496"/>
+                <a:gd name="connsiteY0" fmla="*/ 213360 h 874400"/>
+                <a:gd name="connsiteX1" fmla="*/ 121920 w 576496"/>
+                <a:gd name="connsiteY1" fmla="*/ 0 h 874400"/>
+                <a:gd name="connsiteX2" fmla="*/ 576496 w 576496"/>
+                <a:gd name="connsiteY2" fmla="*/ 10304 h 874400"/>
+                <a:gd name="connsiteX3" fmla="*/ 576496 w 576496"/>
+                <a:gd name="connsiteY3" fmla="*/ 874400 h 874400"/>
+                <a:gd name="connsiteX4" fmla="*/ 432 w 576496"/>
+                <a:gd name="connsiteY4" fmla="*/ 874400 h 874400"/>
+                <a:gd name="connsiteX5" fmla="*/ 0 w 576496"/>
+                <a:gd name="connsiteY5" fmla="*/ 213360 h 874400"/>
+              </a:gdLst>
+              <a:ahLst/>
+              <a:cxnLst>
+                <a:cxn ang="0">
+                  <a:pos x="connsiteX0" y="connsiteY0"/>
+                </a:cxn>
+                <a:cxn ang="0">
+                  <a:pos x="connsiteX1" y="connsiteY1"/>
+                </a:cxn>
+                <a:cxn ang="0">
+                  <a:pos x="connsiteX2" y="connsiteY2"/>
+                </a:cxn>
+                <a:cxn ang="0">
+                  <a:pos x="connsiteX3" y="connsiteY3"/>
+                </a:cxn>
+                <a:cxn ang="0">
+                  <a:pos x="connsiteX4" y="connsiteY4"/>
+                </a:cxn>
+                <a:cxn ang="0">
+                  <a:pos x="connsiteX5" y="connsiteY5"/>
+                </a:cxn>
+              </a:cxnLst>
+              <a:rect l="l" t="t" r="r" b="b"/>
+              <a:pathLst>
+                <a:path w="576496" h="874400">
+                  <a:moveTo>
+                    <a:pt x="0" y="213360"/>
+                  </a:moveTo>
+                  <a:lnTo>
+                    <a:pt x="121920" y="0"/>
+                  </a:lnTo>
+                  <a:lnTo>
+                    <a:pt x="576496" y="10304"/>
+                  </a:lnTo>
+                  <a:lnTo>
+                    <a:pt x="576496" y="874400"/>
+                  </a:lnTo>
+                  <a:lnTo>
+                    <a:pt x="432" y="874400"/>
+                  </a:lnTo>
+                  <a:lnTo>
+                    <a:pt x="0" y="213360"/>
+                  </a:lnTo>
+                  <a:close/>
+                </a:path>
+              </a:pathLst>
+            </a:custGeom>
+            <a:ln w="9525"/>
+            <a:effectLst/>
+          </p:spPr>
+          <p:style>
+            <a:lnRef idx="2">
+              <a:schemeClr val="accent1">
+                <a:shade val="50000"/>
+              </a:schemeClr>
+            </a:lnRef>
+            <a:fillRef idx="1">
+              <a:schemeClr val="accent1"/>
+            </a:fillRef>
+            <a:effectRef idx="0">
+              <a:schemeClr val="accent1"/>
+            </a:effectRef>
+            <a:fontRef idx="minor">
+              <a:schemeClr val="lt1"/>
+            </a:fontRef>
+          </p:style>
+          <p:txBody>
+            <a:bodyPr rtlCol="0" anchor="ctr"/>
+            <a:lstStyle/>
+            <a:p>
+              <a:pPr algn="ctr"/>
+              <a:endParaRPr lang="pl-PL"/>
+            </a:p>
+          </p:txBody>
+        </p:sp>
+        <p:sp>
+          <p:nvSpPr>
+            <p:cNvPr id="90" name="Prostokąt 3"/>
+            <p:cNvSpPr/>
+            <p:nvPr/>
+          </p:nvSpPr>
+          <p:spPr>
+            <a:xfrm>
+              <a:off x="5436096" y="1912268"/>
+              <a:ext cx="792088" cy="1080120"/>
+            </a:xfrm>
+            <a:custGeom>
+              <a:avLst/>
+              <a:gdLst>
+                <a:gd name="connsiteX0" fmla="*/ 0 w 576064"/>
+                <a:gd name="connsiteY0" fmla="*/ 0 h 864096"/>
+                <a:gd name="connsiteX1" fmla="*/ 576064 w 576064"/>
+                <a:gd name="connsiteY1" fmla="*/ 0 h 864096"/>
+                <a:gd name="connsiteX2" fmla="*/ 576064 w 576064"/>
+                <a:gd name="connsiteY2" fmla="*/ 864096 h 864096"/>
+                <a:gd name="connsiteX3" fmla="*/ 0 w 576064"/>
+                <a:gd name="connsiteY3" fmla="*/ 864096 h 864096"/>
+                <a:gd name="connsiteX4" fmla="*/ 0 w 576064"/>
+                <a:gd name="connsiteY4" fmla="*/ 0 h 864096"/>
+                <a:gd name="connsiteX0" fmla="*/ 432 w 576496"/>
+                <a:gd name="connsiteY0" fmla="*/ 0 h 864096"/>
+                <a:gd name="connsiteX1" fmla="*/ 576496 w 576496"/>
+                <a:gd name="connsiteY1" fmla="*/ 0 h 864096"/>
+                <a:gd name="connsiteX2" fmla="*/ 576496 w 576496"/>
+                <a:gd name="connsiteY2" fmla="*/ 864096 h 864096"/>
+                <a:gd name="connsiteX3" fmla="*/ 432 w 576496"/>
+                <a:gd name="connsiteY3" fmla="*/ 864096 h 864096"/>
+                <a:gd name="connsiteX4" fmla="*/ 0 w 576496"/>
+                <a:gd name="connsiteY4" fmla="*/ 355456 h 864096"/>
+                <a:gd name="connsiteX5" fmla="*/ 432 w 576496"/>
+                <a:gd name="connsiteY5" fmla="*/ 0 h 864096"/>
+                <a:gd name="connsiteX0" fmla="*/ 432 w 576496"/>
+                <a:gd name="connsiteY0" fmla="*/ 10304 h 874400"/>
+                <a:gd name="connsiteX1" fmla="*/ 243840 w 576496"/>
+                <a:gd name="connsiteY1" fmla="*/ 0 h 874400"/>
+                <a:gd name="connsiteX2" fmla="*/ 576496 w 576496"/>
+                <a:gd name="connsiteY2" fmla="*/ 10304 h 874400"/>
+                <a:gd name="connsiteX3" fmla="*/ 576496 w 576496"/>
+                <a:gd name="connsiteY3" fmla="*/ 874400 h 874400"/>
+                <a:gd name="connsiteX4" fmla="*/ 432 w 576496"/>
+                <a:gd name="connsiteY4" fmla="*/ 874400 h 874400"/>
+                <a:gd name="connsiteX5" fmla="*/ 0 w 576496"/>
+                <a:gd name="connsiteY5" fmla="*/ 365760 h 874400"/>
+                <a:gd name="connsiteX6" fmla="*/ 432 w 576496"/>
+                <a:gd name="connsiteY6" fmla="*/ 10304 h 874400"/>
+                <a:gd name="connsiteX0" fmla="*/ 0 w 576496"/>
+                <a:gd name="connsiteY0" fmla="*/ 365760 h 874400"/>
+                <a:gd name="connsiteX1" fmla="*/ 243840 w 576496"/>
+                <a:gd name="connsiteY1" fmla="*/ 0 h 874400"/>
+                <a:gd name="connsiteX2" fmla="*/ 576496 w 576496"/>
+                <a:gd name="connsiteY2" fmla="*/ 10304 h 874400"/>
+                <a:gd name="connsiteX3" fmla="*/ 576496 w 576496"/>
+                <a:gd name="connsiteY3" fmla="*/ 874400 h 874400"/>
+                <a:gd name="connsiteX4" fmla="*/ 432 w 576496"/>
+                <a:gd name="connsiteY4" fmla="*/ 874400 h 874400"/>
+                <a:gd name="connsiteX5" fmla="*/ 0 w 576496"/>
+                <a:gd name="connsiteY5" fmla="*/ 365760 h 874400"/>
+                <a:gd name="connsiteX0" fmla="*/ 0 w 576496"/>
+                <a:gd name="connsiteY0" fmla="*/ 213360 h 874400"/>
+                <a:gd name="connsiteX1" fmla="*/ 243840 w 576496"/>
+                <a:gd name="connsiteY1" fmla="*/ 0 h 874400"/>
+                <a:gd name="connsiteX2" fmla="*/ 576496 w 576496"/>
+                <a:gd name="connsiteY2" fmla="*/ 10304 h 874400"/>
+                <a:gd name="connsiteX3" fmla="*/ 576496 w 576496"/>
+                <a:gd name="connsiteY3" fmla="*/ 874400 h 874400"/>
+                <a:gd name="connsiteX4" fmla="*/ 432 w 576496"/>
+                <a:gd name="connsiteY4" fmla="*/ 874400 h 874400"/>
+                <a:gd name="connsiteX5" fmla="*/ 0 w 576496"/>
+                <a:gd name="connsiteY5" fmla="*/ 213360 h 874400"/>
+                <a:gd name="connsiteX0" fmla="*/ 0 w 576496"/>
+                <a:gd name="connsiteY0" fmla="*/ 213360 h 874400"/>
+                <a:gd name="connsiteX1" fmla="*/ 121920 w 576496"/>
+                <a:gd name="connsiteY1" fmla="*/ 0 h 874400"/>
+                <a:gd name="connsiteX2" fmla="*/ 576496 w 576496"/>
+                <a:gd name="connsiteY2" fmla="*/ 10304 h 874400"/>
+                <a:gd name="connsiteX3" fmla="*/ 576496 w 576496"/>
+                <a:gd name="connsiteY3" fmla="*/ 874400 h 874400"/>
+                <a:gd name="connsiteX4" fmla="*/ 432 w 576496"/>
+                <a:gd name="connsiteY4" fmla="*/ 874400 h 874400"/>
+                <a:gd name="connsiteX5" fmla="*/ 0 w 576496"/>
+                <a:gd name="connsiteY5" fmla="*/ 213360 h 874400"/>
+              </a:gdLst>
+              <a:ahLst/>
+              <a:cxnLst>
+                <a:cxn ang="0">
+                  <a:pos x="connsiteX0" y="connsiteY0"/>
+                </a:cxn>
+                <a:cxn ang="0">
+                  <a:pos x="connsiteX1" y="connsiteY1"/>
+                </a:cxn>
+                <a:cxn ang="0">
+                  <a:pos x="connsiteX2" y="connsiteY2"/>
+                </a:cxn>
+                <a:cxn ang="0">
+                  <a:pos x="connsiteX3" y="connsiteY3"/>
+                </a:cxn>
+                <a:cxn ang="0">
+                  <a:pos x="connsiteX4" y="connsiteY4"/>
+                </a:cxn>
+                <a:cxn ang="0">
+                  <a:pos x="connsiteX5" y="connsiteY5"/>
+                </a:cxn>
+              </a:cxnLst>
+              <a:rect l="l" t="t" r="r" b="b"/>
+              <a:pathLst>
+                <a:path w="576496" h="874400">
+                  <a:moveTo>
+                    <a:pt x="0" y="213360"/>
+                  </a:moveTo>
+                  <a:lnTo>
+                    <a:pt x="121920" y="0"/>
+                  </a:lnTo>
+                  <a:lnTo>
+                    <a:pt x="576496" y="10304"/>
+                  </a:lnTo>
+                  <a:lnTo>
+                    <a:pt x="576496" y="874400"/>
+                  </a:lnTo>
+                  <a:lnTo>
+                    <a:pt x="432" y="874400"/>
+                  </a:lnTo>
+                  <a:lnTo>
+                    <a:pt x="0" y="213360"/>
+                  </a:lnTo>
+                  <a:close/>
+                </a:path>
+              </a:pathLst>
+            </a:custGeom>
+            <a:ln w="9525"/>
+            <a:effectLst/>
+          </p:spPr>
+          <p:style>
+            <a:lnRef idx="2">
+              <a:schemeClr val="accent3">
+                <a:shade val="50000"/>
+              </a:schemeClr>
+            </a:lnRef>
+            <a:fillRef idx="1">
+              <a:schemeClr val="accent3"/>
+            </a:fillRef>
+            <a:effectRef idx="0">
+              <a:schemeClr val="accent3"/>
+            </a:effectRef>
+            <a:fontRef idx="minor">
+              <a:schemeClr val="lt1"/>
+            </a:fontRef>
+          </p:style>
+          <p:txBody>
+            <a:bodyPr rtlCol="0" anchor="ctr"/>
+            <a:lstStyle/>
+            <a:p>
+              <a:pPr algn="ctr"/>
+              <a:endParaRPr lang="pl-PL"/>
+            </a:p>
+          </p:txBody>
+        </p:sp>
+        <p:sp>
+          <p:nvSpPr>
+            <p:cNvPr id="91" name="pole tekstowe 90"/>
+            <p:cNvSpPr txBox="1"/>
+            <p:nvPr/>
+          </p:nvSpPr>
+          <p:spPr>
+            <a:xfrm>
+              <a:off x="5436096" y="2200300"/>
+              <a:ext cx="792088" cy="646331"/>
+            </a:xfrm>
+            <a:prstGeom prst="rect">
+              <a:avLst/>
+            </a:prstGeom>
+            <a:noFill/>
+          </p:spPr>
+          <p:txBody>
+            <a:bodyPr wrap="square" rtlCol="0">
+              <a:spAutoFit/>
+            </a:bodyPr>
+            <a:lstStyle/>
+            <a:p>
+              <a:pPr algn="ctr"/>
+              <a:r>
+                <a:rPr lang="pl-PL" dirty="0" err="1" smtClean="0"/>
+                <a:t>ImageTest</a:t>
+              </a:r>
+              <a:r>
+                <a:rPr lang="pl-PL" dirty="0" smtClean="0"/>
+                <a:t> </a:t>
+              </a:r>
+              <a:endParaRPr lang="pl-PL" dirty="0"/>
+            </a:p>
+          </p:txBody>
+        </p:sp>
+      </p:grpSp>
+      <p:grpSp>
+        <p:nvGrpSpPr>
+          <p:cNvPr id="118" name="Grupa 117"/>
+          <p:cNvGrpSpPr/>
+          <p:nvPr/>
+        </p:nvGrpSpPr>
+        <p:grpSpPr>
+          <a:xfrm>
+            <a:off x="755576" y="3573016"/>
+            <a:ext cx="792088" cy="1080120"/>
+            <a:chOff x="1547664" y="1772816"/>
+            <a:chExt cx="792088" cy="1080120"/>
+          </a:xfrm>
+          <a:solidFill>
+            <a:schemeClr val="accent1"/>
+          </a:solidFill>
+        </p:grpSpPr>
+        <p:sp>
+          <p:nvSpPr>
+            <p:cNvPr id="119" name="Prostokąt 3"/>
+            <p:cNvSpPr/>
+            <p:nvPr/>
+          </p:nvSpPr>
+          <p:spPr>
+            <a:xfrm>
+              <a:off x="1547664" y="1772816"/>
+              <a:ext cx="792088" cy="1080120"/>
+            </a:xfrm>
+            <a:custGeom>
+              <a:avLst/>
+              <a:gdLst>
+                <a:gd name="connsiteX0" fmla="*/ 0 w 576064"/>
+                <a:gd name="connsiteY0" fmla="*/ 0 h 864096"/>
+                <a:gd name="connsiteX1" fmla="*/ 576064 w 576064"/>
+                <a:gd name="connsiteY1" fmla="*/ 0 h 864096"/>
+                <a:gd name="connsiteX2" fmla="*/ 576064 w 576064"/>
+                <a:gd name="connsiteY2" fmla="*/ 864096 h 864096"/>
+                <a:gd name="connsiteX3" fmla="*/ 0 w 576064"/>
+                <a:gd name="connsiteY3" fmla="*/ 864096 h 864096"/>
+                <a:gd name="connsiteX4" fmla="*/ 0 w 576064"/>
+                <a:gd name="connsiteY4" fmla="*/ 0 h 864096"/>
+                <a:gd name="connsiteX0" fmla="*/ 432 w 576496"/>
+                <a:gd name="connsiteY0" fmla="*/ 0 h 864096"/>
+                <a:gd name="connsiteX1" fmla="*/ 576496 w 576496"/>
+                <a:gd name="connsiteY1" fmla="*/ 0 h 864096"/>
+                <a:gd name="connsiteX2" fmla="*/ 576496 w 576496"/>
+                <a:gd name="connsiteY2" fmla="*/ 864096 h 864096"/>
+                <a:gd name="connsiteX3" fmla="*/ 432 w 576496"/>
+                <a:gd name="connsiteY3" fmla="*/ 864096 h 864096"/>
+                <a:gd name="connsiteX4" fmla="*/ 0 w 576496"/>
+                <a:gd name="connsiteY4" fmla="*/ 355456 h 864096"/>
+                <a:gd name="connsiteX5" fmla="*/ 432 w 576496"/>
+                <a:gd name="connsiteY5" fmla="*/ 0 h 864096"/>
+                <a:gd name="connsiteX0" fmla="*/ 432 w 576496"/>
+                <a:gd name="connsiteY0" fmla="*/ 10304 h 874400"/>
+                <a:gd name="connsiteX1" fmla="*/ 243840 w 576496"/>
+                <a:gd name="connsiteY1" fmla="*/ 0 h 874400"/>
+                <a:gd name="connsiteX2" fmla="*/ 576496 w 576496"/>
+                <a:gd name="connsiteY2" fmla="*/ 10304 h 874400"/>
+                <a:gd name="connsiteX3" fmla="*/ 576496 w 576496"/>
+                <a:gd name="connsiteY3" fmla="*/ 874400 h 874400"/>
+                <a:gd name="connsiteX4" fmla="*/ 432 w 576496"/>
+                <a:gd name="connsiteY4" fmla="*/ 874400 h 874400"/>
+                <a:gd name="connsiteX5" fmla="*/ 0 w 576496"/>
+                <a:gd name="connsiteY5" fmla="*/ 365760 h 874400"/>
+                <a:gd name="connsiteX6" fmla="*/ 432 w 576496"/>
+                <a:gd name="connsiteY6" fmla="*/ 10304 h 874400"/>
+                <a:gd name="connsiteX0" fmla="*/ 0 w 576496"/>
+                <a:gd name="connsiteY0" fmla="*/ 365760 h 874400"/>
+                <a:gd name="connsiteX1" fmla="*/ 243840 w 576496"/>
+                <a:gd name="connsiteY1" fmla="*/ 0 h 874400"/>
+                <a:gd name="connsiteX2" fmla="*/ 576496 w 576496"/>
+                <a:gd name="connsiteY2" fmla="*/ 10304 h 874400"/>
+                <a:gd name="connsiteX3" fmla="*/ 576496 w 576496"/>
+                <a:gd name="connsiteY3" fmla="*/ 874400 h 874400"/>
+                <a:gd name="connsiteX4" fmla="*/ 432 w 576496"/>
+                <a:gd name="connsiteY4" fmla="*/ 874400 h 874400"/>
+                <a:gd name="connsiteX5" fmla="*/ 0 w 576496"/>
+                <a:gd name="connsiteY5" fmla="*/ 365760 h 874400"/>
+                <a:gd name="connsiteX0" fmla="*/ 0 w 576496"/>
+                <a:gd name="connsiteY0" fmla="*/ 213360 h 874400"/>
+                <a:gd name="connsiteX1" fmla="*/ 243840 w 576496"/>
+                <a:gd name="connsiteY1" fmla="*/ 0 h 874400"/>
+                <a:gd name="connsiteX2" fmla="*/ 576496 w 576496"/>
+                <a:gd name="connsiteY2" fmla="*/ 10304 h 874400"/>
+                <a:gd name="connsiteX3" fmla="*/ 576496 w 576496"/>
+                <a:gd name="connsiteY3" fmla="*/ 874400 h 874400"/>
+                <a:gd name="connsiteX4" fmla="*/ 432 w 576496"/>
+                <a:gd name="connsiteY4" fmla="*/ 874400 h 874400"/>
+                <a:gd name="connsiteX5" fmla="*/ 0 w 576496"/>
+                <a:gd name="connsiteY5" fmla="*/ 213360 h 874400"/>
+                <a:gd name="connsiteX0" fmla="*/ 0 w 576496"/>
+                <a:gd name="connsiteY0" fmla="*/ 213360 h 874400"/>
+                <a:gd name="connsiteX1" fmla="*/ 121920 w 576496"/>
+                <a:gd name="connsiteY1" fmla="*/ 0 h 874400"/>
+                <a:gd name="connsiteX2" fmla="*/ 576496 w 576496"/>
+                <a:gd name="connsiteY2" fmla="*/ 10304 h 874400"/>
+                <a:gd name="connsiteX3" fmla="*/ 576496 w 576496"/>
+                <a:gd name="connsiteY3" fmla="*/ 874400 h 874400"/>
+                <a:gd name="connsiteX4" fmla="*/ 432 w 576496"/>
+                <a:gd name="connsiteY4" fmla="*/ 874400 h 874400"/>
+                <a:gd name="connsiteX5" fmla="*/ 0 w 576496"/>
+                <a:gd name="connsiteY5" fmla="*/ 213360 h 874400"/>
+              </a:gdLst>
+              <a:ahLst/>
+              <a:cxnLst>
+                <a:cxn ang="0">
+                  <a:pos x="connsiteX0" y="connsiteY0"/>
+                </a:cxn>
+                <a:cxn ang="0">
+                  <a:pos x="connsiteX1" y="connsiteY1"/>
+                </a:cxn>
+                <a:cxn ang="0">
+                  <a:pos x="connsiteX2" y="connsiteY2"/>
+                </a:cxn>
+                <a:cxn ang="0">
+                  <a:pos x="connsiteX3" y="connsiteY3"/>
+                </a:cxn>
+                <a:cxn ang="0">
+                  <a:pos x="connsiteX4" y="connsiteY4"/>
+                </a:cxn>
+                <a:cxn ang="0">
+                  <a:pos x="connsiteX5" y="connsiteY5"/>
+                </a:cxn>
+              </a:cxnLst>
+              <a:rect l="l" t="t" r="r" b="b"/>
+              <a:pathLst>
+                <a:path w="576496" h="874400">
+                  <a:moveTo>
+                    <a:pt x="0" y="213360"/>
+                  </a:moveTo>
+                  <a:lnTo>
+                    <a:pt x="121920" y="0"/>
+                  </a:lnTo>
+                  <a:lnTo>
+                    <a:pt x="576496" y="10304"/>
+                  </a:lnTo>
+                  <a:lnTo>
+                    <a:pt x="576496" y="874400"/>
+                  </a:lnTo>
+                  <a:lnTo>
+                    <a:pt x="432" y="874400"/>
+                  </a:lnTo>
+                  <a:lnTo>
+                    <a:pt x="0" y="213360"/>
+                  </a:lnTo>
+                  <a:close/>
+                </a:path>
+              </a:pathLst>
+            </a:custGeom>
+            <a:grpFill/>
+            <a:ln w="9525"/>
+            <a:effectLst>
+              <a:outerShdw blurRad="50800" dist="38100" algn="l" rotWithShape="0">
+                <a:prstClr val="black">
+                  <a:alpha val="40000"/>
+                </a:prstClr>
+              </a:outerShdw>
+            </a:effectLst>
+          </p:spPr>
+          <p:style>
+            <a:lnRef idx="2">
+              <a:schemeClr val="accent3">
+                <a:shade val="50000"/>
+              </a:schemeClr>
+            </a:lnRef>
+            <a:fillRef idx="1">
+              <a:schemeClr val="accent3"/>
+            </a:fillRef>
+            <a:effectRef idx="0">
+              <a:schemeClr val="accent3"/>
+            </a:effectRef>
+            <a:fontRef idx="minor">
+              <a:schemeClr val="lt1"/>
+            </a:fontRef>
+          </p:style>
+          <p:txBody>
+            <a:bodyPr rtlCol="0" anchor="ctr"/>
+            <a:lstStyle/>
+            <a:p>
+              <a:pPr algn="ctr"/>
+              <a:endParaRPr lang="pl-PL"/>
+            </a:p>
+          </p:txBody>
+        </p:sp>
+        <p:sp>
+          <p:nvSpPr>
+            <p:cNvPr id="120" name="pole tekstowe 119"/>
+            <p:cNvSpPr txBox="1"/>
+            <p:nvPr/>
+          </p:nvSpPr>
+          <p:spPr>
+            <a:xfrm>
+              <a:off x="1547664" y="2175510"/>
+              <a:ext cx="792088" cy="369332"/>
+            </a:xfrm>
+            <a:prstGeom prst="rect">
+              <a:avLst/>
+            </a:prstGeom>
+            <a:grpFill/>
+          </p:spPr>
+          <p:txBody>
+            <a:bodyPr wrap="square" rtlCol="0">
+              <a:spAutoFit/>
+            </a:bodyPr>
+            <a:lstStyle/>
+            <a:p>
+              <a:pPr algn="ctr"/>
+              <a:r>
+                <a:rPr lang="pl-PL" dirty="0" err="1" smtClean="0"/>
+                <a:t>Pose</a:t>
+              </a:r>
+              <a:endParaRPr lang="pl-PL" dirty="0"/>
+            </a:p>
+          </p:txBody>
+        </p:sp>
+      </p:grpSp>
+      <p:cxnSp>
+        <p:nvCxnSpPr>
+          <p:cNvPr id="130" name="Łącznik prosty ze strzałką 129"/>
+          <p:cNvCxnSpPr/>
+          <p:nvPr/>
+        </p:nvCxnSpPr>
+        <p:spPr>
+          <a:xfrm flipH="1">
+            <a:off x="1547664" y="4179399"/>
+            <a:ext cx="1360208" cy="0"/>
+          </a:xfrm>
+          <a:prstGeom prst="straightConnector1">
+            <a:avLst/>
+          </a:prstGeom>
+          <a:ln>
+            <a:tailEnd type="arrow"/>
+          </a:ln>
+        </p:spPr>
+        <p:style>
+          <a:lnRef idx="1">
+            <a:schemeClr val="accent6"/>
+          </a:lnRef>
+          <a:fillRef idx="0">
+            <a:schemeClr val="accent6"/>
+          </a:fillRef>
+          <a:effectRef idx="0">
+            <a:schemeClr val="accent6"/>
+          </a:effectRef>
+          <a:fontRef idx="minor">
+            <a:schemeClr val="tx1"/>
+          </a:fontRef>
+        </p:style>
+      </p:cxnSp>
+      <p:cxnSp>
+        <p:nvCxnSpPr>
+          <p:cNvPr id="133" name="Łącznik łamany 132"/>
+          <p:cNvCxnSpPr/>
+          <p:nvPr/>
+        </p:nvCxnSpPr>
+        <p:spPr>
+          <a:xfrm>
+            <a:off x="1151620" y="4653136"/>
+            <a:ext cx="1764196" cy="776299"/>
+          </a:xfrm>
+          <a:prstGeom prst="bentConnector3">
+            <a:avLst>
+              <a:gd name="adj1" fmla="val -728"/>
+            </a:avLst>
+          </a:prstGeom>
+          <a:ln>
+            <a:tailEnd type="arrow"/>
+          </a:ln>
+        </p:spPr>
+        <p:style>
+          <a:lnRef idx="1">
+            <a:schemeClr val="accent6"/>
+          </a:lnRef>
+          <a:fillRef idx="0">
+            <a:schemeClr val="accent6"/>
+          </a:fillRef>
+          <a:effectRef idx="0">
+            <a:schemeClr val="accent6"/>
+          </a:effectRef>
+          <a:fontRef idx="minor">
+            <a:schemeClr val="tx1"/>
+          </a:fontRef>
+        </p:style>
+      </p:cxnSp>
+      <p:cxnSp>
+        <p:nvCxnSpPr>
+          <p:cNvPr id="140" name="Łącznik prosty ze strzałką 139"/>
+          <p:cNvCxnSpPr>
+            <a:stCxn id="111" idx="1"/>
+          </p:cNvCxnSpPr>
+          <p:nvPr/>
+        </p:nvCxnSpPr>
+        <p:spPr>
+          <a:xfrm flipH="1">
+            <a:off x="4924095" y="5429435"/>
+            <a:ext cx="1664129" cy="0"/>
+          </a:xfrm>
+          <a:prstGeom prst="straightConnector1">
+            <a:avLst/>
+          </a:prstGeom>
+          <a:ln>
+            <a:tailEnd type="arrow"/>
+          </a:ln>
+        </p:spPr>
+        <p:style>
+          <a:lnRef idx="1">
+            <a:schemeClr val="accent6"/>
+          </a:lnRef>
+          <a:fillRef idx="0">
+            <a:schemeClr val="accent6"/>
+          </a:fillRef>
+          <a:effectRef idx="0">
+            <a:schemeClr val="accent6"/>
+          </a:effectRef>
+          <a:fontRef idx="minor">
+            <a:schemeClr val="tx1"/>
+          </a:fontRef>
+        </p:style>
+      </p:cxnSp>
+      <p:cxnSp>
+        <p:nvCxnSpPr>
+          <p:cNvPr id="145" name="Łącznik prosty ze strzałką 144"/>
+          <p:cNvCxnSpPr>
+            <a:stCxn id="98" idx="2"/>
+          </p:cNvCxnSpPr>
+          <p:nvPr/>
+        </p:nvCxnSpPr>
+        <p:spPr>
+          <a:xfrm>
+            <a:off x="3923928" y="5877272"/>
+            <a:ext cx="0" cy="504056"/>
+          </a:xfrm>
+          <a:prstGeom prst="straightConnector1">
+            <a:avLst/>
+          </a:prstGeom>
+          <a:ln>
+            <a:tailEnd type="arrow"/>
+          </a:ln>
+        </p:spPr>
+        <p:style>
+          <a:lnRef idx="1">
+            <a:schemeClr val="accent6"/>
+          </a:lnRef>
+          <a:fillRef idx="0">
+            <a:schemeClr val="accent6"/>
+          </a:fillRef>
+          <a:effectRef idx="0">
+            <a:schemeClr val="accent6"/>
+          </a:effectRef>
+          <a:fontRef idx="minor">
+            <a:schemeClr val="tx1"/>
+          </a:fontRef>
+        </p:style>
+      </p:cxnSp>
+      <p:sp>
+        <p:nvSpPr>
+          <p:cNvPr id="146" name="pole tekstowe 145"/>
+          <p:cNvSpPr txBox="1"/>
+          <p:nvPr/>
+        </p:nvSpPr>
+        <p:spPr>
+          <a:xfrm>
+            <a:off x="3564599" y="6309320"/>
+            <a:ext cx="718658" cy="369332"/>
+          </a:xfrm>
+          <a:prstGeom prst="rect">
+            <a:avLst/>
+          </a:prstGeom>
+          <a:noFill/>
+        </p:spPr>
+        <p:txBody>
+          <a:bodyPr wrap="none" rtlCol="0">
+            <a:spAutoFit/>
+          </a:bodyPr>
+          <a:lstStyle/>
+          <a:p>
+            <a:r>
+              <a:rPr lang="pl-PL" dirty="0" err="1" smtClean="0"/>
+              <a:t>result</a:t>
             </a:r>
             <a:endParaRPr lang="pl-PL" dirty="0"/>
-          </a:p>
-          <a:p>
-            <a:pPr lvl="1"/>
-            <a:r>
-              <a:rPr lang="pl-PL" dirty="0" smtClean="0"/>
-              <a:t>… </a:t>
-            </a:r>
-            <a:endParaRPr lang="en-US" dirty="0"/>
           </a:p>
         </p:txBody>
       </p:sp>
     </p:spTree>
     <p:extLst>
       <p:ext uri="{BB962C8B-B14F-4D97-AF65-F5344CB8AC3E}">
-        <p14:creationId xmlns:p14="http://schemas.microsoft.com/office/powerpoint/2010/main" val="3924764691"/>
+        <p14:creationId xmlns:p14="http://schemas.microsoft.com/office/powerpoint/2010/main" val="1026761896"/>
       </p:ext>
     </p:extLst>
   </p:cSld>
   <p:clrMapOvr>
     <a:masterClrMapping/>
   </p:clrMapOvr>
-  <mc:AlternateContent xmlns:mc="http://schemas.openxmlformats.org/markup-compatibility/2006">
-    <mc:Choice xmlns:p14="http://schemas.microsoft.com/office/powerpoint/2010/main" Requires="p14">
-      <p:transition spd="slow" p14:dur="2000"/>
-    </mc:Choice>
-    <mc:Fallback>
-      <p:transition spd="slow"/>
-    </mc:Fallback>
-  </mc:AlternateContent>
-  <p:timing>
-    <p:tnLst>
-      <p:par>
-        <p:cTn id="1" dur="indefinite" restart="never" nodeType="tmRoot"/>
-      </p:par>
-    </p:tnLst>
-  </p:timing>
 </p:sld>
 </file>
 
@@ -5937,6 +11472,183 @@
           <a:lstStyle/>
           <a:p>
             <a:r>
+              <a:rPr lang="pl-PL" dirty="0" smtClean="0"/>
+              <a:t>Technology </a:t>
+            </a:r>
+            <a:r>
+              <a:rPr lang="pl-PL" dirty="0" err="1" smtClean="0"/>
+              <a:t>used</a:t>
+            </a:r>
+            <a:endParaRPr lang="pl-PL" dirty="0"/>
+          </a:p>
+        </p:txBody>
+      </p:sp>
+      <p:sp>
+        <p:nvSpPr>
+          <p:cNvPr id="3" name="Symbol zastępczy zawartości 2"/>
+          <p:cNvSpPr>
+            <a:spLocks noGrp="1"/>
+          </p:cNvSpPr>
+          <p:nvPr>
+            <p:ph idx="1"/>
+          </p:nvPr>
+        </p:nvSpPr>
+        <p:spPr>
+          <a:xfrm>
+            <a:off x="2438400" y="2286000"/>
+            <a:ext cx="6248400" cy="4383360"/>
+          </a:xfrm>
+        </p:spPr>
+        <p:txBody>
+          <a:bodyPr/>
+          <a:lstStyle/>
+          <a:p>
+            <a:pPr marL="0" indent="0">
+              <a:buNone/>
+            </a:pPr>
+            <a:r>
+              <a:rPr lang="en-US" dirty="0" smtClean="0"/>
+              <a:t>Used technology</a:t>
+            </a:r>
+          </a:p>
+          <a:p>
+            <a:r>
+              <a:rPr lang="pl-PL" dirty="0" smtClean="0"/>
+              <a:t>C</a:t>
+            </a:r>
+            <a:r>
+              <a:rPr lang="en-US" dirty="0" smtClean="0"/>
+              <a:t>Python 2.7</a:t>
+            </a:r>
+            <a:endParaRPr lang="pl-PL" dirty="0" smtClean="0"/>
+          </a:p>
+          <a:p>
+            <a:r>
+              <a:rPr lang="en-US" dirty="0" err="1" smtClean="0"/>
+              <a:t>OpenCV</a:t>
+            </a:r>
+            <a:r>
+              <a:rPr lang="en-US" dirty="0" smtClean="0"/>
+              <a:t> 2.2 </a:t>
+            </a:r>
+            <a:r>
+              <a:rPr lang="en-US" i="1" dirty="0" smtClean="0"/>
+              <a:t>nightly build</a:t>
+            </a:r>
+            <a:endParaRPr lang="en-US" dirty="0" smtClean="0"/>
+          </a:p>
+          <a:p>
+            <a:r>
+              <a:rPr lang="en-US" dirty="0" smtClean="0"/>
+              <a:t>Blender 2.57b </a:t>
+            </a:r>
+            <a:r>
+              <a:rPr lang="pl-PL" dirty="0" smtClean="0"/>
+              <a:t>OMP</a:t>
+            </a:r>
+          </a:p>
+          <a:p>
+            <a:r>
+              <a:rPr lang="en-US" dirty="0" smtClean="0"/>
+              <a:t>Lot of python stuff:</a:t>
+            </a:r>
+            <a:endParaRPr lang="pl-PL" dirty="0" smtClean="0"/>
+          </a:p>
+          <a:p>
+            <a:pPr lvl="1"/>
+            <a:r>
+              <a:rPr lang="en-US" dirty="0" smtClean="0"/>
+              <a:t> </a:t>
+            </a:r>
+            <a:r>
+              <a:rPr lang="pl-PL" dirty="0" smtClean="0"/>
+              <a:t>M</a:t>
+            </a:r>
+            <a:r>
+              <a:rPr lang="en-US" dirty="0" err="1" smtClean="0"/>
+              <a:t>ockito</a:t>
+            </a:r>
+            <a:endParaRPr lang="pl-PL" dirty="0" smtClean="0"/>
+          </a:p>
+          <a:p>
+            <a:pPr lvl="1"/>
+            <a:r>
+              <a:rPr lang="en-US" dirty="0" err="1" smtClean="0"/>
+              <a:t>Unittest</a:t>
+            </a:r>
+            <a:endParaRPr lang="pl-PL" dirty="0"/>
+          </a:p>
+          <a:p>
+            <a:pPr lvl="1"/>
+            <a:r>
+              <a:rPr lang="pl-PL" dirty="0" smtClean="0"/>
+              <a:t>… </a:t>
+            </a:r>
+            <a:endParaRPr lang="en-US" dirty="0"/>
+          </a:p>
+        </p:txBody>
+      </p:sp>
+    </p:spTree>
+    <p:extLst>
+      <p:ext uri="{BB962C8B-B14F-4D97-AF65-F5344CB8AC3E}">
+        <p14:creationId xmlns:p14="http://schemas.microsoft.com/office/powerpoint/2010/main" val="3924764691"/>
+      </p:ext>
+    </p:extLst>
+  </p:cSld>
+  <p:clrMapOvr>
+    <a:masterClrMapping/>
+  </p:clrMapOvr>
+  <mc:AlternateContent xmlns:mc="http://schemas.openxmlformats.org/markup-compatibility/2006" xmlns:p14="http://schemas.microsoft.com/office/powerpoint/2010/main">
+    <mc:Choice Requires="p14">
+      <p:transition spd="slow" p14:dur="2000"/>
+    </mc:Choice>
+    <mc:Fallback xmlns="">
+      <p:transition spd="slow"/>
+    </mc:Fallback>
+  </mc:AlternateContent>
+  <p:timing>
+    <p:tnLst>
+      <p:par>
+        <p:cTn id="1" dur="indefinite" restart="never" nodeType="tmRoot"/>
+      </p:par>
+    </p:tnLst>
+  </p:timing>
+</p:sld>
+</file>
+
+<file path=ppt/slides/slide7.xml><?xml version="1.0" encoding="utf-8"?>
+<p:sld xmlns:a="http://schemas.openxmlformats.org/drawingml/2006/main" xmlns:r="http://schemas.openxmlformats.org/officeDocument/2006/relationships" xmlns:p="http://schemas.openxmlformats.org/presentationml/2006/main">
+  <p:cSld>
+    <p:spTree>
+      <p:nvGrpSpPr>
+        <p:cNvPr id="1" name=""/>
+        <p:cNvGrpSpPr/>
+        <p:nvPr/>
+      </p:nvGrpSpPr>
+      <p:grpSpPr>
+        <a:xfrm>
+          <a:off x="0" y="0"/>
+          <a:ext cx="0" cy="0"/>
+          <a:chOff x="0" y="0"/>
+          <a:chExt cx="0" cy="0"/>
+        </a:xfrm>
+      </p:grpSpPr>
+      <p:sp>
+        <p:nvSpPr>
+          <p:cNvPr id="2" name="Tytuł 1"/>
+          <p:cNvSpPr>
+            <a:spLocks noGrp="1"/>
+          </p:cNvSpPr>
+          <p:nvPr>
+            <p:ph type="title"/>
+          </p:nvPr>
+        </p:nvSpPr>
+        <p:spPr/>
+        <p:txBody>
+          <a:bodyPr/>
+          <a:lstStyle/>
+          <a:p>
+            <a:r>
               <a:rPr lang="en-US" dirty="0" smtClean="0"/>
               <a:t>Configuration File</a:t>
             </a:r>
@@ -6174,11 +11886,11 @@
   <p:clrMapOvr>
     <a:masterClrMapping/>
   </p:clrMapOvr>
-  <mc:AlternateContent xmlns:mc="http://schemas.openxmlformats.org/markup-compatibility/2006">
-    <mc:Choice xmlns:p14="http://schemas.microsoft.com/office/powerpoint/2010/main" Requires="p14">
+  <mc:AlternateContent xmlns:mc="http://schemas.openxmlformats.org/markup-compatibility/2006" xmlns:p14="http://schemas.microsoft.com/office/powerpoint/2010/main">
+    <mc:Choice Requires="p14">
       <p:transition spd="slow" p14:dur="2000"/>
     </mc:Choice>
-    <mc:Fallback>
+    <mc:Fallback xmlns="">
       <p:transition spd="slow"/>
     </mc:Fallback>
   </mc:AlternateContent>
@@ -6192,7 +11904,7 @@
 </p:sld>
 </file>
 
-<file path=ppt/slides/slide7.xml><?xml version="1.0" encoding="utf-8"?>
+<file path=ppt/slides/slide8.xml><?xml version="1.0" encoding="utf-8"?>
 <p:sld xmlns:a="http://schemas.openxmlformats.org/drawingml/2006/main" xmlns:r="http://schemas.openxmlformats.org/officeDocument/2006/relationships" xmlns:p="http://schemas.openxmlformats.org/presentationml/2006/main">
   <p:cSld>
     <p:spTree>
@@ -6287,11 +11999,11 @@
   <p:clrMapOvr>
     <a:masterClrMapping/>
   </p:clrMapOvr>
-  <mc:AlternateContent xmlns:mc="http://schemas.openxmlformats.org/markup-compatibility/2006">
-    <mc:Choice xmlns:p14="http://schemas.microsoft.com/office/powerpoint/2010/main" Requires="p14">
+  <mc:AlternateContent xmlns:mc="http://schemas.openxmlformats.org/markup-compatibility/2006" xmlns:p14="http://schemas.microsoft.com/office/powerpoint/2010/main">
+    <mc:Choice Requires="p14">
       <p:transition spd="slow" p14:dur="2000"/>
     </mc:Choice>
-    <mc:Fallback>
+    <mc:Fallback xmlns="">
       <p:transition spd="slow"/>
     </mc:Fallback>
   </mc:AlternateContent>
@@ -6305,7 +12017,7 @@
 </p:sld>
 </file>
 
-<file path=ppt/slides/slide8.xml><?xml version="1.0" encoding="utf-8"?>
+<file path=ppt/slides/slide9.xml><?xml version="1.0" encoding="utf-8"?>
 <p:sld xmlns:a="http://schemas.openxmlformats.org/drawingml/2006/main" xmlns:r="http://schemas.openxmlformats.org/officeDocument/2006/relationships" xmlns:p="http://schemas.openxmlformats.org/presentationml/2006/main">
   <p:cSld>
     <p:spTree>
@@ -6442,101 +12154,6 @@
   <p:clrMapOvr>
     <a:masterClrMapping/>
   </p:clrMapOvr>
-  <p:timing>
-    <p:tnLst>
-      <p:par>
-        <p:cTn id="1" dur="indefinite" restart="never" nodeType="tmRoot"/>
-      </p:par>
-    </p:tnLst>
-  </p:timing>
-</p:sld>
-</file>
-
-<file path=ppt/slides/slide9.xml><?xml version="1.0" encoding="utf-8"?>
-<p:sld xmlns:a="http://schemas.openxmlformats.org/drawingml/2006/main" xmlns:r="http://schemas.openxmlformats.org/officeDocument/2006/relationships" xmlns:p="http://schemas.openxmlformats.org/presentationml/2006/main">
-  <p:cSld>
-    <p:spTree>
-      <p:nvGrpSpPr>
-        <p:cNvPr id="1" name=""/>
-        <p:cNvGrpSpPr/>
-        <p:nvPr/>
-      </p:nvGrpSpPr>
-      <p:grpSpPr>
-        <a:xfrm>
-          <a:off x="0" y="0"/>
-          <a:ext cx="0" cy="0"/>
-          <a:chOff x="0" y="0"/>
-          <a:chExt cx="0" cy="0"/>
-        </a:xfrm>
-      </p:grpSpPr>
-      <p:sp>
-        <p:nvSpPr>
-          <p:cNvPr id="2" name="Tytuł 1"/>
-          <p:cNvSpPr>
-            <a:spLocks noGrp="1"/>
-          </p:cNvSpPr>
-          <p:nvPr>
-            <p:ph type="title"/>
-          </p:nvPr>
-        </p:nvSpPr>
-        <p:spPr/>
-        <p:txBody>
-          <a:bodyPr/>
-          <a:lstStyle/>
-          <a:p>
-            <a:r>
-              <a:rPr lang="pl-PL" dirty="0" err="1" smtClean="0"/>
-              <a:t>Alfirt</a:t>
-            </a:r>
-            <a:r>
-              <a:rPr lang="pl-PL" dirty="0" smtClean="0"/>
-              <a:t> </a:t>
-            </a:r>
-            <a:r>
-              <a:rPr lang="pl-PL" dirty="0" err="1" smtClean="0"/>
-              <a:t>TAGs</a:t>
-            </a:r>
-            <a:endParaRPr lang="pl-PL" dirty="0"/>
-          </a:p>
-        </p:txBody>
-      </p:sp>
-      <p:sp>
-        <p:nvSpPr>
-          <p:cNvPr id="3" name="Symbol zastępczy zawartości 2"/>
-          <p:cNvSpPr>
-            <a:spLocks noGrp="1"/>
-          </p:cNvSpPr>
-          <p:nvPr>
-            <p:ph idx="1"/>
-          </p:nvPr>
-        </p:nvSpPr>
-        <p:spPr/>
-        <p:txBody>
-          <a:bodyPr/>
-          <a:lstStyle/>
-          <a:p>
-            <a:endParaRPr lang="pl-PL"/>
-          </a:p>
-        </p:txBody>
-      </p:sp>
-    </p:spTree>
-    <p:extLst>
-      <p:ext uri="{BB962C8B-B14F-4D97-AF65-F5344CB8AC3E}">
-        <p14:creationId xmlns:p14="http://schemas.microsoft.com/office/powerpoint/2010/main" val="591684312"/>
-      </p:ext>
-    </p:extLst>
-  </p:cSld>
-  <p:clrMapOvr>
-    <a:masterClrMapping/>
-  </p:clrMapOvr>
-  <mc:AlternateContent xmlns:mc="http://schemas.openxmlformats.org/markup-compatibility/2006">
-    <mc:Choice xmlns:p14="http://schemas.microsoft.com/office/powerpoint/2010/main" Requires="p14">
-      <p:transition spd="slow" p14:dur="2000"/>
-    </mc:Choice>
-    <mc:Fallback>
-      <p:transition spd="slow"/>
-    </mc:Fallback>
-  </mc:AlternateContent>
   <p:timing>
     <p:tnLst>
       <p:par>

--- a/documentation/presentation/general_overview.pptx
+++ b/documentation/presentation/general_overview.pptx
@@ -7227,7 +7227,50 @@
           <a:bodyPr/>
           <a:lstStyle/>
           <a:p>
-            <a:endParaRPr lang="pl-PL"/>
+            <a:pPr marL="0" indent="0">
+              <a:buNone/>
+            </a:pPr>
+            <a:r>
+              <a:rPr lang="pl-PL" dirty="0" smtClean="0"/>
+              <a:t>TODO: </a:t>
+            </a:r>
+            <a:r>
+              <a:rPr lang="pl-PL" dirty="0" err="1" smtClean="0"/>
+              <a:t>add</a:t>
+            </a:r>
+            <a:r>
+              <a:rPr lang="pl-PL" dirty="0" smtClean="0"/>
+              <a:t> the idea </a:t>
+            </a:r>
+            <a:r>
+              <a:rPr lang="pl-PL" dirty="0" err="1" smtClean="0"/>
+              <a:t>behind</a:t>
+            </a:r>
+            <a:r>
+              <a:rPr lang="pl-PL" dirty="0" smtClean="0"/>
+              <a:t> the </a:t>
+            </a:r>
+            <a:r>
+              <a:rPr lang="pl-PL" dirty="0" err="1" smtClean="0"/>
+              <a:t>alfirt</a:t>
+            </a:r>
+            <a:r>
+              <a:rPr lang="pl-PL" dirty="0" smtClean="0"/>
+              <a:t> </a:t>
+            </a:r>
+            <a:r>
+              <a:rPr lang="pl-PL" dirty="0" err="1" smtClean="0"/>
+              <a:t>namespace</a:t>
+            </a:r>
+            <a:r>
+              <a:rPr lang="pl-PL" dirty="0" smtClean="0"/>
+              <a:t> and </a:t>
+            </a:r>
+            <a:r>
+              <a:rPr lang="pl-PL" dirty="0" err="1" smtClean="0"/>
+              <a:t>tags</a:t>
+            </a:r>
+            <a:endParaRPr lang="pl-PL" dirty="0"/>
           </a:p>
         </p:txBody>
       </p:sp>
@@ -7533,30 +7576,2999 @@
       </p:sp>
       <p:sp>
         <p:nvSpPr>
-          <p:cNvPr id="3" name="Symbol zastępczy zawartości 2"/>
-          <p:cNvSpPr>
-            <a:spLocks noGrp="1"/>
-          </p:cNvSpPr>
-          <p:nvPr>
-            <p:ph idx="1"/>
-          </p:nvPr>
+          <p:cNvPr id="5" name="Prostokąt 3"/>
+          <p:cNvSpPr/>
+          <p:nvPr/>
         </p:nvSpPr>
-        <p:spPr/>
+        <p:spPr>
+          <a:xfrm>
+            <a:off x="467544" y="1844824"/>
+            <a:ext cx="792088" cy="1080120"/>
+          </a:xfrm>
+          <a:custGeom>
+            <a:avLst/>
+            <a:gdLst>
+              <a:gd name="connsiteX0" fmla="*/ 0 w 576064"/>
+              <a:gd name="connsiteY0" fmla="*/ 0 h 864096"/>
+              <a:gd name="connsiteX1" fmla="*/ 576064 w 576064"/>
+              <a:gd name="connsiteY1" fmla="*/ 0 h 864096"/>
+              <a:gd name="connsiteX2" fmla="*/ 576064 w 576064"/>
+              <a:gd name="connsiteY2" fmla="*/ 864096 h 864096"/>
+              <a:gd name="connsiteX3" fmla="*/ 0 w 576064"/>
+              <a:gd name="connsiteY3" fmla="*/ 864096 h 864096"/>
+              <a:gd name="connsiteX4" fmla="*/ 0 w 576064"/>
+              <a:gd name="connsiteY4" fmla="*/ 0 h 864096"/>
+              <a:gd name="connsiteX0" fmla="*/ 432 w 576496"/>
+              <a:gd name="connsiteY0" fmla="*/ 0 h 864096"/>
+              <a:gd name="connsiteX1" fmla="*/ 576496 w 576496"/>
+              <a:gd name="connsiteY1" fmla="*/ 0 h 864096"/>
+              <a:gd name="connsiteX2" fmla="*/ 576496 w 576496"/>
+              <a:gd name="connsiteY2" fmla="*/ 864096 h 864096"/>
+              <a:gd name="connsiteX3" fmla="*/ 432 w 576496"/>
+              <a:gd name="connsiteY3" fmla="*/ 864096 h 864096"/>
+              <a:gd name="connsiteX4" fmla="*/ 0 w 576496"/>
+              <a:gd name="connsiteY4" fmla="*/ 355456 h 864096"/>
+              <a:gd name="connsiteX5" fmla="*/ 432 w 576496"/>
+              <a:gd name="connsiteY5" fmla="*/ 0 h 864096"/>
+              <a:gd name="connsiteX0" fmla="*/ 432 w 576496"/>
+              <a:gd name="connsiteY0" fmla="*/ 10304 h 874400"/>
+              <a:gd name="connsiteX1" fmla="*/ 243840 w 576496"/>
+              <a:gd name="connsiteY1" fmla="*/ 0 h 874400"/>
+              <a:gd name="connsiteX2" fmla="*/ 576496 w 576496"/>
+              <a:gd name="connsiteY2" fmla="*/ 10304 h 874400"/>
+              <a:gd name="connsiteX3" fmla="*/ 576496 w 576496"/>
+              <a:gd name="connsiteY3" fmla="*/ 874400 h 874400"/>
+              <a:gd name="connsiteX4" fmla="*/ 432 w 576496"/>
+              <a:gd name="connsiteY4" fmla="*/ 874400 h 874400"/>
+              <a:gd name="connsiteX5" fmla="*/ 0 w 576496"/>
+              <a:gd name="connsiteY5" fmla="*/ 365760 h 874400"/>
+              <a:gd name="connsiteX6" fmla="*/ 432 w 576496"/>
+              <a:gd name="connsiteY6" fmla="*/ 10304 h 874400"/>
+              <a:gd name="connsiteX0" fmla="*/ 0 w 576496"/>
+              <a:gd name="connsiteY0" fmla="*/ 365760 h 874400"/>
+              <a:gd name="connsiteX1" fmla="*/ 243840 w 576496"/>
+              <a:gd name="connsiteY1" fmla="*/ 0 h 874400"/>
+              <a:gd name="connsiteX2" fmla="*/ 576496 w 576496"/>
+              <a:gd name="connsiteY2" fmla="*/ 10304 h 874400"/>
+              <a:gd name="connsiteX3" fmla="*/ 576496 w 576496"/>
+              <a:gd name="connsiteY3" fmla="*/ 874400 h 874400"/>
+              <a:gd name="connsiteX4" fmla="*/ 432 w 576496"/>
+              <a:gd name="connsiteY4" fmla="*/ 874400 h 874400"/>
+              <a:gd name="connsiteX5" fmla="*/ 0 w 576496"/>
+              <a:gd name="connsiteY5" fmla="*/ 365760 h 874400"/>
+              <a:gd name="connsiteX0" fmla="*/ 0 w 576496"/>
+              <a:gd name="connsiteY0" fmla="*/ 213360 h 874400"/>
+              <a:gd name="connsiteX1" fmla="*/ 243840 w 576496"/>
+              <a:gd name="connsiteY1" fmla="*/ 0 h 874400"/>
+              <a:gd name="connsiteX2" fmla="*/ 576496 w 576496"/>
+              <a:gd name="connsiteY2" fmla="*/ 10304 h 874400"/>
+              <a:gd name="connsiteX3" fmla="*/ 576496 w 576496"/>
+              <a:gd name="connsiteY3" fmla="*/ 874400 h 874400"/>
+              <a:gd name="connsiteX4" fmla="*/ 432 w 576496"/>
+              <a:gd name="connsiteY4" fmla="*/ 874400 h 874400"/>
+              <a:gd name="connsiteX5" fmla="*/ 0 w 576496"/>
+              <a:gd name="connsiteY5" fmla="*/ 213360 h 874400"/>
+              <a:gd name="connsiteX0" fmla="*/ 0 w 576496"/>
+              <a:gd name="connsiteY0" fmla="*/ 213360 h 874400"/>
+              <a:gd name="connsiteX1" fmla="*/ 121920 w 576496"/>
+              <a:gd name="connsiteY1" fmla="*/ 0 h 874400"/>
+              <a:gd name="connsiteX2" fmla="*/ 576496 w 576496"/>
+              <a:gd name="connsiteY2" fmla="*/ 10304 h 874400"/>
+              <a:gd name="connsiteX3" fmla="*/ 576496 w 576496"/>
+              <a:gd name="connsiteY3" fmla="*/ 874400 h 874400"/>
+              <a:gd name="connsiteX4" fmla="*/ 432 w 576496"/>
+              <a:gd name="connsiteY4" fmla="*/ 874400 h 874400"/>
+              <a:gd name="connsiteX5" fmla="*/ 0 w 576496"/>
+              <a:gd name="connsiteY5" fmla="*/ 213360 h 874400"/>
+            </a:gdLst>
+            <a:ahLst/>
+            <a:cxnLst>
+              <a:cxn ang="0">
+                <a:pos x="connsiteX0" y="connsiteY0"/>
+              </a:cxn>
+              <a:cxn ang="0">
+                <a:pos x="connsiteX1" y="connsiteY1"/>
+              </a:cxn>
+              <a:cxn ang="0">
+                <a:pos x="connsiteX2" y="connsiteY2"/>
+              </a:cxn>
+              <a:cxn ang="0">
+                <a:pos x="connsiteX3" y="connsiteY3"/>
+              </a:cxn>
+              <a:cxn ang="0">
+                <a:pos x="connsiteX4" y="connsiteY4"/>
+              </a:cxn>
+              <a:cxn ang="0">
+                <a:pos x="connsiteX5" y="connsiteY5"/>
+              </a:cxn>
+            </a:cxnLst>
+            <a:rect l="l" t="t" r="r" b="b"/>
+            <a:pathLst>
+              <a:path w="576496" h="874400">
+                <a:moveTo>
+                  <a:pt x="0" y="213360"/>
+                </a:moveTo>
+                <a:lnTo>
+                  <a:pt x="121920" y="0"/>
+                </a:lnTo>
+                <a:lnTo>
+                  <a:pt x="576496" y="10304"/>
+                </a:lnTo>
+                <a:lnTo>
+                  <a:pt x="576496" y="874400"/>
+                </a:lnTo>
+                <a:lnTo>
+                  <a:pt x="432" y="874400"/>
+                </a:lnTo>
+                <a:lnTo>
+                  <a:pt x="0" y="213360"/>
+                </a:lnTo>
+                <a:close/>
+              </a:path>
+            </a:pathLst>
+          </a:custGeom>
+          <a:solidFill>
+            <a:schemeClr val="bg2"/>
+          </a:solidFill>
+          <a:ln w="76200">
+            <a:solidFill>
+              <a:srgbClr val="00B0F0"/>
+            </a:solidFill>
+            <a:prstDash val="dash"/>
+          </a:ln>
+          <a:effectLst>
+            <a:outerShdw blurRad="50800" dist="38100" algn="l" rotWithShape="0">
+              <a:prstClr val="black">
+                <a:alpha val="40000"/>
+              </a:prstClr>
+            </a:outerShdw>
+          </a:effectLst>
+        </p:spPr>
+        <p:style>
+          <a:lnRef idx="2">
+            <a:schemeClr val="accent3">
+              <a:shade val="50000"/>
+            </a:schemeClr>
+          </a:lnRef>
+          <a:fillRef idx="1">
+            <a:schemeClr val="accent3"/>
+          </a:fillRef>
+          <a:effectRef idx="0">
+            <a:schemeClr val="accent3"/>
+          </a:effectRef>
+          <a:fontRef idx="minor">
+            <a:schemeClr val="lt1"/>
+          </a:fontRef>
+        </p:style>
         <p:txBody>
-          <a:bodyPr/>
+          <a:bodyPr rtlCol="0" anchor="ctr"/>
           <a:lstStyle/>
           <a:p>
-            <a:pPr marL="0" indent="0">
-              <a:buNone/>
-            </a:pPr>
-            <a:r>
-              <a:rPr lang="pl-PL" dirty="0" smtClean="0"/>
-              <a:t>TODO: ten sam smart art ale z kolorkami co jest zaimplementowane a co nie?</a:t>
-            </a:r>
-            <a:endParaRPr lang="en-US" dirty="0"/>
+            <a:pPr algn="ctr"/>
+            <a:endParaRPr lang="pl-PL"/>
           </a:p>
         </p:txBody>
       </p:sp>
+      <p:sp>
+        <p:nvSpPr>
+          <p:cNvPr id="6" name="pole tekstowe 5"/>
+          <p:cNvSpPr txBox="1"/>
+          <p:nvPr/>
+        </p:nvSpPr>
+        <p:spPr>
+          <a:xfrm>
+            <a:off x="467544" y="2267580"/>
+            <a:ext cx="792088" cy="369332"/>
+          </a:xfrm>
+          <a:prstGeom prst="rect">
+            <a:avLst/>
+          </a:prstGeom>
+          <a:noFill/>
+        </p:spPr>
+        <p:txBody>
+          <a:bodyPr wrap="square" rtlCol="0">
+            <a:spAutoFit/>
+          </a:bodyPr>
+          <a:lstStyle/>
+          <a:p>
+            <a:pPr algn="ctr"/>
+            <a:r>
+              <a:rPr lang="pl-PL" dirty="0" err="1" smtClean="0"/>
+              <a:t>Config</a:t>
+            </a:r>
+            <a:r>
+              <a:rPr lang="pl-PL" dirty="0" smtClean="0"/>
+              <a:t> </a:t>
+            </a:r>
+            <a:endParaRPr lang="pl-PL" dirty="0"/>
+          </a:p>
+        </p:txBody>
+      </p:sp>
+      <p:sp>
+        <p:nvSpPr>
+          <p:cNvPr id="7" name="Prostokąt 6"/>
+          <p:cNvSpPr/>
+          <p:nvPr/>
+        </p:nvSpPr>
+        <p:spPr>
+          <a:xfrm>
+            <a:off x="2915816" y="1844824"/>
+            <a:ext cx="2016224" cy="1080120"/>
+          </a:xfrm>
+          <a:prstGeom prst="rect">
+            <a:avLst/>
+          </a:prstGeom>
+          <a:ln w="76200">
+            <a:solidFill>
+              <a:srgbClr val="00B0F0"/>
+            </a:solidFill>
+          </a:ln>
+          <a:effectLst>
+            <a:outerShdw blurRad="50800" dist="38100" algn="l" rotWithShape="0">
+              <a:prstClr val="black">
+                <a:alpha val="40000"/>
+              </a:prstClr>
+            </a:outerShdw>
+          </a:effectLst>
+        </p:spPr>
+        <p:style>
+          <a:lnRef idx="1">
+            <a:schemeClr val="accent6"/>
+          </a:lnRef>
+          <a:fillRef idx="2">
+            <a:schemeClr val="accent6"/>
+          </a:fillRef>
+          <a:effectRef idx="1">
+            <a:schemeClr val="accent6"/>
+          </a:effectRef>
+          <a:fontRef idx="minor">
+            <a:schemeClr val="dk1"/>
+          </a:fontRef>
+        </p:style>
+        <p:txBody>
+          <a:bodyPr rtlCol="0" anchor="ctr"/>
+          <a:lstStyle/>
+          <a:p>
+            <a:pPr algn="ctr"/>
+            <a:r>
+              <a:rPr lang="pl-PL" dirty="0" smtClean="0"/>
+              <a:t>Generator</a:t>
+            </a:r>
+            <a:endParaRPr lang="pl-PL" dirty="0"/>
+          </a:p>
+        </p:txBody>
+      </p:sp>
+      <p:cxnSp>
+        <p:nvCxnSpPr>
+          <p:cNvPr id="8" name="Łącznik prosty ze strzałką 7"/>
+          <p:cNvCxnSpPr/>
+          <p:nvPr/>
+        </p:nvCxnSpPr>
+        <p:spPr>
+          <a:xfrm>
+            <a:off x="2339752" y="2354084"/>
+            <a:ext cx="568119" cy="0"/>
+          </a:xfrm>
+          <a:prstGeom prst="straightConnector1">
+            <a:avLst/>
+          </a:prstGeom>
+          <a:ln w="19050">
+            <a:tailEnd type="arrow"/>
+          </a:ln>
+        </p:spPr>
+        <p:style>
+          <a:lnRef idx="1">
+            <a:schemeClr val="accent6"/>
+          </a:lnRef>
+          <a:fillRef idx="0">
+            <a:schemeClr val="accent6"/>
+          </a:fillRef>
+          <a:effectRef idx="0">
+            <a:schemeClr val="accent6"/>
+          </a:effectRef>
+          <a:fontRef idx="minor">
+            <a:schemeClr val="tx1"/>
+          </a:fontRef>
+        </p:style>
+      </p:cxnSp>
+      <p:cxnSp>
+        <p:nvCxnSpPr>
+          <p:cNvPr id="9" name="Łącznik prosty ze strzałką 14"/>
+          <p:cNvCxnSpPr/>
+          <p:nvPr/>
+        </p:nvCxnSpPr>
+        <p:spPr>
+          <a:xfrm>
+            <a:off x="1259632" y="2689461"/>
+            <a:ext cx="1648240" cy="12700"/>
+          </a:xfrm>
+          <a:prstGeom prst="bentConnector3">
+            <a:avLst>
+              <a:gd name="adj1" fmla="val 50000"/>
+            </a:avLst>
+          </a:prstGeom>
+          <a:ln w="19050">
+            <a:tailEnd type="arrow"/>
+          </a:ln>
+        </p:spPr>
+        <p:style>
+          <a:lnRef idx="1">
+            <a:schemeClr val="accent6"/>
+          </a:lnRef>
+          <a:fillRef idx="0">
+            <a:schemeClr val="accent6"/>
+          </a:fillRef>
+          <a:effectRef idx="0">
+            <a:schemeClr val="accent6"/>
+          </a:effectRef>
+          <a:fontRef idx="minor">
+            <a:schemeClr val="tx1"/>
+          </a:fontRef>
+        </p:style>
+      </p:cxnSp>
+      <p:grpSp>
+        <p:nvGrpSpPr>
+          <p:cNvPr id="10" name="Grupa 9"/>
+          <p:cNvGrpSpPr/>
+          <p:nvPr/>
+        </p:nvGrpSpPr>
+        <p:grpSpPr>
+          <a:xfrm flipV="1">
+            <a:off x="6350966" y="2366294"/>
+            <a:ext cx="237258" cy="45719"/>
+            <a:chOff x="6516216" y="2544842"/>
+            <a:chExt cx="524118" cy="99844"/>
+          </a:xfrm>
+          <a:effectLst>
+            <a:outerShdw blurRad="50800" dist="38100" algn="l" rotWithShape="0">
+              <a:prstClr val="black">
+                <a:alpha val="40000"/>
+              </a:prstClr>
+            </a:outerShdw>
+          </a:effectLst>
+        </p:grpSpPr>
+        <p:sp>
+          <p:nvSpPr>
+            <p:cNvPr id="11" name="Elipsa 10"/>
+            <p:cNvSpPr/>
+            <p:nvPr/>
+          </p:nvSpPr>
+          <p:spPr>
+            <a:xfrm>
+              <a:off x="6516216" y="2544842"/>
+              <a:ext cx="92070" cy="92070"/>
+            </a:xfrm>
+            <a:prstGeom prst="ellipse">
+              <a:avLst/>
+            </a:prstGeom>
+            <a:ln>
+              <a:noFill/>
+            </a:ln>
+          </p:spPr>
+          <p:style>
+            <a:lnRef idx="2">
+              <a:schemeClr val="accent6">
+                <a:shade val="50000"/>
+              </a:schemeClr>
+            </a:lnRef>
+            <a:fillRef idx="1">
+              <a:schemeClr val="accent6"/>
+            </a:fillRef>
+            <a:effectRef idx="0">
+              <a:schemeClr val="accent6"/>
+            </a:effectRef>
+            <a:fontRef idx="minor">
+              <a:schemeClr val="lt1"/>
+            </a:fontRef>
+          </p:style>
+          <p:txBody>
+            <a:bodyPr rtlCol="0" anchor="ctr"/>
+            <a:lstStyle/>
+            <a:p>
+              <a:pPr algn="ctr"/>
+              <a:endParaRPr lang="pl-PL"/>
+            </a:p>
+          </p:txBody>
+        </p:sp>
+        <p:sp>
+          <p:nvSpPr>
+            <p:cNvPr id="12" name="Elipsa 11"/>
+            <p:cNvSpPr/>
+            <p:nvPr/>
+          </p:nvSpPr>
+          <p:spPr>
+            <a:xfrm>
+              <a:off x="6728946" y="2544919"/>
+              <a:ext cx="92070" cy="92070"/>
+            </a:xfrm>
+            <a:prstGeom prst="ellipse">
+              <a:avLst/>
+            </a:prstGeom>
+            <a:ln>
+              <a:noFill/>
+            </a:ln>
+          </p:spPr>
+          <p:style>
+            <a:lnRef idx="2">
+              <a:schemeClr val="accent6">
+                <a:shade val="50000"/>
+              </a:schemeClr>
+            </a:lnRef>
+            <a:fillRef idx="1">
+              <a:schemeClr val="accent6"/>
+            </a:fillRef>
+            <a:effectRef idx="0">
+              <a:schemeClr val="accent6"/>
+            </a:effectRef>
+            <a:fontRef idx="minor">
+              <a:schemeClr val="lt1"/>
+            </a:fontRef>
+          </p:style>
+          <p:txBody>
+            <a:bodyPr rtlCol="0" anchor="ctr"/>
+            <a:lstStyle/>
+            <a:p>
+              <a:pPr algn="ctr"/>
+              <a:endParaRPr lang="pl-PL"/>
+            </a:p>
+          </p:txBody>
+        </p:sp>
+        <p:sp>
+          <p:nvSpPr>
+            <p:cNvPr id="13" name="Elipsa 12"/>
+            <p:cNvSpPr/>
+            <p:nvPr/>
+          </p:nvSpPr>
+          <p:spPr>
+            <a:xfrm>
+              <a:off x="6948264" y="2552616"/>
+              <a:ext cx="92070" cy="92070"/>
+            </a:xfrm>
+            <a:prstGeom prst="ellipse">
+              <a:avLst/>
+            </a:prstGeom>
+            <a:ln>
+              <a:noFill/>
+            </a:ln>
+          </p:spPr>
+          <p:style>
+            <a:lnRef idx="2">
+              <a:schemeClr val="accent6">
+                <a:shade val="50000"/>
+              </a:schemeClr>
+            </a:lnRef>
+            <a:fillRef idx="1">
+              <a:schemeClr val="accent6"/>
+            </a:fillRef>
+            <a:effectRef idx="0">
+              <a:schemeClr val="accent6"/>
+            </a:effectRef>
+            <a:fontRef idx="minor">
+              <a:schemeClr val="lt1"/>
+            </a:fontRef>
+          </p:style>
+          <p:txBody>
+            <a:bodyPr rtlCol="0" anchor="ctr"/>
+            <a:lstStyle/>
+            <a:p>
+              <a:pPr algn="ctr"/>
+              <a:endParaRPr lang="pl-PL"/>
+            </a:p>
+          </p:txBody>
+        </p:sp>
+      </p:grpSp>
+      <p:cxnSp>
+        <p:nvCxnSpPr>
+          <p:cNvPr id="14" name="Łącznik prosty ze strzałką 13"/>
+          <p:cNvCxnSpPr>
+            <a:stCxn id="7" idx="3"/>
+          </p:cNvCxnSpPr>
+          <p:nvPr/>
+        </p:nvCxnSpPr>
+        <p:spPr>
+          <a:xfrm flipV="1">
+            <a:off x="4932040" y="2384013"/>
+            <a:ext cx="504056" cy="871"/>
+          </a:xfrm>
+          <a:prstGeom prst="straightConnector1">
+            <a:avLst/>
+          </a:prstGeom>
+          <a:ln w="19050">
+            <a:tailEnd type="arrow"/>
+          </a:ln>
+        </p:spPr>
+        <p:style>
+          <a:lnRef idx="1">
+            <a:schemeClr val="accent6"/>
+          </a:lnRef>
+          <a:fillRef idx="0">
+            <a:schemeClr val="accent6"/>
+          </a:fillRef>
+          <a:effectRef idx="0">
+            <a:schemeClr val="accent6"/>
+          </a:effectRef>
+          <a:fontRef idx="minor">
+            <a:schemeClr val="tx1"/>
+          </a:fontRef>
+        </p:style>
+      </p:cxnSp>
+      <p:sp>
+        <p:nvSpPr>
+          <p:cNvPr id="15" name="Prostokąt 14"/>
+          <p:cNvSpPr/>
+          <p:nvPr/>
+        </p:nvSpPr>
+        <p:spPr>
+          <a:xfrm>
+            <a:off x="2907871" y="3281979"/>
+            <a:ext cx="2016224" cy="1080120"/>
+          </a:xfrm>
+          <a:prstGeom prst="rect">
+            <a:avLst/>
+          </a:prstGeom>
+          <a:ln w="76200">
+            <a:solidFill>
+              <a:srgbClr val="FF0000"/>
+            </a:solidFill>
+          </a:ln>
+          <a:effectLst>
+            <a:outerShdw blurRad="50800" dist="38100" algn="l" rotWithShape="0">
+              <a:prstClr val="black">
+                <a:alpha val="40000"/>
+              </a:prstClr>
+            </a:outerShdw>
+          </a:effectLst>
+        </p:spPr>
+        <p:style>
+          <a:lnRef idx="1">
+            <a:schemeClr val="accent3"/>
+          </a:lnRef>
+          <a:fillRef idx="2">
+            <a:schemeClr val="accent3"/>
+          </a:fillRef>
+          <a:effectRef idx="1">
+            <a:schemeClr val="accent3"/>
+          </a:effectRef>
+          <a:fontRef idx="minor">
+            <a:schemeClr val="dk1"/>
+          </a:fontRef>
+        </p:style>
+        <p:txBody>
+          <a:bodyPr rtlCol="0" anchor="ctr"/>
+          <a:lstStyle/>
+          <a:p>
+            <a:pPr algn="ctr"/>
+            <a:r>
+              <a:rPr lang="en-US" dirty="0" smtClean="0"/>
+              <a:t>Detector</a:t>
+            </a:r>
+            <a:endParaRPr lang="en-US" dirty="0"/>
+          </a:p>
+        </p:txBody>
+      </p:sp>
+      <p:cxnSp>
+        <p:nvCxnSpPr>
+          <p:cNvPr id="16" name="Łącznik łamany 15"/>
+          <p:cNvCxnSpPr>
+            <a:endCxn id="15" idx="3"/>
+          </p:cNvCxnSpPr>
+          <p:nvPr/>
+        </p:nvCxnSpPr>
+        <p:spPr>
+          <a:xfrm rot="5400000">
+            <a:off x="4927825" y="2553605"/>
+            <a:ext cx="892640" cy="900100"/>
+          </a:xfrm>
+          <a:prstGeom prst="bentConnector2">
+            <a:avLst/>
+          </a:prstGeom>
+          <a:ln w="19050">
+            <a:tailEnd type="arrow"/>
+          </a:ln>
+        </p:spPr>
+        <p:style>
+          <a:lnRef idx="1">
+            <a:schemeClr val="accent6"/>
+          </a:lnRef>
+          <a:fillRef idx="0">
+            <a:schemeClr val="accent6"/>
+          </a:fillRef>
+          <a:effectRef idx="0">
+            <a:schemeClr val="accent6"/>
+          </a:effectRef>
+          <a:fontRef idx="minor">
+            <a:schemeClr val="tx1"/>
+          </a:fontRef>
+        </p:style>
+      </p:cxnSp>
+      <p:cxnSp>
+        <p:nvCxnSpPr>
+          <p:cNvPr id="17" name="Łącznik łamany 16"/>
+          <p:cNvCxnSpPr/>
+          <p:nvPr/>
+        </p:nvCxnSpPr>
+        <p:spPr>
+          <a:xfrm rot="10800000" flipV="1">
+            <a:off x="5084440" y="2848371"/>
+            <a:ext cx="1932538" cy="601603"/>
+          </a:xfrm>
+          <a:prstGeom prst="bentConnector3">
+            <a:avLst>
+              <a:gd name="adj1" fmla="val 1174"/>
+            </a:avLst>
+          </a:prstGeom>
+          <a:ln w="19050">
+            <a:tailEnd type="none"/>
+          </a:ln>
+        </p:spPr>
+        <p:style>
+          <a:lnRef idx="1">
+            <a:schemeClr val="accent6"/>
+          </a:lnRef>
+          <a:fillRef idx="0">
+            <a:schemeClr val="accent6"/>
+          </a:fillRef>
+          <a:effectRef idx="0">
+            <a:schemeClr val="accent6"/>
+          </a:effectRef>
+          <a:fontRef idx="minor">
+            <a:schemeClr val="tx1"/>
+          </a:fontRef>
+        </p:style>
+      </p:cxnSp>
+      <p:sp>
+        <p:nvSpPr>
+          <p:cNvPr id="18" name="pole tekstowe 17"/>
+          <p:cNvSpPr txBox="1"/>
+          <p:nvPr/>
+        </p:nvSpPr>
+        <p:spPr>
+          <a:xfrm>
+            <a:off x="6033135" y="3087097"/>
+            <a:ext cx="677339" cy="369332"/>
+          </a:xfrm>
+          <a:prstGeom prst="rect">
+            <a:avLst/>
+          </a:prstGeom>
+          <a:noFill/>
+        </p:spPr>
+        <p:txBody>
+          <a:bodyPr wrap="square" rtlCol="0">
+            <a:spAutoFit/>
+          </a:bodyPr>
+          <a:lstStyle/>
+          <a:p>
+            <a:r>
+              <a:rPr lang="en-US" i="1" dirty="0" smtClean="0"/>
+              <a:t>learn</a:t>
+            </a:r>
+            <a:endParaRPr lang="en-US" i="1" dirty="0"/>
+          </a:p>
+        </p:txBody>
+      </p:sp>
+      <p:grpSp>
+        <p:nvGrpSpPr>
+          <p:cNvPr id="19" name="Grupa 18"/>
+          <p:cNvGrpSpPr/>
+          <p:nvPr/>
+        </p:nvGrpSpPr>
+        <p:grpSpPr>
+          <a:xfrm>
+            <a:off x="6588224" y="1705372"/>
+            <a:ext cx="864096" cy="1147564"/>
+            <a:chOff x="5436096" y="1844824"/>
+            <a:chExt cx="864096" cy="1147564"/>
+          </a:xfrm>
+          <a:effectLst>
+            <a:outerShdw blurRad="50800" dist="38100" algn="l" rotWithShape="0">
+              <a:prstClr val="black">
+                <a:alpha val="40000"/>
+              </a:prstClr>
+            </a:outerShdw>
+          </a:effectLst>
+        </p:grpSpPr>
+        <p:sp>
+          <p:nvSpPr>
+            <p:cNvPr id="20" name="Prostokąt 3"/>
+            <p:cNvSpPr/>
+            <p:nvPr/>
+          </p:nvSpPr>
+          <p:spPr>
+            <a:xfrm>
+              <a:off x="5508104" y="1844824"/>
+              <a:ext cx="792088" cy="1080120"/>
+            </a:xfrm>
+            <a:custGeom>
+              <a:avLst/>
+              <a:gdLst>
+                <a:gd name="connsiteX0" fmla="*/ 0 w 576064"/>
+                <a:gd name="connsiteY0" fmla="*/ 0 h 864096"/>
+                <a:gd name="connsiteX1" fmla="*/ 576064 w 576064"/>
+                <a:gd name="connsiteY1" fmla="*/ 0 h 864096"/>
+                <a:gd name="connsiteX2" fmla="*/ 576064 w 576064"/>
+                <a:gd name="connsiteY2" fmla="*/ 864096 h 864096"/>
+                <a:gd name="connsiteX3" fmla="*/ 0 w 576064"/>
+                <a:gd name="connsiteY3" fmla="*/ 864096 h 864096"/>
+                <a:gd name="connsiteX4" fmla="*/ 0 w 576064"/>
+                <a:gd name="connsiteY4" fmla="*/ 0 h 864096"/>
+                <a:gd name="connsiteX0" fmla="*/ 432 w 576496"/>
+                <a:gd name="connsiteY0" fmla="*/ 0 h 864096"/>
+                <a:gd name="connsiteX1" fmla="*/ 576496 w 576496"/>
+                <a:gd name="connsiteY1" fmla="*/ 0 h 864096"/>
+                <a:gd name="connsiteX2" fmla="*/ 576496 w 576496"/>
+                <a:gd name="connsiteY2" fmla="*/ 864096 h 864096"/>
+                <a:gd name="connsiteX3" fmla="*/ 432 w 576496"/>
+                <a:gd name="connsiteY3" fmla="*/ 864096 h 864096"/>
+                <a:gd name="connsiteX4" fmla="*/ 0 w 576496"/>
+                <a:gd name="connsiteY4" fmla="*/ 355456 h 864096"/>
+                <a:gd name="connsiteX5" fmla="*/ 432 w 576496"/>
+                <a:gd name="connsiteY5" fmla="*/ 0 h 864096"/>
+                <a:gd name="connsiteX0" fmla="*/ 432 w 576496"/>
+                <a:gd name="connsiteY0" fmla="*/ 10304 h 874400"/>
+                <a:gd name="connsiteX1" fmla="*/ 243840 w 576496"/>
+                <a:gd name="connsiteY1" fmla="*/ 0 h 874400"/>
+                <a:gd name="connsiteX2" fmla="*/ 576496 w 576496"/>
+                <a:gd name="connsiteY2" fmla="*/ 10304 h 874400"/>
+                <a:gd name="connsiteX3" fmla="*/ 576496 w 576496"/>
+                <a:gd name="connsiteY3" fmla="*/ 874400 h 874400"/>
+                <a:gd name="connsiteX4" fmla="*/ 432 w 576496"/>
+                <a:gd name="connsiteY4" fmla="*/ 874400 h 874400"/>
+                <a:gd name="connsiteX5" fmla="*/ 0 w 576496"/>
+                <a:gd name="connsiteY5" fmla="*/ 365760 h 874400"/>
+                <a:gd name="connsiteX6" fmla="*/ 432 w 576496"/>
+                <a:gd name="connsiteY6" fmla="*/ 10304 h 874400"/>
+                <a:gd name="connsiteX0" fmla="*/ 0 w 576496"/>
+                <a:gd name="connsiteY0" fmla="*/ 365760 h 874400"/>
+                <a:gd name="connsiteX1" fmla="*/ 243840 w 576496"/>
+                <a:gd name="connsiteY1" fmla="*/ 0 h 874400"/>
+                <a:gd name="connsiteX2" fmla="*/ 576496 w 576496"/>
+                <a:gd name="connsiteY2" fmla="*/ 10304 h 874400"/>
+                <a:gd name="connsiteX3" fmla="*/ 576496 w 576496"/>
+                <a:gd name="connsiteY3" fmla="*/ 874400 h 874400"/>
+                <a:gd name="connsiteX4" fmla="*/ 432 w 576496"/>
+                <a:gd name="connsiteY4" fmla="*/ 874400 h 874400"/>
+                <a:gd name="connsiteX5" fmla="*/ 0 w 576496"/>
+                <a:gd name="connsiteY5" fmla="*/ 365760 h 874400"/>
+                <a:gd name="connsiteX0" fmla="*/ 0 w 576496"/>
+                <a:gd name="connsiteY0" fmla="*/ 213360 h 874400"/>
+                <a:gd name="connsiteX1" fmla="*/ 243840 w 576496"/>
+                <a:gd name="connsiteY1" fmla="*/ 0 h 874400"/>
+                <a:gd name="connsiteX2" fmla="*/ 576496 w 576496"/>
+                <a:gd name="connsiteY2" fmla="*/ 10304 h 874400"/>
+                <a:gd name="connsiteX3" fmla="*/ 576496 w 576496"/>
+                <a:gd name="connsiteY3" fmla="*/ 874400 h 874400"/>
+                <a:gd name="connsiteX4" fmla="*/ 432 w 576496"/>
+                <a:gd name="connsiteY4" fmla="*/ 874400 h 874400"/>
+                <a:gd name="connsiteX5" fmla="*/ 0 w 576496"/>
+                <a:gd name="connsiteY5" fmla="*/ 213360 h 874400"/>
+                <a:gd name="connsiteX0" fmla="*/ 0 w 576496"/>
+                <a:gd name="connsiteY0" fmla="*/ 213360 h 874400"/>
+                <a:gd name="connsiteX1" fmla="*/ 121920 w 576496"/>
+                <a:gd name="connsiteY1" fmla="*/ 0 h 874400"/>
+                <a:gd name="connsiteX2" fmla="*/ 576496 w 576496"/>
+                <a:gd name="connsiteY2" fmla="*/ 10304 h 874400"/>
+                <a:gd name="connsiteX3" fmla="*/ 576496 w 576496"/>
+                <a:gd name="connsiteY3" fmla="*/ 874400 h 874400"/>
+                <a:gd name="connsiteX4" fmla="*/ 432 w 576496"/>
+                <a:gd name="connsiteY4" fmla="*/ 874400 h 874400"/>
+                <a:gd name="connsiteX5" fmla="*/ 0 w 576496"/>
+                <a:gd name="connsiteY5" fmla="*/ 213360 h 874400"/>
+              </a:gdLst>
+              <a:ahLst/>
+              <a:cxnLst>
+                <a:cxn ang="0">
+                  <a:pos x="connsiteX0" y="connsiteY0"/>
+                </a:cxn>
+                <a:cxn ang="0">
+                  <a:pos x="connsiteX1" y="connsiteY1"/>
+                </a:cxn>
+                <a:cxn ang="0">
+                  <a:pos x="connsiteX2" y="connsiteY2"/>
+                </a:cxn>
+                <a:cxn ang="0">
+                  <a:pos x="connsiteX3" y="connsiteY3"/>
+                </a:cxn>
+                <a:cxn ang="0">
+                  <a:pos x="connsiteX4" y="connsiteY4"/>
+                </a:cxn>
+                <a:cxn ang="0">
+                  <a:pos x="connsiteX5" y="connsiteY5"/>
+                </a:cxn>
+              </a:cxnLst>
+              <a:rect l="l" t="t" r="r" b="b"/>
+              <a:pathLst>
+                <a:path w="576496" h="874400">
+                  <a:moveTo>
+                    <a:pt x="0" y="213360"/>
+                  </a:moveTo>
+                  <a:lnTo>
+                    <a:pt x="121920" y="0"/>
+                  </a:lnTo>
+                  <a:lnTo>
+                    <a:pt x="576496" y="10304"/>
+                  </a:lnTo>
+                  <a:lnTo>
+                    <a:pt x="576496" y="874400"/>
+                  </a:lnTo>
+                  <a:lnTo>
+                    <a:pt x="432" y="874400"/>
+                  </a:lnTo>
+                  <a:lnTo>
+                    <a:pt x="0" y="213360"/>
+                  </a:lnTo>
+                  <a:close/>
+                </a:path>
+              </a:pathLst>
+            </a:custGeom>
+            <a:ln w="9525"/>
+            <a:effectLst/>
+          </p:spPr>
+          <p:style>
+            <a:lnRef idx="2">
+              <a:schemeClr val="accent1">
+                <a:shade val="50000"/>
+              </a:schemeClr>
+            </a:lnRef>
+            <a:fillRef idx="1">
+              <a:schemeClr val="accent1"/>
+            </a:fillRef>
+            <a:effectRef idx="0">
+              <a:schemeClr val="accent1"/>
+            </a:effectRef>
+            <a:fontRef idx="minor">
+              <a:schemeClr val="lt1"/>
+            </a:fontRef>
+          </p:style>
+          <p:txBody>
+            <a:bodyPr rtlCol="0" anchor="ctr"/>
+            <a:lstStyle/>
+            <a:p>
+              <a:pPr algn="ctr"/>
+              <a:endParaRPr lang="pl-PL"/>
+            </a:p>
+          </p:txBody>
+        </p:sp>
+        <p:sp>
+          <p:nvSpPr>
+            <p:cNvPr id="21" name="Prostokąt 3"/>
+            <p:cNvSpPr/>
+            <p:nvPr/>
+          </p:nvSpPr>
+          <p:spPr>
+            <a:xfrm>
+              <a:off x="5436096" y="1912268"/>
+              <a:ext cx="792088" cy="1080120"/>
+            </a:xfrm>
+            <a:custGeom>
+              <a:avLst/>
+              <a:gdLst>
+                <a:gd name="connsiteX0" fmla="*/ 0 w 576064"/>
+                <a:gd name="connsiteY0" fmla="*/ 0 h 864096"/>
+                <a:gd name="connsiteX1" fmla="*/ 576064 w 576064"/>
+                <a:gd name="connsiteY1" fmla="*/ 0 h 864096"/>
+                <a:gd name="connsiteX2" fmla="*/ 576064 w 576064"/>
+                <a:gd name="connsiteY2" fmla="*/ 864096 h 864096"/>
+                <a:gd name="connsiteX3" fmla="*/ 0 w 576064"/>
+                <a:gd name="connsiteY3" fmla="*/ 864096 h 864096"/>
+                <a:gd name="connsiteX4" fmla="*/ 0 w 576064"/>
+                <a:gd name="connsiteY4" fmla="*/ 0 h 864096"/>
+                <a:gd name="connsiteX0" fmla="*/ 432 w 576496"/>
+                <a:gd name="connsiteY0" fmla="*/ 0 h 864096"/>
+                <a:gd name="connsiteX1" fmla="*/ 576496 w 576496"/>
+                <a:gd name="connsiteY1" fmla="*/ 0 h 864096"/>
+                <a:gd name="connsiteX2" fmla="*/ 576496 w 576496"/>
+                <a:gd name="connsiteY2" fmla="*/ 864096 h 864096"/>
+                <a:gd name="connsiteX3" fmla="*/ 432 w 576496"/>
+                <a:gd name="connsiteY3" fmla="*/ 864096 h 864096"/>
+                <a:gd name="connsiteX4" fmla="*/ 0 w 576496"/>
+                <a:gd name="connsiteY4" fmla="*/ 355456 h 864096"/>
+                <a:gd name="connsiteX5" fmla="*/ 432 w 576496"/>
+                <a:gd name="connsiteY5" fmla="*/ 0 h 864096"/>
+                <a:gd name="connsiteX0" fmla="*/ 432 w 576496"/>
+                <a:gd name="connsiteY0" fmla="*/ 10304 h 874400"/>
+                <a:gd name="connsiteX1" fmla="*/ 243840 w 576496"/>
+                <a:gd name="connsiteY1" fmla="*/ 0 h 874400"/>
+                <a:gd name="connsiteX2" fmla="*/ 576496 w 576496"/>
+                <a:gd name="connsiteY2" fmla="*/ 10304 h 874400"/>
+                <a:gd name="connsiteX3" fmla="*/ 576496 w 576496"/>
+                <a:gd name="connsiteY3" fmla="*/ 874400 h 874400"/>
+                <a:gd name="connsiteX4" fmla="*/ 432 w 576496"/>
+                <a:gd name="connsiteY4" fmla="*/ 874400 h 874400"/>
+                <a:gd name="connsiteX5" fmla="*/ 0 w 576496"/>
+                <a:gd name="connsiteY5" fmla="*/ 365760 h 874400"/>
+                <a:gd name="connsiteX6" fmla="*/ 432 w 576496"/>
+                <a:gd name="connsiteY6" fmla="*/ 10304 h 874400"/>
+                <a:gd name="connsiteX0" fmla="*/ 0 w 576496"/>
+                <a:gd name="connsiteY0" fmla="*/ 365760 h 874400"/>
+                <a:gd name="connsiteX1" fmla="*/ 243840 w 576496"/>
+                <a:gd name="connsiteY1" fmla="*/ 0 h 874400"/>
+                <a:gd name="connsiteX2" fmla="*/ 576496 w 576496"/>
+                <a:gd name="connsiteY2" fmla="*/ 10304 h 874400"/>
+                <a:gd name="connsiteX3" fmla="*/ 576496 w 576496"/>
+                <a:gd name="connsiteY3" fmla="*/ 874400 h 874400"/>
+                <a:gd name="connsiteX4" fmla="*/ 432 w 576496"/>
+                <a:gd name="connsiteY4" fmla="*/ 874400 h 874400"/>
+                <a:gd name="connsiteX5" fmla="*/ 0 w 576496"/>
+                <a:gd name="connsiteY5" fmla="*/ 365760 h 874400"/>
+                <a:gd name="connsiteX0" fmla="*/ 0 w 576496"/>
+                <a:gd name="connsiteY0" fmla="*/ 213360 h 874400"/>
+                <a:gd name="connsiteX1" fmla="*/ 243840 w 576496"/>
+                <a:gd name="connsiteY1" fmla="*/ 0 h 874400"/>
+                <a:gd name="connsiteX2" fmla="*/ 576496 w 576496"/>
+                <a:gd name="connsiteY2" fmla="*/ 10304 h 874400"/>
+                <a:gd name="connsiteX3" fmla="*/ 576496 w 576496"/>
+                <a:gd name="connsiteY3" fmla="*/ 874400 h 874400"/>
+                <a:gd name="connsiteX4" fmla="*/ 432 w 576496"/>
+                <a:gd name="connsiteY4" fmla="*/ 874400 h 874400"/>
+                <a:gd name="connsiteX5" fmla="*/ 0 w 576496"/>
+                <a:gd name="connsiteY5" fmla="*/ 213360 h 874400"/>
+                <a:gd name="connsiteX0" fmla="*/ 0 w 576496"/>
+                <a:gd name="connsiteY0" fmla="*/ 213360 h 874400"/>
+                <a:gd name="connsiteX1" fmla="*/ 121920 w 576496"/>
+                <a:gd name="connsiteY1" fmla="*/ 0 h 874400"/>
+                <a:gd name="connsiteX2" fmla="*/ 576496 w 576496"/>
+                <a:gd name="connsiteY2" fmla="*/ 10304 h 874400"/>
+                <a:gd name="connsiteX3" fmla="*/ 576496 w 576496"/>
+                <a:gd name="connsiteY3" fmla="*/ 874400 h 874400"/>
+                <a:gd name="connsiteX4" fmla="*/ 432 w 576496"/>
+                <a:gd name="connsiteY4" fmla="*/ 874400 h 874400"/>
+                <a:gd name="connsiteX5" fmla="*/ 0 w 576496"/>
+                <a:gd name="connsiteY5" fmla="*/ 213360 h 874400"/>
+              </a:gdLst>
+              <a:ahLst/>
+              <a:cxnLst>
+                <a:cxn ang="0">
+                  <a:pos x="connsiteX0" y="connsiteY0"/>
+                </a:cxn>
+                <a:cxn ang="0">
+                  <a:pos x="connsiteX1" y="connsiteY1"/>
+                </a:cxn>
+                <a:cxn ang="0">
+                  <a:pos x="connsiteX2" y="connsiteY2"/>
+                </a:cxn>
+                <a:cxn ang="0">
+                  <a:pos x="connsiteX3" y="connsiteY3"/>
+                </a:cxn>
+                <a:cxn ang="0">
+                  <a:pos x="connsiteX4" y="connsiteY4"/>
+                </a:cxn>
+                <a:cxn ang="0">
+                  <a:pos x="connsiteX5" y="connsiteY5"/>
+                </a:cxn>
+              </a:cxnLst>
+              <a:rect l="l" t="t" r="r" b="b"/>
+              <a:pathLst>
+                <a:path w="576496" h="874400">
+                  <a:moveTo>
+                    <a:pt x="0" y="213360"/>
+                  </a:moveTo>
+                  <a:lnTo>
+                    <a:pt x="121920" y="0"/>
+                  </a:lnTo>
+                  <a:lnTo>
+                    <a:pt x="576496" y="10304"/>
+                  </a:lnTo>
+                  <a:lnTo>
+                    <a:pt x="576496" y="874400"/>
+                  </a:lnTo>
+                  <a:lnTo>
+                    <a:pt x="432" y="874400"/>
+                  </a:lnTo>
+                  <a:lnTo>
+                    <a:pt x="0" y="213360"/>
+                  </a:lnTo>
+                  <a:close/>
+                </a:path>
+              </a:pathLst>
+            </a:custGeom>
+            <a:ln w="9525"/>
+            <a:effectLst/>
+          </p:spPr>
+          <p:style>
+            <a:lnRef idx="2">
+              <a:schemeClr val="accent3">
+                <a:shade val="50000"/>
+              </a:schemeClr>
+            </a:lnRef>
+            <a:fillRef idx="1">
+              <a:schemeClr val="accent3"/>
+            </a:fillRef>
+            <a:effectRef idx="0">
+              <a:schemeClr val="accent3"/>
+            </a:effectRef>
+            <a:fontRef idx="minor">
+              <a:schemeClr val="lt1"/>
+            </a:fontRef>
+          </p:style>
+          <p:txBody>
+            <a:bodyPr rtlCol="0" anchor="ctr"/>
+            <a:lstStyle/>
+            <a:p>
+              <a:pPr algn="ctr"/>
+              <a:endParaRPr lang="pl-PL"/>
+            </a:p>
+          </p:txBody>
+        </p:sp>
+        <p:sp>
+          <p:nvSpPr>
+            <p:cNvPr id="22" name="pole tekstowe 21"/>
+            <p:cNvSpPr txBox="1"/>
+            <p:nvPr/>
+          </p:nvSpPr>
+          <p:spPr>
+            <a:xfrm>
+              <a:off x="5436096" y="2200300"/>
+              <a:ext cx="792088" cy="646331"/>
+            </a:xfrm>
+            <a:prstGeom prst="rect">
+              <a:avLst/>
+            </a:prstGeom>
+            <a:noFill/>
+          </p:spPr>
+          <p:txBody>
+            <a:bodyPr wrap="square" rtlCol="0">
+              <a:spAutoFit/>
+            </a:bodyPr>
+            <a:lstStyle/>
+            <a:p>
+              <a:pPr algn="ctr"/>
+              <a:r>
+                <a:rPr lang="pl-PL" dirty="0" err="1" smtClean="0"/>
+                <a:t>ImageN</a:t>
+              </a:r>
+              <a:r>
+                <a:rPr lang="pl-PL" dirty="0" smtClean="0"/>
+                <a:t> </a:t>
+              </a:r>
+              <a:endParaRPr lang="pl-PL" dirty="0"/>
+            </a:p>
+          </p:txBody>
+        </p:sp>
+      </p:grpSp>
+      <p:sp>
+        <p:nvSpPr>
+          <p:cNvPr id="23" name="Prostokąt 22"/>
+          <p:cNvSpPr/>
+          <p:nvPr/>
+        </p:nvSpPr>
+        <p:spPr>
+          <a:xfrm>
+            <a:off x="2915816" y="4797152"/>
+            <a:ext cx="2016224" cy="1080120"/>
+          </a:xfrm>
+          <a:prstGeom prst="rect">
+            <a:avLst/>
+          </a:prstGeom>
+          <a:ln w="76200">
+            <a:solidFill>
+              <a:srgbClr val="00B0F0"/>
+            </a:solidFill>
+          </a:ln>
+          <a:effectLst>
+            <a:outerShdw blurRad="50800" dist="38100" algn="l" rotWithShape="0">
+              <a:prstClr val="black">
+                <a:alpha val="40000"/>
+              </a:prstClr>
+            </a:outerShdw>
+          </a:effectLst>
+        </p:spPr>
+        <p:style>
+          <a:lnRef idx="1">
+            <a:schemeClr val="accent1"/>
+          </a:lnRef>
+          <a:fillRef idx="2">
+            <a:schemeClr val="accent1"/>
+          </a:fillRef>
+          <a:effectRef idx="1">
+            <a:schemeClr val="accent1"/>
+          </a:effectRef>
+          <a:fontRef idx="minor">
+            <a:schemeClr val="dk1"/>
+          </a:fontRef>
+        </p:style>
+        <p:txBody>
+          <a:bodyPr rtlCol="0" anchor="ctr"/>
+          <a:lstStyle/>
+          <a:p>
+            <a:pPr algn="ctr"/>
+            <a:r>
+              <a:rPr lang="en-US" dirty="0" smtClean="0"/>
+              <a:t>Verifier</a:t>
+            </a:r>
+            <a:endParaRPr lang="en-US" dirty="0"/>
+          </a:p>
+        </p:txBody>
+      </p:sp>
+      <p:grpSp>
+        <p:nvGrpSpPr>
+          <p:cNvPr id="24" name="Grupa 23"/>
+          <p:cNvGrpSpPr/>
+          <p:nvPr/>
+        </p:nvGrpSpPr>
+        <p:grpSpPr>
+          <a:xfrm>
+            <a:off x="5436096" y="1700808"/>
+            <a:ext cx="864096" cy="1147564"/>
+            <a:chOff x="5436096" y="1844824"/>
+            <a:chExt cx="864096" cy="1147564"/>
+          </a:xfrm>
+          <a:effectLst>
+            <a:outerShdw blurRad="50800" dist="38100" algn="l" rotWithShape="0">
+              <a:prstClr val="black">
+                <a:alpha val="40000"/>
+              </a:prstClr>
+            </a:outerShdw>
+          </a:effectLst>
+        </p:grpSpPr>
+        <p:sp>
+          <p:nvSpPr>
+            <p:cNvPr id="25" name="Prostokąt 3"/>
+            <p:cNvSpPr/>
+            <p:nvPr/>
+          </p:nvSpPr>
+          <p:spPr>
+            <a:xfrm>
+              <a:off x="5508104" y="1844824"/>
+              <a:ext cx="792088" cy="1080120"/>
+            </a:xfrm>
+            <a:custGeom>
+              <a:avLst/>
+              <a:gdLst>
+                <a:gd name="connsiteX0" fmla="*/ 0 w 576064"/>
+                <a:gd name="connsiteY0" fmla="*/ 0 h 864096"/>
+                <a:gd name="connsiteX1" fmla="*/ 576064 w 576064"/>
+                <a:gd name="connsiteY1" fmla="*/ 0 h 864096"/>
+                <a:gd name="connsiteX2" fmla="*/ 576064 w 576064"/>
+                <a:gd name="connsiteY2" fmla="*/ 864096 h 864096"/>
+                <a:gd name="connsiteX3" fmla="*/ 0 w 576064"/>
+                <a:gd name="connsiteY3" fmla="*/ 864096 h 864096"/>
+                <a:gd name="connsiteX4" fmla="*/ 0 w 576064"/>
+                <a:gd name="connsiteY4" fmla="*/ 0 h 864096"/>
+                <a:gd name="connsiteX0" fmla="*/ 432 w 576496"/>
+                <a:gd name="connsiteY0" fmla="*/ 0 h 864096"/>
+                <a:gd name="connsiteX1" fmla="*/ 576496 w 576496"/>
+                <a:gd name="connsiteY1" fmla="*/ 0 h 864096"/>
+                <a:gd name="connsiteX2" fmla="*/ 576496 w 576496"/>
+                <a:gd name="connsiteY2" fmla="*/ 864096 h 864096"/>
+                <a:gd name="connsiteX3" fmla="*/ 432 w 576496"/>
+                <a:gd name="connsiteY3" fmla="*/ 864096 h 864096"/>
+                <a:gd name="connsiteX4" fmla="*/ 0 w 576496"/>
+                <a:gd name="connsiteY4" fmla="*/ 355456 h 864096"/>
+                <a:gd name="connsiteX5" fmla="*/ 432 w 576496"/>
+                <a:gd name="connsiteY5" fmla="*/ 0 h 864096"/>
+                <a:gd name="connsiteX0" fmla="*/ 432 w 576496"/>
+                <a:gd name="connsiteY0" fmla="*/ 10304 h 874400"/>
+                <a:gd name="connsiteX1" fmla="*/ 243840 w 576496"/>
+                <a:gd name="connsiteY1" fmla="*/ 0 h 874400"/>
+                <a:gd name="connsiteX2" fmla="*/ 576496 w 576496"/>
+                <a:gd name="connsiteY2" fmla="*/ 10304 h 874400"/>
+                <a:gd name="connsiteX3" fmla="*/ 576496 w 576496"/>
+                <a:gd name="connsiteY3" fmla="*/ 874400 h 874400"/>
+                <a:gd name="connsiteX4" fmla="*/ 432 w 576496"/>
+                <a:gd name="connsiteY4" fmla="*/ 874400 h 874400"/>
+                <a:gd name="connsiteX5" fmla="*/ 0 w 576496"/>
+                <a:gd name="connsiteY5" fmla="*/ 365760 h 874400"/>
+                <a:gd name="connsiteX6" fmla="*/ 432 w 576496"/>
+                <a:gd name="connsiteY6" fmla="*/ 10304 h 874400"/>
+                <a:gd name="connsiteX0" fmla="*/ 0 w 576496"/>
+                <a:gd name="connsiteY0" fmla="*/ 365760 h 874400"/>
+                <a:gd name="connsiteX1" fmla="*/ 243840 w 576496"/>
+                <a:gd name="connsiteY1" fmla="*/ 0 h 874400"/>
+                <a:gd name="connsiteX2" fmla="*/ 576496 w 576496"/>
+                <a:gd name="connsiteY2" fmla="*/ 10304 h 874400"/>
+                <a:gd name="connsiteX3" fmla="*/ 576496 w 576496"/>
+                <a:gd name="connsiteY3" fmla="*/ 874400 h 874400"/>
+                <a:gd name="connsiteX4" fmla="*/ 432 w 576496"/>
+                <a:gd name="connsiteY4" fmla="*/ 874400 h 874400"/>
+                <a:gd name="connsiteX5" fmla="*/ 0 w 576496"/>
+                <a:gd name="connsiteY5" fmla="*/ 365760 h 874400"/>
+                <a:gd name="connsiteX0" fmla="*/ 0 w 576496"/>
+                <a:gd name="connsiteY0" fmla="*/ 213360 h 874400"/>
+                <a:gd name="connsiteX1" fmla="*/ 243840 w 576496"/>
+                <a:gd name="connsiteY1" fmla="*/ 0 h 874400"/>
+                <a:gd name="connsiteX2" fmla="*/ 576496 w 576496"/>
+                <a:gd name="connsiteY2" fmla="*/ 10304 h 874400"/>
+                <a:gd name="connsiteX3" fmla="*/ 576496 w 576496"/>
+                <a:gd name="connsiteY3" fmla="*/ 874400 h 874400"/>
+                <a:gd name="connsiteX4" fmla="*/ 432 w 576496"/>
+                <a:gd name="connsiteY4" fmla="*/ 874400 h 874400"/>
+                <a:gd name="connsiteX5" fmla="*/ 0 w 576496"/>
+                <a:gd name="connsiteY5" fmla="*/ 213360 h 874400"/>
+                <a:gd name="connsiteX0" fmla="*/ 0 w 576496"/>
+                <a:gd name="connsiteY0" fmla="*/ 213360 h 874400"/>
+                <a:gd name="connsiteX1" fmla="*/ 121920 w 576496"/>
+                <a:gd name="connsiteY1" fmla="*/ 0 h 874400"/>
+                <a:gd name="connsiteX2" fmla="*/ 576496 w 576496"/>
+                <a:gd name="connsiteY2" fmla="*/ 10304 h 874400"/>
+                <a:gd name="connsiteX3" fmla="*/ 576496 w 576496"/>
+                <a:gd name="connsiteY3" fmla="*/ 874400 h 874400"/>
+                <a:gd name="connsiteX4" fmla="*/ 432 w 576496"/>
+                <a:gd name="connsiteY4" fmla="*/ 874400 h 874400"/>
+                <a:gd name="connsiteX5" fmla="*/ 0 w 576496"/>
+                <a:gd name="connsiteY5" fmla="*/ 213360 h 874400"/>
+              </a:gdLst>
+              <a:ahLst/>
+              <a:cxnLst>
+                <a:cxn ang="0">
+                  <a:pos x="connsiteX0" y="connsiteY0"/>
+                </a:cxn>
+                <a:cxn ang="0">
+                  <a:pos x="connsiteX1" y="connsiteY1"/>
+                </a:cxn>
+                <a:cxn ang="0">
+                  <a:pos x="connsiteX2" y="connsiteY2"/>
+                </a:cxn>
+                <a:cxn ang="0">
+                  <a:pos x="connsiteX3" y="connsiteY3"/>
+                </a:cxn>
+                <a:cxn ang="0">
+                  <a:pos x="connsiteX4" y="connsiteY4"/>
+                </a:cxn>
+                <a:cxn ang="0">
+                  <a:pos x="connsiteX5" y="connsiteY5"/>
+                </a:cxn>
+              </a:cxnLst>
+              <a:rect l="l" t="t" r="r" b="b"/>
+              <a:pathLst>
+                <a:path w="576496" h="874400">
+                  <a:moveTo>
+                    <a:pt x="0" y="213360"/>
+                  </a:moveTo>
+                  <a:lnTo>
+                    <a:pt x="121920" y="0"/>
+                  </a:lnTo>
+                  <a:lnTo>
+                    <a:pt x="576496" y="10304"/>
+                  </a:lnTo>
+                  <a:lnTo>
+                    <a:pt x="576496" y="874400"/>
+                  </a:lnTo>
+                  <a:lnTo>
+                    <a:pt x="432" y="874400"/>
+                  </a:lnTo>
+                  <a:lnTo>
+                    <a:pt x="0" y="213360"/>
+                  </a:lnTo>
+                  <a:close/>
+                </a:path>
+              </a:pathLst>
+            </a:custGeom>
+            <a:ln w="9525"/>
+            <a:effectLst/>
+          </p:spPr>
+          <p:style>
+            <a:lnRef idx="2">
+              <a:schemeClr val="accent1">
+                <a:shade val="50000"/>
+              </a:schemeClr>
+            </a:lnRef>
+            <a:fillRef idx="1">
+              <a:schemeClr val="accent1"/>
+            </a:fillRef>
+            <a:effectRef idx="0">
+              <a:schemeClr val="accent1"/>
+            </a:effectRef>
+            <a:fontRef idx="minor">
+              <a:schemeClr val="lt1"/>
+            </a:fontRef>
+          </p:style>
+          <p:txBody>
+            <a:bodyPr rtlCol="0" anchor="ctr"/>
+            <a:lstStyle/>
+            <a:p>
+              <a:pPr algn="ctr"/>
+              <a:endParaRPr lang="pl-PL"/>
+            </a:p>
+          </p:txBody>
+        </p:sp>
+        <p:sp>
+          <p:nvSpPr>
+            <p:cNvPr id="26" name="Prostokąt 3"/>
+            <p:cNvSpPr/>
+            <p:nvPr/>
+          </p:nvSpPr>
+          <p:spPr>
+            <a:xfrm>
+              <a:off x="5436096" y="1912268"/>
+              <a:ext cx="792088" cy="1080120"/>
+            </a:xfrm>
+            <a:custGeom>
+              <a:avLst/>
+              <a:gdLst>
+                <a:gd name="connsiteX0" fmla="*/ 0 w 576064"/>
+                <a:gd name="connsiteY0" fmla="*/ 0 h 864096"/>
+                <a:gd name="connsiteX1" fmla="*/ 576064 w 576064"/>
+                <a:gd name="connsiteY1" fmla="*/ 0 h 864096"/>
+                <a:gd name="connsiteX2" fmla="*/ 576064 w 576064"/>
+                <a:gd name="connsiteY2" fmla="*/ 864096 h 864096"/>
+                <a:gd name="connsiteX3" fmla="*/ 0 w 576064"/>
+                <a:gd name="connsiteY3" fmla="*/ 864096 h 864096"/>
+                <a:gd name="connsiteX4" fmla="*/ 0 w 576064"/>
+                <a:gd name="connsiteY4" fmla="*/ 0 h 864096"/>
+                <a:gd name="connsiteX0" fmla="*/ 432 w 576496"/>
+                <a:gd name="connsiteY0" fmla="*/ 0 h 864096"/>
+                <a:gd name="connsiteX1" fmla="*/ 576496 w 576496"/>
+                <a:gd name="connsiteY1" fmla="*/ 0 h 864096"/>
+                <a:gd name="connsiteX2" fmla="*/ 576496 w 576496"/>
+                <a:gd name="connsiteY2" fmla="*/ 864096 h 864096"/>
+                <a:gd name="connsiteX3" fmla="*/ 432 w 576496"/>
+                <a:gd name="connsiteY3" fmla="*/ 864096 h 864096"/>
+                <a:gd name="connsiteX4" fmla="*/ 0 w 576496"/>
+                <a:gd name="connsiteY4" fmla="*/ 355456 h 864096"/>
+                <a:gd name="connsiteX5" fmla="*/ 432 w 576496"/>
+                <a:gd name="connsiteY5" fmla="*/ 0 h 864096"/>
+                <a:gd name="connsiteX0" fmla="*/ 432 w 576496"/>
+                <a:gd name="connsiteY0" fmla="*/ 10304 h 874400"/>
+                <a:gd name="connsiteX1" fmla="*/ 243840 w 576496"/>
+                <a:gd name="connsiteY1" fmla="*/ 0 h 874400"/>
+                <a:gd name="connsiteX2" fmla="*/ 576496 w 576496"/>
+                <a:gd name="connsiteY2" fmla="*/ 10304 h 874400"/>
+                <a:gd name="connsiteX3" fmla="*/ 576496 w 576496"/>
+                <a:gd name="connsiteY3" fmla="*/ 874400 h 874400"/>
+                <a:gd name="connsiteX4" fmla="*/ 432 w 576496"/>
+                <a:gd name="connsiteY4" fmla="*/ 874400 h 874400"/>
+                <a:gd name="connsiteX5" fmla="*/ 0 w 576496"/>
+                <a:gd name="connsiteY5" fmla="*/ 365760 h 874400"/>
+                <a:gd name="connsiteX6" fmla="*/ 432 w 576496"/>
+                <a:gd name="connsiteY6" fmla="*/ 10304 h 874400"/>
+                <a:gd name="connsiteX0" fmla="*/ 0 w 576496"/>
+                <a:gd name="connsiteY0" fmla="*/ 365760 h 874400"/>
+                <a:gd name="connsiteX1" fmla="*/ 243840 w 576496"/>
+                <a:gd name="connsiteY1" fmla="*/ 0 h 874400"/>
+                <a:gd name="connsiteX2" fmla="*/ 576496 w 576496"/>
+                <a:gd name="connsiteY2" fmla="*/ 10304 h 874400"/>
+                <a:gd name="connsiteX3" fmla="*/ 576496 w 576496"/>
+                <a:gd name="connsiteY3" fmla="*/ 874400 h 874400"/>
+                <a:gd name="connsiteX4" fmla="*/ 432 w 576496"/>
+                <a:gd name="connsiteY4" fmla="*/ 874400 h 874400"/>
+                <a:gd name="connsiteX5" fmla="*/ 0 w 576496"/>
+                <a:gd name="connsiteY5" fmla="*/ 365760 h 874400"/>
+                <a:gd name="connsiteX0" fmla="*/ 0 w 576496"/>
+                <a:gd name="connsiteY0" fmla="*/ 213360 h 874400"/>
+                <a:gd name="connsiteX1" fmla="*/ 243840 w 576496"/>
+                <a:gd name="connsiteY1" fmla="*/ 0 h 874400"/>
+                <a:gd name="connsiteX2" fmla="*/ 576496 w 576496"/>
+                <a:gd name="connsiteY2" fmla="*/ 10304 h 874400"/>
+                <a:gd name="connsiteX3" fmla="*/ 576496 w 576496"/>
+                <a:gd name="connsiteY3" fmla="*/ 874400 h 874400"/>
+                <a:gd name="connsiteX4" fmla="*/ 432 w 576496"/>
+                <a:gd name="connsiteY4" fmla="*/ 874400 h 874400"/>
+                <a:gd name="connsiteX5" fmla="*/ 0 w 576496"/>
+                <a:gd name="connsiteY5" fmla="*/ 213360 h 874400"/>
+                <a:gd name="connsiteX0" fmla="*/ 0 w 576496"/>
+                <a:gd name="connsiteY0" fmla="*/ 213360 h 874400"/>
+                <a:gd name="connsiteX1" fmla="*/ 121920 w 576496"/>
+                <a:gd name="connsiteY1" fmla="*/ 0 h 874400"/>
+                <a:gd name="connsiteX2" fmla="*/ 576496 w 576496"/>
+                <a:gd name="connsiteY2" fmla="*/ 10304 h 874400"/>
+                <a:gd name="connsiteX3" fmla="*/ 576496 w 576496"/>
+                <a:gd name="connsiteY3" fmla="*/ 874400 h 874400"/>
+                <a:gd name="connsiteX4" fmla="*/ 432 w 576496"/>
+                <a:gd name="connsiteY4" fmla="*/ 874400 h 874400"/>
+                <a:gd name="connsiteX5" fmla="*/ 0 w 576496"/>
+                <a:gd name="connsiteY5" fmla="*/ 213360 h 874400"/>
+              </a:gdLst>
+              <a:ahLst/>
+              <a:cxnLst>
+                <a:cxn ang="0">
+                  <a:pos x="connsiteX0" y="connsiteY0"/>
+                </a:cxn>
+                <a:cxn ang="0">
+                  <a:pos x="connsiteX1" y="connsiteY1"/>
+                </a:cxn>
+                <a:cxn ang="0">
+                  <a:pos x="connsiteX2" y="connsiteY2"/>
+                </a:cxn>
+                <a:cxn ang="0">
+                  <a:pos x="connsiteX3" y="connsiteY3"/>
+                </a:cxn>
+                <a:cxn ang="0">
+                  <a:pos x="connsiteX4" y="connsiteY4"/>
+                </a:cxn>
+                <a:cxn ang="0">
+                  <a:pos x="connsiteX5" y="connsiteY5"/>
+                </a:cxn>
+              </a:cxnLst>
+              <a:rect l="l" t="t" r="r" b="b"/>
+              <a:pathLst>
+                <a:path w="576496" h="874400">
+                  <a:moveTo>
+                    <a:pt x="0" y="213360"/>
+                  </a:moveTo>
+                  <a:lnTo>
+                    <a:pt x="121920" y="0"/>
+                  </a:lnTo>
+                  <a:lnTo>
+                    <a:pt x="576496" y="10304"/>
+                  </a:lnTo>
+                  <a:lnTo>
+                    <a:pt x="576496" y="874400"/>
+                  </a:lnTo>
+                  <a:lnTo>
+                    <a:pt x="432" y="874400"/>
+                  </a:lnTo>
+                  <a:lnTo>
+                    <a:pt x="0" y="213360"/>
+                  </a:lnTo>
+                  <a:close/>
+                </a:path>
+              </a:pathLst>
+            </a:custGeom>
+            <a:ln w="9525"/>
+            <a:effectLst/>
+          </p:spPr>
+          <p:style>
+            <a:lnRef idx="2">
+              <a:schemeClr val="accent3">
+                <a:shade val="50000"/>
+              </a:schemeClr>
+            </a:lnRef>
+            <a:fillRef idx="1">
+              <a:schemeClr val="accent3"/>
+            </a:fillRef>
+            <a:effectRef idx="0">
+              <a:schemeClr val="accent3"/>
+            </a:effectRef>
+            <a:fontRef idx="minor">
+              <a:schemeClr val="lt1"/>
+            </a:fontRef>
+          </p:style>
+          <p:txBody>
+            <a:bodyPr rtlCol="0" anchor="ctr"/>
+            <a:lstStyle/>
+            <a:p>
+              <a:pPr algn="ctr"/>
+              <a:endParaRPr lang="pl-PL"/>
+            </a:p>
+          </p:txBody>
+        </p:sp>
+        <p:sp>
+          <p:nvSpPr>
+            <p:cNvPr id="27" name="pole tekstowe 26"/>
+            <p:cNvSpPr txBox="1"/>
+            <p:nvPr/>
+          </p:nvSpPr>
+          <p:spPr>
+            <a:xfrm>
+              <a:off x="5436096" y="2187146"/>
+              <a:ext cx="792088" cy="646331"/>
+            </a:xfrm>
+            <a:prstGeom prst="rect">
+              <a:avLst/>
+            </a:prstGeom>
+            <a:noFill/>
+          </p:spPr>
+          <p:txBody>
+            <a:bodyPr wrap="square" rtlCol="0">
+              <a:spAutoFit/>
+            </a:bodyPr>
+            <a:lstStyle/>
+            <a:p>
+              <a:pPr algn="ctr"/>
+              <a:r>
+                <a:rPr lang="pl-PL" dirty="0" smtClean="0"/>
+                <a:t>Image1 </a:t>
+              </a:r>
+              <a:endParaRPr lang="pl-PL" dirty="0"/>
+            </a:p>
+          </p:txBody>
+        </p:sp>
+      </p:grpSp>
+      <p:sp>
+        <p:nvSpPr>
+          <p:cNvPr id="30" name="Prostokąt 3"/>
+          <p:cNvSpPr/>
+          <p:nvPr/>
+        </p:nvSpPr>
+        <p:spPr>
+          <a:xfrm>
+            <a:off x="6588224" y="3573016"/>
+            <a:ext cx="792088" cy="1080120"/>
+          </a:xfrm>
+          <a:custGeom>
+            <a:avLst/>
+            <a:gdLst>
+              <a:gd name="connsiteX0" fmla="*/ 0 w 576064"/>
+              <a:gd name="connsiteY0" fmla="*/ 0 h 864096"/>
+              <a:gd name="connsiteX1" fmla="*/ 576064 w 576064"/>
+              <a:gd name="connsiteY1" fmla="*/ 0 h 864096"/>
+              <a:gd name="connsiteX2" fmla="*/ 576064 w 576064"/>
+              <a:gd name="connsiteY2" fmla="*/ 864096 h 864096"/>
+              <a:gd name="connsiteX3" fmla="*/ 0 w 576064"/>
+              <a:gd name="connsiteY3" fmla="*/ 864096 h 864096"/>
+              <a:gd name="connsiteX4" fmla="*/ 0 w 576064"/>
+              <a:gd name="connsiteY4" fmla="*/ 0 h 864096"/>
+              <a:gd name="connsiteX0" fmla="*/ 432 w 576496"/>
+              <a:gd name="connsiteY0" fmla="*/ 0 h 864096"/>
+              <a:gd name="connsiteX1" fmla="*/ 576496 w 576496"/>
+              <a:gd name="connsiteY1" fmla="*/ 0 h 864096"/>
+              <a:gd name="connsiteX2" fmla="*/ 576496 w 576496"/>
+              <a:gd name="connsiteY2" fmla="*/ 864096 h 864096"/>
+              <a:gd name="connsiteX3" fmla="*/ 432 w 576496"/>
+              <a:gd name="connsiteY3" fmla="*/ 864096 h 864096"/>
+              <a:gd name="connsiteX4" fmla="*/ 0 w 576496"/>
+              <a:gd name="connsiteY4" fmla="*/ 355456 h 864096"/>
+              <a:gd name="connsiteX5" fmla="*/ 432 w 576496"/>
+              <a:gd name="connsiteY5" fmla="*/ 0 h 864096"/>
+              <a:gd name="connsiteX0" fmla="*/ 432 w 576496"/>
+              <a:gd name="connsiteY0" fmla="*/ 10304 h 874400"/>
+              <a:gd name="connsiteX1" fmla="*/ 243840 w 576496"/>
+              <a:gd name="connsiteY1" fmla="*/ 0 h 874400"/>
+              <a:gd name="connsiteX2" fmla="*/ 576496 w 576496"/>
+              <a:gd name="connsiteY2" fmla="*/ 10304 h 874400"/>
+              <a:gd name="connsiteX3" fmla="*/ 576496 w 576496"/>
+              <a:gd name="connsiteY3" fmla="*/ 874400 h 874400"/>
+              <a:gd name="connsiteX4" fmla="*/ 432 w 576496"/>
+              <a:gd name="connsiteY4" fmla="*/ 874400 h 874400"/>
+              <a:gd name="connsiteX5" fmla="*/ 0 w 576496"/>
+              <a:gd name="connsiteY5" fmla="*/ 365760 h 874400"/>
+              <a:gd name="connsiteX6" fmla="*/ 432 w 576496"/>
+              <a:gd name="connsiteY6" fmla="*/ 10304 h 874400"/>
+              <a:gd name="connsiteX0" fmla="*/ 0 w 576496"/>
+              <a:gd name="connsiteY0" fmla="*/ 365760 h 874400"/>
+              <a:gd name="connsiteX1" fmla="*/ 243840 w 576496"/>
+              <a:gd name="connsiteY1" fmla="*/ 0 h 874400"/>
+              <a:gd name="connsiteX2" fmla="*/ 576496 w 576496"/>
+              <a:gd name="connsiteY2" fmla="*/ 10304 h 874400"/>
+              <a:gd name="connsiteX3" fmla="*/ 576496 w 576496"/>
+              <a:gd name="connsiteY3" fmla="*/ 874400 h 874400"/>
+              <a:gd name="connsiteX4" fmla="*/ 432 w 576496"/>
+              <a:gd name="connsiteY4" fmla="*/ 874400 h 874400"/>
+              <a:gd name="connsiteX5" fmla="*/ 0 w 576496"/>
+              <a:gd name="connsiteY5" fmla="*/ 365760 h 874400"/>
+              <a:gd name="connsiteX0" fmla="*/ 0 w 576496"/>
+              <a:gd name="connsiteY0" fmla="*/ 213360 h 874400"/>
+              <a:gd name="connsiteX1" fmla="*/ 243840 w 576496"/>
+              <a:gd name="connsiteY1" fmla="*/ 0 h 874400"/>
+              <a:gd name="connsiteX2" fmla="*/ 576496 w 576496"/>
+              <a:gd name="connsiteY2" fmla="*/ 10304 h 874400"/>
+              <a:gd name="connsiteX3" fmla="*/ 576496 w 576496"/>
+              <a:gd name="connsiteY3" fmla="*/ 874400 h 874400"/>
+              <a:gd name="connsiteX4" fmla="*/ 432 w 576496"/>
+              <a:gd name="connsiteY4" fmla="*/ 874400 h 874400"/>
+              <a:gd name="connsiteX5" fmla="*/ 0 w 576496"/>
+              <a:gd name="connsiteY5" fmla="*/ 213360 h 874400"/>
+              <a:gd name="connsiteX0" fmla="*/ 0 w 576496"/>
+              <a:gd name="connsiteY0" fmla="*/ 213360 h 874400"/>
+              <a:gd name="connsiteX1" fmla="*/ 121920 w 576496"/>
+              <a:gd name="connsiteY1" fmla="*/ 0 h 874400"/>
+              <a:gd name="connsiteX2" fmla="*/ 576496 w 576496"/>
+              <a:gd name="connsiteY2" fmla="*/ 10304 h 874400"/>
+              <a:gd name="connsiteX3" fmla="*/ 576496 w 576496"/>
+              <a:gd name="connsiteY3" fmla="*/ 874400 h 874400"/>
+              <a:gd name="connsiteX4" fmla="*/ 432 w 576496"/>
+              <a:gd name="connsiteY4" fmla="*/ 874400 h 874400"/>
+              <a:gd name="connsiteX5" fmla="*/ 0 w 576496"/>
+              <a:gd name="connsiteY5" fmla="*/ 213360 h 874400"/>
+            </a:gdLst>
+            <a:ahLst/>
+            <a:cxnLst>
+              <a:cxn ang="0">
+                <a:pos x="connsiteX0" y="connsiteY0"/>
+              </a:cxn>
+              <a:cxn ang="0">
+                <a:pos x="connsiteX1" y="connsiteY1"/>
+              </a:cxn>
+              <a:cxn ang="0">
+                <a:pos x="connsiteX2" y="connsiteY2"/>
+              </a:cxn>
+              <a:cxn ang="0">
+                <a:pos x="connsiteX3" y="connsiteY3"/>
+              </a:cxn>
+              <a:cxn ang="0">
+                <a:pos x="connsiteX4" y="connsiteY4"/>
+              </a:cxn>
+              <a:cxn ang="0">
+                <a:pos x="connsiteX5" y="connsiteY5"/>
+              </a:cxn>
+            </a:cxnLst>
+            <a:rect l="l" t="t" r="r" b="b"/>
+            <a:pathLst>
+              <a:path w="576496" h="874400">
+                <a:moveTo>
+                  <a:pt x="0" y="213360"/>
+                </a:moveTo>
+                <a:lnTo>
+                  <a:pt x="121920" y="0"/>
+                </a:lnTo>
+                <a:lnTo>
+                  <a:pt x="576496" y="10304"/>
+                </a:lnTo>
+                <a:lnTo>
+                  <a:pt x="576496" y="874400"/>
+                </a:lnTo>
+                <a:lnTo>
+                  <a:pt x="432" y="874400"/>
+                </a:lnTo>
+                <a:lnTo>
+                  <a:pt x="0" y="213360"/>
+                </a:lnTo>
+                <a:close/>
+              </a:path>
+            </a:pathLst>
+          </a:custGeom>
+          <a:solidFill>
+            <a:schemeClr val="accent3"/>
+          </a:solidFill>
+          <a:ln w="76200">
+            <a:solidFill>
+              <a:srgbClr val="00B0F0"/>
+            </a:solidFill>
+          </a:ln>
+          <a:effectLst>
+            <a:outerShdw blurRad="50800" dist="38100" algn="l" rotWithShape="0">
+              <a:prstClr val="black">
+                <a:alpha val="40000"/>
+              </a:prstClr>
+            </a:outerShdw>
+          </a:effectLst>
+        </p:spPr>
+        <p:style>
+          <a:lnRef idx="2">
+            <a:schemeClr val="accent3">
+              <a:shade val="50000"/>
+            </a:schemeClr>
+          </a:lnRef>
+          <a:fillRef idx="1">
+            <a:schemeClr val="accent3"/>
+          </a:fillRef>
+          <a:effectRef idx="0">
+            <a:schemeClr val="accent3"/>
+          </a:effectRef>
+          <a:fontRef idx="minor">
+            <a:schemeClr val="lt1"/>
+          </a:fontRef>
+        </p:style>
+        <p:txBody>
+          <a:bodyPr rtlCol="0" anchor="ctr"/>
+          <a:lstStyle/>
+          <a:p>
+            <a:pPr algn="ctr"/>
+            <a:endParaRPr lang="pl-PL"/>
+          </a:p>
+        </p:txBody>
+      </p:sp>
+      <p:sp>
+        <p:nvSpPr>
+          <p:cNvPr id="31" name="pole tekstowe 30"/>
+          <p:cNvSpPr txBox="1"/>
+          <p:nvPr/>
+        </p:nvSpPr>
+        <p:spPr>
+          <a:xfrm>
+            <a:off x="6624228" y="3850078"/>
+            <a:ext cx="756084" cy="615553"/>
+          </a:xfrm>
+          <a:prstGeom prst="rect">
+            <a:avLst/>
+          </a:prstGeom>
+          <a:noFill/>
+        </p:spPr>
+        <p:txBody>
+          <a:bodyPr wrap="square" rtlCol="0">
+            <a:spAutoFit/>
+          </a:bodyPr>
+          <a:lstStyle/>
+          <a:p>
+            <a:pPr algn="ctr"/>
+            <a:r>
+              <a:rPr lang="pl-PL" sz="1700" dirty="0" err="1" smtClean="0"/>
+              <a:t>ImageTest</a:t>
+            </a:r>
+            <a:endParaRPr lang="pl-PL" sz="1700" dirty="0"/>
+          </a:p>
+        </p:txBody>
+      </p:sp>
+      <p:cxnSp>
+        <p:nvCxnSpPr>
+          <p:cNvPr id="32" name="Łącznik prosty ze strzałką 107"/>
+          <p:cNvCxnSpPr>
+            <a:endCxn id="35" idx="3"/>
+          </p:cNvCxnSpPr>
+          <p:nvPr/>
+        </p:nvCxnSpPr>
+        <p:spPr>
+          <a:xfrm rot="5400000">
+            <a:off x="6602469" y="3637129"/>
+            <a:ext cx="2570149" cy="1014462"/>
+          </a:xfrm>
+          <a:prstGeom prst="bentConnector2">
+            <a:avLst/>
+          </a:prstGeom>
+          <a:ln w="19050">
+            <a:tailEnd type="arrow"/>
+          </a:ln>
+        </p:spPr>
+        <p:style>
+          <a:lnRef idx="1">
+            <a:schemeClr val="accent6"/>
+          </a:lnRef>
+          <a:fillRef idx="0">
+            <a:schemeClr val="accent6"/>
+          </a:fillRef>
+          <a:effectRef idx="0">
+            <a:schemeClr val="accent6"/>
+          </a:effectRef>
+          <a:fontRef idx="minor">
+            <a:schemeClr val="tx1"/>
+          </a:fontRef>
+        </p:style>
+      </p:cxnSp>
+      <p:sp>
+        <p:nvSpPr>
+          <p:cNvPr id="34" name="Prostokąt 3"/>
+          <p:cNvSpPr/>
+          <p:nvPr/>
+        </p:nvSpPr>
+        <p:spPr>
+          <a:xfrm>
+            <a:off x="6588224" y="4823052"/>
+            <a:ext cx="792088" cy="1080120"/>
+          </a:xfrm>
+          <a:custGeom>
+            <a:avLst/>
+            <a:gdLst>
+              <a:gd name="connsiteX0" fmla="*/ 0 w 576064"/>
+              <a:gd name="connsiteY0" fmla="*/ 0 h 864096"/>
+              <a:gd name="connsiteX1" fmla="*/ 576064 w 576064"/>
+              <a:gd name="connsiteY1" fmla="*/ 0 h 864096"/>
+              <a:gd name="connsiteX2" fmla="*/ 576064 w 576064"/>
+              <a:gd name="connsiteY2" fmla="*/ 864096 h 864096"/>
+              <a:gd name="connsiteX3" fmla="*/ 0 w 576064"/>
+              <a:gd name="connsiteY3" fmla="*/ 864096 h 864096"/>
+              <a:gd name="connsiteX4" fmla="*/ 0 w 576064"/>
+              <a:gd name="connsiteY4" fmla="*/ 0 h 864096"/>
+              <a:gd name="connsiteX0" fmla="*/ 432 w 576496"/>
+              <a:gd name="connsiteY0" fmla="*/ 0 h 864096"/>
+              <a:gd name="connsiteX1" fmla="*/ 576496 w 576496"/>
+              <a:gd name="connsiteY1" fmla="*/ 0 h 864096"/>
+              <a:gd name="connsiteX2" fmla="*/ 576496 w 576496"/>
+              <a:gd name="connsiteY2" fmla="*/ 864096 h 864096"/>
+              <a:gd name="connsiteX3" fmla="*/ 432 w 576496"/>
+              <a:gd name="connsiteY3" fmla="*/ 864096 h 864096"/>
+              <a:gd name="connsiteX4" fmla="*/ 0 w 576496"/>
+              <a:gd name="connsiteY4" fmla="*/ 355456 h 864096"/>
+              <a:gd name="connsiteX5" fmla="*/ 432 w 576496"/>
+              <a:gd name="connsiteY5" fmla="*/ 0 h 864096"/>
+              <a:gd name="connsiteX0" fmla="*/ 432 w 576496"/>
+              <a:gd name="connsiteY0" fmla="*/ 10304 h 874400"/>
+              <a:gd name="connsiteX1" fmla="*/ 243840 w 576496"/>
+              <a:gd name="connsiteY1" fmla="*/ 0 h 874400"/>
+              <a:gd name="connsiteX2" fmla="*/ 576496 w 576496"/>
+              <a:gd name="connsiteY2" fmla="*/ 10304 h 874400"/>
+              <a:gd name="connsiteX3" fmla="*/ 576496 w 576496"/>
+              <a:gd name="connsiteY3" fmla="*/ 874400 h 874400"/>
+              <a:gd name="connsiteX4" fmla="*/ 432 w 576496"/>
+              <a:gd name="connsiteY4" fmla="*/ 874400 h 874400"/>
+              <a:gd name="connsiteX5" fmla="*/ 0 w 576496"/>
+              <a:gd name="connsiteY5" fmla="*/ 365760 h 874400"/>
+              <a:gd name="connsiteX6" fmla="*/ 432 w 576496"/>
+              <a:gd name="connsiteY6" fmla="*/ 10304 h 874400"/>
+              <a:gd name="connsiteX0" fmla="*/ 0 w 576496"/>
+              <a:gd name="connsiteY0" fmla="*/ 365760 h 874400"/>
+              <a:gd name="connsiteX1" fmla="*/ 243840 w 576496"/>
+              <a:gd name="connsiteY1" fmla="*/ 0 h 874400"/>
+              <a:gd name="connsiteX2" fmla="*/ 576496 w 576496"/>
+              <a:gd name="connsiteY2" fmla="*/ 10304 h 874400"/>
+              <a:gd name="connsiteX3" fmla="*/ 576496 w 576496"/>
+              <a:gd name="connsiteY3" fmla="*/ 874400 h 874400"/>
+              <a:gd name="connsiteX4" fmla="*/ 432 w 576496"/>
+              <a:gd name="connsiteY4" fmla="*/ 874400 h 874400"/>
+              <a:gd name="connsiteX5" fmla="*/ 0 w 576496"/>
+              <a:gd name="connsiteY5" fmla="*/ 365760 h 874400"/>
+              <a:gd name="connsiteX0" fmla="*/ 0 w 576496"/>
+              <a:gd name="connsiteY0" fmla="*/ 213360 h 874400"/>
+              <a:gd name="connsiteX1" fmla="*/ 243840 w 576496"/>
+              <a:gd name="connsiteY1" fmla="*/ 0 h 874400"/>
+              <a:gd name="connsiteX2" fmla="*/ 576496 w 576496"/>
+              <a:gd name="connsiteY2" fmla="*/ 10304 h 874400"/>
+              <a:gd name="connsiteX3" fmla="*/ 576496 w 576496"/>
+              <a:gd name="connsiteY3" fmla="*/ 874400 h 874400"/>
+              <a:gd name="connsiteX4" fmla="*/ 432 w 576496"/>
+              <a:gd name="connsiteY4" fmla="*/ 874400 h 874400"/>
+              <a:gd name="connsiteX5" fmla="*/ 0 w 576496"/>
+              <a:gd name="connsiteY5" fmla="*/ 213360 h 874400"/>
+              <a:gd name="connsiteX0" fmla="*/ 0 w 576496"/>
+              <a:gd name="connsiteY0" fmla="*/ 213360 h 874400"/>
+              <a:gd name="connsiteX1" fmla="*/ 121920 w 576496"/>
+              <a:gd name="connsiteY1" fmla="*/ 0 h 874400"/>
+              <a:gd name="connsiteX2" fmla="*/ 576496 w 576496"/>
+              <a:gd name="connsiteY2" fmla="*/ 10304 h 874400"/>
+              <a:gd name="connsiteX3" fmla="*/ 576496 w 576496"/>
+              <a:gd name="connsiteY3" fmla="*/ 874400 h 874400"/>
+              <a:gd name="connsiteX4" fmla="*/ 432 w 576496"/>
+              <a:gd name="connsiteY4" fmla="*/ 874400 h 874400"/>
+              <a:gd name="connsiteX5" fmla="*/ 0 w 576496"/>
+              <a:gd name="connsiteY5" fmla="*/ 213360 h 874400"/>
+            </a:gdLst>
+            <a:ahLst/>
+            <a:cxnLst>
+              <a:cxn ang="0">
+                <a:pos x="connsiteX0" y="connsiteY0"/>
+              </a:cxn>
+              <a:cxn ang="0">
+                <a:pos x="connsiteX1" y="connsiteY1"/>
+              </a:cxn>
+              <a:cxn ang="0">
+                <a:pos x="connsiteX2" y="connsiteY2"/>
+              </a:cxn>
+              <a:cxn ang="0">
+                <a:pos x="connsiteX3" y="connsiteY3"/>
+              </a:cxn>
+              <a:cxn ang="0">
+                <a:pos x="connsiteX4" y="connsiteY4"/>
+              </a:cxn>
+              <a:cxn ang="0">
+                <a:pos x="connsiteX5" y="connsiteY5"/>
+              </a:cxn>
+            </a:cxnLst>
+            <a:rect l="l" t="t" r="r" b="b"/>
+            <a:pathLst>
+              <a:path w="576496" h="874400">
+                <a:moveTo>
+                  <a:pt x="0" y="213360"/>
+                </a:moveTo>
+                <a:lnTo>
+                  <a:pt x="121920" y="0"/>
+                </a:lnTo>
+                <a:lnTo>
+                  <a:pt x="576496" y="10304"/>
+                </a:lnTo>
+                <a:lnTo>
+                  <a:pt x="576496" y="874400"/>
+                </a:lnTo>
+                <a:lnTo>
+                  <a:pt x="432" y="874400"/>
+                </a:lnTo>
+                <a:lnTo>
+                  <a:pt x="0" y="213360"/>
+                </a:lnTo>
+                <a:close/>
+              </a:path>
+            </a:pathLst>
+          </a:custGeom>
+          <a:solidFill>
+            <a:schemeClr val="accent1"/>
+          </a:solidFill>
+          <a:ln w="76200">
+            <a:solidFill>
+              <a:srgbClr val="00B0F0"/>
+            </a:solidFill>
+          </a:ln>
+          <a:effectLst>
+            <a:outerShdw blurRad="50800" dist="38100" algn="l" rotWithShape="0">
+              <a:prstClr val="black">
+                <a:alpha val="40000"/>
+              </a:prstClr>
+            </a:outerShdw>
+          </a:effectLst>
+        </p:spPr>
+        <p:style>
+          <a:lnRef idx="2">
+            <a:schemeClr val="accent3">
+              <a:shade val="50000"/>
+            </a:schemeClr>
+          </a:lnRef>
+          <a:fillRef idx="1">
+            <a:schemeClr val="accent3"/>
+          </a:fillRef>
+          <a:effectRef idx="0">
+            <a:schemeClr val="accent3"/>
+          </a:effectRef>
+          <a:fontRef idx="minor">
+            <a:schemeClr val="lt1"/>
+          </a:fontRef>
+        </p:style>
+        <p:txBody>
+          <a:bodyPr rtlCol="0" anchor="ctr"/>
+          <a:lstStyle/>
+          <a:p>
+            <a:pPr algn="ctr"/>
+            <a:endParaRPr lang="pl-PL"/>
+          </a:p>
+        </p:txBody>
+      </p:sp>
+      <p:sp>
+        <p:nvSpPr>
+          <p:cNvPr id="35" name="pole tekstowe 34"/>
+          <p:cNvSpPr txBox="1"/>
+          <p:nvPr/>
+        </p:nvSpPr>
+        <p:spPr>
+          <a:xfrm>
+            <a:off x="6588224" y="5106269"/>
+            <a:ext cx="792088" cy="646331"/>
+          </a:xfrm>
+          <a:prstGeom prst="rect">
+            <a:avLst/>
+          </a:prstGeom>
+          <a:noFill/>
+        </p:spPr>
+        <p:txBody>
+          <a:bodyPr wrap="square" rtlCol="0">
+            <a:spAutoFit/>
+          </a:bodyPr>
+          <a:lstStyle/>
+          <a:p>
+            <a:pPr algn="ctr"/>
+            <a:r>
+              <a:rPr lang="pl-PL" dirty="0" err="1" smtClean="0"/>
+              <a:t>Pose</a:t>
+            </a:r>
+            <a:r>
+              <a:rPr lang="pl-PL" dirty="0" smtClean="0"/>
+              <a:t> Test</a:t>
+            </a:r>
+            <a:endParaRPr lang="pl-PL" dirty="0"/>
+          </a:p>
+        </p:txBody>
+      </p:sp>
+      <p:cxnSp>
+        <p:nvCxnSpPr>
+          <p:cNvPr id="36" name="Łącznik prosty ze strzałką 35"/>
+          <p:cNvCxnSpPr>
+            <a:stCxn id="31" idx="1"/>
+          </p:cNvCxnSpPr>
+          <p:nvPr/>
+        </p:nvCxnSpPr>
+        <p:spPr>
+          <a:xfrm flipH="1">
+            <a:off x="4968044" y="4157855"/>
+            <a:ext cx="1656184" cy="15389"/>
+          </a:xfrm>
+          <a:prstGeom prst="straightConnector1">
+            <a:avLst/>
+          </a:prstGeom>
+          <a:ln w="19050">
+            <a:tailEnd type="arrow"/>
+          </a:ln>
+        </p:spPr>
+        <p:style>
+          <a:lnRef idx="1">
+            <a:schemeClr val="accent6"/>
+          </a:lnRef>
+          <a:fillRef idx="0">
+            <a:schemeClr val="accent6"/>
+          </a:fillRef>
+          <a:effectRef idx="0">
+            <a:schemeClr val="accent6"/>
+          </a:effectRef>
+          <a:fontRef idx="minor">
+            <a:schemeClr val="tx1"/>
+          </a:fontRef>
+        </p:style>
+      </p:cxnSp>
+      <p:sp>
+        <p:nvSpPr>
+          <p:cNvPr id="37" name="pole tekstowe 36"/>
+          <p:cNvSpPr txBox="1"/>
+          <p:nvPr/>
+        </p:nvSpPr>
+        <p:spPr>
+          <a:xfrm>
+            <a:off x="5562803" y="3810066"/>
+            <a:ext cx="538674" cy="369332"/>
+          </a:xfrm>
+          <a:prstGeom prst="rect">
+            <a:avLst/>
+          </a:prstGeom>
+          <a:noFill/>
+        </p:spPr>
+        <p:txBody>
+          <a:bodyPr wrap="none" rtlCol="0">
+            <a:spAutoFit/>
+          </a:bodyPr>
+          <a:lstStyle/>
+          <a:p>
+            <a:r>
+              <a:rPr lang="pl-PL" i="1" dirty="0" smtClean="0"/>
+              <a:t>test</a:t>
+            </a:r>
+            <a:endParaRPr lang="pl-PL" i="1" dirty="0"/>
+          </a:p>
+        </p:txBody>
+      </p:sp>
+      <p:sp>
+        <p:nvSpPr>
+          <p:cNvPr id="43" name="Prostokąt 3"/>
+          <p:cNvSpPr/>
+          <p:nvPr/>
+        </p:nvSpPr>
+        <p:spPr>
+          <a:xfrm>
+            <a:off x="755576" y="3573016"/>
+            <a:ext cx="792088" cy="1080120"/>
+          </a:xfrm>
+          <a:custGeom>
+            <a:avLst/>
+            <a:gdLst>
+              <a:gd name="connsiteX0" fmla="*/ 0 w 576064"/>
+              <a:gd name="connsiteY0" fmla="*/ 0 h 864096"/>
+              <a:gd name="connsiteX1" fmla="*/ 576064 w 576064"/>
+              <a:gd name="connsiteY1" fmla="*/ 0 h 864096"/>
+              <a:gd name="connsiteX2" fmla="*/ 576064 w 576064"/>
+              <a:gd name="connsiteY2" fmla="*/ 864096 h 864096"/>
+              <a:gd name="connsiteX3" fmla="*/ 0 w 576064"/>
+              <a:gd name="connsiteY3" fmla="*/ 864096 h 864096"/>
+              <a:gd name="connsiteX4" fmla="*/ 0 w 576064"/>
+              <a:gd name="connsiteY4" fmla="*/ 0 h 864096"/>
+              <a:gd name="connsiteX0" fmla="*/ 432 w 576496"/>
+              <a:gd name="connsiteY0" fmla="*/ 0 h 864096"/>
+              <a:gd name="connsiteX1" fmla="*/ 576496 w 576496"/>
+              <a:gd name="connsiteY1" fmla="*/ 0 h 864096"/>
+              <a:gd name="connsiteX2" fmla="*/ 576496 w 576496"/>
+              <a:gd name="connsiteY2" fmla="*/ 864096 h 864096"/>
+              <a:gd name="connsiteX3" fmla="*/ 432 w 576496"/>
+              <a:gd name="connsiteY3" fmla="*/ 864096 h 864096"/>
+              <a:gd name="connsiteX4" fmla="*/ 0 w 576496"/>
+              <a:gd name="connsiteY4" fmla="*/ 355456 h 864096"/>
+              <a:gd name="connsiteX5" fmla="*/ 432 w 576496"/>
+              <a:gd name="connsiteY5" fmla="*/ 0 h 864096"/>
+              <a:gd name="connsiteX0" fmla="*/ 432 w 576496"/>
+              <a:gd name="connsiteY0" fmla="*/ 10304 h 874400"/>
+              <a:gd name="connsiteX1" fmla="*/ 243840 w 576496"/>
+              <a:gd name="connsiteY1" fmla="*/ 0 h 874400"/>
+              <a:gd name="connsiteX2" fmla="*/ 576496 w 576496"/>
+              <a:gd name="connsiteY2" fmla="*/ 10304 h 874400"/>
+              <a:gd name="connsiteX3" fmla="*/ 576496 w 576496"/>
+              <a:gd name="connsiteY3" fmla="*/ 874400 h 874400"/>
+              <a:gd name="connsiteX4" fmla="*/ 432 w 576496"/>
+              <a:gd name="connsiteY4" fmla="*/ 874400 h 874400"/>
+              <a:gd name="connsiteX5" fmla="*/ 0 w 576496"/>
+              <a:gd name="connsiteY5" fmla="*/ 365760 h 874400"/>
+              <a:gd name="connsiteX6" fmla="*/ 432 w 576496"/>
+              <a:gd name="connsiteY6" fmla="*/ 10304 h 874400"/>
+              <a:gd name="connsiteX0" fmla="*/ 0 w 576496"/>
+              <a:gd name="connsiteY0" fmla="*/ 365760 h 874400"/>
+              <a:gd name="connsiteX1" fmla="*/ 243840 w 576496"/>
+              <a:gd name="connsiteY1" fmla="*/ 0 h 874400"/>
+              <a:gd name="connsiteX2" fmla="*/ 576496 w 576496"/>
+              <a:gd name="connsiteY2" fmla="*/ 10304 h 874400"/>
+              <a:gd name="connsiteX3" fmla="*/ 576496 w 576496"/>
+              <a:gd name="connsiteY3" fmla="*/ 874400 h 874400"/>
+              <a:gd name="connsiteX4" fmla="*/ 432 w 576496"/>
+              <a:gd name="connsiteY4" fmla="*/ 874400 h 874400"/>
+              <a:gd name="connsiteX5" fmla="*/ 0 w 576496"/>
+              <a:gd name="connsiteY5" fmla="*/ 365760 h 874400"/>
+              <a:gd name="connsiteX0" fmla="*/ 0 w 576496"/>
+              <a:gd name="connsiteY0" fmla="*/ 213360 h 874400"/>
+              <a:gd name="connsiteX1" fmla="*/ 243840 w 576496"/>
+              <a:gd name="connsiteY1" fmla="*/ 0 h 874400"/>
+              <a:gd name="connsiteX2" fmla="*/ 576496 w 576496"/>
+              <a:gd name="connsiteY2" fmla="*/ 10304 h 874400"/>
+              <a:gd name="connsiteX3" fmla="*/ 576496 w 576496"/>
+              <a:gd name="connsiteY3" fmla="*/ 874400 h 874400"/>
+              <a:gd name="connsiteX4" fmla="*/ 432 w 576496"/>
+              <a:gd name="connsiteY4" fmla="*/ 874400 h 874400"/>
+              <a:gd name="connsiteX5" fmla="*/ 0 w 576496"/>
+              <a:gd name="connsiteY5" fmla="*/ 213360 h 874400"/>
+              <a:gd name="connsiteX0" fmla="*/ 0 w 576496"/>
+              <a:gd name="connsiteY0" fmla="*/ 213360 h 874400"/>
+              <a:gd name="connsiteX1" fmla="*/ 121920 w 576496"/>
+              <a:gd name="connsiteY1" fmla="*/ 0 h 874400"/>
+              <a:gd name="connsiteX2" fmla="*/ 576496 w 576496"/>
+              <a:gd name="connsiteY2" fmla="*/ 10304 h 874400"/>
+              <a:gd name="connsiteX3" fmla="*/ 576496 w 576496"/>
+              <a:gd name="connsiteY3" fmla="*/ 874400 h 874400"/>
+              <a:gd name="connsiteX4" fmla="*/ 432 w 576496"/>
+              <a:gd name="connsiteY4" fmla="*/ 874400 h 874400"/>
+              <a:gd name="connsiteX5" fmla="*/ 0 w 576496"/>
+              <a:gd name="connsiteY5" fmla="*/ 213360 h 874400"/>
+            </a:gdLst>
+            <a:ahLst/>
+            <a:cxnLst>
+              <a:cxn ang="0">
+                <a:pos x="connsiteX0" y="connsiteY0"/>
+              </a:cxn>
+              <a:cxn ang="0">
+                <a:pos x="connsiteX1" y="connsiteY1"/>
+              </a:cxn>
+              <a:cxn ang="0">
+                <a:pos x="connsiteX2" y="connsiteY2"/>
+              </a:cxn>
+              <a:cxn ang="0">
+                <a:pos x="connsiteX3" y="connsiteY3"/>
+              </a:cxn>
+              <a:cxn ang="0">
+                <a:pos x="connsiteX4" y="connsiteY4"/>
+              </a:cxn>
+              <a:cxn ang="0">
+                <a:pos x="connsiteX5" y="connsiteY5"/>
+              </a:cxn>
+            </a:cxnLst>
+            <a:rect l="l" t="t" r="r" b="b"/>
+            <a:pathLst>
+              <a:path w="576496" h="874400">
+                <a:moveTo>
+                  <a:pt x="0" y="213360"/>
+                </a:moveTo>
+                <a:lnTo>
+                  <a:pt x="121920" y="0"/>
+                </a:lnTo>
+                <a:lnTo>
+                  <a:pt x="576496" y="10304"/>
+                </a:lnTo>
+                <a:lnTo>
+                  <a:pt x="576496" y="874400"/>
+                </a:lnTo>
+                <a:lnTo>
+                  <a:pt x="432" y="874400"/>
+                </a:lnTo>
+                <a:lnTo>
+                  <a:pt x="0" y="213360"/>
+                </a:lnTo>
+                <a:close/>
+              </a:path>
+            </a:pathLst>
+          </a:custGeom>
+          <a:solidFill>
+            <a:schemeClr val="accent1"/>
+          </a:solidFill>
+          <a:ln w="76200">
+            <a:solidFill>
+              <a:srgbClr val="00B0F0"/>
+            </a:solidFill>
+          </a:ln>
+          <a:effectLst>
+            <a:outerShdw blurRad="50800" dist="38100" algn="l" rotWithShape="0">
+              <a:prstClr val="black">
+                <a:alpha val="40000"/>
+              </a:prstClr>
+            </a:outerShdw>
+          </a:effectLst>
+        </p:spPr>
+        <p:style>
+          <a:lnRef idx="2">
+            <a:schemeClr val="accent3">
+              <a:shade val="50000"/>
+            </a:schemeClr>
+          </a:lnRef>
+          <a:fillRef idx="1">
+            <a:schemeClr val="accent3"/>
+          </a:fillRef>
+          <a:effectRef idx="0">
+            <a:schemeClr val="accent3"/>
+          </a:effectRef>
+          <a:fontRef idx="minor">
+            <a:schemeClr val="lt1"/>
+          </a:fontRef>
+        </p:style>
+        <p:txBody>
+          <a:bodyPr rtlCol="0" anchor="ctr"/>
+          <a:lstStyle/>
+          <a:p>
+            <a:pPr algn="ctr"/>
+            <a:endParaRPr lang="pl-PL"/>
+          </a:p>
+        </p:txBody>
+      </p:sp>
+      <p:sp>
+        <p:nvSpPr>
+          <p:cNvPr id="44" name="pole tekstowe 43"/>
+          <p:cNvSpPr txBox="1"/>
+          <p:nvPr/>
+        </p:nvSpPr>
+        <p:spPr>
+          <a:xfrm>
+            <a:off x="827584" y="3992767"/>
+            <a:ext cx="648072" cy="369332"/>
+          </a:xfrm>
+          <a:prstGeom prst="rect">
+            <a:avLst/>
+          </a:prstGeom>
+          <a:solidFill>
+            <a:schemeClr val="accent1"/>
+          </a:solidFill>
+        </p:spPr>
+        <p:txBody>
+          <a:bodyPr wrap="square" rtlCol="0">
+            <a:spAutoFit/>
+          </a:bodyPr>
+          <a:lstStyle/>
+          <a:p>
+            <a:pPr algn="ctr"/>
+            <a:r>
+              <a:rPr lang="pl-PL" dirty="0" err="1" smtClean="0"/>
+              <a:t>Pose</a:t>
+            </a:r>
+            <a:endParaRPr lang="pl-PL" dirty="0"/>
+          </a:p>
+        </p:txBody>
+      </p:sp>
+      <p:cxnSp>
+        <p:nvCxnSpPr>
+          <p:cNvPr id="45" name="Łącznik prosty ze strzałką 44"/>
+          <p:cNvCxnSpPr/>
+          <p:nvPr/>
+        </p:nvCxnSpPr>
+        <p:spPr>
+          <a:xfrm flipH="1">
+            <a:off x="1547664" y="4179399"/>
+            <a:ext cx="1360208" cy="0"/>
+          </a:xfrm>
+          <a:prstGeom prst="straightConnector1">
+            <a:avLst/>
+          </a:prstGeom>
+          <a:ln w="19050">
+            <a:tailEnd type="arrow"/>
+          </a:ln>
+        </p:spPr>
+        <p:style>
+          <a:lnRef idx="1">
+            <a:schemeClr val="accent6"/>
+          </a:lnRef>
+          <a:fillRef idx="0">
+            <a:schemeClr val="accent6"/>
+          </a:fillRef>
+          <a:effectRef idx="0">
+            <a:schemeClr val="accent6"/>
+          </a:effectRef>
+          <a:fontRef idx="minor">
+            <a:schemeClr val="tx1"/>
+          </a:fontRef>
+        </p:style>
+      </p:cxnSp>
+      <p:cxnSp>
+        <p:nvCxnSpPr>
+          <p:cNvPr id="46" name="Łącznik łamany 45"/>
+          <p:cNvCxnSpPr/>
+          <p:nvPr/>
+        </p:nvCxnSpPr>
+        <p:spPr>
+          <a:xfrm>
+            <a:off x="1151620" y="4653136"/>
+            <a:ext cx="1764196" cy="776299"/>
+          </a:xfrm>
+          <a:prstGeom prst="bentConnector3">
+            <a:avLst>
+              <a:gd name="adj1" fmla="val -728"/>
+            </a:avLst>
+          </a:prstGeom>
+          <a:ln w="19050">
+            <a:tailEnd type="arrow"/>
+          </a:ln>
+        </p:spPr>
+        <p:style>
+          <a:lnRef idx="1">
+            <a:schemeClr val="accent6"/>
+          </a:lnRef>
+          <a:fillRef idx="0">
+            <a:schemeClr val="accent6"/>
+          </a:fillRef>
+          <a:effectRef idx="0">
+            <a:schemeClr val="accent6"/>
+          </a:effectRef>
+          <a:fontRef idx="minor">
+            <a:schemeClr val="tx1"/>
+          </a:fontRef>
+        </p:style>
+      </p:cxnSp>
+      <p:cxnSp>
+        <p:nvCxnSpPr>
+          <p:cNvPr id="47" name="Łącznik prosty ze strzałką 46"/>
+          <p:cNvCxnSpPr>
+            <a:stCxn id="35" idx="1"/>
+          </p:cNvCxnSpPr>
+          <p:nvPr/>
+        </p:nvCxnSpPr>
+        <p:spPr>
+          <a:xfrm flipH="1">
+            <a:off x="4924095" y="5429435"/>
+            <a:ext cx="1664129" cy="0"/>
+          </a:xfrm>
+          <a:prstGeom prst="straightConnector1">
+            <a:avLst/>
+          </a:prstGeom>
+          <a:ln w="19050">
+            <a:tailEnd type="arrow"/>
+          </a:ln>
+        </p:spPr>
+        <p:style>
+          <a:lnRef idx="1">
+            <a:schemeClr val="accent6"/>
+          </a:lnRef>
+          <a:fillRef idx="0">
+            <a:schemeClr val="accent6"/>
+          </a:fillRef>
+          <a:effectRef idx="0">
+            <a:schemeClr val="accent6"/>
+          </a:effectRef>
+          <a:fontRef idx="minor">
+            <a:schemeClr val="tx1"/>
+          </a:fontRef>
+        </p:style>
+      </p:cxnSp>
+      <p:cxnSp>
+        <p:nvCxnSpPr>
+          <p:cNvPr id="48" name="Łącznik prosty ze strzałką 47"/>
+          <p:cNvCxnSpPr>
+            <a:stCxn id="23" idx="2"/>
+          </p:cNvCxnSpPr>
+          <p:nvPr/>
+        </p:nvCxnSpPr>
+        <p:spPr>
+          <a:xfrm>
+            <a:off x="3923928" y="5877272"/>
+            <a:ext cx="0" cy="504056"/>
+          </a:xfrm>
+          <a:prstGeom prst="straightConnector1">
+            <a:avLst/>
+          </a:prstGeom>
+          <a:ln w="19050">
+            <a:tailEnd type="arrow"/>
+          </a:ln>
+        </p:spPr>
+        <p:style>
+          <a:lnRef idx="1">
+            <a:schemeClr val="accent6"/>
+          </a:lnRef>
+          <a:fillRef idx="0">
+            <a:schemeClr val="accent6"/>
+          </a:fillRef>
+          <a:effectRef idx="0">
+            <a:schemeClr val="accent6"/>
+          </a:effectRef>
+          <a:fontRef idx="minor">
+            <a:schemeClr val="tx1"/>
+          </a:fontRef>
+        </p:style>
+      </p:cxnSp>
+      <p:sp>
+        <p:nvSpPr>
+          <p:cNvPr id="49" name="pole tekstowe 48"/>
+          <p:cNvSpPr txBox="1"/>
+          <p:nvPr/>
+        </p:nvSpPr>
+        <p:spPr>
+          <a:xfrm>
+            <a:off x="3564599" y="6309320"/>
+            <a:ext cx="718658" cy="369332"/>
+          </a:xfrm>
+          <a:prstGeom prst="rect">
+            <a:avLst/>
+          </a:prstGeom>
+          <a:noFill/>
+        </p:spPr>
+        <p:txBody>
+          <a:bodyPr wrap="none" rtlCol="0">
+            <a:spAutoFit/>
+          </a:bodyPr>
+          <a:lstStyle/>
+          <a:p>
+            <a:r>
+              <a:rPr lang="pl-PL" dirty="0" err="1" smtClean="0"/>
+              <a:t>result</a:t>
+            </a:r>
+            <a:endParaRPr lang="pl-PL" dirty="0"/>
+          </a:p>
+        </p:txBody>
+      </p:sp>
+      <p:sp>
+        <p:nvSpPr>
+          <p:cNvPr id="51" name="Prostokąt 3"/>
+          <p:cNvSpPr/>
+          <p:nvPr/>
+        </p:nvSpPr>
+        <p:spPr>
+          <a:xfrm>
+            <a:off x="1547664" y="1772816"/>
+            <a:ext cx="792088" cy="1080120"/>
+          </a:xfrm>
+          <a:custGeom>
+            <a:avLst/>
+            <a:gdLst>
+              <a:gd name="connsiteX0" fmla="*/ 0 w 576064"/>
+              <a:gd name="connsiteY0" fmla="*/ 0 h 864096"/>
+              <a:gd name="connsiteX1" fmla="*/ 576064 w 576064"/>
+              <a:gd name="connsiteY1" fmla="*/ 0 h 864096"/>
+              <a:gd name="connsiteX2" fmla="*/ 576064 w 576064"/>
+              <a:gd name="connsiteY2" fmla="*/ 864096 h 864096"/>
+              <a:gd name="connsiteX3" fmla="*/ 0 w 576064"/>
+              <a:gd name="connsiteY3" fmla="*/ 864096 h 864096"/>
+              <a:gd name="connsiteX4" fmla="*/ 0 w 576064"/>
+              <a:gd name="connsiteY4" fmla="*/ 0 h 864096"/>
+              <a:gd name="connsiteX0" fmla="*/ 432 w 576496"/>
+              <a:gd name="connsiteY0" fmla="*/ 0 h 864096"/>
+              <a:gd name="connsiteX1" fmla="*/ 576496 w 576496"/>
+              <a:gd name="connsiteY1" fmla="*/ 0 h 864096"/>
+              <a:gd name="connsiteX2" fmla="*/ 576496 w 576496"/>
+              <a:gd name="connsiteY2" fmla="*/ 864096 h 864096"/>
+              <a:gd name="connsiteX3" fmla="*/ 432 w 576496"/>
+              <a:gd name="connsiteY3" fmla="*/ 864096 h 864096"/>
+              <a:gd name="connsiteX4" fmla="*/ 0 w 576496"/>
+              <a:gd name="connsiteY4" fmla="*/ 355456 h 864096"/>
+              <a:gd name="connsiteX5" fmla="*/ 432 w 576496"/>
+              <a:gd name="connsiteY5" fmla="*/ 0 h 864096"/>
+              <a:gd name="connsiteX0" fmla="*/ 432 w 576496"/>
+              <a:gd name="connsiteY0" fmla="*/ 10304 h 874400"/>
+              <a:gd name="connsiteX1" fmla="*/ 243840 w 576496"/>
+              <a:gd name="connsiteY1" fmla="*/ 0 h 874400"/>
+              <a:gd name="connsiteX2" fmla="*/ 576496 w 576496"/>
+              <a:gd name="connsiteY2" fmla="*/ 10304 h 874400"/>
+              <a:gd name="connsiteX3" fmla="*/ 576496 w 576496"/>
+              <a:gd name="connsiteY3" fmla="*/ 874400 h 874400"/>
+              <a:gd name="connsiteX4" fmla="*/ 432 w 576496"/>
+              <a:gd name="connsiteY4" fmla="*/ 874400 h 874400"/>
+              <a:gd name="connsiteX5" fmla="*/ 0 w 576496"/>
+              <a:gd name="connsiteY5" fmla="*/ 365760 h 874400"/>
+              <a:gd name="connsiteX6" fmla="*/ 432 w 576496"/>
+              <a:gd name="connsiteY6" fmla="*/ 10304 h 874400"/>
+              <a:gd name="connsiteX0" fmla="*/ 0 w 576496"/>
+              <a:gd name="connsiteY0" fmla="*/ 365760 h 874400"/>
+              <a:gd name="connsiteX1" fmla="*/ 243840 w 576496"/>
+              <a:gd name="connsiteY1" fmla="*/ 0 h 874400"/>
+              <a:gd name="connsiteX2" fmla="*/ 576496 w 576496"/>
+              <a:gd name="connsiteY2" fmla="*/ 10304 h 874400"/>
+              <a:gd name="connsiteX3" fmla="*/ 576496 w 576496"/>
+              <a:gd name="connsiteY3" fmla="*/ 874400 h 874400"/>
+              <a:gd name="connsiteX4" fmla="*/ 432 w 576496"/>
+              <a:gd name="connsiteY4" fmla="*/ 874400 h 874400"/>
+              <a:gd name="connsiteX5" fmla="*/ 0 w 576496"/>
+              <a:gd name="connsiteY5" fmla="*/ 365760 h 874400"/>
+              <a:gd name="connsiteX0" fmla="*/ 0 w 576496"/>
+              <a:gd name="connsiteY0" fmla="*/ 213360 h 874400"/>
+              <a:gd name="connsiteX1" fmla="*/ 243840 w 576496"/>
+              <a:gd name="connsiteY1" fmla="*/ 0 h 874400"/>
+              <a:gd name="connsiteX2" fmla="*/ 576496 w 576496"/>
+              <a:gd name="connsiteY2" fmla="*/ 10304 h 874400"/>
+              <a:gd name="connsiteX3" fmla="*/ 576496 w 576496"/>
+              <a:gd name="connsiteY3" fmla="*/ 874400 h 874400"/>
+              <a:gd name="connsiteX4" fmla="*/ 432 w 576496"/>
+              <a:gd name="connsiteY4" fmla="*/ 874400 h 874400"/>
+              <a:gd name="connsiteX5" fmla="*/ 0 w 576496"/>
+              <a:gd name="connsiteY5" fmla="*/ 213360 h 874400"/>
+              <a:gd name="connsiteX0" fmla="*/ 0 w 576496"/>
+              <a:gd name="connsiteY0" fmla="*/ 213360 h 874400"/>
+              <a:gd name="connsiteX1" fmla="*/ 121920 w 576496"/>
+              <a:gd name="connsiteY1" fmla="*/ 0 h 874400"/>
+              <a:gd name="connsiteX2" fmla="*/ 576496 w 576496"/>
+              <a:gd name="connsiteY2" fmla="*/ 10304 h 874400"/>
+              <a:gd name="connsiteX3" fmla="*/ 576496 w 576496"/>
+              <a:gd name="connsiteY3" fmla="*/ 874400 h 874400"/>
+              <a:gd name="connsiteX4" fmla="*/ 432 w 576496"/>
+              <a:gd name="connsiteY4" fmla="*/ 874400 h 874400"/>
+              <a:gd name="connsiteX5" fmla="*/ 0 w 576496"/>
+              <a:gd name="connsiteY5" fmla="*/ 213360 h 874400"/>
+            </a:gdLst>
+            <a:ahLst/>
+            <a:cxnLst>
+              <a:cxn ang="0">
+                <a:pos x="connsiteX0" y="connsiteY0"/>
+              </a:cxn>
+              <a:cxn ang="0">
+                <a:pos x="connsiteX1" y="connsiteY1"/>
+              </a:cxn>
+              <a:cxn ang="0">
+                <a:pos x="connsiteX2" y="connsiteY2"/>
+              </a:cxn>
+              <a:cxn ang="0">
+                <a:pos x="connsiteX3" y="connsiteY3"/>
+              </a:cxn>
+              <a:cxn ang="0">
+                <a:pos x="connsiteX4" y="connsiteY4"/>
+              </a:cxn>
+              <a:cxn ang="0">
+                <a:pos x="connsiteX5" y="connsiteY5"/>
+              </a:cxn>
+            </a:cxnLst>
+            <a:rect l="l" t="t" r="r" b="b"/>
+            <a:pathLst>
+              <a:path w="576496" h="874400">
+                <a:moveTo>
+                  <a:pt x="0" y="213360"/>
+                </a:moveTo>
+                <a:lnTo>
+                  <a:pt x="121920" y="0"/>
+                </a:lnTo>
+                <a:lnTo>
+                  <a:pt x="576496" y="10304"/>
+                </a:lnTo>
+                <a:lnTo>
+                  <a:pt x="576496" y="874400"/>
+                </a:lnTo>
+                <a:lnTo>
+                  <a:pt x="432" y="874400"/>
+                </a:lnTo>
+                <a:lnTo>
+                  <a:pt x="0" y="213360"/>
+                </a:lnTo>
+                <a:close/>
+              </a:path>
+            </a:pathLst>
+          </a:custGeom>
+          <a:solidFill>
+            <a:schemeClr val="bg2">
+              <a:lumMod val="90000"/>
+            </a:schemeClr>
+          </a:solidFill>
+          <a:ln w="76200">
+            <a:solidFill>
+              <a:srgbClr val="00B0F0"/>
+            </a:solidFill>
+            <a:prstDash val="dash"/>
+          </a:ln>
+          <a:effectLst>
+            <a:outerShdw blurRad="50800" dist="38100" algn="l" rotWithShape="0">
+              <a:prstClr val="black">
+                <a:alpha val="40000"/>
+              </a:prstClr>
+            </a:outerShdw>
+          </a:effectLst>
+        </p:spPr>
+        <p:style>
+          <a:lnRef idx="2">
+            <a:schemeClr val="accent3">
+              <a:shade val="50000"/>
+            </a:schemeClr>
+          </a:lnRef>
+          <a:fillRef idx="1">
+            <a:schemeClr val="accent3"/>
+          </a:fillRef>
+          <a:effectRef idx="0">
+            <a:schemeClr val="accent3"/>
+          </a:effectRef>
+          <a:fontRef idx="minor">
+            <a:schemeClr val="lt1"/>
+          </a:fontRef>
+        </p:style>
+        <p:txBody>
+          <a:bodyPr rtlCol="0" anchor="ctr"/>
+          <a:lstStyle/>
+          <a:p>
+            <a:pPr algn="ctr"/>
+            <a:endParaRPr lang="pl-PL"/>
+          </a:p>
+        </p:txBody>
+      </p:sp>
+      <p:sp>
+        <p:nvSpPr>
+          <p:cNvPr id="52" name="pole tekstowe 51"/>
+          <p:cNvSpPr txBox="1"/>
+          <p:nvPr/>
+        </p:nvSpPr>
+        <p:spPr>
+          <a:xfrm>
+            <a:off x="1547664" y="2175510"/>
+            <a:ext cx="792088" cy="369332"/>
+          </a:xfrm>
+          <a:prstGeom prst="rect">
+            <a:avLst/>
+          </a:prstGeom>
+          <a:noFill/>
+        </p:spPr>
+        <p:txBody>
+          <a:bodyPr wrap="square" rtlCol="0">
+            <a:spAutoFit/>
+          </a:bodyPr>
+          <a:lstStyle/>
+          <a:p>
+            <a:pPr algn="ctr"/>
+            <a:r>
+              <a:rPr lang="pl-PL" dirty="0" err="1" smtClean="0"/>
+              <a:t>Scene</a:t>
+            </a:r>
+            <a:r>
+              <a:rPr lang="pl-PL" dirty="0" smtClean="0"/>
+              <a:t> </a:t>
+            </a:r>
+            <a:endParaRPr lang="pl-PL" dirty="0"/>
+          </a:p>
+        </p:txBody>
+      </p:sp>
+      <p:cxnSp>
+        <p:nvCxnSpPr>
+          <p:cNvPr id="28" name="Łącznik łamany 27"/>
+          <p:cNvCxnSpPr>
+            <a:endCxn id="31" idx="3"/>
+          </p:cNvCxnSpPr>
+          <p:nvPr/>
+        </p:nvCxnSpPr>
+        <p:spPr>
+          <a:xfrm rot="5400000">
+            <a:off x="7151092" y="2956524"/>
+            <a:ext cx="1430551" cy="972110"/>
+          </a:xfrm>
+          <a:prstGeom prst="bentConnector2">
+            <a:avLst/>
+          </a:prstGeom>
+          <a:ln w="19050">
+            <a:tailEnd type="arrow"/>
+          </a:ln>
+        </p:spPr>
+        <p:style>
+          <a:lnRef idx="1">
+            <a:schemeClr val="accent6"/>
+          </a:lnRef>
+          <a:fillRef idx="0">
+            <a:schemeClr val="accent6"/>
+          </a:fillRef>
+          <a:effectRef idx="0">
+            <a:schemeClr val="accent6"/>
+          </a:effectRef>
+          <a:fontRef idx="minor">
+            <a:schemeClr val="tx1"/>
+          </a:fontRef>
+        </p:style>
+      </p:cxnSp>
+      <p:grpSp>
+        <p:nvGrpSpPr>
+          <p:cNvPr id="38" name="Grupa 37"/>
+          <p:cNvGrpSpPr/>
+          <p:nvPr/>
+        </p:nvGrpSpPr>
+        <p:grpSpPr>
+          <a:xfrm>
+            <a:off x="7920372" y="1705372"/>
+            <a:ext cx="864096" cy="1147564"/>
+            <a:chOff x="5436096" y="1844824"/>
+            <a:chExt cx="864096" cy="1147564"/>
+          </a:xfrm>
+          <a:effectLst>
+            <a:outerShdw blurRad="50800" dist="38100" algn="l" rotWithShape="0">
+              <a:prstClr val="black">
+                <a:alpha val="40000"/>
+              </a:prstClr>
+            </a:outerShdw>
+          </a:effectLst>
+        </p:grpSpPr>
+        <p:sp>
+          <p:nvSpPr>
+            <p:cNvPr id="39" name="Prostokąt 3"/>
+            <p:cNvSpPr/>
+            <p:nvPr/>
+          </p:nvSpPr>
+          <p:spPr>
+            <a:xfrm>
+              <a:off x="5508104" y="1844824"/>
+              <a:ext cx="792088" cy="1080120"/>
+            </a:xfrm>
+            <a:custGeom>
+              <a:avLst/>
+              <a:gdLst>
+                <a:gd name="connsiteX0" fmla="*/ 0 w 576064"/>
+                <a:gd name="connsiteY0" fmla="*/ 0 h 864096"/>
+                <a:gd name="connsiteX1" fmla="*/ 576064 w 576064"/>
+                <a:gd name="connsiteY1" fmla="*/ 0 h 864096"/>
+                <a:gd name="connsiteX2" fmla="*/ 576064 w 576064"/>
+                <a:gd name="connsiteY2" fmla="*/ 864096 h 864096"/>
+                <a:gd name="connsiteX3" fmla="*/ 0 w 576064"/>
+                <a:gd name="connsiteY3" fmla="*/ 864096 h 864096"/>
+                <a:gd name="connsiteX4" fmla="*/ 0 w 576064"/>
+                <a:gd name="connsiteY4" fmla="*/ 0 h 864096"/>
+                <a:gd name="connsiteX0" fmla="*/ 432 w 576496"/>
+                <a:gd name="connsiteY0" fmla="*/ 0 h 864096"/>
+                <a:gd name="connsiteX1" fmla="*/ 576496 w 576496"/>
+                <a:gd name="connsiteY1" fmla="*/ 0 h 864096"/>
+                <a:gd name="connsiteX2" fmla="*/ 576496 w 576496"/>
+                <a:gd name="connsiteY2" fmla="*/ 864096 h 864096"/>
+                <a:gd name="connsiteX3" fmla="*/ 432 w 576496"/>
+                <a:gd name="connsiteY3" fmla="*/ 864096 h 864096"/>
+                <a:gd name="connsiteX4" fmla="*/ 0 w 576496"/>
+                <a:gd name="connsiteY4" fmla="*/ 355456 h 864096"/>
+                <a:gd name="connsiteX5" fmla="*/ 432 w 576496"/>
+                <a:gd name="connsiteY5" fmla="*/ 0 h 864096"/>
+                <a:gd name="connsiteX0" fmla="*/ 432 w 576496"/>
+                <a:gd name="connsiteY0" fmla="*/ 10304 h 874400"/>
+                <a:gd name="connsiteX1" fmla="*/ 243840 w 576496"/>
+                <a:gd name="connsiteY1" fmla="*/ 0 h 874400"/>
+                <a:gd name="connsiteX2" fmla="*/ 576496 w 576496"/>
+                <a:gd name="connsiteY2" fmla="*/ 10304 h 874400"/>
+                <a:gd name="connsiteX3" fmla="*/ 576496 w 576496"/>
+                <a:gd name="connsiteY3" fmla="*/ 874400 h 874400"/>
+                <a:gd name="connsiteX4" fmla="*/ 432 w 576496"/>
+                <a:gd name="connsiteY4" fmla="*/ 874400 h 874400"/>
+                <a:gd name="connsiteX5" fmla="*/ 0 w 576496"/>
+                <a:gd name="connsiteY5" fmla="*/ 365760 h 874400"/>
+                <a:gd name="connsiteX6" fmla="*/ 432 w 576496"/>
+                <a:gd name="connsiteY6" fmla="*/ 10304 h 874400"/>
+                <a:gd name="connsiteX0" fmla="*/ 0 w 576496"/>
+                <a:gd name="connsiteY0" fmla="*/ 365760 h 874400"/>
+                <a:gd name="connsiteX1" fmla="*/ 243840 w 576496"/>
+                <a:gd name="connsiteY1" fmla="*/ 0 h 874400"/>
+                <a:gd name="connsiteX2" fmla="*/ 576496 w 576496"/>
+                <a:gd name="connsiteY2" fmla="*/ 10304 h 874400"/>
+                <a:gd name="connsiteX3" fmla="*/ 576496 w 576496"/>
+                <a:gd name="connsiteY3" fmla="*/ 874400 h 874400"/>
+                <a:gd name="connsiteX4" fmla="*/ 432 w 576496"/>
+                <a:gd name="connsiteY4" fmla="*/ 874400 h 874400"/>
+                <a:gd name="connsiteX5" fmla="*/ 0 w 576496"/>
+                <a:gd name="connsiteY5" fmla="*/ 365760 h 874400"/>
+                <a:gd name="connsiteX0" fmla="*/ 0 w 576496"/>
+                <a:gd name="connsiteY0" fmla="*/ 213360 h 874400"/>
+                <a:gd name="connsiteX1" fmla="*/ 243840 w 576496"/>
+                <a:gd name="connsiteY1" fmla="*/ 0 h 874400"/>
+                <a:gd name="connsiteX2" fmla="*/ 576496 w 576496"/>
+                <a:gd name="connsiteY2" fmla="*/ 10304 h 874400"/>
+                <a:gd name="connsiteX3" fmla="*/ 576496 w 576496"/>
+                <a:gd name="connsiteY3" fmla="*/ 874400 h 874400"/>
+                <a:gd name="connsiteX4" fmla="*/ 432 w 576496"/>
+                <a:gd name="connsiteY4" fmla="*/ 874400 h 874400"/>
+                <a:gd name="connsiteX5" fmla="*/ 0 w 576496"/>
+                <a:gd name="connsiteY5" fmla="*/ 213360 h 874400"/>
+                <a:gd name="connsiteX0" fmla="*/ 0 w 576496"/>
+                <a:gd name="connsiteY0" fmla="*/ 213360 h 874400"/>
+                <a:gd name="connsiteX1" fmla="*/ 121920 w 576496"/>
+                <a:gd name="connsiteY1" fmla="*/ 0 h 874400"/>
+                <a:gd name="connsiteX2" fmla="*/ 576496 w 576496"/>
+                <a:gd name="connsiteY2" fmla="*/ 10304 h 874400"/>
+                <a:gd name="connsiteX3" fmla="*/ 576496 w 576496"/>
+                <a:gd name="connsiteY3" fmla="*/ 874400 h 874400"/>
+                <a:gd name="connsiteX4" fmla="*/ 432 w 576496"/>
+                <a:gd name="connsiteY4" fmla="*/ 874400 h 874400"/>
+                <a:gd name="connsiteX5" fmla="*/ 0 w 576496"/>
+                <a:gd name="connsiteY5" fmla="*/ 213360 h 874400"/>
+              </a:gdLst>
+              <a:ahLst/>
+              <a:cxnLst>
+                <a:cxn ang="0">
+                  <a:pos x="connsiteX0" y="connsiteY0"/>
+                </a:cxn>
+                <a:cxn ang="0">
+                  <a:pos x="connsiteX1" y="connsiteY1"/>
+                </a:cxn>
+                <a:cxn ang="0">
+                  <a:pos x="connsiteX2" y="connsiteY2"/>
+                </a:cxn>
+                <a:cxn ang="0">
+                  <a:pos x="connsiteX3" y="connsiteY3"/>
+                </a:cxn>
+                <a:cxn ang="0">
+                  <a:pos x="connsiteX4" y="connsiteY4"/>
+                </a:cxn>
+                <a:cxn ang="0">
+                  <a:pos x="connsiteX5" y="connsiteY5"/>
+                </a:cxn>
+              </a:cxnLst>
+              <a:rect l="l" t="t" r="r" b="b"/>
+              <a:pathLst>
+                <a:path w="576496" h="874400">
+                  <a:moveTo>
+                    <a:pt x="0" y="213360"/>
+                  </a:moveTo>
+                  <a:lnTo>
+                    <a:pt x="121920" y="0"/>
+                  </a:lnTo>
+                  <a:lnTo>
+                    <a:pt x="576496" y="10304"/>
+                  </a:lnTo>
+                  <a:lnTo>
+                    <a:pt x="576496" y="874400"/>
+                  </a:lnTo>
+                  <a:lnTo>
+                    <a:pt x="432" y="874400"/>
+                  </a:lnTo>
+                  <a:lnTo>
+                    <a:pt x="0" y="213360"/>
+                  </a:lnTo>
+                  <a:close/>
+                </a:path>
+              </a:pathLst>
+            </a:custGeom>
+            <a:ln w="9525"/>
+            <a:effectLst/>
+          </p:spPr>
+          <p:style>
+            <a:lnRef idx="2">
+              <a:schemeClr val="accent1">
+                <a:shade val="50000"/>
+              </a:schemeClr>
+            </a:lnRef>
+            <a:fillRef idx="1">
+              <a:schemeClr val="accent1"/>
+            </a:fillRef>
+            <a:effectRef idx="0">
+              <a:schemeClr val="accent1"/>
+            </a:effectRef>
+            <a:fontRef idx="minor">
+              <a:schemeClr val="lt1"/>
+            </a:fontRef>
+          </p:style>
+          <p:txBody>
+            <a:bodyPr rtlCol="0" anchor="ctr"/>
+            <a:lstStyle/>
+            <a:p>
+              <a:pPr algn="ctr"/>
+              <a:endParaRPr lang="pl-PL"/>
+            </a:p>
+          </p:txBody>
+        </p:sp>
+        <p:sp>
+          <p:nvSpPr>
+            <p:cNvPr id="40" name="Prostokąt 3"/>
+            <p:cNvSpPr/>
+            <p:nvPr/>
+          </p:nvSpPr>
+          <p:spPr>
+            <a:xfrm>
+              <a:off x="5436096" y="1912268"/>
+              <a:ext cx="792088" cy="1080120"/>
+            </a:xfrm>
+            <a:custGeom>
+              <a:avLst/>
+              <a:gdLst>
+                <a:gd name="connsiteX0" fmla="*/ 0 w 576064"/>
+                <a:gd name="connsiteY0" fmla="*/ 0 h 864096"/>
+                <a:gd name="connsiteX1" fmla="*/ 576064 w 576064"/>
+                <a:gd name="connsiteY1" fmla="*/ 0 h 864096"/>
+                <a:gd name="connsiteX2" fmla="*/ 576064 w 576064"/>
+                <a:gd name="connsiteY2" fmla="*/ 864096 h 864096"/>
+                <a:gd name="connsiteX3" fmla="*/ 0 w 576064"/>
+                <a:gd name="connsiteY3" fmla="*/ 864096 h 864096"/>
+                <a:gd name="connsiteX4" fmla="*/ 0 w 576064"/>
+                <a:gd name="connsiteY4" fmla="*/ 0 h 864096"/>
+                <a:gd name="connsiteX0" fmla="*/ 432 w 576496"/>
+                <a:gd name="connsiteY0" fmla="*/ 0 h 864096"/>
+                <a:gd name="connsiteX1" fmla="*/ 576496 w 576496"/>
+                <a:gd name="connsiteY1" fmla="*/ 0 h 864096"/>
+                <a:gd name="connsiteX2" fmla="*/ 576496 w 576496"/>
+                <a:gd name="connsiteY2" fmla="*/ 864096 h 864096"/>
+                <a:gd name="connsiteX3" fmla="*/ 432 w 576496"/>
+                <a:gd name="connsiteY3" fmla="*/ 864096 h 864096"/>
+                <a:gd name="connsiteX4" fmla="*/ 0 w 576496"/>
+                <a:gd name="connsiteY4" fmla="*/ 355456 h 864096"/>
+                <a:gd name="connsiteX5" fmla="*/ 432 w 576496"/>
+                <a:gd name="connsiteY5" fmla="*/ 0 h 864096"/>
+                <a:gd name="connsiteX0" fmla="*/ 432 w 576496"/>
+                <a:gd name="connsiteY0" fmla="*/ 10304 h 874400"/>
+                <a:gd name="connsiteX1" fmla="*/ 243840 w 576496"/>
+                <a:gd name="connsiteY1" fmla="*/ 0 h 874400"/>
+                <a:gd name="connsiteX2" fmla="*/ 576496 w 576496"/>
+                <a:gd name="connsiteY2" fmla="*/ 10304 h 874400"/>
+                <a:gd name="connsiteX3" fmla="*/ 576496 w 576496"/>
+                <a:gd name="connsiteY3" fmla="*/ 874400 h 874400"/>
+                <a:gd name="connsiteX4" fmla="*/ 432 w 576496"/>
+                <a:gd name="connsiteY4" fmla="*/ 874400 h 874400"/>
+                <a:gd name="connsiteX5" fmla="*/ 0 w 576496"/>
+                <a:gd name="connsiteY5" fmla="*/ 365760 h 874400"/>
+                <a:gd name="connsiteX6" fmla="*/ 432 w 576496"/>
+                <a:gd name="connsiteY6" fmla="*/ 10304 h 874400"/>
+                <a:gd name="connsiteX0" fmla="*/ 0 w 576496"/>
+                <a:gd name="connsiteY0" fmla="*/ 365760 h 874400"/>
+                <a:gd name="connsiteX1" fmla="*/ 243840 w 576496"/>
+                <a:gd name="connsiteY1" fmla="*/ 0 h 874400"/>
+                <a:gd name="connsiteX2" fmla="*/ 576496 w 576496"/>
+                <a:gd name="connsiteY2" fmla="*/ 10304 h 874400"/>
+                <a:gd name="connsiteX3" fmla="*/ 576496 w 576496"/>
+                <a:gd name="connsiteY3" fmla="*/ 874400 h 874400"/>
+                <a:gd name="connsiteX4" fmla="*/ 432 w 576496"/>
+                <a:gd name="connsiteY4" fmla="*/ 874400 h 874400"/>
+                <a:gd name="connsiteX5" fmla="*/ 0 w 576496"/>
+                <a:gd name="connsiteY5" fmla="*/ 365760 h 874400"/>
+                <a:gd name="connsiteX0" fmla="*/ 0 w 576496"/>
+                <a:gd name="connsiteY0" fmla="*/ 213360 h 874400"/>
+                <a:gd name="connsiteX1" fmla="*/ 243840 w 576496"/>
+                <a:gd name="connsiteY1" fmla="*/ 0 h 874400"/>
+                <a:gd name="connsiteX2" fmla="*/ 576496 w 576496"/>
+                <a:gd name="connsiteY2" fmla="*/ 10304 h 874400"/>
+                <a:gd name="connsiteX3" fmla="*/ 576496 w 576496"/>
+                <a:gd name="connsiteY3" fmla="*/ 874400 h 874400"/>
+                <a:gd name="connsiteX4" fmla="*/ 432 w 576496"/>
+                <a:gd name="connsiteY4" fmla="*/ 874400 h 874400"/>
+                <a:gd name="connsiteX5" fmla="*/ 0 w 576496"/>
+                <a:gd name="connsiteY5" fmla="*/ 213360 h 874400"/>
+                <a:gd name="connsiteX0" fmla="*/ 0 w 576496"/>
+                <a:gd name="connsiteY0" fmla="*/ 213360 h 874400"/>
+                <a:gd name="connsiteX1" fmla="*/ 121920 w 576496"/>
+                <a:gd name="connsiteY1" fmla="*/ 0 h 874400"/>
+                <a:gd name="connsiteX2" fmla="*/ 576496 w 576496"/>
+                <a:gd name="connsiteY2" fmla="*/ 10304 h 874400"/>
+                <a:gd name="connsiteX3" fmla="*/ 576496 w 576496"/>
+                <a:gd name="connsiteY3" fmla="*/ 874400 h 874400"/>
+                <a:gd name="connsiteX4" fmla="*/ 432 w 576496"/>
+                <a:gd name="connsiteY4" fmla="*/ 874400 h 874400"/>
+                <a:gd name="connsiteX5" fmla="*/ 0 w 576496"/>
+                <a:gd name="connsiteY5" fmla="*/ 213360 h 874400"/>
+              </a:gdLst>
+              <a:ahLst/>
+              <a:cxnLst>
+                <a:cxn ang="0">
+                  <a:pos x="connsiteX0" y="connsiteY0"/>
+                </a:cxn>
+                <a:cxn ang="0">
+                  <a:pos x="connsiteX1" y="connsiteY1"/>
+                </a:cxn>
+                <a:cxn ang="0">
+                  <a:pos x="connsiteX2" y="connsiteY2"/>
+                </a:cxn>
+                <a:cxn ang="0">
+                  <a:pos x="connsiteX3" y="connsiteY3"/>
+                </a:cxn>
+                <a:cxn ang="0">
+                  <a:pos x="connsiteX4" y="connsiteY4"/>
+                </a:cxn>
+                <a:cxn ang="0">
+                  <a:pos x="connsiteX5" y="connsiteY5"/>
+                </a:cxn>
+              </a:cxnLst>
+              <a:rect l="l" t="t" r="r" b="b"/>
+              <a:pathLst>
+                <a:path w="576496" h="874400">
+                  <a:moveTo>
+                    <a:pt x="0" y="213360"/>
+                  </a:moveTo>
+                  <a:lnTo>
+                    <a:pt x="121920" y="0"/>
+                  </a:lnTo>
+                  <a:lnTo>
+                    <a:pt x="576496" y="10304"/>
+                  </a:lnTo>
+                  <a:lnTo>
+                    <a:pt x="576496" y="874400"/>
+                  </a:lnTo>
+                  <a:lnTo>
+                    <a:pt x="432" y="874400"/>
+                  </a:lnTo>
+                  <a:lnTo>
+                    <a:pt x="0" y="213360"/>
+                  </a:lnTo>
+                  <a:close/>
+                </a:path>
+              </a:pathLst>
+            </a:custGeom>
+            <a:ln w="9525"/>
+            <a:effectLst/>
+          </p:spPr>
+          <p:style>
+            <a:lnRef idx="2">
+              <a:schemeClr val="accent3">
+                <a:shade val="50000"/>
+              </a:schemeClr>
+            </a:lnRef>
+            <a:fillRef idx="1">
+              <a:schemeClr val="accent3"/>
+            </a:fillRef>
+            <a:effectRef idx="0">
+              <a:schemeClr val="accent3"/>
+            </a:effectRef>
+            <a:fontRef idx="minor">
+              <a:schemeClr val="lt1"/>
+            </a:fontRef>
+          </p:style>
+          <p:txBody>
+            <a:bodyPr rtlCol="0" anchor="ctr"/>
+            <a:lstStyle/>
+            <a:p>
+              <a:pPr algn="ctr"/>
+              <a:endParaRPr lang="pl-PL"/>
+            </a:p>
+          </p:txBody>
+        </p:sp>
+        <p:sp>
+          <p:nvSpPr>
+            <p:cNvPr id="41" name="pole tekstowe 40"/>
+            <p:cNvSpPr txBox="1"/>
+            <p:nvPr/>
+          </p:nvSpPr>
+          <p:spPr>
+            <a:xfrm>
+              <a:off x="5436096" y="2200300"/>
+              <a:ext cx="792088" cy="646331"/>
+            </a:xfrm>
+            <a:prstGeom prst="rect">
+              <a:avLst/>
+            </a:prstGeom>
+            <a:noFill/>
+          </p:spPr>
+          <p:txBody>
+            <a:bodyPr wrap="square" rtlCol="0">
+              <a:spAutoFit/>
+            </a:bodyPr>
+            <a:lstStyle/>
+            <a:p>
+              <a:pPr algn="ctr"/>
+              <a:r>
+                <a:rPr lang="pl-PL" dirty="0" err="1" smtClean="0"/>
+                <a:t>ImageTest</a:t>
+              </a:r>
+              <a:r>
+                <a:rPr lang="pl-PL" dirty="0" smtClean="0"/>
+                <a:t> </a:t>
+              </a:r>
+              <a:endParaRPr lang="pl-PL" dirty="0"/>
+            </a:p>
+          </p:txBody>
+        </p:sp>
+      </p:grpSp>
     </p:spTree>
     <p:extLst>
       <p:ext uri="{BB962C8B-B14F-4D97-AF65-F5344CB8AC3E}">
@@ -8612,228 +11624,6 @@
           </p:txBody>
         </p:sp>
       </p:grpSp>
-      <p:grpSp>
-        <p:nvGrpSpPr>
-          <p:cNvPr id="62" name="Grupa 61"/>
-          <p:cNvGrpSpPr/>
-          <p:nvPr/>
-        </p:nvGrpSpPr>
-        <p:grpSpPr>
-          <a:xfrm>
-            <a:off x="1547664" y="1772816"/>
-            <a:ext cx="792088" cy="1080120"/>
-            <a:chOff x="1547664" y="1772816"/>
-            <a:chExt cx="792088" cy="1080120"/>
-          </a:xfrm>
-        </p:grpSpPr>
-        <p:sp>
-          <p:nvSpPr>
-            <p:cNvPr id="6" name="Prostokąt 3"/>
-            <p:cNvSpPr/>
-            <p:nvPr/>
-          </p:nvSpPr>
-          <p:spPr>
-            <a:xfrm>
-              <a:off x="1547664" y="1772816"/>
-              <a:ext cx="792088" cy="1080120"/>
-            </a:xfrm>
-            <a:custGeom>
-              <a:avLst/>
-              <a:gdLst>
-                <a:gd name="connsiteX0" fmla="*/ 0 w 576064"/>
-                <a:gd name="connsiteY0" fmla="*/ 0 h 864096"/>
-                <a:gd name="connsiteX1" fmla="*/ 576064 w 576064"/>
-                <a:gd name="connsiteY1" fmla="*/ 0 h 864096"/>
-                <a:gd name="connsiteX2" fmla="*/ 576064 w 576064"/>
-                <a:gd name="connsiteY2" fmla="*/ 864096 h 864096"/>
-                <a:gd name="connsiteX3" fmla="*/ 0 w 576064"/>
-                <a:gd name="connsiteY3" fmla="*/ 864096 h 864096"/>
-                <a:gd name="connsiteX4" fmla="*/ 0 w 576064"/>
-                <a:gd name="connsiteY4" fmla="*/ 0 h 864096"/>
-                <a:gd name="connsiteX0" fmla="*/ 432 w 576496"/>
-                <a:gd name="connsiteY0" fmla="*/ 0 h 864096"/>
-                <a:gd name="connsiteX1" fmla="*/ 576496 w 576496"/>
-                <a:gd name="connsiteY1" fmla="*/ 0 h 864096"/>
-                <a:gd name="connsiteX2" fmla="*/ 576496 w 576496"/>
-                <a:gd name="connsiteY2" fmla="*/ 864096 h 864096"/>
-                <a:gd name="connsiteX3" fmla="*/ 432 w 576496"/>
-                <a:gd name="connsiteY3" fmla="*/ 864096 h 864096"/>
-                <a:gd name="connsiteX4" fmla="*/ 0 w 576496"/>
-                <a:gd name="connsiteY4" fmla="*/ 355456 h 864096"/>
-                <a:gd name="connsiteX5" fmla="*/ 432 w 576496"/>
-                <a:gd name="connsiteY5" fmla="*/ 0 h 864096"/>
-                <a:gd name="connsiteX0" fmla="*/ 432 w 576496"/>
-                <a:gd name="connsiteY0" fmla="*/ 10304 h 874400"/>
-                <a:gd name="connsiteX1" fmla="*/ 243840 w 576496"/>
-                <a:gd name="connsiteY1" fmla="*/ 0 h 874400"/>
-                <a:gd name="connsiteX2" fmla="*/ 576496 w 576496"/>
-                <a:gd name="connsiteY2" fmla="*/ 10304 h 874400"/>
-                <a:gd name="connsiteX3" fmla="*/ 576496 w 576496"/>
-                <a:gd name="connsiteY3" fmla="*/ 874400 h 874400"/>
-                <a:gd name="connsiteX4" fmla="*/ 432 w 576496"/>
-                <a:gd name="connsiteY4" fmla="*/ 874400 h 874400"/>
-                <a:gd name="connsiteX5" fmla="*/ 0 w 576496"/>
-                <a:gd name="connsiteY5" fmla="*/ 365760 h 874400"/>
-                <a:gd name="connsiteX6" fmla="*/ 432 w 576496"/>
-                <a:gd name="connsiteY6" fmla="*/ 10304 h 874400"/>
-                <a:gd name="connsiteX0" fmla="*/ 0 w 576496"/>
-                <a:gd name="connsiteY0" fmla="*/ 365760 h 874400"/>
-                <a:gd name="connsiteX1" fmla="*/ 243840 w 576496"/>
-                <a:gd name="connsiteY1" fmla="*/ 0 h 874400"/>
-                <a:gd name="connsiteX2" fmla="*/ 576496 w 576496"/>
-                <a:gd name="connsiteY2" fmla="*/ 10304 h 874400"/>
-                <a:gd name="connsiteX3" fmla="*/ 576496 w 576496"/>
-                <a:gd name="connsiteY3" fmla="*/ 874400 h 874400"/>
-                <a:gd name="connsiteX4" fmla="*/ 432 w 576496"/>
-                <a:gd name="connsiteY4" fmla="*/ 874400 h 874400"/>
-                <a:gd name="connsiteX5" fmla="*/ 0 w 576496"/>
-                <a:gd name="connsiteY5" fmla="*/ 365760 h 874400"/>
-                <a:gd name="connsiteX0" fmla="*/ 0 w 576496"/>
-                <a:gd name="connsiteY0" fmla="*/ 213360 h 874400"/>
-                <a:gd name="connsiteX1" fmla="*/ 243840 w 576496"/>
-                <a:gd name="connsiteY1" fmla="*/ 0 h 874400"/>
-                <a:gd name="connsiteX2" fmla="*/ 576496 w 576496"/>
-                <a:gd name="connsiteY2" fmla="*/ 10304 h 874400"/>
-                <a:gd name="connsiteX3" fmla="*/ 576496 w 576496"/>
-                <a:gd name="connsiteY3" fmla="*/ 874400 h 874400"/>
-                <a:gd name="connsiteX4" fmla="*/ 432 w 576496"/>
-                <a:gd name="connsiteY4" fmla="*/ 874400 h 874400"/>
-                <a:gd name="connsiteX5" fmla="*/ 0 w 576496"/>
-                <a:gd name="connsiteY5" fmla="*/ 213360 h 874400"/>
-                <a:gd name="connsiteX0" fmla="*/ 0 w 576496"/>
-                <a:gd name="connsiteY0" fmla="*/ 213360 h 874400"/>
-                <a:gd name="connsiteX1" fmla="*/ 121920 w 576496"/>
-                <a:gd name="connsiteY1" fmla="*/ 0 h 874400"/>
-                <a:gd name="connsiteX2" fmla="*/ 576496 w 576496"/>
-                <a:gd name="connsiteY2" fmla="*/ 10304 h 874400"/>
-                <a:gd name="connsiteX3" fmla="*/ 576496 w 576496"/>
-                <a:gd name="connsiteY3" fmla="*/ 874400 h 874400"/>
-                <a:gd name="connsiteX4" fmla="*/ 432 w 576496"/>
-                <a:gd name="connsiteY4" fmla="*/ 874400 h 874400"/>
-                <a:gd name="connsiteX5" fmla="*/ 0 w 576496"/>
-                <a:gd name="connsiteY5" fmla="*/ 213360 h 874400"/>
-              </a:gdLst>
-              <a:ahLst/>
-              <a:cxnLst>
-                <a:cxn ang="0">
-                  <a:pos x="connsiteX0" y="connsiteY0"/>
-                </a:cxn>
-                <a:cxn ang="0">
-                  <a:pos x="connsiteX1" y="connsiteY1"/>
-                </a:cxn>
-                <a:cxn ang="0">
-                  <a:pos x="connsiteX2" y="connsiteY2"/>
-                </a:cxn>
-                <a:cxn ang="0">
-                  <a:pos x="connsiteX3" y="connsiteY3"/>
-                </a:cxn>
-                <a:cxn ang="0">
-                  <a:pos x="connsiteX4" y="connsiteY4"/>
-                </a:cxn>
-                <a:cxn ang="0">
-                  <a:pos x="connsiteX5" y="connsiteY5"/>
-                </a:cxn>
-              </a:cxnLst>
-              <a:rect l="l" t="t" r="r" b="b"/>
-              <a:pathLst>
-                <a:path w="576496" h="874400">
-                  <a:moveTo>
-                    <a:pt x="0" y="213360"/>
-                  </a:moveTo>
-                  <a:lnTo>
-                    <a:pt x="121920" y="0"/>
-                  </a:lnTo>
-                  <a:lnTo>
-                    <a:pt x="576496" y="10304"/>
-                  </a:lnTo>
-                  <a:lnTo>
-                    <a:pt x="576496" y="874400"/>
-                  </a:lnTo>
-                  <a:lnTo>
-                    <a:pt x="432" y="874400"/>
-                  </a:lnTo>
-                  <a:lnTo>
-                    <a:pt x="0" y="213360"/>
-                  </a:lnTo>
-                  <a:close/>
-                </a:path>
-              </a:pathLst>
-            </a:custGeom>
-            <a:solidFill>
-              <a:schemeClr val="bg2">
-                <a:lumMod val="90000"/>
-              </a:schemeClr>
-            </a:solidFill>
-            <a:ln w="9525"/>
-            <a:effectLst>
-              <a:outerShdw blurRad="50800" dist="38100" algn="l" rotWithShape="0">
-                <a:prstClr val="black">
-                  <a:alpha val="40000"/>
-                </a:prstClr>
-              </a:outerShdw>
-            </a:effectLst>
-          </p:spPr>
-          <p:style>
-            <a:lnRef idx="2">
-              <a:schemeClr val="accent3">
-                <a:shade val="50000"/>
-              </a:schemeClr>
-            </a:lnRef>
-            <a:fillRef idx="1">
-              <a:schemeClr val="accent3"/>
-            </a:fillRef>
-            <a:effectRef idx="0">
-              <a:schemeClr val="accent3"/>
-            </a:effectRef>
-            <a:fontRef idx="minor">
-              <a:schemeClr val="lt1"/>
-            </a:fontRef>
-          </p:style>
-          <p:txBody>
-            <a:bodyPr rtlCol="0" anchor="ctr"/>
-            <a:lstStyle/>
-            <a:p>
-              <a:pPr algn="ctr"/>
-              <a:endParaRPr lang="pl-PL"/>
-            </a:p>
-          </p:txBody>
-        </p:sp>
-        <p:sp>
-          <p:nvSpPr>
-            <p:cNvPr id="7" name="pole tekstowe 6"/>
-            <p:cNvSpPr txBox="1"/>
-            <p:nvPr/>
-          </p:nvSpPr>
-          <p:spPr>
-            <a:xfrm>
-              <a:off x="1547664" y="2175510"/>
-              <a:ext cx="792088" cy="369332"/>
-            </a:xfrm>
-            <a:prstGeom prst="rect">
-              <a:avLst/>
-            </a:prstGeom>
-            <a:noFill/>
-          </p:spPr>
-          <p:txBody>
-            <a:bodyPr wrap="square" rtlCol="0">
-              <a:spAutoFit/>
-            </a:bodyPr>
-            <a:lstStyle/>
-            <a:p>
-              <a:pPr algn="ctr"/>
-              <a:r>
-                <a:rPr lang="pl-PL" dirty="0" err="1" smtClean="0"/>
-                <a:t>Scene</a:t>
-              </a:r>
-              <a:r>
-                <a:rPr lang="pl-PL" dirty="0" smtClean="0"/>
-                <a:t> </a:t>
-              </a:r>
-              <a:endParaRPr lang="pl-PL" dirty="0"/>
-            </a:p>
-          </p:txBody>
-        </p:sp>
-      </p:grpSp>
       <p:sp>
         <p:nvSpPr>
           <p:cNvPr id="8" name="Prostokąt 7"/>
@@ -8892,12 +11682,12 @@
         <p:spPr>
           <a:xfrm>
             <a:off x="2339752" y="2354084"/>
-            <a:ext cx="648072" cy="0"/>
+            <a:ext cx="568119" cy="0"/>
           </a:xfrm>
           <a:prstGeom prst="straightConnector1">
             <a:avLst/>
           </a:prstGeom>
-          <a:ln>
+          <a:ln w="19050">
             <a:tailEnd type="arrow"/>
           </a:ln>
         </p:spPr>
@@ -8923,16 +11713,16 @@
           <p:nvPr/>
         </p:nvCxnSpPr>
         <p:spPr>
-          <a:xfrm flipV="1">
-            <a:off x="863588" y="2636912"/>
-            <a:ext cx="2124236" cy="292596"/>
+          <a:xfrm>
+            <a:off x="1259632" y="2689461"/>
+            <a:ext cx="1648240" cy="12700"/>
           </a:xfrm>
           <a:prstGeom prst="bentConnector3">
             <a:avLst>
-              <a:gd name="adj1" fmla="val 75110"/>
+              <a:gd name="adj1" fmla="val 50000"/>
             </a:avLst>
           </a:prstGeom>
-          <a:ln>
+          <a:ln w="19050">
             <a:tailEnd type="arrow"/>
           </a:ln>
         </p:spPr>
@@ -9118,7 +11908,7 @@
           <a:prstGeom prst="straightConnector1">
             <a:avLst/>
           </a:prstGeom>
-          <a:ln>
+          <a:ln w="19050">
             <a:tailEnd type="arrow"/>
           </a:ln>
         </p:spPr>
@@ -9202,7 +11992,7 @@
           <a:prstGeom prst="bentConnector2">
             <a:avLst/>
           </a:prstGeom>
-          <a:ln>
+          <a:ln w="19050">
             <a:tailEnd type="arrow"/>
           </a:ln>
         </p:spPr>
@@ -9237,7 +12027,7 @@
               <a:gd name="adj1" fmla="val 1174"/>
             </a:avLst>
           </a:prstGeom>
-          <a:ln>
+          <a:ln w="19050">
             <a:tailEnd type="none"/>
           </a:ln>
         </p:spPr>
@@ -10105,7 +12895,7 @@
           <a:prstGeom prst="bentConnector2">
             <a:avLst/>
           </a:prstGeom>
-          <a:ln>
+          <a:ln w="19050">
             <a:tailEnd type="arrow"/>
           </a:ln>
         </p:spPr>
@@ -10357,7 +13147,7 @@
           <a:prstGeom prst="bentConnector2">
             <a:avLst/>
           </a:prstGeom>
-          <a:ln>
+          <a:ln w="19050">
             <a:tailEnd type="arrow"/>
           </a:ln>
         </p:spPr>
@@ -10613,7 +13403,7 @@
           <a:prstGeom prst="straightConnector1">
             <a:avLst/>
           </a:prstGeom>
-          <a:ln>
+          <a:ln w="19050">
             <a:tailEnd type="arrow"/>
           </a:ln>
         </p:spPr>
@@ -11272,7 +14062,7 @@
           <a:prstGeom prst="straightConnector1">
             <a:avLst/>
           </a:prstGeom>
-          <a:ln>
+          <a:ln w="19050">
             <a:tailEnd type="arrow"/>
           </a:ln>
         </p:spPr>
@@ -11307,7 +14097,7 @@
               <a:gd name="adj1" fmla="val -728"/>
             </a:avLst>
           </a:prstGeom>
-          <a:ln>
+          <a:ln w="19050">
             <a:tailEnd type="arrow"/>
           </a:ln>
         </p:spPr>
@@ -11342,7 +14132,7 @@
           <a:prstGeom prst="straightConnector1">
             <a:avLst/>
           </a:prstGeom>
-          <a:ln>
+          <a:ln w="19050">
             <a:tailEnd type="arrow"/>
           </a:ln>
         </p:spPr>
@@ -11377,7 +14167,7 @@
           <a:prstGeom prst="straightConnector1">
             <a:avLst/>
           </a:prstGeom>
-          <a:ln>
+          <a:ln w="19050">
             <a:tailEnd type="arrow"/>
           </a:ln>
         </p:spPr>
@@ -11426,6 +14216,228 @@
           </a:p>
         </p:txBody>
       </p:sp>
+      <p:grpSp>
+        <p:nvGrpSpPr>
+          <p:cNvPr id="62" name="Grupa 61"/>
+          <p:cNvGrpSpPr/>
+          <p:nvPr/>
+        </p:nvGrpSpPr>
+        <p:grpSpPr>
+          <a:xfrm>
+            <a:off x="1547664" y="1772816"/>
+            <a:ext cx="792088" cy="1080120"/>
+            <a:chOff x="1547664" y="1772816"/>
+            <a:chExt cx="792088" cy="1080120"/>
+          </a:xfrm>
+        </p:grpSpPr>
+        <p:sp>
+          <p:nvSpPr>
+            <p:cNvPr id="6" name="Prostokąt 3"/>
+            <p:cNvSpPr/>
+            <p:nvPr/>
+          </p:nvSpPr>
+          <p:spPr>
+            <a:xfrm>
+              <a:off x="1547664" y="1772816"/>
+              <a:ext cx="792088" cy="1080120"/>
+            </a:xfrm>
+            <a:custGeom>
+              <a:avLst/>
+              <a:gdLst>
+                <a:gd name="connsiteX0" fmla="*/ 0 w 576064"/>
+                <a:gd name="connsiteY0" fmla="*/ 0 h 864096"/>
+                <a:gd name="connsiteX1" fmla="*/ 576064 w 576064"/>
+                <a:gd name="connsiteY1" fmla="*/ 0 h 864096"/>
+                <a:gd name="connsiteX2" fmla="*/ 576064 w 576064"/>
+                <a:gd name="connsiteY2" fmla="*/ 864096 h 864096"/>
+                <a:gd name="connsiteX3" fmla="*/ 0 w 576064"/>
+                <a:gd name="connsiteY3" fmla="*/ 864096 h 864096"/>
+                <a:gd name="connsiteX4" fmla="*/ 0 w 576064"/>
+                <a:gd name="connsiteY4" fmla="*/ 0 h 864096"/>
+                <a:gd name="connsiteX0" fmla="*/ 432 w 576496"/>
+                <a:gd name="connsiteY0" fmla="*/ 0 h 864096"/>
+                <a:gd name="connsiteX1" fmla="*/ 576496 w 576496"/>
+                <a:gd name="connsiteY1" fmla="*/ 0 h 864096"/>
+                <a:gd name="connsiteX2" fmla="*/ 576496 w 576496"/>
+                <a:gd name="connsiteY2" fmla="*/ 864096 h 864096"/>
+                <a:gd name="connsiteX3" fmla="*/ 432 w 576496"/>
+                <a:gd name="connsiteY3" fmla="*/ 864096 h 864096"/>
+                <a:gd name="connsiteX4" fmla="*/ 0 w 576496"/>
+                <a:gd name="connsiteY4" fmla="*/ 355456 h 864096"/>
+                <a:gd name="connsiteX5" fmla="*/ 432 w 576496"/>
+                <a:gd name="connsiteY5" fmla="*/ 0 h 864096"/>
+                <a:gd name="connsiteX0" fmla="*/ 432 w 576496"/>
+                <a:gd name="connsiteY0" fmla="*/ 10304 h 874400"/>
+                <a:gd name="connsiteX1" fmla="*/ 243840 w 576496"/>
+                <a:gd name="connsiteY1" fmla="*/ 0 h 874400"/>
+                <a:gd name="connsiteX2" fmla="*/ 576496 w 576496"/>
+                <a:gd name="connsiteY2" fmla="*/ 10304 h 874400"/>
+                <a:gd name="connsiteX3" fmla="*/ 576496 w 576496"/>
+                <a:gd name="connsiteY3" fmla="*/ 874400 h 874400"/>
+                <a:gd name="connsiteX4" fmla="*/ 432 w 576496"/>
+                <a:gd name="connsiteY4" fmla="*/ 874400 h 874400"/>
+                <a:gd name="connsiteX5" fmla="*/ 0 w 576496"/>
+                <a:gd name="connsiteY5" fmla="*/ 365760 h 874400"/>
+                <a:gd name="connsiteX6" fmla="*/ 432 w 576496"/>
+                <a:gd name="connsiteY6" fmla="*/ 10304 h 874400"/>
+                <a:gd name="connsiteX0" fmla="*/ 0 w 576496"/>
+                <a:gd name="connsiteY0" fmla="*/ 365760 h 874400"/>
+                <a:gd name="connsiteX1" fmla="*/ 243840 w 576496"/>
+                <a:gd name="connsiteY1" fmla="*/ 0 h 874400"/>
+                <a:gd name="connsiteX2" fmla="*/ 576496 w 576496"/>
+                <a:gd name="connsiteY2" fmla="*/ 10304 h 874400"/>
+                <a:gd name="connsiteX3" fmla="*/ 576496 w 576496"/>
+                <a:gd name="connsiteY3" fmla="*/ 874400 h 874400"/>
+                <a:gd name="connsiteX4" fmla="*/ 432 w 576496"/>
+                <a:gd name="connsiteY4" fmla="*/ 874400 h 874400"/>
+                <a:gd name="connsiteX5" fmla="*/ 0 w 576496"/>
+                <a:gd name="connsiteY5" fmla="*/ 365760 h 874400"/>
+                <a:gd name="connsiteX0" fmla="*/ 0 w 576496"/>
+                <a:gd name="connsiteY0" fmla="*/ 213360 h 874400"/>
+                <a:gd name="connsiteX1" fmla="*/ 243840 w 576496"/>
+                <a:gd name="connsiteY1" fmla="*/ 0 h 874400"/>
+                <a:gd name="connsiteX2" fmla="*/ 576496 w 576496"/>
+                <a:gd name="connsiteY2" fmla="*/ 10304 h 874400"/>
+                <a:gd name="connsiteX3" fmla="*/ 576496 w 576496"/>
+                <a:gd name="connsiteY3" fmla="*/ 874400 h 874400"/>
+                <a:gd name="connsiteX4" fmla="*/ 432 w 576496"/>
+                <a:gd name="connsiteY4" fmla="*/ 874400 h 874400"/>
+                <a:gd name="connsiteX5" fmla="*/ 0 w 576496"/>
+                <a:gd name="connsiteY5" fmla="*/ 213360 h 874400"/>
+                <a:gd name="connsiteX0" fmla="*/ 0 w 576496"/>
+                <a:gd name="connsiteY0" fmla="*/ 213360 h 874400"/>
+                <a:gd name="connsiteX1" fmla="*/ 121920 w 576496"/>
+                <a:gd name="connsiteY1" fmla="*/ 0 h 874400"/>
+                <a:gd name="connsiteX2" fmla="*/ 576496 w 576496"/>
+                <a:gd name="connsiteY2" fmla="*/ 10304 h 874400"/>
+                <a:gd name="connsiteX3" fmla="*/ 576496 w 576496"/>
+                <a:gd name="connsiteY3" fmla="*/ 874400 h 874400"/>
+                <a:gd name="connsiteX4" fmla="*/ 432 w 576496"/>
+                <a:gd name="connsiteY4" fmla="*/ 874400 h 874400"/>
+                <a:gd name="connsiteX5" fmla="*/ 0 w 576496"/>
+                <a:gd name="connsiteY5" fmla="*/ 213360 h 874400"/>
+              </a:gdLst>
+              <a:ahLst/>
+              <a:cxnLst>
+                <a:cxn ang="0">
+                  <a:pos x="connsiteX0" y="connsiteY0"/>
+                </a:cxn>
+                <a:cxn ang="0">
+                  <a:pos x="connsiteX1" y="connsiteY1"/>
+                </a:cxn>
+                <a:cxn ang="0">
+                  <a:pos x="connsiteX2" y="connsiteY2"/>
+                </a:cxn>
+                <a:cxn ang="0">
+                  <a:pos x="connsiteX3" y="connsiteY3"/>
+                </a:cxn>
+                <a:cxn ang="0">
+                  <a:pos x="connsiteX4" y="connsiteY4"/>
+                </a:cxn>
+                <a:cxn ang="0">
+                  <a:pos x="connsiteX5" y="connsiteY5"/>
+                </a:cxn>
+              </a:cxnLst>
+              <a:rect l="l" t="t" r="r" b="b"/>
+              <a:pathLst>
+                <a:path w="576496" h="874400">
+                  <a:moveTo>
+                    <a:pt x="0" y="213360"/>
+                  </a:moveTo>
+                  <a:lnTo>
+                    <a:pt x="121920" y="0"/>
+                  </a:lnTo>
+                  <a:lnTo>
+                    <a:pt x="576496" y="10304"/>
+                  </a:lnTo>
+                  <a:lnTo>
+                    <a:pt x="576496" y="874400"/>
+                  </a:lnTo>
+                  <a:lnTo>
+                    <a:pt x="432" y="874400"/>
+                  </a:lnTo>
+                  <a:lnTo>
+                    <a:pt x="0" y="213360"/>
+                  </a:lnTo>
+                  <a:close/>
+                </a:path>
+              </a:pathLst>
+            </a:custGeom>
+            <a:solidFill>
+              <a:schemeClr val="bg2">
+                <a:lumMod val="90000"/>
+              </a:schemeClr>
+            </a:solidFill>
+            <a:ln w="9525"/>
+            <a:effectLst>
+              <a:outerShdw blurRad="50800" dist="38100" algn="l" rotWithShape="0">
+                <a:prstClr val="black">
+                  <a:alpha val="40000"/>
+                </a:prstClr>
+              </a:outerShdw>
+            </a:effectLst>
+          </p:spPr>
+          <p:style>
+            <a:lnRef idx="2">
+              <a:schemeClr val="accent3">
+                <a:shade val="50000"/>
+              </a:schemeClr>
+            </a:lnRef>
+            <a:fillRef idx="1">
+              <a:schemeClr val="accent3"/>
+            </a:fillRef>
+            <a:effectRef idx="0">
+              <a:schemeClr val="accent3"/>
+            </a:effectRef>
+            <a:fontRef idx="minor">
+              <a:schemeClr val="lt1"/>
+            </a:fontRef>
+          </p:style>
+          <p:txBody>
+            <a:bodyPr rtlCol="0" anchor="ctr"/>
+            <a:lstStyle/>
+            <a:p>
+              <a:pPr algn="ctr"/>
+              <a:endParaRPr lang="pl-PL"/>
+            </a:p>
+          </p:txBody>
+        </p:sp>
+        <p:sp>
+          <p:nvSpPr>
+            <p:cNvPr id="7" name="pole tekstowe 6"/>
+            <p:cNvSpPr txBox="1"/>
+            <p:nvPr/>
+          </p:nvSpPr>
+          <p:spPr>
+            <a:xfrm>
+              <a:off x="1547664" y="2175510"/>
+              <a:ext cx="792088" cy="369332"/>
+            </a:xfrm>
+            <a:prstGeom prst="rect">
+              <a:avLst/>
+            </a:prstGeom>
+            <a:noFill/>
+          </p:spPr>
+          <p:txBody>
+            <a:bodyPr wrap="square" rtlCol="0">
+              <a:spAutoFit/>
+            </a:bodyPr>
+            <a:lstStyle/>
+            <a:p>
+              <a:pPr algn="ctr"/>
+              <a:r>
+                <a:rPr lang="pl-PL" dirty="0" err="1" smtClean="0"/>
+                <a:t>Scene</a:t>
+              </a:r>
+              <a:r>
+                <a:rPr lang="pl-PL" dirty="0" smtClean="0"/>
+                <a:t> </a:t>
+              </a:r>
+              <a:endParaRPr lang="pl-PL" dirty="0"/>
+            </a:p>
+          </p:txBody>
+        </p:sp>
+      </p:grpSp>
     </p:spTree>
     <p:extLst>
       <p:ext uri="{BB962C8B-B14F-4D97-AF65-F5344CB8AC3E}">
@@ -11436,6 +14448,13 @@
   <p:clrMapOvr>
     <a:masterClrMapping/>
   </p:clrMapOvr>
+  <p:timing>
+    <p:tnLst>
+      <p:par>
+        <p:cTn id="1" dur="indefinite" restart="never" nodeType="tmRoot"/>
+      </p:par>
+    </p:tnLst>
+  </p:timing>
 </p:sld>
 </file>
 
@@ -11500,7 +14519,9 @@
           </a:xfrm>
         </p:spPr>
         <p:txBody>
-          <a:bodyPr/>
+          <a:bodyPr>
+            <a:normAutofit fontScale="92500" lnSpcReduction="10000"/>
+          </a:bodyPr>
           <a:lstStyle/>
           <a:p>
             <a:pPr marL="0" indent="0">
@@ -11557,10 +14578,6 @@
           <a:p>
             <a:pPr lvl="1"/>
             <a:r>
-              <a:rPr lang="en-US" dirty="0" smtClean="0"/>
-              <a:t> </a:t>
-            </a:r>
-            <a:r>
               <a:rPr lang="pl-PL" dirty="0" smtClean="0"/>
               <a:t>M</a:t>
             </a:r>
@@ -11575,6 +14592,14 @@
             <a:r>
               <a:rPr lang="en-US" dirty="0" err="1" smtClean="0"/>
               <a:t>Unittest</a:t>
+            </a:r>
+            <a:endParaRPr lang="pl-PL" dirty="0" smtClean="0"/>
+          </a:p>
+          <a:p>
+            <a:pPr lvl="1"/>
+            <a:r>
+              <a:rPr lang="pl-PL" dirty="0" err="1" smtClean="0"/>
+              <a:t>PyLint</a:t>
             </a:r>
             <a:endParaRPr lang="pl-PL" dirty="0"/>
           </a:p>
@@ -11942,7 +14967,11 @@
             </a:r>
             <a:r>
               <a:rPr lang="pl-PL" dirty="0" smtClean="0"/>
-              <a:t> File – x3d</a:t>
+              <a:t> File – </a:t>
+            </a:r>
+            <a:r>
+              <a:rPr lang="pl-PL" dirty="0" smtClean="0"/>
+              <a:t>X3D</a:t>
             </a:r>
             <a:endParaRPr lang="pl-PL" dirty="0"/>
           </a:p>

--- a/documentation/presentation/general_overview.pptx
+++ b/documentation/presentation/general_overview.pptx
@@ -1047,6 +1047,13 @@
         </dgm:presLayoutVars>
       </dgm:prSet>
       <dgm:spPr/>
+      <dgm:t>
+        <a:bodyPr/>
+        <a:lstStyle/>
+        <a:p>
+          <a:endParaRPr lang="pl-PL"/>
+        </a:p>
+      </dgm:t>
     </dgm:pt>
     <dgm:pt modelId="{2650CDCD-BD59-4689-B3A0-2FCCA7BA5183}" type="pres">
       <dgm:prSet presAssocID="{6D0BDA8A-561A-4746-834E-1E307670056F}" presName="node" presStyleLbl="node1" presStyleIdx="0" presStyleCnt="3">
@@ -1066,10 +1073,24 @@
     <dgm:pt modelId="{E4F97650-C89E-4923-B5EF-545DCC98081C}" type="pres">
       <dgm:prSet presAssocID="{D6A1622A-123C-4819-A9A9-D26D36058771}" presName="sibTrans" presStyleLbl="sibTrans2D1" presStyleIdx="0" presStyleCnt="2"/>
       <dgm:spPr/>
+      <dgm:t>
+        <a:bodyPr/>
+        <a:lstStyle/>
+        <a:p>
+          <a:endParaRPr lang="pl-PL"/>
+        </a:p>
+      </dgm:t>
     </dgm:pt>
     <dgm:pt modelId="{96B76099-9FD5-4F71-BDF7-B3B560BDD894}" type="pres">
       <dgm:prSet presAssocID="{D6A1622A-123C-4819-A9A9-D26D36058771}" presName="connectorText" presStyleLbl="sibTrans2D1" presStyleIdx="0" presStyleCnt="2"/>
       <dgm:spPr/>
+      <dgm:t>
+        <a:bodyPr/>
+        <a:lstStyle/>
+        <a:p>
+          <a:endParaRPr lang="pl-PL"/>
+        </a:p>
+      </dgm:t>
     </dgm:pt>
     <dgm:pt modelId="{4F85E089-1A31-4F0F-A34D-A577B8C1EE33}" type="pres">
       <dgm:prSet presAssocID="{502AFD98-086D-4506-8435-BE95B6DBDC00}" presName="node" presStyleLbl="node1" presStyleIdx="1" presStyleCnt="3">
@@ -1089,10 +1110,24 @@
     <dgm:pt modelId="{D106EF5F-5160-4557-8B87-7A38B2711F7D}" type="pres">
       <dgm:prSet presAssocID="{82D7D5F1-50EA-49F6-856E-8E2F47E7F229}" presName="sibTrans" presStyleLbl="sibTrans2D1" presStyleIdx="1" presStyleCnt="2"/>
       <dgm:spPr/>
+      <dgm:t>
+        <a:bodyPr/>
+        <a:lstStyle/>
+        <a:p>
+          <a:endParaRPr lang="pl-PL"/>
+        </a:p>
+      </dgm:t>
     </dgm:pt>
     <dgm:pt modelId="{F955885F-A015-4BB5-A5D0-DA5B4ADBAFA7}" type="pres">
       <dgm:prSet presAssocID="{82D7D5F1-50EA-49F6-856E-8E2F47E7F229}" presName="connectorText" presStyleLbl="sibTrans2D1" presStyleIdx="1" presStyleCnt="2"/>
       <dgm:spPr/>
+      <dgm:t>
+        <a:bodyPr/>
+        <a:lstStyle/>
+        <a:p>
+          <a:endParaRPr lang="pl-PL"/>
+        </a:p>
+      </dgm:t>
     </dgm:pt>
     <dgm:pt modelId="{C6E1C9EA-6382-473E-865F-A63B4B2ECB93}" type="pres">
       <dgm:prSet presAssocID="{FD321F01-0F04-4CAA-84BD-34FCAF62FA6B}" presName="node" presStyleLbl="node1" presStyleIdx="2" presStyleCnt="3">
@@ -1111,17 +1146,17 @@
     </dgm:pt>
   </dgm:ptLst>
   <dgm:cxnLst>
+    <dgm:cxn modelId="{EC82A49E-F994-4D90-AE23-4D065D6738D7}" type="presOf" srcId="{D6A1622A-123C-4819-A9A9-D26D36058771}" destId="{E4F97650-C89E-4923-B5EF-545DCC98081C}" srcOrd="0" destOrd="0" presId="urn:microsoft.com/office/officeart/2005/8/layout/process1"/>
+    <dgm:cxn modelId="{78D59B7E-678D-4E7E-83C7-AA91BC4B1B6A}" srcId="{1F889F6B-99AE-48E8-B980-C302E82B165F}" destId="{6D0BDA8A-561A-4746-834E-1E307670056F}" srcOrd="0" destOrd="0" parTransId="{A2D97AC3-F07B-4CED-9E1B-19A6FE63C467}" sibTransId="{D6A1622A-123C-4819-A9A9-D26D36058771}"/>
+    <dgm:cxn modelId="{8B7860B9-DE2F-4113-AF6C-725F4283353C}" srcId="{1F889F6B-99AE-48E8-B980-C302E82B165F}" destId="{502AFD98-086D-4506-8435-BE95B6DBDC00}" srcOrd="1" destOrd="0" parTransId="{8C1045EB-01F3-4A16-9BB3-317A651E7636}" sibTransId="{82D7D5F1-50EA-49F6-856E-8E2F47E7F229}"/>
+    <dgm:cxn modelId="{CB41A144-BB8D-41F7-8371-113546E6DFD1}" srcId="{1F889F6B-99AE-48E8-B980-C302E82B165F}" destId="{FD321F01-0F04-4CAA-84BD-34FCAF62FA6B}" srcOrd="2" destOrd="0" parTransId="{4A6FBC04-4DBB-4C4D-A975-996677D9147C}" sibTransId="{944BFB0B-4F93-419F-82D9-2710920037CF}"/>
+    <dgm:cxn modelId="{E5FBC57C-4BBB-4FBB-B072-F534D94EA9C8}" type="presOf" srcId="{82D7D5F1-50EA-49F6-856E-8E2F47E7F229}" destId="{F955885F-A015-4BB5-A5D0-DA5B4ADBAFA7}" srcOrd="1" destOrd="0" presId="urn:microsoft.com/office/officeart/2005/8/layout/process1"/>
+    <dgm:cxn modelId="{833A2221-05AC-4701-A63D-BF8B32B0E681}" type="presOf" srcId="{FD321F01-0F04-4CAA-84BD-34FCAF62FA6B}" destId="{C6E1C9EA-6382-473E-865F-A63B4B2ECB93}" srcOrd="0" destOrd="0" presId="urn:microsoft.com/office/officeart/2005/8/layout/process1"/>
     <dgm:cxn modelId="{50817C4F-E9B0-47FE-8678-6E83ACE986B7}" type="presOf" srcId="{6D0BDA8A-561A-4746-834E-1E307670056F}" destId="{2650CDCD-BD59-4689-B3A0-2FCCA7BA5183}" srcOrd="0" destOrd="0" presId="urn:microsoft.com/office/officeart/2005/8/layout/process1"/>
+    <dgm:cxn modelId="{0D4A9A4A-4F3B-4DC6-8061-AC054193EFDA}" type="presOf" srcId="{1F889F6B-99AE-48E8-B980-C302E82B165F}" destId="{D2975970-A2C3-4E93-AED0-45141671E107}" srcOrd="0" destOrd="0" presId="urn:microsoft.com/office/officeart/2005/8/layout/process1"/>
+    <dgm:cxn modelId="{764D3507-7E01-4EAD-99E6-3E9EB77E6C01}" type="presOf" srcId="{82D7D5F1-50EA-49F6-856E-8E2F47E7F229}" destId="{D106EF5F-5160-4557-8B87-7A38B2711F7D}" srcOrd="0" destOrd="0" presId="urn:microsoft.com/office/officeart/2005/8/layout/process1"/>
     <dgm:cxn modelId="{D34BF8F6-C5D5-4299-AEF8-56D8A965D8FF}" type="presOf" srcId="{D6A1622A-123C-4819-A9A9-D26D36058771}" destId="{96B76099-9FD5-4F71-BDF7-B3B560BDD894}" srcOrd="1" destOrd="0" presId="urn:microsoft.com/office/officeart/2005/8/layout/process1"/>
-    <dgm:cxn modelId="{E5FBC57C-4BBB-4FBB-B072-F534D94EA9C8}" type="presOf" srcId="{82D7D5F1-50EA-49F6-856E-8E2F47E7F229}" destId="{F955885F-A015-4BB5-A5D0-DA5B4ADBAFA7}" srcOrd="1" destOrd="0" presId="urn:microsoft.com/office/officeart/2005/8/layout/process1"/>
-    <dgm:cxn modelId="{EC82A49E-F994-4D90-AE23-4D065D6738D7}" type="presOf" srcId="{D6A1622A-123C-4819-A9A9-D26D36058771}" destId="{E4F97650-C89E-4923-B5EF-545DCC98081C}" srcOrd="0" destOrd="0" presId="urn:microsoft.com/office/officeart/2005/8/layout/process1"/>
-    <dgm:cxn modelId="{833A2221-05AC-4701-A63D-BF8B32B0E681}" type="presOf" srcId="{FD321F01-0F04-4CAA-84BD-34FCAF62FA6B}" destId="{C6E1C9EA-6382-473E-865F-A63B4B2ECB93}" srcOrd="0" destOrd="0" presId="urn:microsoft.com/office/officeart/2005/8/layout/process1"/>
     <dgm:cxn modelId="{D4C6ABF7-2F57-4BAF-8166-E142FF1A0F34}" type="presOf" srcId="{502AFD98-086D-4506-8435-BE95B6DBDC00}" destId="{4F85E089-1A31-4F0F-A34D-A577B8C1EE33}" srcOrd="0" destOrd="0" presId="urn:microsoft.com/office/officeart/2005/8/layout/process1"/>
-    <dgm:cxn modelId="{0D4A9A4A-4F3B-4DC6-8061-AC054193EFDA}" type="presOf" srcId="{1F889F6B-99AE-48E8-B980-C302E82B165F}" destId="{D2975970-A2C3-4E93-AED0-45141671E107}" srcOrd="0" destOrd="0" presId="urn:microsoft.com/office/officeart/2005/8/layout/process1"/>
-    <dgm:cxn modelId="{CB41A144-BB8D-41F7-8371-113546E6DFD1}" srcId="{1F889F6B-99AE-48E8-B980-C302E82B165F}" destId="{FD321F01-0F04-4CAA-84BD-34FCAF62FA6B}" srcOrd="2" destOrd="0" parTransId="{4A6FBC04-4DBB-4C4D-A975-996677D9147C}" sibTransId="{944BFB0B-4F93-419F-82D9-2710920037CF}"/>
-    <dgm:cxn modelId="{8B7860B9-DE2F-4113-AF6C-725F4283353C}" srcId="{1F889F6B-99AE-48E8-B980-C302E82B165F}" destId="{502AFD98-086D-4506-8435-BE95B6DBDC00}" srcOrd="1" destOrd="0" parTransId="{8C1045EB-01F3-4A16-9BB3-317A651E7636}" sibTransId="{82D7D5F1-50EA-49F6-856E-8E2F47E7F229}"/>
-    <dgm:cxn modelId="{764D3507-7E01-4EAD-99E6-3E9EB77E6C01}" type="presOf" srcId="{82D7D5F1-50EA-49F6-856E-8E2F47E7F229}" destId="{D106EF5F-5160-4557-8B87-7A38B2711F7D}" srcOrd="0" destOrd="0" presId="urn:microsoft.com/office/officeart/2005/8/layout/process1"/>
-    <dgm:cxn modelId="{78D59B7E-678D-4E7E-83C7-AA91BC4B1B6A}" srcId="{1F889F6B-99AE-48E8-B980-C302E82B165F}" destId="{6D0BDA8A-561A-4746-834E-1E307670056F}" srcOrd="0" destOrd="0" parTransId="{A2D97AC3-F07B-4CED-9E1B-19A6FE63C467}" sibTransId="{D6A1622A-123C-4819-A9A9-D26D36058771}"/>
     <dgm:cxn modelId="{DF07863A-56A8-4611-BA53-23BF7E29FA8A}" type="presParOf" srcId="{D2975970-A2C3-4E93-AED0-45141671E107}" destId="{2650CDCD-BD59-4689-B3A0-2FCCA7BA5183}" srcOrd="0" destOrd="0" presId="urn:microsoft.com/office/officeart/2005/8/layout/process1"/>
     <dgm:cxn modelId="{CFD15A54-80E8-4E66-B76D-A57BA0E113DE}" type="presParOf" srcId="{D2975970-A2C3-4E93-AED0-45141671E107}" destId="{E4F97650-C89E-4923-B5EF-545DCC98081C}" srcOrd="1" destOrd="0" presId="urn:microsoft.com/office/officeart/2005/8/layout/process1"/>
     <dgm:cxn modelId="{0C37F1A4-DCBE-4984-AF68-6F8FB944A403}" type="presParOf" srcId="{E4F97650-C89E-4923-B5EF-545DCC98081C}" destId="{96B76099-9FD5-4F71-BDF7-B3B560BDD894}" srcOrd="0" destOrd="0" presId="urn:microsoft.com/office/officeart/2005/8/layout/process1"/>
@@ -7197,18 +7232,14 @@
           <a:lstStyle/>
           <a:p>
             <a:r>
-              <a:rPr lang="pl-PL" dirty="0" err="1" smtClean="0"/>
+              <a:rPr lang="en-US" dirty="0" err="1" smtClean="0"/>
               <a:t>Alfirt</a:t>
             </a:r>
             <a:r>
-              <a:rPr lang="pl-PL" dirty="0" smtClean="0"/>
-              <a:t> </a:t>
-            </a:r>
-            <a:r>
-              <a:rPr lang="pl-PL" dirty="0" err="1" smtClean="0"/>
-              <a:t>TAGs</a:t>
-            </a:r>
-            <a:endParaRPr lang="pl-PL" dirty="0"/>
+              <a:rPr lang="en-US" dirty="0" smtClean="0"/>
+              <a:t> TAGs</a:t>
+            </a:r>
+            <a:endParaRPr lang="en-US" dirty="0"/>
           </a:p>
         </p:txBody>
       </p:sp>
@@ -7222,55 +7253,87 @@
             <p:ph idx="1"/>
           </p:nvPr>
         </p:nvSpPr>
-        <p:spPr/>
+        <p:spPr>
+          <a:xfrm>
+            <a:off x="2438400" y="2286001"/>
+            <a:ext cx="6382072" cy="1863080"/>
+          </a:xfrm>
+        </p:spPr>
         <p:txBody>
           <a:bodyPr/>
           <a:lstStyle/>
           <a:p>
+            <a:r>
+              <a:rPr lang="en-US" dirty="0" smtClean="0"/>
+              <a:t>How to add information about position of object ?</a:t>
+            </a:r>
+          </a:p>
+          <a:p>
+            <a:r>
+              <a:rPr lang="en-US" dirty="0" smtClean="0"/>
+              <a:t>How to add information about the camera?</a:t>
+            </a:r>
+            <a:endParaRPr lang="pl-PL" dirty="0" smtClean="0"/>
+          </a:p>
+          <a:p>
             <a:pPr marL="0" indent="0">
               <a:buNone/>
             </a:pPr>
             <a:r>
-              <a:rPr lang="pl-PL" dirty="0" smtClean="0"/>
-              <a:t>TODO: </a:t>
-            </a:r>
-            <a:r>
-              <a:rPr lang="pl-PL" dirty="0" err="1" smtClean="0"/>
-              <a:t>add</a:t>
-            </a:r>
-            <a:r>
-              <a:rPr lang="pl-PL" dirty="0" smtClean="0"/>
-              <a:t> the idea </a:t>
-            </a:r>
-            <a:r>
-              <a:rPr lang="pl-PL" dirty="0" err="1" smtClean="0"/>
-              <a:t>behind</a:t>
-            </a:r>
-            <a:r>
-              <a:rPr lang="pl-PL" dirty="0" smtClean="0"/>
-              <a:t> the </a:t>
-            </a:r>
-            <a:r>
-              <a:rPr lang="pl-PL" dirty="0" err="1" smtClean="0"/>
-              <a:t>alfirt</a:t>
-            </a:r>
-            <a:r>
-              <a:rPr lang="pl-PL" dirty="0" smtClean="0"/>
-              <a:t> </a:t>
-            </a:r>
-            <a:r>
-              <a:rPr lang="pl-PL" dirty="0" err="1" smtClean="0"/>
-              <a:t>namespace</a:t>
-            </a:r>
-            <a:r>
-              <a:rPr lang="pl-PL" dirty="0" smtClean="0"/>
-              <a:t> and </a:t>
-            </a:r>
-            <a:r>
-              <a:rPr lang="pl-PL" dirty="0" err="1" smtClean="0"/>
-              <a:t>tags</a:t>
-            </a:r>
-            <a:endParaRPr lang="pl-PL" dirty="0"/>
+              <a:rPr lang="en-US" b="1" dirty="0" smtClean="0"/>
+              <a:t>Answer:</a:t>
+            </a:r>
+            <a:r>
+              <a:rPr lang="en-US" dirty="0" smtClean="0"/>
+              <a:t> XML Namespace Attributes</a:t>
+            </a:r>
+          </a:p>
+        </p:txBody>
+      </p:sp>
+      <p:sp>
+        <p:nvSpPr>
+          <p:cNvPr id="4" name="pole tekstowe 3"/>
+          <p:cNvSpPr txBox="1"/>
+          <p:nvPr/>
+        </p:nvSpPr>
+        <p:spPr>
+          <a:xfrm>
+            <a:off x="2483768" y="5215744"/>
+            <a:ext cx="6408712" cy="430887"/>
+          </a:xfrm>
+          <a:prstGeom prst="rect">
+            <a:avLst/>
+          </a:prstGeom>
+        </p:spPr>
+        <p:style>
+          <a:lnRef idx="1">
+            <a:schemeClr val="accent4"/>
+          </a:lnRef>
+          <a:fillRef idx="2">
+            <a:schemeClr val="accent4"/>
+          </a:fillRef>
+          <a:effectRef idx="1">
+            <a:schemeClr val="accent4"/>
+          </a:effectRef>
+          <a:fontRef idx="minor">
+            <a:schemeClr val="dk1"/>
+          </a:fontRef>
+        </p:style>
+        <p:txBody>
+          <a:bodyPr wrap="square" rtlCol="0">
+            <a:spAutoFit/>
+          </a:bodyPr>
+          <a:lstStyle/>
+          <a:p>
+            <a:r>
+              <a:rPr lang="en-US" sz="2200" dirty="0"/>
+              <a:t>What kind of </a:t>
+            </a:r>
+            <a:r>
+              <a:rPr lang="en-US" sz="2200" dirty="0" smtClean="0"/>
+              <a:t>granularity ?</a:t>
+            </a:r>
+            <a:endParaRPr lang="en-US" sz="2200" dirty="0"/>
           </a:p>
         </p:txBody>
       </p:sp>
@@ -14967,11 +15030,7 @@
             </a:r>
             <a:r>
               <a:rPr lang="pl-PL" dirty="0" smtClean="0"/>
-              <a:t> File – </a:t>
-            </a:r>
-            <a:r>
-              <a:rPr lang="pl-PL" dirty="0" smtClean="0"/>
-              <a:t>X3D</a:t>
+              <a:t> File – X3D</a:t>
             </a:r>
             <a:endParaRPr lang="pl-PL" dirty="0"/>
           </a:p>

--- a/documentation/presentation/general_overview.pptx
+++ b/documentation/presentation/general_overview.pptx
@@ -7863,8 +7863,9 @@
           </a:prstGeom>
           <a:ln w="76200">
             <a:solidFill>
-              <a:srgbClr val="00B0F0"/>
+              <a:srgbClr val="FF0000"/>
             </a:solidFill>
+            <a:prstDash val="dash"/>
           </a:ln>
           <a:effectLst>
             <a:outerShdw blurRad="50800" dist="38100" algn="l" rotWithShape="0">
@@ -8173,6 +8174,7 @@
             <a:solidFill>
               <a:srgbClr val="FF0000"/>
             </a:solidFill>
+            <a:prstDash val="dash"/>
           </a:ln>
           <a:effectLst>
             <a:outerShdw blurRad="50800" dist="38100" algn="l" rotWithShape="0">
